--- a/2024_LLM論文要約_8.pptx
+++ b/2024_LLM論文要約_8.pptx
@@ -13,16 +13,17 @@
     <p:sldId id="258" r:id="rId8"/>
     <p:sldId id="259" r:id="rId9"/>
     <p:sldId id="260" r:id="rId10"/>
+    <p:sldId id="261" r:id="rId11"/>
   </p:sldIdLst>
   <p:sldSz cy="5143500" cx="9144000"/>
   <p:notesSz cx="6858000" cy="9144000"/>
   <p:embeddedFontLst>
     <p:embeddedFont>
       <p:font typeface="Proxima Nova"/>
-      <p:regular r:id="rId11"/>
-      <p:bold r:id="rId12"/>
-      <p:italic r:id="rId13"/>
-      <p:boldItalic r:id="rId14"/>
+      <p:regular r:id="rId12"/>
+      <p:bold r:id="rId13"/>
+      <p:italic r:id="rId14"/>
+      <p:boldItalic r:id="rId15"/>
     </p:embeddedFont>
   </p:embeddedFontLst>
   <p:defaultTextStyle>
@@ -1114,7 +1115,7 @@
       </p:grpSpPr>
       <p:sp>
         <p:nvSpPr>
-          <p:cNvPr id="77" name="Google Shape;77;g2b3937a3876_0_15:notes"/>
+          <p:cNvPr id="77" name="Google Shape;77;g27a0e4e5e9b_0_0:notes"/>
           <p:cNvSpPr/>
           <p:nvPr>
             <p:ph idx="2" type="sldImg"/>
@@ -1149,7 +1150,106 @@
       </p:sp>
       <p:sp>
         <p:nvSpPr>
-          <p:cNvPr id="78" name="Google Shape;78;g2b3937a3876_0_15:notes"/>
+          <p:cNvPr id="78" name="Google Shape;78;g27a0e4e5e9b_0_0:notes"/>
+          <p:cNvSpPr txBox="1"/>
+          <p:nvPr>
+            <p:ph idx="1" type="body"/>
+          </p:nvPr>
+        </p:nvSpPr>
+        <p:spPr>
+          <a:xfrm>
+            <a:off x="685800" y="4343400"/>
+            <a:ext cx="5486400" cy="4114800"/>
+          </a:xfrm>
+          <a:prstGeom prst="rect">
+            <a:avLst/>
+          </a:prstGeom>
+        </p:spPr>
+        <p:txBody>
+          <a:bodyPr anchorCtr="0" anchor="t" bIns="91425" lIns="91425" spcFirstLastPara="1" rIns="91425" wrap="square" tIns="91425">
+            <a:noAutofit/>
+          </a:bodyPr>
+          <a:lstStyle/>
+          <a:p>
+            <a:pPr indent="0" lvl="0" marL="0" rtl="0" algn="l">
+              <a:spcBef>
+                <a:spcPts val="0"/>
+              </a:spcBef>
+              <a:spcAft>
+                <a:spcPts val="0"/>
+              </a:spcAft>
+              <a:buNone/>
+            </a:pPr>
+            <a:r>
+              <a:t/>
+            </a:r>
+            <a:endParaRPr/>
+          </a:p>
+        </p:txBody>
+      </p:sp>
+    </p:spTree>
+  </p:cSld>
+  <p:clrMapOvr>
+    <a:masterClrMapping/>
+  </p:clrMapOvr>
+</p:notes>
+</file>
+
+<file path=ppt/notesSlides/notesSlide6.xml><?xml version="1.0" encoding="utf-8"?>
+<p:notes xmlns:a="http://schemas.openxmlformats.org/drawingml/2006/main" xmlns:r="http://schemas.openxmlformats.org/officeDocument/2006/relationships" xmlns:mc="http://schemas.openxmlformats.org/markup-compatibility/2006" xmlns:mv="urn:schemas-microsoft-com:mac:vml" xmlns:p="http://schemas.openxmlformats.org/presentationml/2006/main" xmlns:c="http://schemas.openxmlformats.org/drawingml/2006/chart" xmlns:dgm="http://schemas.openxmlformats.org/drawingml/2006/diagram" xmlns:o="urn:schemas-microsoft-com:office:office" xmlns:v="urn:schemas-microsoft-com:vml" xmlns:pvml="urn:schemas-microsoft-com:office:powerpoint" xmlns:com="http://schemas.openxmlformats.org/drawingml/2006/compatibility" xmlns:p14="http://schemas.microsoft.com/office/powerpoint/2010/main" xmlns:p15="http://schemas.microsoft.com/office/powerpoint/2012/main" xmlns:ahyp="http://schemas.microsoft.com/office/drawing/2018/hyperlinkcolor" showMasterPhAnim="0" showMasterSp="0">
+  <p:cSld>
+    <p:spTree>
+      <p:nvGrpSpPr>
+        <p:cNvPr id="81" name="Shape 81"/>
+        <p:cNvGrpSpPr/>
+        <p:nvPr/>
+      </p:nvGrpSpPr>
+      <p:grpSpPr>
+        <a:xfrm>
+          <a:off x="0" y="0"/>
+          <a:ext cx="0" cy="0"/>
+          <a:chOff x="0" y="0"/>
+          <a:chExt cx="0" cy="0"/>
+        </a:xfrm>
+      </p:grpSpPr>
+      <p:sp>
+        <p:nvSpPr>
+          <p:cNvPr id="82" name="Google Shape;82;g2b3937a3876_0_15:notes"/>
+          <p:cNvSpPr/>
+          <p:nvPr>
+            <p:ph idx="2" type="sldImg"/>
+          </p:nvPr>
+        </p:nvSpPr>
+        <p:spPr>
+          <a:xfrm>
+            <a:off x="381300" y="685800"/>
+            <a:ext cx="6096000" cy="3429000"/>
+          </a:xfrm>
+          <a:custGeom>
+            <a:rect b="b" l="l" r="r" t="t"/>
+            <a:pathLst>
+              <a:path extrusionOk="0" h="120000" w="120000">
+                <a:moveTo>
+                  <a:pt x="0" y="0"/>
+                </a:moveTo>
+                <a:lnTo>
+                  <a:pt x="120000" y="0"/>
+                </a:lnTo>
+                <a:lnTo>
+                  <a:pt x="120000" y="120000"/>
+                </a:lnTo>
+                <a:lnTo>
+                  <a:pt x="0" y="120000"/>
+                </a:lnTo>
+                <a:close/>
+              </a:path>
+            </a:pathLst>
+          </a:custGeom>
+        </p:spPr>
+      </p:sp>
+      <p:sp>
+        <p:nvSpPr>
+          <p:cNvPr id="83" name="Google Shape;83;g2b3937a3876_0_15:notes"/>
           <p:cNvSpPr txBox="1"/>
           <p:nvPr>
             <p:ph idx="1" type="body"/>
@@ -13337,6 +13437,2678 @@
           <p:cNvPr id="80" name="Google Shape;80;p17"/>
           <p:cNvSpPr txBox="1"/>
           <p:nvPr>
+            <p:ph idx="1" type="body"/>
+          </p:nvPr>
+        </p:nvSpPr>
+        <p:spPr>
+          <a:xfrm>
+            <a:off x="0" y="0"/>
+            <a:ext cx="9144000" cy="5049600"/>
+          </a:xfrm>
+          <a:prstGeom prst="rect">
+            <a:avLst/>
+          </a:prstGeom>
+        </p:spPr>
+        <p:txBody>
+          <a:bodyPr anchorCtr="0" anchor="t" bIns="91425" lIns="91425" spcFirstLastPara="1" rIns="91425" wrap="square" tIns="91425">
+            <a:noAutofit/>
+          </a:bodyPr>
+          <a:lstStyle/>
+          <a:p>
+            <a:pPr indent="0" lvl="0" marL="0" rtl="0" algn="l">
+              <a:lnSpc>
+                <a:spcPct val="95000"/>
+              </a:lnSpc>
+              <a:spcBef>
+                <a:spcPts val="1200"/>
+              </a:spcBef>
+              <a:spcAft>
+                <a:spcPts val="0"/>
+              </a:spcAft>
+              <a:buNone/>
+            </a:pPr>
+            <a:r>
+              <a:rPr lang="ja" sz="791"/>
+              <a:t># Tulip Agent – Enabling LLM-Based Agents to Solve Tasks Using Large Tool Libraries チューリップエージェント – 大規模ツールライブラリを使用してタスクを解決するLLMベースエージェントの実現</a:t>
+            </a:r>
+            <a:endParaRPr sz="791"/>
+          </a:p>
+          <a:p>
+            <a:pPr indent="0" lvl="0" marL="0" rtl="0" algn="l">
+              <a:lnSpc>
+                <a:spcPct val="95000"/>
+              </a:lnSpc>
+              <a:spcBef>
+                <a:spcPts val="1200"/>
+              </a:spcBef>
+              <a:spcAft>
+                <a:spcPts val="0"/>
+              </a:spcAft>
+              <a:buNone/>
+            </a:pPr>
+            <a:r>
+              <a:t/>
+            </a:r>
+            <a:endParaRPr sz="791"/>
+          </a:p>
+          <a:p>
+            <a:pPr indent="0" lvl="0" marL="0" rtl="0" algn="l">
+              <a:lnSpc>
+                <a:spcPct val="95000"/>
+              </a:lnSpc>
+              <a:spcBef>
+                <a:spcPts val="1200"/>
+              </a:spcBef>
+              <a:spcAft>
+                <a:spcPts val="0"/>
+              </a:spcAft>
+              <a:buNone/>
+            </a:pPr>
+            <a:r>
+              <a:rPr lang="ja" sz="791"/>
+              <a:t>概要: LLMのエージェントtulip agentを紹介</a:t>
+            </a:r>
+            <a:endParaRPr sz="791"/>
+          </a:p>
+          <a:p>
+            <a:pPr indent="0" lvl="0" marL="0" rtl="0" algn="l">
+              <a:lnSpc>
+                <a:spcPct val="95000"/>
+              </a:lnSpc>
+              <a:spcBef>
+                <a:spcPts val="1200"/>
+              </a:spcBef>
+              <a:spcAft>
+                <a:spcPts val="0"/>
+              </a:spcAft>
+              <a:buNone/>
+            </a:pPr>
+            <a:r>
+              <a:rPr lang="ja" sz="791"/>
+              <a:t>ツールの説明をシステムプロンプトにエンコードせず、また全体のプロンプトを埋め込むことなく、再帰的にツールライブラリから適切なツールを検索することで実現します</a:t>
+            </a:r>
+            <a:endParaRPr sz="791"/>
+          </a:p>
+          <a:p>
+            <a:pPr indent="0" lvl="0" marL="0" rtl="0" algn="l">
+              <a:lnSpc>
+                <a:spcPct val="95000"/>
+              </a:lnSpc>
+              <a:spcBef>
+                <a:spcPts val="1200"/>
+              </a:spcBef>
+              <a:spcAft>
+                <a:spcPts val="0"/>
+              </a:spcAft>
+              <a:buNone/>
+            </a:pPr>
+            <a:r>
+              <a:t/>
+            </a:r>
+            <a:endParaRPr sz="791"/>
+          </a:p>
+          <a:p>
+            <a:pPr indent="0" lvl="0" marL="0" rtl="0" algn="l">
+              <a:lnSpc>
+                <a:spcPct val="95000"/>
+              </a:lnSpc>
+              <a:spcBef>
+                <a:spcPts val="1200"/>
+              </a:spcBef>
+              <a:spcAft>
+                <a:spcPts val="0"/>
+              </a:spcAft>
+              <a:buNone/>
+            </a:pPr>
+            <a:r>
+              <a:rPr lang="ja" sz="791"/>
+              <a:t>### 技術や手法の詳細説明</a:t>
+            </a:r>
+            <a:endParaRPr sz="791"/>
+          </a:p>
+          <a:p>
+            <a:pPr indent="0" lvl="0" marL="0" rtl="0" algn="l">
+              <a:lnSpc>
+                <a:spcPct val="95000"/>
+              </a:lnSpc>
+              <a:spcBef>
+                <a:spcPts val="1200"/>
+              </a:spcBef>
+              <a:spcAft>
+                <a:spcPts val="0"/>
+              </a:spcAft>
+              <a:buNone/>
+            </a:pPr>
+            <a:r>
+              <a:t/>
+            </a:r>
+            <a:endParaRPr sz="791"/>
+          </a:p>
+          <a:p>
+            <a:pPr indent="0" lvl="0" marL="0" rtl="0" algn="l">
+              <a:lnSpc>
+                <a:spcPct val="95000"/>
+              </a:lnSpc>
+              <a:spcBef>
+                <a:spcPts val="1200"/>
+              </a:spcBef>
+              <a:spcAft>
+                <a:spcPts val="0"/>
+              </a:spcAft>
+              <a:buNone/>
+            </a:pPr>
+            <a:r>
+              <a:rPr lang="ja" sz="791"/>
+              <a:t>### タスク分解</a:t>
+            </a:r>
+            <a:endParaRPr sz="791"/>
+          </a:p>
+          <a:p>
+            <a:pPr indent="0" lvl="0" marL="0" rtl="0" algn="l">
+              <a:lnSpc>
+                <a:spcPct val="95000"/>
+              </a:lnSpc>
+              <a:spcBef>
+                <a:spcPts val="1200"/>
+              </a:spcBef>
+              <a:spcAft>
+                <a:spcPts val="0"/>
+              </a:spcAft>
+              <a:buNone/>
+            </a:pPr>
+            <a:r>
+              <a:t/>
+            </a:r>
+            <a:endParaRPr sz="791"/>
+          </a:p>
+          <a:p>
+            <a:pPr indent="0" lvl="0" marL="0" rtl="0" algn="l">
+              <a:lnSpc>
+                <a:spcPct val="95000"/>
+              </a:lnSpc>
+              <a:spcBef>
+                <a:spcPts val="1200"/>
+              </a:spcBef>
+              <a:spcAft>
+                <a:spcPts val="0"/>
+              </a:spcAft>
+              <a:buNone/>
+            </a:pPr>
+            <a:r>
+              <a:rPr lang="ja" sz="791"/>
+              <a:t>**概要**:</a:t>
+            </a:r>
+            <a:endParaRPr sz="791"/>
+          </a:p>
+          <a:p>
+            <a:pPr indent="0" lvl="0" marL="0" rtl="0" algn="l">
+              <a:lnSpc>
+                <a:spcPct val="95000"/>
+              </a:lnSpc>
+              <a:spcBef>
+                <a:spcPts val="1200"/>
+              </a:spcBef>
+              <a:spcAft>
+                <a:spcPts val="0"/>
+              </a:spcAft>
+              <a:buNone/>
+            </a:pPr>
+            <a:r>
+              <a:rPr lang="ja" sz="791"/>
+              <a:t>ユーザーからの自然言語クエリを受け取り、LLM（大規模言語モデル）が高レベルのタスクを理解し、細分化されたサブタスクに分解します。これにより、具体的かつ実行可能な単位でタスクを処理できます。</a:t>
+            </a:r>
+            <a:endParaRPr sz="791"/>
+          </a:p>
+          <a:p>
+            <a:pPr indent="0" lvl="0" marL="0" rtl="0" algn="l">
+              <a:lnSpc>
+                <a:spcPct val="95000"/>
+              </a:lnSpc>
+              <a:spcBef>
+                <a:spcPts val="1200"/>
+              </a:spcBef>
+              <a:spcAft>
+                <a:spcPts val="0"/>
+              </a:spcAft>
+              <a:buNone/>
+            </a:pPr>
+            <a:r>
+              <a:t/>
+            </a:r>
+            <a:endParaRPr sz="791"/>
+          </a:p>
+          <a:p>
+            <a:pPr indent="0" lvl="0" marL="0" rtl="0" algn="l">
+              <a:lnSpc>
+                <a:spcPct val="95000"/>
+              </a:lnSpc>
+              <a:spcBef>
+                <a:spcPts val="1200"/>
+              </a:spcBef>
+              <a:spcAft>
+                <a:spcPts val="0"/>
+              </a:spcAft>
+              <a:buNone/>
+            </a:pPr>
+            <a:r>
+              <a:rPr lang="ja" sz="791"/>
+              <a:t>**詳細**:</a:t>
+            </a:r>
+            <a:endParaRPr sz="791"/>
+          </a:p>
+          <a:p>
+            <a:pPr indent="0" lvl="0" marL="0" rtl="0" algn="l">
+              <a:lnSpc>
+                <a:spcPct val="95000"/>
+              </a:lnSpc>
+              <a:spcBef>
+                <a:spcPts val="1200"/>
+              </a:spcBef>
+              <a:spcAft>
+                <a:spcPts val="0"/>
+              </a:spcAft>
+              <a:buNone/>
+            </a:pPr>
+            <a:r>
+              <a:t/>
+            </a:r>
+            <a:endParaRPr sz="791"/>
+          </a:p>
+          <a:p>
+            <a:pPr indent="0" lvl="0" marL="0" rtl="0" algn="l">
+              <a:lnSpc>
+                <a:spcPct val="95000"/>
+              </a:lnSpc>
+              <a:spcBef>
+                <a:spcPts val="1200"/>
+              </a:spcBef>
+              <a:spcAft>
+                <a:spcPts val="0"/>
+              </a:spcAft>
+              <a:buNone/>
+            </a:pPr>
+            <a:r>
+              <a:rPr lang="ja" sz="791"/>
+              <a:t>1. **ユーザークエリの受信**:</a:t>
+            </a:r>
+            <a:endParaRPr sz="791"/>
+          </a:p>
+          <a:p>
+            <a:pPr indent="0" lvl="0" marL="0" rtl="0" algn="l">
+              <a:lnSpc>
+                <a:spcPct val="95000"/>
+              </a:lnSpc>
+              <a:spcBef>
+                <a:spcPts val="1200"/>
+              </a:spcBef>
+              <a:spcAft>
+                <a:spcPts val="0"/>
+              </a:spcAft>
+              <a:buNone/>
+            </a:pPr>
+            <a:r>
+              <a:rPr lang="ja" sz="791"/>
+              <a:t>    - エージェントはユーザーからの自然言語による質問や要求を受け取ります。</a:t>
+            </a:r>
+            <a:endParaRPr sz="791"/>
+          </a:p>
+          <a:p>
+            <a:pPr indent="0" lvl="0" marL="0" rtl="0" algn="l">
+              <a:lnSpc>
+                <a:spcPct val="95000"/>
+              </a:lnSpc>
+              <a:spcBef>
+                <a:spcPts val="1200"/>
+              </a:spcBef>
+              <a:spcAft>
+                <a:spcPts val="0"/>
+              </a:spcAft>
+              <a:buNone/>
+            </a:pPr>
+            <a:r>
+              <a:rPr lang="ja" sz="791"/>
+              <a:t>    - 例: "What is 45342 multiplied by 23487 plus 32478?"</a:t>
+            </a:r>
+            <a:endParaRPr sz="791"/>
+          </a:p>
+          <a:p>
+            <a:pPr indent="0" lvl="0" marL="0" rtl="0" algn="l">
+              <a:lnSpc>
+                <a:spcPct val="95000"/>
+              </a:lnSpc>
+              <a:spcBef>
+                <a:spcPts val="1200"/>
+              </a:spcBef>
+              <a:spcAft>
+                <a:spcPts val="0"/>
+              </a:spcAft>
+              <a:buNone/>
+            </a:pPr>
+            <a:r>
+              <a:rPr lang="ja" sz="791"/>
+              <a:t>2. **タスク分解モデル (Mtd)**:</a:t>
+            </a:r>
+            <a:endParaRPr sz="791"/>
+          </a:p>
+          <a:p>
+            <a:pPr indent="0" lvl="0" marL="0" rtl="0" algn="l">
+              <a:lnSpc>
+                <a:spcPct val="95000"/>
+              </a:lnSpc>
+              <a:spcBef>
+                <a:spcPts val="1200"/>
+              </a:spcBef>
+              <a:spcAft>
+                <a:spcPts val="0"/>
+              </a:spcAft>
+              <a:buNone/>
+            </a:pPr>
+            <a:r>
+              <a:rPr lang="ja" sz="791"/>
+              <a:t>    - このモデルは、受信したクエリを解析し、それをサブタスクに分解します。</a:t>
+            </a:r>
+            <a:endParaRPr sz="791"/>
+          </a:p>
+          <a:p>
+            <a:pPr indent="0" lvl="0" marL="0" rtl="0" algn="l">
+              <a:lnSpc>
+                <a:spcPct val="95000"/>
+              </a:lnSpc>
+              <a:spcBef>
+                <a:spcPts val="1200"/>
+              </a:spcBef>
+              <a:spcAft>
+                <a:spcPts val="0"/>
+              </a:spcAft>
+              <a:buNone/>
+            </a:pPr>
+            <a:r>
+              <a:rPr lang="ja" sz="791"/>
+              <a:t>    - 例: 上記のクエリを受け取った場合、以下のようなサブタスクに分解されます:</a:t>
+            </a:r>
+            <a:endParaRPr sz="791"/>
+          </a:p>
+          <a:p>
+            <a:pPr indent="0" lvl="0" marL="0" rtl="0" algn="l">
+              <a:lnSpc>
+                <a:spcPct val="95000"/>
+              </a:lnSpc>
+              <a:spcBef>
+                <a:spcPts val="1200"/>
+              </a:spcBef>
+              <a:spcAft>
+                <a:spcPts val="0"/>
+              </a:spcAft>
+              <a:buNone/>
+            </a:pPr>
+            <a:r>
+              <a:rPr lang="ja" sz="791"/>
+              <a:t>        1. "Multiply 45342 by 23487."</a:t>
+            </a:r>
+            <a:endParaRPr sz="791"/>
+          </a:p>
+          <a:p>
+            <a:pPr indent="0" lvl="0" marL="0" rtl="0" algn="l">
+              <a:lnSpc>
+                <a:spcPct val="95000"/>
+              </a:lnSpc>
+              <a:spcBef>
+                <a:spcPts val="1200"/>
+              </a:spcBef>
+              <a:spcAft>
+                <a:spcPts val="0"/>
+              </a:spcAft>
+              <a:buNone/>
+            </a:pPr>
+            <a:r>
+              <a:rPr lang="ja" sz="791"/>
+              <a:t>        2. "Add the result of step 1 to 32478."</a:t>
+            </a:r>
+            <a:endParaRPr sz="791"/>
+          </a:p>
+          <a:p>
+            <a:pPr indent="0" lvl="0" marL="0" rtl="0" algn="l">
+              <a:lnSpc>
+                <a:spcPct val="95000"/>
+              </a:lnSpc>
+              <a:spcBef>
+                <a:spcPts val="1200"/>
+              </a:spcBef>
+              <a:spcAft>
+                <a:spcPts val="0"/>
+              </a:spcAft>
+              <a:buNone/>
+            </a:pPr>
+            <a:r>
+              <a:rPr lang="ja" sz="791"/>
+              <a:t>3. **分解結果の構造化**:</a:t>
+            </a:r>
+            <a:endParaRPr sz="791"/>
+          </a:p>
+          <a:p>
+            <a:pPr indent="0" lvl="0" marL="0" rtl="0" algn="l">
+              <a:lnSpc>
+                <a:spcPct val="95000"/>
+              </a:lnSpc>
+              <a:spcBef>
+                <a:spcPts val="1200"/>
+              </a:spcBef>
+              <a:spcAft>
+                <a:spcPts val="0"/>
+              </a:spcAft>
+              <a:buNone/>
+            </a:pPr>
+            <a:r>
+              <a:rPr lang="ja" sz="791"/>
+              <a:t>    - 分解されたサブタスクはリスト形式で構造化され、次の処理ステップに渡されます。</a:t>
+            </a:r>
+            <a:endParaRPr sz="791"/>
+          </a:p>
+          <a:p>
+            <a:pPr indent="0" lvl="0" marL="0" rtl="0" algn="l">
+              <a:lnSpc>
+                <a:spcPct val="95000"/>
+              </a:lnSpc>
+              <a:spcBef>
+                <a:spcPts val="1200"/>
+              </a:spcBef>
+              <a:spcAft>
+                <a:spcPts val="0"/>
+              </a:spcAft>
+              <a:buNone/>
+            </a:pPr>
+            <a:r>
+              <a:rPr lang="ja" sz="791"/>
+              <a:t>    - JSON形式で返される場合:</a:t>
+            </a:r>
+            <a:endParaRPr sz="791"/>
+          </a:p>
+          <a:p>
+            <a:pPr indent="0" lvl="0" marL="0" rtl="0" algn="l">
+              <a:lnSpc>
+                <a:spcPct val="95000"/>
+              </a:lnSpc>
+              <a:spcBef>
+                <a:spcPts val="1200"/>
+              </a:spcBef>
+              <a:spcAft>
+                <a:spcPts val="0"/>
+              </a:spcAft>
+              <a:buNone/>
+            </a:pPr>
+            <a:r>
+              <a:rPr lang="ja" sz="791"/>
+              <a:t>        </a:t>
+            </a:r>
+            <a:endParaRPr sz="791"/>
+          </a:p>
+          <a:p>
+            <a:pPr indent="0" lvl="0" marL="0" rtl="0" algn="l">
+              <a:lnSpc>
+                <a:spcPct val="95000"/>
+              </a:lnSpc>
+              <a:spcBef>
+                <a:spcPts val="1200"/>
+              </a:spcBef>
+              <a:spcAft>
+                <a:spcPts val="0"/>
+              </a:spcAft>
+              <a:buNone/>
+            </a:pPr>
+            <a:r>
+              <a:rPr lang="ja" sz="791"/>
+              <a:t>        ```json</a:t>
+            </a:r>
+            <a:endParaRPr sz="791"/>
+          </a:p>
+          <a:p>
+            <a:pPr indent="0" lvl="0" marL="0" rtl="0" algn="l">
+              <a:lnSpc>
+                <a:spcPct val="95000"/>
+              </a:lnSpc>
+              <a:spcBef>
+                <a:spcPts val="1200"/>
+              </a:spcBef>
+              <a:spcAft>
+                <a:spcPts val="0"/>
+              </a:spcAft>
+              <a:buNone/>
+            </a:pPr>
+            <a:r>
+              <a:rPr lang="ja" sz="791"/>
+              <a:t>        {</a:t>
+            </a:r>
+            <a:endParaRPr sz="791"/>
+          </a:p>
+          <a:p>
+            <a:pPr indent="0" lvl="0" marL="0" rtl="0" algn="l">
+              <a:lnSpc>
+                <a:spcPct val="95000"/>
+              </a:lnSpc>
+              <a:spcBef>
+                <a:spcPts val="1200"/>
+              </a:spcBef>
+              <a:spcAft>
+                <a:spcPts val="0"/>
+              </a:spcAft>
+              <a:buNone/>
+            </a:pPr>
+            <a:r>
+              <a:rPr lang="ja" sz="791"/>
+              <a:t>          "subtasks": [</a:t>
+            </a:r>
+            <a:endParaRPr sz="791"/>
+          </a:p>
+          <a:p>
+            <a:pPr indent="0" lvl="0" marL="0" rtl="0" algn="l">
+              <a:lnSpc>
+                <a:spcPct val="95000"/>
+              </a:lnSpc>
+              <a:spcBef>
+                <a:spcPts val="1200"/>
+              </a:spcBef>
+              <a:spcAft>
+                <a:spcPts val="0"/>
+              </a:spcAft>
+              <a:buNone/>
+            </a:pPr>
+            <a:r>
+              <a:rPr lang="ja" sz="791"/>
+              <a:t>            "Multiply 45342 by 23487",</a:t>
+            </a:r>
+            <a:endParaRPr sz="791"/>
+          </a:p>
+          <a:p>
+            <a:pPr indent="0" lvl="0" marL="0" rtl="0" algn="l">
+              <a:lnSpc>
+                <a:spcPct val="95000"/>
+              </a:lnSpc>
+              <a:spcBef>
+                <a:spcPts val="1200"/>
+              </a:spcBef>
+              <a:spcAft>
+                <a:spcPts val="0"/>
+              </a:spcAft>
+              <a:buNone/>
+            </a:pPr>
+            <a:r>
+              <a:rPr lang="ja" sz="791"/>
+              <a:t>            "Add the result of step 1 to 32478"</a:t>
+            </a:r>
+            <a:endParaRPr sz="791"/>
+          </a:p>
+          <a:p>
+            <a:pPr indent="0" lvl="0" marL="0" rtl="0" algn="l">
+              <a:lnSpc>
+                <a:spcPct val="95000"/>
+              </a:lnSpc>
+              <a:spcBef>
+                <a:spcPts val="1200"/>
+              </a:spcBef>
+              <a:spcAft>
+                <a:spcPts val="0"/>
+              </a:spcAft>
+              <a:buNone/>
+            </a:pPr>
+            <a:r>
+              <a:rPr lang="ja" sz="791"/>
+              <a:t>          ]</a:t>
+            </a:r>
+            <a:endParaRPr sz="791"/>
+          </a:p>
+          <a:p>
+            <a:pPr indent="0" lvl="0" marL="0" rtl="0" algn="l">
+              <a:lnSpc>
+                <a:spcPct val="95000"/>
+              </a:lnSpc>
+              <a:spcBef>
+                <a:spcPts val="1200"/>
+              </a:spcBef>
+              <a:spcAft>
+                <a:spcPts val="0"/>
+              </a:spcAft>
+              <a:buNone/>
+            </a:pPr>
+            <a:r>
+              <a:rPr lang="ja" sz="791"/>
+              <a:t>        }</a:t>
+            </a:r>
+            <a:endParaRPr sz="791"/>
+          </a:p>
+          <a:p>
+            <a:pPr indent="0" lvl="0" marL="0" rtl="0" algn="l">
+              <a:lnSpc>
+                <a:spcPct val="95000"/>
+              </a:lnSpc>
+              <a:spcBef>
+                <a:spcPts val="1200"/>
+              </a:spcBef>
+              <a:spcAft>
+                <a:spcPts val="0"/>
+              </a:spcAft>
+              <a:buNone/>
+            </a:pPr>
+            <a:r>
+              <a:rPr lang="ja" sz="791"/>
+              <a:t>        ```</a:t>
+            </a:r>
+            <a:endParaRPr sz="791"/>
+          </a:p>
+          <a:p>
+            <a:pPr indent="0" lvl="0" marL="0" rtl="0" algn="l">
+              <a:lnSpc>
+                <a:spcPct val="95000"/>
+              </a:lnSpc>
+              <a:spcBef>
+                <a:spcPts val="1200"/>
+              </a:spcBef>
+              <a:spcAft>
+                <a:spcPts val="0"/>
+              </a:spcAft>
+              <a:buNone/>
+            </a:pPr>
+            <a:r>
+              <a:rPr lang="ja" sz="791"/>
+              <a:t>        </a:t>
+            </a:r>
+            <a:endParaRPr sz="791"/>
+          </a:p>
+          <a:p>
+            <a:pPr indent="0" lvl="0" marL="0" rtl="0" algn="l">
+              <a:lnSpc>
+                <a:spcPct val="95000"/>
+              </a:lnSpc>
+              <a:spcBef>
+                <a:spcPts val="1200"/>
+              </a:spcBef>
+              <a:spcAft>
+                <a:spcPts val="0"/>
+              </a:spcAft>
+              <a:buNone/>
+            </a:pPr>
+            <a:r>
+              <a:t/>
+            </a:r>
+            <a:endParaRPr sz="791"/>
+          </a:p>
+          <a:p>
+            <a:pPr indent="0" lvl="0" marL="0" rtl="0" algn="l">
+              <a:lnSpc>
+                <a:spcPct val="95000"/>
+              </a:lnSpc>
+              <a:spcBef>
+                <a:spcPts val="1200"/>
+              </a:spcBef>
+              <a:spcAft>
+                <a:spcPts val="0"/>
+              </a:spcAft>
+              <a:buNone/>
+            </a:pPr>
+            <a:r>
+              <a:rPr lang="ja" sz="791"/>
+              <a:t>### ツール検索</a:t>
+            </a:r>
+            <a:endParaRPr sz="791"/>
+          </a:p>
+          <a:p>
+            <a:pPr indent="0" lvl="0" marL="0" rtl="0" algn="l">
+              <a:lnSpc>
+                <a:spcPct val="95000"/>
+              </a:lnSpc>
+              <a:spcBef>
+                <a:spcPts val="1200"/>
+              </a:spcBef>
+              <a:spcAft>
+                <a:spcPts val="0"/>
+              </a:spcAft>
+              <a:buNone/>
+            </a:pPr>
+            <a:r>
+              <a:t/>
+            </a:r>
+            <a:endParaRPr sz="791"/>
+          </a:p>
+          <a:p>
+            <a:pPr indent="0" lvl="0" marL="0" rtl="0" algn="l">
+              <a:lnSpc>
+                <a:spcPct val="95000"/>
+              </a:lnSpc>
+              <a:spcBef>
+                <a:spcPts val="1200"/>
+              </a:spcBef>
+              <a:spcAft>
+                <a:spcPts val="0"/>
+              </a:spcAft>
+              <a:buNone/>
+            </a:pPr>
+            <a:r>
+              <a:rPr lang="ja" sz="791"/>
+              <a:t>**概要**:</a:t>
+            </a:r>
+            <a:endParaRPr sz="791"/>
+          </a:p>
+          <a:p>
+            <a:pPr indent="0" lvl="0" marL="0" rtl="0" algn="l">
+              <a:lnSpc>
+                <a:spcPct val="95000"/>
+              </a:lnSpc>
+              <a:spcBef>
+                <a:spcPts val="1200"/>
+              </a:spcBef>
+              <a:spcAft>
+                <a:spcPts val="0"/>
+              </a:spcAft>
+              <a:buNone/>
+            </a:pPr>
+            <a:r>
+              <a:rPr lang="ja" sz="791"/>
+              <a:t>各サブタスクに適したツールを、エージェントのツールライブラリから再帰的に検索します。これにより、最適なツールを見つけ出し、効率的にタスクを実行できます。</a:t>
+            </a:r>
+            <a:endParaRPr sz="791"/>
+          </a:p>
+          <a:p>
+            <a:pPr indent="0" lvl="0" marL="0" rtl="0" algn="l">
+              <a:lnSpc>
+                <a:spcPct val="95000"/>
+              </a:lnSpc>
+              <a:spcBef>
+                <a:spcPts val="1200"/>
+              </a:spcBef>
+              <a:spcAft>
+                <a:spcPts val="0"/>
+              </a:spcAft>
+              <a:buNone/>
+            </a:pPr>
+            <a:r>
+              <a:t/>
+            </a:r>
+            <a:endParaRPr sz="791"/>
+          </a:p>
+          <a:p>
+            <a:pPr indent="0" lvl="0" marL="0" rtl="0" algn="l">
+              <a:lnSpc>
+                <a:spcPct val="95000"/>
+              </a:lnSpc>
+              <a:spcBef>
+                <a:spcPts val="1200"/>
+              </a:spcBef>
+              <a:spcAft>
+                <a:spcPts val="0"/>
+              </a:spcAft>
+              <a:buNone/>
+            </a:pPr>
+            <a:r>
+              <a:rPr lang="ja" sz="791"/>
+              <a:t>**詳細**:</a:t>
+            </a:r>
+            <a:endParaRPr sz="791"/>
+          </a:p>
+          <a:p>
+            <a:pPr indent="0" lvl="0" marL="0" rtl="0" algn="l">
+              <a:lnSpc>
+                <a:spcPct val="95000"/>
+              </a:lnSpc>
+              <a:spcBef>
+                <a:spcPts val="1200"/>
+              </a:spcBef>
+              <a:spcAft>
+                <a:spcPts val="0"/>
+              </a:spcAft>
+              <a:buNone/>
+            </a:pPr>
+            <a:r>
+              <a:t/>
+            </a:r>
+            <a:endParaRPr sz="791"/>
+          </a:p>
+          <a:p>
+            <a:pPr indent="0" lvl="0" marL="0" rtl="0" algn="l">
+              <a:lnSpc>
+                <a:spcPct val="95000"/>
+              </a:lnSpc>
+              <a:spcBef>
+                <a:spcPts val="1200"/>
+              </a:spcBef>
+              <a:spcAft>
+                <a:spcPts val="0"/>
+              </a:spcAft>
+              <a:buNone/>
+            </a:pPr>
+            <a:r>
+              <a:rPr lang="ja" sz="791"/>
+              <a:t>1. **ツールライブラリの初期化**:</a:t>
+            </a:r>
+            <a:endParaRPr sz="791"/>
+          </a:p>
+          <a:p>
+            <a:pPr indent="0" lvl="0" marL="0" rtl="0" algn="l">
+              <a:lnSpc>
+                <a:spcPct val="95000"/>
+              </a:lnSpc>
+              <a:spcBef>
+                <a:spcPts val="1200"/>
+              </a:spcBef>
+              <a:spcAft>
+                <a:spcPts val="0"/>
+              </a:spcAft>
+              <a:buNone/>
+            </a:pPr>
+            <a:r>
+              <a:rPr lang="ja" sz="791"/>
+              <a:t>    - 使用可能なツール（Python関数など）の情報を、コードインスペクションを通じて収集し、ライブラリに保存します。</a:t>
+            </a:r>
+            <a:endParaRPr sz="791"/>
+          </a:p>
+          <a:p>
+            <a:pPr indent="0" lvl="0" marL="0" rtl="0" algn="l">
+              <a:lnSpc>
+                <a:spcPct val="95000"/>
+              </a:lnSpc>
+              <a:spcBef>
+                <a:spcPts val="1200"/>
+              </a:spcBef>
+              <a:spcAft>
+                <a:spcPts val="0"/>
+              </a:spcAft>
+              <a:buNone/>
+            </a:pPr>
+            <a:r>
+              <a:rPr lang="ja" sz="791"/>
+              <a:t>    - 例:</a:t>
+            </a:r>
+            <a:endParaRPr sz="791"/>
+          </a:p>
+          <a:p>
+            <a:pPr indent="0" lvl="0" marL="0" rtl="0" algn="l">
+              <a:lnSpc>
+                <a:spcPct val="95000"/>
+              </a:lnSpc>
+              <a:spcBef>
+                <a:spcPts val="1200"/>
+              </a:spcBef>
+              <a:spcAft>
+                <a:spcPts val="0"/>
+              </a:spcAft>
+              <a:buNone/>
+            </a:pPr>
+            <a:r>
+              <a:rPr lang="ja" sz="791"/>
+              <a:t>        </a:t>
+            </a:r>
+            <a:endParaRPr sz="791"/>
+          </a:p>
+          <a:p>
+            <a:pPr indent="0" lvl="0" marL="0" rtl="0" algn="l">
+              <a:lnSpc>
+                <a:spcPct val="95000"/>
+              </a:lnSpc>
+              <a:spcBef>
+                <a:spcPts val="1200"/>
+              </a:spcBef>
+              <a:spcAft>
+                <a:spcPts val="0"/>
+              </a:spcAft>
+              <a:buNone/>
+            </a:pPr>
+            <a:r>
+              <a:rPr lang="ja" sz="791"/>
+              <a:t>        ```python</a:t>
+            </a:r>
+            <a:endParaRPr sz="791"/>
+          </a:p>
+          <a:p>
+            <a:pPr indent="0" lvl="0" marL="0" rtl="0" algn="l">
+              <a:lnSpc>
+                <a:spcPct val="95000"/>
+              </a:lnSpc>
+              <a:spcBef>
+                <a:spcPts val="1200"/>
+              </a:spcBef>
+              <a:spcAft>
+                <a:spcPts val="0"/>
+              </a:spcAft>
+              <a:buNone/>
+            </a:pPr>
+            <a:r>
+              <a:rPr lang="ja" sz="791"/>
+              <a:t>        def add(a: float, b: float) -&gt; float:</a:t>
+            </a:r>
+            <a:endParaRPr sz="791"/>
+          </a:p>
+          <a:p>
+            <a:pPr indent="0" lvl="0" marL="0" rtl="0" algn="l">
+              <a:lnSpc>
+                <a:spcPct val="95000"/>
+              </a:lnSpc>
+              <a:spcBef>
+                <a:spcPts val="1200"/>
+              </a:spcBef>
+              <a:spcAft>
+                <a:spcPts val="0"/>
+              </a:spcAft>
+              <a:buNone/>
+            </a:pPr>
+            <a:r>
+              <a:rPr lang="ja" sz="791"/>
+              <a:t>            """</a:t>
+            </a:r>
+            <a:endParaRPr sz="791"/>
+          </a:p>
+          <a:p>
+            <a:pPr indent="0" lvl="0" marL="0" rtl="0" algn="l">
+              <a:lnSpc>
+                <a:spcPct val="95000"/>
+              </a:lnSpc>
+              <a:spcBef>
+                <a:spcPts val="1200"/>
+              </a:spcBef>
+              <a:spcAft>
+                <a:spcPts val="0"/>
+              </a:spcAft>
+              <a:buNone/>
+            </a:pPr>
+            <a:r>
+              <a:rPr lang="ja" sz="791"/>
+              <a:t>            Add two numbers.</a:t>
+            </a:r>
+            <a:endParaRPr sz="791"/>
+          </a:p>
+          <a:p>
+            <a:pPr indent="0" lvl="0" marL="0" rtl="0" algn="l">
+              <a:lnSpc>
+                <a:spcPct val="95000"/>
+              </a:lnSpc>
+              <a:spcBef>
+                <a:spcPts val="1200"/>
+              </a:spcBef>
+              <a:spcAft>
+                <a:spcPts val="0"/>
+              </a:spcAft>
+              <a:buNone/>
+            </a:pPr>
+            <a:r>
+              <a:rPr lang="ja" sz="791"/>
+              <a:t>            :param a: The first number.</a:t>
+            </a:r>
+            <a:endParaRPr sz="791"/>
+          </a:p>
+          <a:p>
+            <a:pPr indent="0" lvl="0" marL="0" rtl="0" algn="l">
+              <a:lnSpc>
+                <a:spcPct val="95000"/>
+              </a:lnSpc>
+              <a:spcBef>
+                <a:spcPts val="1200"/>
+              </a:spcBef>
+              <a:spcAft>
+                <a:spcPts val="0"/>
+              </a:spcAft>
+              <a:buNone/>
+            </a:pPr>
+            <a:r>
+              <a:rPr lang="ja" sz="791"/>
+              <a:t>            :param b: The second number.</a:t>
+            </a:r>
+            <a:endParaRPr sz="791"/>
+          </a:p>
+          <a:p>
+            <a:pPr indent="0" lvl="0" marL="0" rtl="0" algn="l">
+              <a:lnSpc>
+                <a:spcPct val="95000"/>
+              </a:lnSpc>
+              <a:spcBef>
+                <a:spcPts val="1200"/>
+              </a:spcBef>
+              <a:spcAft>
+                <a:spcPts val="0"/>
+              </a:spcAft>
+              <a:buNone/>
+            </a:pPr>
+            <a:r>
+              <a:rPr lang="ja" sz="791"/>
+              <a:t>            :return: The sum of a and b.</a:t>
+            </a:r>
+            <a:endParaRPr sz="791"/>
+          </a:p>
+          <a:p>
+            <a:pPr indent="0" lvl="0" marL="0" rtl="0" algn="l">
+              <a:lnSpc>
+                <a:spcPct val="95000"/>
+              </a:lnSpc>
+              <a:spcBef>
+                <a:spcPts val="1200"/>
+              </a:spcBef>
+              <a:spcAft>
+                <a:spcPts val="0"/>
+              </a:spcAft>
+              <a:buNone/>
+            </a:pPr>
+            <a:r>
+              <a:rPr lang="ja" sz="791"/>
+              <a:t>            """</a:t>
+            </a:r>
+            <a:endParaRPr sz="791"/>
+          </a:p>
+          <a:p>
+            <a:pPr indent="0" lvl="0" marL="0" rtl="0" algn="l">
+              <a:lnSpc>
+                <a:spcPct val="95000"/>
+              </a:lnSpc>
+              <a:spcBef>
+                <a:spcPts val="1200"/>
+              </a:spcBef>
+              <a:spcAft>
+                <a:spcPts val="0"/>
+              </a:spcAft>
+              <a:buNone/>
+            </a:pPr>
+            <a:r>
+              <a:rPr lang="ja" sz="791"/>
+              <a:t>            return a + b</a:t>
+            </a:r>
+            <a:endParaRPr sz="791"/>
+          </a:p>
+          <a:p>
+            <a:pPr indent="0" lvl="0" marL="0" rtl="0" algn="l">
+              <a:lnSpc>
+                <a:spcPct val="95000"/>
+              </a:lnSpc>
+              <a:spcBef>
+                <a:spcPts val="1200"/>
+              </a:spcBef>
+              <a:spcAft>
+                <a:spcPts val="0"/>
+              </a:spcAft>
+              <a:buNone/>
+            </a:pPr>
+            <a:r>
+              <a:rPr lang="ja" sz="791"/>
+              <a:t>        ```</a:t>
+            </a:r>
+            <a:endParaRPr sz="791"/>
+          </a:p>
+          <a:p>
+            <a:pPr indent="0" lvl="0" marL="0" rtl="0" algn="l">
+              <a:lnSpc>
+                <a:spcPct val="95000"/>
+              </a:lnSpc>
+              <a:spcBef>
+                <a:spcPts val="1200"/>
+              </a:spcBef>
+              <a:spcAft>
+                <a:spcPts val="0"/>
+              </a:spcAft>
+              <a:buNone/>
+            </a:pPr>
+            <a:r>
+              <a:rPr lang="ja" sz="791"/>
+              <a:t>        </a:t>
+            </a:r>
+            <a:endParaRPr sz="791"/>
+          </a:p>
+          <a:p>
+            <a:pPr indent="0" lvl="0" marL="0" rtl="0" algn="l">
+              <a:lnSpc>
+                <a:spcPct val="95000"/>
+              </a:lnSpc>
+              <a:spcBef>
+                <a:spcPts val="1200"/>
+              </a:spcBef>
+              <a:spcAft>
+                <a:spcPts val="0"/>
+              </a:spcAft>
+              <a:buNone/>
+            </a:pPr>
+            <a:r>
+              <a:rPr lang="ja" sz="791"/>
+              <a:t>2. **サブタスクの検索クエリ生成**:</a:t>
+            </a:r>
+            <a:endParaRPr sz="791"/>
+          </a:p>
+          <a:p>
+            <a:pPr indent="0" lvl="0" marL="0" rtl="0" algn="l">
+              <a:lnSpc>
+                <a:spcPct val="95000"/>
+              </a:lnSpc>
+              <a:spcBef>
+                <a:spcPts val="1200"/>
+              </a:spcBef>
+              <a:spcAft>
+                <a:spcPts val="0"/>
+              </a:spcAft>
+              <a:buNone/>
+            </a:pPr>
+            <a:r>
+              <a:rPr lang="ja" sz="791"/>
+              <a:t>    - 分解された各サブタスクのために検索クエリを生成します。</a:t>
+            </a:r>
+            <a:endParaRPr sz="791"/>
+          </a:p>
+          <a:p>
+            <a:pPr indent="0" lvl="0" marL="0" rtl="0" algn="l">
+              <a:lnSpc>
+                <a:spcPct val="95000"/>
+              </a:lnSpc>
+              <a:spcBef>
+                <a:spcPts val="1200"/>
+              </a:spcBef>
+              <a:spcAft>
+                <a:spcPts val="0"/>
+              </a:spcAft>
+              <a:buNone/>
+            </a:pPr>
+            <a:r>
+              <a:rPr lang="ja" sz="791"/>
+              <a:t>    - 例: "Multiply two numbers" というクエリを生成。</a:t>
+            </a:r>
+            <a:endParaRPr sz="791"/>
+          </a:p>
+          <a:p>
+            <a:pPr indent="0" lvl="0" marL="0" rtl="0" algn="l">
+              <a:lnSpc>
+                <a:spcPct val="95000"/>
+              </a:lnSpc>
+              <a:spcBef>
+                <a:spcPts val="1200"/>
+              </a:spcBef>
+              <a:spcAft>
+                <a:spcPts val="0"/>
+              </a:spcAft>
+              <a:buNone/>
+            </a:pPr>
+            <a:r>
+              <a:rPr lang="ja" sz="791"/>
+              <a:t>3. **ツール検索モジュール (Ms)**:</a:t>
+            </a:r>
+            <a:endParaRPr sz="791"/>
+          </a:p>
+          <a:p>
+            <a:pPr indent="0" lvl="0" marL="0" rtl="0" algn="l">
+              <a:lnSpc>
+                <a:spcPct val="95000"/>
+              </a:lnSpc>
+              <a:spcBef>
+                <a:spcPts val="1200"/>
+              </a:spcBef>
+              <a:spcAft>
+                <a:spcPts val="0"/>
+              </a:spcAft>
+              <a:buNone/>
+            </a:pPr>
+            <a:r>
+              <a:rPr lang="ja" sz="791"/>
+              <a:t>    - 生成されたクエリに基づいて、ツールライブラリ内で最も適したツールを検索します。</a:t>
+            </a:r>
+            <a:endParaRPr sz="791"/>
+          </a:p>
+          <a:p>
+            <a:pPr indent="0" lvl="0" marL="0" rtl="0" algn="l">
+              <a:lnSpc>
+                <a:spcPct val="95000"/>
+              </a:lnSpc>
+              <a:spcBef>
+                <a:spcPts val="1200"/>
+              </a:spcBef>
+              <a:spcAft>
+                <a:spcPts val="0"/>
+              </a:spcAft>
+              <a:buNone/>
+            </a:pPr>
+            <a:r>
+              <a:rPr lang="ja" sz="791"/>
+              <a:t>    - ツールライブラリはベクトルストアとして実装され、埋め込み検索を使用してツールの説明とサブタスクの類似度を計算します。</a:t>
+            </a:r>
+            <a:endParaRPr sz="791"/>
+          </a:p>
+          <a:p>
+            <a:pPr indent="0" lvl="0" marL="0" rtl="0" algn="l">
+              <a:lnSpc>
+                <a:spcPct val="95000"/>
+              </a:lnSpc>
+              <a:spcBef>
+                <a:spcPts val="1200"/>
+              </a:spcBef>
+              <a:spcAft>
+                <a:spcPts val="0"/>
+              </a:spcAft>
+              <a:buNone/>
+            </a:pPr>
+            <a:r>
+              <a:rPr lang="ja" sz="791"/>
+              <a:t>    - 例:</a:t>
+            </a:r>
+            <a:endParaRPr sz="791"/>
+          </a:p>
+          <a:p>
+            <a:pPr indent="0" lvl="0" marL="0" rtl="0" algn="l">
+              <a:lnSpc>
+                <a:spcPct val="95000"/>
+              </a:lnSpc>
+              <a:spcBef>
+                <a:spcPts val="1200"/>
+              </a:spcBef>
+              <a:spcAft>
+                <a:spcPts val="0"/>
+              </a:spcAft>
+              <a:buNone/>
+            </a:pPr>
+            <a:r>
+              <a:rPr lang="ja" sz="791"/>
+              <a:t>        </a:t>
+            </a:r>
+            <a:endParaRPr sz="791"/>
+          </a:p>
+          <a:p>
+            <a:pPr indent="0" lvl="0" marL="0" rtl="0" algn="l">
+              <a:lnSpc>
+                <a:spcPct val="95000"/>
+              </a:lnSpc>
+              <a:spcBef>
+                <a:spcPts val="1200"/>
+              </a:spcBef>
+              <a:spcAft>
+                <a:spcPts val="0"/>
+              </a:spcAft>
+              <a:buNone/>
+            </a:pPr>
+            <a:r>
+              <a:rPr lang="ja" sz="791"/>
+              <a:t>        ```python</a:t>
+            </a:r>
+            <a:endParaRPr sz="791"/>
+          </a:p>
+          <a:p>
+            <a:pPr indent="0" lvl="0" marL="0" rtl="0" algn="l">
+              <a:lnSpc>
+                <a:spcPct val="95000"/>
+              </a:lnSpc>
+              <a:spcBef>
+                <a:spcPts val="1200"/>
+              </a:spcBef>
+              <a:spcAft>
+                <a:spcPts val="0"/>
+              </a:spcAft>
+              <a:buNone/>
+            </a:pPr>
+            <a:r>
+              <a:rPr lang="ja" sz="791"/>
+              <a:t>        tools = search_tools("Multiply two numbers", top_k=5)</a:t>
+            </a:r>
+            <a:endParaRPr sz="791"/>
+          </a:p>
+          <a:p>
+            <a:pPr indent="0" lvl="0" marL="0" rtl="0" algn="l">
+              <a:lnSpc>
+                <a:spcPct val="95000"/>
+              </a:lnSpc>
+              <a:spcBef>
+                <a:spcPts val="1200"/>
+              </a:spcBef>
+              <a:spcAft>
+                <a:spcPts val="0"/>
+              </a:spcAft>
+              <a:buNone/>
+            </a:pPr>
+            <a:r>
+              <a:rPr lang="ja" sz="791"/>
+              <a:t>        ```</a:t>
+            </a:r>
+            <a:endParaRPr sz="791"/>
+          </a:p>
+          <a:p>
+            <a:pPr indent="0" lvl="0" marL="0" rtl="0" algn="l">
+              <a:lnSpc>
+                <a:spcPct val="95000"/>
+              </a:lnSpc>
+              <a:spcBef>
+                <a:spcPts val="1200"/>
+              </a:spcBef>
+              <a:spcAft>
+                <a:spcPts val="0"/>
+              </a:spcAft>
+              <a:buNone/>
+            </a:pPr>
+            <a:r>
+              <a:rPr lang="ja" sz="791"/>
+              <a:t>        </a:t>
+            </a:r>
+            <a:endParaRPr sz="791"/>
+          </a:p>
+          <a:p>
+            <a:pPr indent="0" lvl="0" marL="0" rtl="0" algn="l">
+              <a:lnSpc>
+                <a:spcPct val="95000"/>
+              </a:lnSpc>
+              <a:spcBef>
+                <a:spcPts val="1200"/>
+              </a:spcBef>
+              <a:spcAft>
+                <a:spcPts val="0"/>
+              </a:spcAft>
+              <a:buNone/>
+            </a:pPr>
+            <a:r>
+              <a:rPr lang="ja" sz="791"/>
+              <a:t>4. **ツール選択**:</a:t>
+            </a:r>
+            <a:endParaRPr sz="791"/>
+          </a:p>
+          <a:p>
+            <a:pPr indent="0" lvl="0" marL="0" rtl="0" algn="l">
+              <a:lnSpc>
+                <a:spcPct val="95000"/>
+              </a:lnSpc>
+              <a:spcBef>
+                <a:spcPts val="1200"/>
+              </a:spcBef>
+              <a:spcAft>
+                <a:spcPts val="0"/>
+              </a:spcAft>
+              <a:buNone/>
+            </a:pPr>
+            <a:r>
+              <a:rPr lang="ja" sz="791"/>
+              <a:t>    - 検索結果から最適なツールを選択し、サブタスクに割り当てます。</a:t>
+            </a:r>
+            <a:endParaRPr sz="791"/>
+          </a:p>
+          <a:p>
+            <a:pPr indent="0" lvl="0" marL="0" rtl="0" algn="l">
+              <a:lnSpc>
+                <a:spcPct val="95000"/>
+              </a:lnSpc>
+              <a:spcBef>
+                <a:spcPts val="1200"/>
+              </a:spcBef>
+              <a:spcAft>
+                <a:spcPts val="0"/>
+              </a:spcAft>
+              <a:buNone/>
+            </a:pPr>
+            <a:r>
+              <a:t/>
+            </a:r>
+            <a:endParaRPr sz="791"/>
+          </a:p>
+          <a:p>
+            <a:pPr indent="0" lvl="0" marL="0" rtl="0" algn="l">
+              <a:lnSpc>
+                <a:spcPct val="95000"/>
+              </a:lnSpc>
+              <a:spcBef>
+                <a:spcPts val="1200"/>
+              </a:spcBef>
+              <a:spcAft>
+                <a:spcPts val="0"/>
+              </a:spcAft>
+              <a:buNone/>
+            </a:pPr>
+            <a:r>
+              <a:rPr lang="ja" sz="791"/>
+              <a:t>### ツール実行</a:t>
+            </a:r>
+            <a:endParaRPr sz="791"/>
+          </a:p>
+          <a:p>
+            <a:pPr indent="0" lvl="0" marL="0" rtl="0" algn="l">
+              <a:lnSpc>
+                <a:spcPct val="95000"/>
+              </a:lnSpc>
+              <a:spcBef>
+                <a:spcPts val="1200"/>
+              </a:spcBef>
+              <a:spcAft>
+                <a:spcPts val="0"/>
+              </a:spcAft>
+              <a:buNone/>
+            </a:pPr>
+            <a:r>
+              <a:t/>
+            </a:r>
+            <a:endParaRPr sz="791"/>
+          </a:p>
+          <a:p>
+            <a:pPr indent="0" lvl="0" marL="0" rtl="0" algn="l">
+              <a:lnSpc>
+                <a:spcPct val="95000"/>
+              </a:lnSpc>
+              <a:spcBef>
+                <a:spcPts val="1200"/>
+              </a:spcBef>
+              <a:spcAft>
+                <a:spcPts val="0"/>
+              </a:spcAft>
+              <a:buNone/>
+            </a:pPr>
+            <a:r>
+              <a:rPr lang="ja" sz="791"/>
+              <a:t>**概要**:</a:t>
+            </a:r>
+            <a:endParaRPr sz="791"/>
+          </a:p>
+          <a:p>
+            <a:pPr indent="0" lvl="0" marL="0" rtl="0" algn="l">
+              <a:lnSpc>
+                <a:spcPct val="95000"/>
+              </a:lnSpc>
+              <a:spcBef>
+                <a:spcPts val="1200"/>
+              </a:spcBef>
+              <a:spcAft>
+                <a:spcPts val="0"/>
+              </a:spcAft>
+              <a:buNone/>
+            </a:pPr>
+            <a:r>
+              <a:rPr lang="ja" sz="791"/>
+              <a:t>選択されたツールを使用してサブタスクを実行し、その結果をLLMにフィードバックします。これにより、次のステップが適切に実行され、最終的なタスクが完了します。</a:t>
+            </a:r>
+            <a:endParaRPr sz="791"/>
+          </a:p>
+          <a:p>
+            <a:pPr indent="0" lvl="0" marL="0" rtl="0" algn="l">
+              <a:lnSpc>
+                <a:spcPct val="95000"/>
+              </a:lnSpc>
+              <a:spcBef>
+                <a:spcPts val="1200"/>
+              </a:spcBef>
+              <a:spcAft>
+                <a:spcPts val="0"/>
+              </a:spcAft>
+              <a:buNone/>
+            </a:pPr>
+            <a:r>
+              <a:t/>
+            </a:r>
+            <a:endParaRPr sz="791"/>
+          </a:p>
+          <a:p>
+            <a:pPr indent="0" lvl="0" marL="0" rtl="0" algn="l">
+              <a:lnSpc>
+                <a:spcPct val="95000"/>
+              </a:lnSpc>
+              <a:spcBef>
+                <a:spcPts val="1200"/>
+              </a:spcBef>
+              <a:spcAft>
+                <a:spcPts val="0"/>
+              </a:spcAft>
+              <a:buNone/>
+            </a:pPr>
+            <a:r>
+              <a:rPr lang="ja" sz="791"/>
+              <a:t>**詳細**:</a:t>
+            </a:r>
+            <a:endParaRPr sz="791"/>
+          </a:p>
+          <a:p>
+            <a:pPr indent="0" lvl="0" marL="0" rtl="0" algn="l">
+              <a:lnSpc>
+                <a:spcPct val="95000"/>
+              </a:lnSpc>
+              <a:spcBef>
+                <a:spcPts val="1200"/>
+              </a:spcBef>
+              <a:spcAft>
+                <a:spcPts val="0"/>
+              </a:spcAft>
+              <a:buNone/>
+            </a:pPr>
+            <a:r>
+              <a:t/>
+            </a:r>
+            <a:endParaRPr sz="791"/>
+          </a:p>
+          <a:p>
+            <a:pPr indent="0" lvl="0" marL="0" rtl="0" algn="l">
+              <a:lnSpc>
+                <a:spcPct val="95000"/>
+              </a:lnSpc>
+              <a:spcBef>
+                <a:spcPts val="1200"/>
+              </a:spcBef>
+              <a:spcAft>
+                <a:spcPts val="0"/>
+              </a:spcAft>
+              <a:buNone/>
+            </a:pPr>
+            <a:r>
+              <a:rPr lang="ja" sz="791"/>
+              <a:t>1. **ツール呼び出しの生成**:</a:t>
+            </a:r>
+            <a:endParaRPr sz="791"/>
+          </a:p>
+          <a:p>
+            <a:pPr indent="0" lvl="0" marL="0" rtl="0" algn="l">
+              <a:lnSpc>
+                <a:spcPct val="95000"/>
+              </a:lnSpc>
+              <a:spcBef>
+                <a:spcPts val="1200"/>
+              </a:spcBef>
+              <a:spcAft>
+                <a:spcPts val="0"/>
+              </a:spcAft>
+              <a:buNone/>
+            </a:pPr>
+            <a:r>
+              <a:rPr lang="ja" sz="791"/>
+              <a:t>    - 選択されたツールに対して、必要な入力パラメータを設定し、ツール呼び出しを生成します。</a:t>
+            </a:r>
+            <a:endParaRPr sz="791"/>
+          </a:p>
+          <a:p>
+            <a:pPr indent="0" lvl="0" marL="0" rtl="0" algn="l">
+              <a:lnSpc>
+                <a:spcPct val="95000"/>
+              </a:lnSpc>
+              <a:spcBef>
+                <a:spcPts val="1200"/>
+              </a:spcBef>
+              <a:spcAft>
+                <a:spcPts val="0"/>
+              </a:spcAft>
+              <a:buNone/>
+            </a:pPr>
+            <a:r>
+              <a:rPr lang="ja" sz="791"/>
+              <a:t>    - 例:</a:t>
+            </a:r>
+            <a:endParaRPr sz="791"/>
+          </a:p>
+          <a:p>
+            <a:pPr indent="0" lvl="0" marL="0" rtl="0" algn="l">
+              <a:lnSpc>
+                <a:spcPct val="95000"/>
+              </a:lnSpc>
+              <a:spcBef>
+                <a:spcPts val="1200"/>
+              </a:spcBef>
+              <a:spcAft>
+                <a:spcPts val="0"/>
+              </a:spcAft>
+              <a:buNone/>
+            </a:pPr>
+            <a:r>
+              <a:rPr lang="ja" sz="791"/>
+              <a:t>        </a:t>
+            </a:r>
+            <a:endParaRPr sz="791"/>
+          </a:p>
+          <a:p>
+            <a:pPr indent="0" lvl="0" marL="0" rtl="0" algn="l">
+              <a:lnSpc>
+                <a:spcPct val="95000"/>
+              </a:lnSpc>
+              <a:spcBef>
+                <a:spcPts val="1200"/>
+              </a:spcBef>
+              <a:spcAft>
+                <a:spcPts val="0"/>
+              </a:spcAft>
+              <a:buNone/>
+            </a:pPr>
+            <a:r>
+              <a:rPr lang="ja" sz="791"/>
+              <a:t>        ```json</a:t>
+            </a:r>
+            <a:endParaRPr sz="791"/>
+          </a:p>
+          <a:p>
+            <a:pPr indent="0" lvl="0" marL="0" rtl="0" algn="l">
+              <a:lnSpc>
+                <a:spcPct val="95000"/>
+              </a:lnSpc>
+              <a:spcBef>
+                <a:spcPts val="1200"/>
+              </a:spcBef>
+              <a:spcAft>
+                <a:spcPts val="0"/>
+              </a:spcAft>
+              <a:buNone/>
+            </a:pPr>
+            <a:r>
+              <a:rPr lang="ja" sz="791"/>
+              <a:t>        {</a:t>
+            </a:r>
+            <a:endParaRPr sz="791"/>
+          </a:p>
+          <a:p>
+            <a:pPr indent="0" lvl="0" marL="0" rtl="0" algn="l">
+              <a:lnSpc>
+                <a:spcPct val="95000"/>
+              </a:lnSpc>
+              <a:spcBef>
+                <a:spcPts val="1200"/>
+              </a:spcBef>
+              <a:spcAft>
+                <a:spcPts val="0"/>
+              </a:spcAft>
+              <a:buNone/>
+            </a:pPr>
+            <a:r>
+              <a:rPr lang="ja" sz="791"/>
+              <a:t>          "tool": "multiply",</a:t>
+            </a:r>
+            <a:endParaRPr sz="791"/>
+          </a:p>
+          <a:p>
+            <a:pPr indent="0" lvl="0" marL="0" rtl="0" algn="l">
+              <a:lnSpc>
+                <a:spcPct val="95000"/>
+              </a:lnSpc>
+              <a:spcBef>
+                <a:spcPts val="1200"/>
+              </a:spcBef>
+              <a:spcAft>
+                <a:spcPts val="0"/>
+              </a:spcAft>
+              <a:buNone/>
+            </a:pPr>
+            <a:r>
+              <a:rPr lang="ja" sz="791"/>
+              <a:t>          "parameters": {</a:t>
+            </a:r>
+            <a:endParaRPr sz="791"/>
+          </a:p>
+          <a:p>
+            <a:pPr indent="0" lvl="0" marL="0" rtl="0" algn="l">
+              <a:lnSpc>
+                <a:spcPct val="95000"/>
+              </a:lnSpc>
+              <a:spcBef>
+                <a:spcPts val="1200"/>
+              </a:spcBef>
+              <a:spcAft>
+                <a:spcPts val="0"/>
+              </a:spcAft>
+              <a:buNone/>
+            </a:pPr>
+            <a:r>
+              <a:rPr lang="ja" sz="791"/>
+              <a:t>            "a": 45342,</a:t>
+            </a:r>
+            <a:endParaRPr sz="791"/>
+          </a:p>
+          <a:p>
+            <a:pPr indent="0" lvl="0" marL="0" rtl="0" algn="l">
+              <a:lnSpc>
+                <a:spcPct val="95000"/>
+              </a:lnSpc>
+              <a:spcBef>
+                <a:spcPts val="1200"/>
+              </a:spcBef>
+              <a:spcAft>
+                <a:spcPts val="0"/>
+              </a:spcAft>
+              <a:buNone/>
+            </a:pPr>
+            <a:r>
+              <a:rPr lang="ja" sz="791"/>
+              <a:t>            "b": 23487</a:t>
+            </a:r>
+            <a:endParaRPr sz="791"/>
+          </a:p>
+          <a:p>
+            <a:pPr indent="0" lvl="0" marL="0" rtl="0" algn="l">
+              <a:lnSpc>
+                <a:spcPct val="95000"/>
+              </a:lnSpc>
+              <a:spcBef>
+                <a:spcPts val="1200"/>
+              </a:spcBef>
+              <a:spcAft>
+                <a:spcPts val="0"/>
+              </a:spcAft>
+              <a:buNone/>
+            </a:pPr>
+            <a:r>
+              <a:rPr lang="ja" sz="791"/>
+              <a:t>          }</a:t>
+            </a:r>
+            <a:endParaRPr sz="791"/>
+          </a:p>
+          <a:p>
+            <a:pPr indent="0" lvl="0" marL="0" rtl="0" algn="l">
+              <a:lnSpc>
+                <a:spcPct val="95000"/>
+              </a:lnSpc>
+              <a:spcBef>
+                <a:spcPts val="1200"/>
+              </a:spcBef>
+              <a:spcAft>
+                <a:spcPts val="0"/>
+              </a:spcAft>
+              <a:buNone/>
+            </a:pPr>
+            <a:r>
+              <a:rPr lang="ja" sz="791"/>
+              <a:t>        }</a:t>
+            </a:r>
+            <a:endParaRPr sz="791"/>
+          </a:p>
+          <a:p>
+            <a:pPr indent="0" lvl="0" marL="0" rtl="0" algn="l">
+              <a:lnSpc>
+                <a:spcPct val="95000"/>
+              </a:lnSpc>
+              <a:spcBef>
+                <a:spcPts val="1200"/>
+              </a:spcBef>
+              <a:spcAft>
+                <a:spcPts val="0"/>
+              </a:spcAft>
+              <a:buNone/>
+            </a:pPr>
+            <a:r>
+              <a:rPr lang="ja" sz="791"/>
+              <a:t>        ```</a:t>
+            </a:r>
+            <a:endParaRPr sz="791"/>
+          </a:p>
+          <a:p>
+            <a:pPr indent="0" lvl="0" marL="0" rtl="0" algn="l">
+              <a:lnSpc>
+                <a:spcPct val="95000"/>
+              </a:lnSpc>
+              <a:spcBef>
+                <a:spcPts val="1200"/>
+              </a:spcBef>
+              <a:spcAft>
+                <a:spcPts val="0"/>
+              </a:spcAft>
+              <a:buNone/>
+            </a:pPr>
+            <a:r>
+              <a:rPr lang="ja" sz="791"/>
+              <a:t>        </a:t>
+            </a:r>
+            <a:endParaRPr sz="791"/>
+          </a:p>
+          <a:p>
+            <a:pPr indent="0" lvl="0" marL="0" rtl="0" algn="l">
+              <a:lnSpc>
+                <a:spcPct val="95000"/>
+              </a:lnSpc>
+              <a:spcBef>
+                <a:spcPts val="1200"/>
+              </a:spcBef>
+              <a:spcAft>
+                <a:spcPts val="0"/>
+              </a:spcAft>
+              <a:buNone/>
+            </a:pPr>
+            <a:r>
+              <a:rPr lang="ja" sz="791"/>
+              <a:t>2. **ツール実行**:</a:t>
+            </a:r>
+            <a:endParaRPr sz="791"/>
+          </a:p>
+          <a:p>
+            <a:pPr indent="0" lvl="0" marL="0" rtl="0" algn="l">
+              <a:lnSpc>
+                <a:spcPct val="95000"/>
+              </a:lnSpc>
+              <a:spcBef>
+                <a:spcPts val="1200"/>
+              </a:spcBef>
+              <a:spcAft>
+                <a:spcPts val="0"/>
+              </a:spcAft>
+              <a:buNone/>
+            </a:pPr>
+            <a:r>
+              <a:rPr lang="ja" sz="791"/>
+              <a:t>    - ツール呼び出しを実行し、結果を取得します。</a:t>
+            </a:r>
+            <a:endParaRPr sz="791"/>
+          </a:p>
+          <a:p>
+            <a:pPr indent="0" lvl="0" marL="0" rtl="0" algn="l">
+              <a:lnSpc>
+                <a:spcPct val="95000"/>
+              </a:lnSpc>
+              <a:spcBef>
+                <a:spcPts val="1200"/>
+              </a:spcBef>
+              <a:spcAft>
+                <a:spcPts val="0"/>
+              </a:spcAft>
+              <a:buNone/>
+            </a:pPr>
+            <a:r>
+              <a:rPr lang="ja" sz="791"/>
+              <a:t>    - 例:</a:t>
+            </a:r>
+            <a:endParaRPr sz="791"/>
+          </a:p>
+          <a:p>
+            <a:pPr indent="0" lvl="0" marL="0" rtl="0" algn="l">
+              <a:lnSpc>
+                <a:spcPct val="95000"/>
+              </a:lnSpc>
+              <a:spcBef>
+                <a:spcPts val="1200"/>
+              </a:spcBef>
+              <a:spcAft>
+                <a:spcPts val="0"/>
+              </a:spcAft>
+              <a:buNone/>
+            </a:pPr>
+            <a:r>
+              <a:rPr lang="ja" sz="791"/>
+              <a:t>        </a:t>
+            </a:r>
+            <a:endParaRPr sz="791"/>
+          </a:p>
+          <a:p>
+            <a:pPr indent="0" lvl="0" marL="0" rtl="0" algn="l">
+              <a:lnSpc>
+                <a:spcPct val="95000"/>
+              </a:lnSpc>
+              <a:spcBef>
+                <a:spcPts val="1200"/>
+              </a:spcBef>
+              <a:spcAft>
+                <a:spcPts val="0"/>
+              </a:spcAft>
+              <a:buNone/>
+            </a:pPr>
+            <a:r>
+              <a:rPr lang="ja" sz="791"/>
+              <a:t>        ```python</a:t>
+            </a:r>
+            <a:endParaRPr sz="791"/>
+          </a:p>
+          <a:p>
+            <a:pPr indent="0" lvl="0" marL="0" rtl="0" algn="l">
+              <a:lnSpc>
+                <a:spcPct val="95000"/>
+              </a:lnSpc>
+              <a:spcBef>
+                <a:spcPts val="1200"/>
+              </a:spcBef>
+              <a:spcAft>
+                <a:spcPts val="0"/>
+              </a:spcAft>
+              <a:buNone/>
+            </a:pPr>
+            <a:r>
+              <a:rPr lang="ja" sz="791"/>
+              <a:t>        result = multiply(45342, 23487)  # 結果: 1064947554</a:t>
+            </a:r>
+            <a:endParaRPr sz="791"/>
+          </a:p>
+          <a:p>
+            <a:pPr indent="0" lvl="0" marL="0" rtl="0" algn="l">
+              <a:lnSpc>
+                <a:spcPct val="95000"/>
+              </a:lnSpc>
+              <a:spcBef>
+                <a:spcPts val="1200"/>
+              </a:spcBef>
+              <a:spcAft>
+                <a:spcPts val="0"/>
+              </a:spcAft>
+              <a:buNone/>
+            </a:pPr>
+            <a:r>
+              <a:rPr lang="ja" sz="791"/>
+              <a:t>        ```</a:t>
+            </a:r>
+            <a:endParaRPr sz="791"/>
+          </a:p>
+          <a:p>
+            <a:pPr indent="0" lvl="0" marL="0" rtl="0" algn="l">
+              <a:lnSpc>
+                <a:spcPct val="95000"/>
+              </a:lnSpc>
+              <a:spcBef>
+                <a:spcPts val="1200"/>
+              </a:spcBef>
+              <a:spcAft>
+                <a:spcPts val="0"/>
+              </a:spcAft>
+              <a:buNone/>
+            </a:pPr>
+            <a:r>
+              <a:rPr lang="ja" sz="791"/>
+              <a:t>        </a:t>
+            </a:r>
+            <a:endParaRPr sz="791"/>
+          </a:p>
+          <a:p>
+            <a:pPr indent="0" lvl="0" marL="0" rtl="0" algn="l">
+              <a:lnSpc>
+                <a:spcPct val="95000"/>
+              </a:lnSpc>
+              <a:spcBef>
+                <a:spcPts val="1200"/>
+              </a:spcBef>
+              <a:spcAft>
+                <a:spcPts val="0"/>
+              </a:spcAft>
+              <a:buNone/>
+            </a:pPr>
+            <a:r>
+              <a:rPr lang="ja" sz="791"/>
+              <a:t>3. **結果のフィードバック**:</a:t>
+            </a:r>
+            <a:endParaRPr sz="791"/>
+          </a:p>
+          <a:p>
+            <a:pPr indent="0" lvl="0" marL="0" rtl="0" algn="l">
+              <a:lnSpc>
+                <a:spcPct val="95000"/>
+              </a:lnSpc>
+              <a:spcBef>
+                <a:spcPts val="1200"/>
+              </a:spcBef>
+              <a:spcAft>
+                <a:spcPts val="0"/>
+              </a:spcAft>
+              <a:buNone/>
+            </a:pPr>
+            <a:r>
+              <a:rPr lang="ja" sz="791"/>
+              <a:t>    - 実行結果をLLMにフィードバックし、次のサブタスクの実行に使用します。</a:t>
+            </a:r>
+            <a:endParaRPr sz="791"/>
+          </a:p>
+          <a:p>
+            <a:pPr indent="0" lvl="0" marL="0" rtl="0" algn="l">
+              <a:lnSpc>
+                <a:spcPct val="95000"/>
+              </a:lnSpc>
+              <a:spcBef>
+                <a:spcPts val="1200"/>
+              </a:spcBef>
+              <a:spcAft>
+                <a:spcPts val="0"/>
+              </a:spcAft>
+              <a:buNone/>
+            </a:pPr>
+            <a:r>
+              <a:rPr lang="ja" sz="791"/>
+              <a:t>    - 例:</a:t>
+            </a:r>
+            <a:endParaRPr sz="791"/>
+          </a:p>
+          <a:p>
+            <a:pPr indent="0" lvl="0" marL="0" rtl="0" algn="l">
+              <a:lnSpc>
+                <a:spcPct val="95000"/>
+              </a:lnSpc>
+              <a:spcBef>
+                <a:spcPts val="1200"/>
+              </a:spcBef>
+              <a:spcAft>
+                <a:spcPts val="0"/>
+              </a:spcAft>
+              <a:buNone/>
+            </a:pPr>
+            <a:r>
+              <a:rPr lang="ja" sz="791"/>
+              <a:t>        </a:t>
+            </a:r>
+            <a:endParaRPr sz="791"/>
+          </a:p>
+          <a:p>
+            <a:pPr indent="0" lvl="0" marL="0" rtl="0" algn="l">
+              <a:lnSpc>
+                <a:spcPct val="95000"/>
+              </a:lnSpc>
+              <a:spcBef>
+                <a:spcPts val="1200"/>
+              </a:spcBef>
+              <a:spcAft>
+                <a:spcPts val="0"/>
+              </a:spcAft>
+              <a:buNone/>
+            </a:pPr>
+            <a:r>
+              <a:rPr lang="ja" sz="791"/>
+              <a:t>        ```python</a:t>
+            </a:r>
+            <a:endParaRPr sz="791"/>
+          </a:p>
+          <a:p>
+            <a:pPr indent="0" lvl="0" marL="0" rtl="0" algn="l">
+              <a:lnSpc>
+                <a:spcPct val="95000"/>
+              </a:lnSpc>
+              <a:spcBef>
+                <a:spcPts val="1200"/>
+              </a:spcBef>
+              <a:spcAft>
+                <a:spcPts val="0"/>
+              </a:spcAft>
+              <a:buNone/>
+            </a:pPr>
+            <a:r>
+              <a:rPr lang="ja" sz="791"/>
+              <a:t>        intermediate_result = result</a:t>
+            </a:r>
+            <a:endParaRPr sz="791"/>
+          </a:p>
+          <a:p>
+            <a:pPr indent="0" lvl="0" marL="0" rtl="0" algn="l">
+              <a:lnSpc>
+                <a:spcPct val="95000"/>
+              </a:lnSpc>
+              <a:spcBef>
+                <a:spcPts val="1200"/>
+              </a:spcBef>
+              <a:spcAft>
+                <a:spcPts val="0"/>
+              </a:spcAft>
+              <a:buNone/>
+            </a:pPr>
+            <a:r>
+              <a:rPr lang="ja" sz="791"/>
+              <a:t>        ```</a:t>
+            </a:r>
+            <a:endParaRPr sz="791"/>
+          </a:p>
+          <a:p>
+            <a:pPr indent="0" lvl="0" marL="0" rtl="0" algn="l">
+              <a:lnSpc>
+                <a:spcPct val="95000"/>
+              </a:lnSpc>
+              <a:spcBef>
+                <a:spcPts val="1200"/>
+              </a:spcBef>
+              <a:spcAft>
+                <a:spcPts val="0"/>
+              </a:spcAft>
+              <a:buNone/>
+            </a:pPr>
+            <a:r>
+              <a:rPr lang="ja" sz="791"/>
+              <a:t>        </a:t>
+            </a:r>
+            <a:endParaRPr sz="791"/>
+          </a:p>
+          <a:p>
+            <a:pPr indent="0" lvl="0" marL="0" rtl="0" algn="l">
+              <a:lnSpc>
+                <a:spcPct val="95000"/>
+              </a:lnSpc>
+              <a:spcBef>
+                <a:spcPts val="1200"/>
+              </a:spcBef>
+              <a:spcAft>
+                <a:spcPts val="0"/>
+              </a:spcAft>
+              <a:buNone/>
+            </a:pPr>
+            <a:r>
+              <a:rPr lang="ja" sz="791"/>
+              <a:t>4. **最終結果の生成**:</a:t>
+            </a:r>
+            <a:endParaRPr sz="791"/>
+          </a:p>
+          <a:p>
+            <a:pPr indent="0" lvl="0" marL="0" rtl="0" algn="l">
+              <a:lnSpc>
+                <a:spcPct val="95000"/>
+              </a:lnSpc>
+              <a:spcBef>
+                <a:spcPts val="1200"/>
+              </a:spcBef>
+              <a:spcAft>
+                <a:spcPts val="0"/>
+              </a:spcAft>
+              <a:buNone/>
+            </a:pPr>
+            <a:r>
+              <a:rPr lang="ja" sz="791"/>
+              <a:t>    - 全てのサブタスクが完了した後、LLMが最終的な結果を生成し、ユーザーに返答します。</a:t>
+            </a:r>
+            <a:endParaRPr sz="791"/>
+          </a:p>
+          <a:p>
+            <a:pPr indent="0" lvl="0" marL="0" rtl="0" algn="l">
+              <a:lnSpc>
+                <a:spcPct val="95000"/>
+              </a:lnSpc>
+              <a:spcBef>
+                <a:spcPts val="1200"/>
+              </a:spcBef>
+              <a:spcAft>
+                <a:spcPts val="0"/>
+              </a:spcAft>
+              <a:buNone/>
+            </a:pPr>
+            <a:r>
+              <a:rPr lang="ja" sz="791"/>
+              <a:t>    - 例:</a:t>
+            </a:r>
+            <a:endParaRPr sz="791"/>
+          </a:p>
+          <a:p>
+            <a:pPr indent="0" lvl="0" marL="0" rtl="0" algn="l">
+              <a:lnSpc>
+                <a:spcPct val="95000"/>
+              </a:lnSpc>
+              <a:spcBef>
+                <a:spcPts val="1200"/>
+              </a:spcBef>
+              <a:spcAft>
+                <a:spcPts val="0"/>
+              </a:spcAft>
+              <a:buNone/>
+            </a:pPr>
+            <a:r>
+              <a:rPr lang="ja" sz="791"/>
+              <a:t>        </a:t>
+            </a:r>
+            <a:endParaRPr sz="791"/>
+          </a:p>
+          <a:p>
+            <a:pPr indent="0" lvl="0" marL="0" rtl="0" algn="l">
+              <a:lnSpc>
+                <a:spcPct val="95000"/>
+              </a:lnSpc>
+              <a:spcBef>
+                <a:spcPts val="1200"/>
+              </a:spcBef>
+              <a:spcAft>
+                <a:spcPts val="0"/>
+              </a:spcAft>
+              <a:buNone/>
+            </a:pPr>
+            <a:r>
+              <a:rPr lang="ja" sz="791"/>
+              <a:t>        ```python</a:t>
+            </a:r>
+            <a:endParaRPr sz="791"/>
+          </a:p>
+          <a:p>
+            <a:pPr indent="0" lvl="0" marL="0" rtl="0" algn="l">
+              <a:lnSpc>
+                <a:spcPct val="95000"/>
+              </a:lnSpc>
+              <a:spcBef>
+                <a:spcPts val="1200"/>
+              </a:spcBef>
+              <a:spcAft>
+                <a:spcPts val="0"/>
+              </a:spcAft>
+              <a:buNone/>
+            </a:pPr>
+            <a:r>
+              <a:rPr lang="ja" sz="791"/>
+              <a:t>        final_result = intermediate_result + 32478  # 結果: 1064980032</a:t>
+            </a:r>
+            <a:endParaRPr sz="791"/>
+          </a:p>
+          <a:p>
+            <a:pPr indent="0" lvl="0" marL="0" rtl="0" algn="l">
+              <a:lnSpc>
+                <a:spcPct val="95000"/>
+              </a:lnSpc>
+              <a:spcBef>
+                <a:spcPts val="1200"/>
+              </a:spcBef>
+              <a:spcAft>
+                <a:spcPts val="0"/>
+              </a:spcAft>
+              <a:buNone/>
+            </a:pPr>
+            <a:r>
+              <a:rPr lang="ja" sz="791"/>
+              <a:t>        ```</a:t>
+            </a:r>
+            <a:endParaRPr sz="791"/>
+          </a:p>
+          <a:p>
+            <a:pPr indent="0" lvl="0" marL="0" rtl="0" algn="l">
+              <a:lnSpc>
+                <a:spcPct val="95000"/>
+              </a:lnSpc>
+              <a:spcBef>
+                <a:spcPts val="1200"/>
+              </a:spcBef>
+              <a:spcAft>
+                <a:spcPts val="0"/>
+              </a:spcAft>
+              <a:buNone/>
+            </a:pPr>
+            <a:r>
+              <a:rPr lang="ja" sz="791"/>
+              <a:t>        </a:t>
+            </a:r>
+            <a:endParaRPr sz="791"/>
+          </a:p>
+          <a:p>
+            <a:pPr indent="0" lvl="0" marL="0" rtl="0" algn="l">
+              <a:lnSpc>
+                <a:spcPct val="95000"/>
+              </a:lnSpc>
+              <a:spcBef>
+                <a:spcPts val="1200"/>
+              </a:spcBef>
+              <a:spcAft>
+                <a:spcPts val="0"/>
+              </a:spcAft>
+              <a:buNone/>
+            </a:pPr>
+            <a:r>
+              <a:t/>
+            </a:r>
+            <a:endParaRPr sz="791"/>
+          </a:p>
+          <a:p>
+            <a:pPr indent="0" lvl="0" marL="0" rtl="0" algn="l">
+              <a:lnSpc>
+                <a:spcPct val="95000"/>
+              </a:lnSpc>
+              <a:spcBef>
+                <a:spcPts val="1200"/>
+              </a:spcBef>
+              <a:spcAft>
+                <a:spcPts val="0"/>
+              </a:spcAft>
+              <a:buNone/>
+            </a:pPr>
+            <a:r>
+              <a:rPr lang="ja" sz="791"/>
+              <a:t>### 自律的ツール管理</a:t>
+            </a:r>
+            <a:endParaRPr sz="791"/>
+          </a:p>
+          <a:p>
+            <a:pPr indent="0" lvl="0" marL="0" rtl="0" algn="l">
+              <a:lnSpc>
+                <a:spcPct val="95000"/>
+              </a:lnSpc>
+              <a:spcBef>
+                <a:spcPts val="1200"/>
+              </a:spcBef>
+              <a:spcAft>
+                <a:spcPts val="0"/>
+              </a:spcAft>
+              <a:buNone/>
+            </a:pPr>
+            <a:r>
+              <a:t/>
+            </a:r>
+            <a:endParaRPr sz="791"/>
+          </a:p>
+          <a:p>
+            <a:pPr indent="0" lvl="0" marL="0" rtl="0" algn="l">
+              <a:lnSpc>
+                <a:spcPct val="95000"/>
+              </a:lnSpc>
+              <a:spcBef>
+                <a:spcPts val="1200"/>
+              </a:spcBef>
+              <a:spcAft>
+                <a:spcPts val="0"/>
+              </a:spcAft>
+              <a:buNone/>
+            </a:pPr>
+            <a:r>
+              <a:rPr lang="ja" sz="791"/>
+              <a:t>**概要**:</a:t>
+            </a:r>
+            <a:endParaRPr sz="791"/>
+          </a:p>
+          <a:p>
+            <a:pPr indent="0" lvl="0" marL="0" rtl="0" algn="l">
+              <a:lnSpc>
+                <a:spcPct val="95000"/>
+              </a:lnSpc>
+              <a:spcBef>
+                <a:spcPts val="1200"/>
+              </a:spcBef>
+              <a:spcAft>
+                <a:spcPts val="0"/>
+              </a:spcAft>
+              <a:buNone/>
+            </a:pPr>
+            <a:r>
+              <a:rPr lang="ja" sz="791"/>
+              <a:t>エージェントはツールライブラリに対する作成、読み取り、更新、削除（CRUD）操作を行い、自律的にツールを管理・追加します。これにより、エージェントは継続的に学習し、ツールセットを進化させることができます。</a:t>
+            </a:r>
+            <a:endParaRPr sz="791"/>
+          </a:p>
+          <a:p>
+            <a:pPr indent="0" lvl="0" marL="0" rtl="0" algn="l">
+              <a:lnSpc>
+                <a:spcPct val="95000"/>
+              </a:lnSpc>
+              <a:spcBef>
+                <a:spcPts val="1200"/>
+              </a:spcBef>
+              <a:spcAft>
+                <a:spcPts val="0"/>
+              </a:spcAft>
+              <a:buNone/>
+            </a:pPr>
+            <a:r>
+              <a:t/>
+            </a:r>
+            <a:endParaRPr sz="791"/>
+          </a:p>
+          <a:p>
+            <a:pPr indent="0" lvl="0" marL="0" rtl="0" algn="l">
+              <a:lnSpc>
+                <a:spcPct val="95000"/>
+              </a:lnSpc>
+              <a:spcBef>
+                <a:spcPts val="1200"/>
+              </a:spcBef>
+              <a:spcAft>
+                <a:spcPts val="0"/>
+              </a:spcAft>
+              <a:buNone/>
+            </a:pPr>
+            <a:r>
+              <a:rPr lang="ja" sz="791"/>
+              <a:t>**詳細**:</a:t>
+            </a:r>
+            <a:endParaRPr sz="791"/>
+          </a:p>
+          <a:p>
+            <a:pPr indent="0" lvl="0" marL="0" rtl="0" algn="l">
+              <a:lnSpc>
+                <a:spcPct val="95000"/>
+              </a:lnSpc>
+              <a:spcBef>
+                <a:spcPts val="1200"/>
+              </a:spcBef>
+              <a:spcAft>
+                <a:spcPts val="0"/>
+              </a:spcAft>
+              <a:buNone/>
+            </a:pPr>
+            <a:r>
+              <a:t/>
+            </a:r>
+            <a:endParaRPr sz="791"/>
+          </a:p>
+          <a:p>
+            <a:pPr indent="0" lvl="0" marL="0" rtl="0" algn="l">
+              <a:lnSpc>
+                <a:spcPct val="95000"/>
+              </a:lnSpc>
+              <a:spcBef>
+                <a:spcPts val="1200"/>
+              </a:spcBef>
+              <a:spcAft>
+                <a:spcPts val="0"/>
+              </a:spcAft>
+              <a:buNone/>
+            </a:pPr>
+            <a:r>
+              <a:rPr lang="ja" sz="791"/>
+              <a:t>1. **ツールの作成 (Create)**:</a:t>
+            </a:r>
+            <a:endParaRPr sz="791"/>
+          </a:p>
+          <a:p>
+            <a:pPr indent="0" lvl="0" marL="0" rtl="0" algn="l">
+              <a:lnSpc>
+                <a:spcPct val="95000"/>
+              </a:lnSpc>
+              <a:spcBef>
+                <a:spcPts val="1200"/>
+              </a:spcBef>
+              <a:spcAft>
+                <a:spcPts val="0"/>
+              </a:spcAft>
+              <a:buNone/>
+            </a:pPr>
+            <a:r>
+              <a:rPr lang="ja" sz="791"/>
+              <a:t>    - 新しいタスクに対応するために、新しいツールを生成します。LLMのコード生成能力を利用します。</a:t>
+            </a:r>
+            <a:endParaRPr sz="791"/>
+          </a:p>
+          <a:p>
+            <a:pPr indent="0" lvl="0" marL="0" rtl="0" algn="l">
+              <a:lnSpc>
+                <a:spcPct val="95000"/>
+              </a:lnSpc>
+              <a:spcBef>
+                <a:spcPts val="1200"/>
+              </a:spcBef>
+              <a:spcAft>
+                <a:spcPts val="0"/>
+              </a:spcAft>
+              <a:buNone/>
+            </a:pPr>
+            <a:r>
+              <a:rPr lang="ja" sz="791"/>
+              <a:t>    - 例: ユーザーの要求に応じて新しい数学関数を生成。</a:t>
+            </a:r>
+            <a:endParaRPr sz="791"/>
+          </a:p>
+          <a:p>
+            <a:pPr indent="0" lvl="0" marL="0" rtl="0" algn="l">
+              <a:lnSpc>
+                <a:spcPct val="95000"/>
+              </a:lnSpc>
+              <a:spcBef>
+                <a:spcPts val="1200"/>
+              </a:spcBef>
+              <a:spcAft>
+                <a:spcPts val="0"/>
+              </a:spcAft>
+              <a:buNone/>
+            </a:pPr>
+            <a:r>
+              <a:rPr lang="ja" sz="791"/>
+              <a:t>2. **ツールの読み取り (Read)**:</a:t>
+            </a:r>
+            <a:endParaRPr sz="791"/>
+          </a:p>
+          <a:p>
+            <a:pPr indent="0" lvl="0" marL="0" rtl="0" algn="l">
+              <a:lnSpc>
+                <a:spcPct val="95000"/>
+              </a:lnSpc>
+              <a:spcBef>
+                <a:spcPts val="1200"/>
+              </a:spcBef>
+              <a:spcAft>
+                <a:spcPts val="0"/>
+              </a:spcAft>
+              <a:buNone/>
+            </a:pPr>
+            <a:r>
+              <a:rPr lang="ja" sz="791"/>
+              <a:t>    - 既存のツールの情報を読み取り、タスクに利用します。</a:t>
+            </a:r>
+            <a:endParaRPr sz="791"/>
+          </a:p>
+          <a:p>
+            <a:pPr indent="0" lvl="0" marL="0" rtl="0" algn="l">
+              <a:lnSpc>
+                <a:spcPct val="95000"/>
+              </a:lnSpc>
+              <a:spcBef>
+                <a:spcPts val="1200"/>
+              </a:spcBef>
+              <a:spcAft>
+                <a:spcPts val="0"/>
+              </a:spcAft>
+              <a:buNone/>
+            </a:pPr>
+            <a:r>
+              <a:rPr lang="ja" sz="791"/>
+              <a:t>    - 例: 既存の「加算」関数を呼び出し、パラメータを確認。</a:t>
+            </a:r>
+            <a:endParaRPr sz="791"/>
+          </a:p>
+          <a:p>
+            <a:pPr indent="0" lvl="0" marL="0" rtl="0" algn="l">
+              <a:lnSpc>
+                <a:spcPct val="95000"/>
+              </a:lnSpc>
+              <a:spcBef>
+                <a:spcPts val="1200"/>
+              </a:spcBef>
+              <a:spcAft>
+                <a:spcPts val="0"/>
+              </a:spcAft>
+              <a:buNone/>
+            </a:pPr>
+            <a:r>
+              <a:rPr lang="ja" sz="791"/>
+              <a:t>3. **ツールの更新 (Update)**:</a:t>
+            </a:r>
+            <a:endParaRPr sz="791"/>
+          </a:p>
+          <a:p>
+            <a:pPr indent="0" lvl="0" marL="0" rtl="0" algn="l">
+              <a:lnSpc>
+                <a:spcPct val="95000"/>
+              </a:lnSpc>
+              <a:spcBef>
+                <a:spcPts val="1200"/>
+              </a:spcBef>
+              <a:spcAft>
+                <a:spcPts val="0"/>
+              </a:spcAft>
+              <a:buNone/>
+            </a:pPr>
+            <a:r>
+              <a:rPr lang="ja" sz="791"/>
+              <a:t>    - 既存のツールを改良または修正します。既存のコードに追加情報を提供し、更新されたツールを生成。</a:t>
+            </a:r>
+            <a:endParaRPr sz="791"/>
+          </a:p>
+          <a:p>
+            <a:pPr indent="0" lvl="0" marL="0" rtl="0" algn="l">
+              <a:lnSpc>
+                <a:spcPct val="95000"/>
+              </a:lnSpc>
+              <a:spcBef>
+                <a:spcPts val="1200"/>
+              </a:spcBef>
+              <a:spcAft>
+                <a:spcPts val="0"/>
+              </a:spcAft>
+              <a:buNone/>
+            </a:pPr>
+            <a:r>
+              <a:rPr lang="ja" sz="791"/>
+              <a:t>    - 例: 既存の「平方根」関数を負の数に対応するように更新。</a:t>
+            </a:r>
+            <a:endParaRPr sz="791"/>
+          </a:p>
+          <a:p>
+            <a:pPr indent="0" lvl="0" marL="0" rtl="0" algn="l">
+              <a:lnSpc>
+                <a:spcPct val="95000"/>
+              </a:lnSpc>
+              <a:spcBef>
+                <a:spcPts val="1200"/>
+              </a:spcBef>
+              <a:spcAft>
+                <a:spcPts val="0"/>
+              </a:spcAft>
+              <a:buNone/>
+            </a:pPr>
+            <a:r>
+              <a:rPr lang="ja" sz="791"/>
+              <a:t>4. **ツールの削除 (Delete)**:</a:t>
+            </a:r>
+            <a:endParaRPr sz="791"/>
+          </a:p>
+          <a:p>
+            <a:pPr indent="0" lvl="0" marL="0" rtl="0" algn="l">
+              <a:lnSpc>
+                <a:spcPct val="95000"/>
+              </a:lnSpc>
+              <a:spcBef>
+                <a:spcPts val="1200"/>
+              </a:spcBef>
+              <a:spcAft>
+                <a:spcPts val="0"/>
+              </a:spcAft>
+              <a:buNone/>
+            </a:pPr>
+            <a:r>
+              <a:rPr lang="ja" sz="791"/>
+              <a:t>    - 不要なツールをライブラリから削除します。</a:t>
+            </a:r>
+            <a:endParaRPr sz="791"/>
+          </a:p>
+          <a:p>
+            <a:pPr indent="0" lvl="0" marL="0" rtl="0" algn="l">
+              <a:lnSpc>
+                <a:spcPct val="95000"/>
+              </a:lnSpc>
+              <a:spcBef>
+                <a:spcPts val="1200"/>
+              </a:spcBef>
+              <a:spcAft>
+                <a:spcPts val="0"/>
+              </a:spcAft>
+              <a:buNone/>
+            </a:pPr>
+            <a:r>
+              <a:rPr lang="ja" sz="791"/>
+              <a:t>    - 例: 使われなくなった関数を削除し、ライブラリをクリーンに保つ。</a:t>
+            </a:r>
+            <a:endParaRPr sz="791"/>
+          </a:p>
+          <a:p>
+            <a:pPr indent="0" lvl="0" marL="0" rtl="0" algn="l">
+              <a:lnSpc>
+                <a:spcPct val="95000"/>
+              </a:lnSpc>
+              <a:spcBef>
+                <a:spcPts val="1200"/>
+              </a:spcBef>
+              <a:spcAft>
+                <a:spcPts val="1200"/>
+              </a:spcAft>
+              <a:buSzPts val="275"/>
+              <a:buNone/>
+            </a:pPr>
+            <a:r>
+              <a:t/>
+            </a:r>
+            <a:endParaRPr sz="791"/>
+          </a:p>
+        </p:txBody>
+      </p:sp>
+    </p:spTree>
+  </p:cSld>
+  <p:clrMapOvr>
+    <a:masterClrMapping/>
+  </p:clrMapOvr>
+</p:sld>
+</file>
+
+<file path=ppt/slides/slide6.xml><?xml version="1.0" encoding="utf-8"?>
+<p:sld xmlns:a="http://schemas.openxmlformats.org/drawingml/2006/main" xmlns:r="http://schemas.openxmlformats.org/officeDocument/2006/relationships" xmlns:mc="http://schemas.openxmlformats.org/markup-compatibility/2006" xmlns:mv="urn:schemas-microsoft-com:mac:vml" xmlns:p="http://schemas.openxmlformats.org/presentationml/2006/main" xmlns:c="http://schemas.openxmlformats.org/drawingml/2006/chart" xmlns:dgm="http://schemas.openxmlformats.org/drawingml/2006/diagram" xmlns:o="urn:schemas-microsoft-com:office:office" xmlns:v="urn:schemas-microsoft-com:vml" xmlns:pvml="urn:schemas-microsoft-com:office:powerpoint" xmlns:com="http://schemas.openxmlformats.org/drawingml/2006/compatibility" xmlns:p14="http://schemas.microsoft.com/office/powerpoint/2010/main" xmlns:p15="http://schemas.microsoft.com/office/powerpoint/2012/main" xmlns:ahyp="http://schemas.microsoft.com/office/drawing/2018/hyperlinkcolor">
+  <p:cSld>
+    <p:spTree>
+      <p:nvGrpSpPr>
+        <p:cNvPr id="84" name="Shape 84"/>
+        <p:cNvGrpSpPr/>
+        <p:nvPr/>
+      </p:nvGrpSpPr>
+      <p:grpSpPr>
+        <a:xfrm>
+          <a:off x="0" y="0"/>
+          <a:ext cx="0" cy="0"/>
+          <a:chOff x="0" y="0"/>
+          <a:chExt cx="0" cy="0"/>
+        </a:xfrm>
+      </p:grpSpPr>
+      <p:sp>
+        <p:nvSpPr>
+          <p:cNvPr id="85" name="Google Shape;85;p18"/>
+          <p:cNvSpPr txBox="1"/>
+          <p:nvPr>
             <p:ph type="title"/>
           </p:nvPr>
         </p:nvSpPr>
@@ -13381,6 +16153,285 @@
 </file>
 
 <file path=ppt/theme/theme1.xml><?xml version="1.0" encoding="utf-8"?>
+<a:theme xmlns:a="http://schemas.openxmlformats.org/drawingml/2006/main" xmlns:r="http://schemas.openxmlformats.org/officeDocument/2006/relationships" name="Spearmint">
+  <a:themeElements>
+    <a:clrScheme name="Spearmint">
+      <a:dk1>
+        <a:srgbClr val="202729"/>
+      </a:dk1>
+      <a:lt1>
+        <a:srgbClr val="FFFFFF"/>
+      </a:lt1>
+      <a:dk2>
+        <a:srgbClr val="4BA173"/>
+      </a:dk2>
+      <a:lt2>
+        <a:srgbClr val="63D297"/>
+      </a:lt2>
+      <a:accent1>
+        <a:srgbClr val="353744"/>
+      </a:accent1>
+      <a:accent2>
+        <a:srgbClr val="424242"/>
+      </a:accent2>
+      <a:accent3>
+        <a:srgbClr val="616161"/>
+      </a:accent3>
+      <a:accent4>
+        <a:srgbClr val="F0F0F0"/>
+      </a:accent4>
+      <a:accent5>
+        <a:srgbClr val="FF5252"/>
+      </a:accent5>
+      <a:accent6>
+        <a:srgbClr val="FFF176"/>
+      </a:accent6>
+      <a:hlink>
+        <a:srgbClr val="FF5252"/>
+      </a:hlink>
+      <a:folHlink>
+        <a:srgbClr val="FF5252"/>
+      </a:folHlink>
+    </a:clrScheme>
+    <a:fontScheme name="Office">
+      <a:majorFont>
+        <a:latin typeface="Arial"/>
+        <a:ea typeface=""/>
+        <a:cs typeface=""/>
+        <a:font script="Jpan" typeface="ＭＳ Ｐゴシック"/>
+        <a:font script="Hang" typeface="맑은 고딕"/>
+        <a:font script="Hans" typeface="宋体"/>
+        <a:font script="Hant" typeface="新細明體"/>
+        <a:font script="Arab" typeface="Times New Roman"/>
+        <a:font script="Hebr" typeface="Times New Roman"/>
+        <a:font script="Thai" typeface="Angsana New"/>
+        <a:font script="Ethi" typeface="Nyala"/>
+        <a:font script="Beng" typeface="Vrinda"/>
+        <a:font script="Gujr" typeface="Shruti"/>
+        <a:font script="Khmr" typeface="MoolBoran"/>
+        <a:font script="Knda" typeface="Tunga"/>
+        <a:font script="Guru" typeface="Raavi"/>
+        <a:font script="Cans" typeface="Euphemia"/>
+        <a:font script="Cher" typeface="Plantagenet Cherokee"/>
+        <a:font script="Yiii" typeface="Microsoft Yi Baiti"/>
+        <a:font script="Tibt" typeface="Microsoft Himalaya"/>
+        <a:font script="Thaa" typeface="MV Boli"/>
+        <a:font script="Deva" typeface="Mangal"/>
+        <a:font script="Telu" typeface="Gautami"/>
+        <a:font script="Taml" typeface="Latha"/>
+        <a:font script="Syrc" typeface="Estrangelo Edessa"/>
+        <a:font script="Orya" typeface="Kalinga"/>
+        <a:font script="Mlym" typeface="Kartika"/>
+        <a:font script="Laoo" typeface="DokChampa"/>
+        <a:font script="Sinh" typeface="Iskoola Pota"/>
+        <a:font script="Mong" typeface="Mongolian Baiti"/>
+        <a:font script="Viet" typeface="Times New Roman"/>
+        <a:font script="Uigh" typeface="Microsoft Uighur"/>
+        <a:font script="Geor" typeface="Sylfaen"/>
+      </a:majorFont>
+      <a:minorFont>
+        <a:latin typeface="Arial"/>
+        <a:ea typeface=""/>
+        <a:cs typeface=""/>
+        <a:font script="Jpan" typeface="ＭＳ Ｐゴシック"/>
+        <a:font script="Hang" typeface="맑은 고딕"/>
+        <a:font script="Hans" typeface="宋体"/>
+        <a:font script="Hant" typeface="新細明體"/>
+        <a:font script="Arab" typeface="Arial"/>
+        <a:font script="Hebr" typeface="Arial"/>
+        <a:font script="Thai" typeface="Cordia New"/>
+        <a:font script="Ethi" typeface="Nyala"/>
+        <a:font script="Beng" typeface="Vrinda"/>
+        <a:font script="Gujr" typeface="Shruti"/>
+        <a:font script="Khmr" typeface="DaunPenh"/>
+        <a:font script="Knda" typeface="Tunga"/>
+        <a:font script="Guru" typeface="Raavi"/>
+        <a:font script="Cans" typeface="Euphemia"/>
+        <a:font script="Cher" typeface="Plantagenet Cherokee"/>
+        <a:font script="Yiii" typeface="Microsoft Yi Baiti"/>
+        <a:font script="Tibt" typeface="Microsoft Himalaya"/>
+        <a:font script="Thaa" typeface="MV Boli"/>
+        <a:font script="Deva" typeface="Mangal"/>
+        <a:font script="Telu" typeface="Gautami"/>
+        <a:font script="Taml" typeface="Latha"/>
+        <a:font script="Syrc" typeface="Estrangelo Edessa"/>
+        <a:font script="Orya" typeface="Kalinga"/>
+        <a:font script="Mlym" typeface="Kartika"/>
+        <a:font script="Laoo" typeface="DokChampa"/>
+        <a:font script="Sinh" typeface="Iskoola Pota"/>
+        <a:font script="Mong" typeface="Mongolian Baiti"/>
+        <a:font script="Viet" typeface="Arial"/>
+        <a:font script="Uigh" typeface="Microsoft Uighur"/>
+        <a:font script="Geor" typeface="Sylfaen"/>
+      </a:minorFont>
+    </a:fontScheme>
+    <a:fmtScheme name="Office">
+      <a:fillStyleLst>
+        <a:solidFill>
+          <a:schemeClr val="phClr"/>
+        </a:solidFill>
+        <a:gradFill rotWithShape="1">
+          <a:gsLst>
+            <a:gs pos="0">
+              <a:schemeClr val="phClr">
+                <a:tint val="50000"/>
+                <a:satMod val="300000"/>
+              </a:schemeClr>
+            </a:gs>
+            <a:gs pos="35000">
+              <a:schemeClr val="phClr">
+                <a:tint val="37000"/>
+                <a:satMod val="300000"/>
+              </a:schemeClr>
+            </a:gs>
+            <a:gs pos="100000">
+              <a:schemeClr val="phClr">
+                <a:tint val="15000"/>
+                <a:satMod val="350000"/>
+              </a:schemeClr>
+            </a:gs>
+          </a:gsLst>
+          <a:lin ang="16200000" scaled="1"/>
+        </a:gradFill>
+        <a:gradFill rotWithShape="1">
+          <a:gsLst>
+            <a:gs pos="0">
+              <a:schemeClr val="phClr">
+                <a:tint val="100000"/>
+                <a:shade val="100000"/>
+                <a:satMod val="130000"/>
+              </a:schemeClr>
+            </a:gs>
+            <a:gs pos="100000">
+              <a:schemeClr val="phClr">
+                <a:tint val="50000"/>
+                <a:shade val="100000"/>
+                <a:satMod val="350000"/>
+              </a:schemeClr>
+            </a:gs>
+          </a:gsLst>
+          <a:lin ang="16200000" scaled="0"/>
+        </a:gradFill>
+      </a:fillStyleLst>
+      <a:lnStyleLst>
+        <a:ln w="9525" cap="flat" cmpd="sng" algn="ctr">
+          <a:solidFill>
+            <a:schemeClr val="phClr">
+              <a:shade val="95000"/>
+              <a:satMod val="105000"/>
+            </a:schemeClr>
+          </a:solidFill>
+          <a:prstDash val="solid"/>
+        </a:ln>
+        <a:ln w="25400" cap="flat" cmpd="sng" algn="ctr">
+          <a:solidFill>
+            <a:schemeClr val="phClr"/>
+          </a:solidFill>
+          <a:prstDash val="solid"/>
+        </a:ln>
+        <a:ln w="38100" cap="flat" cmpd="sng" algn="ctr">
+          <a:solidFill>
+            <a:schemeClr val="phClr"/>
+          </a:solidFill>
+          <a:prstDash val="solid"/>
+        </a:ln>
+      </a:lnStyleLst>
+      <a:effectStyleLst>
+        <a:effectStyle>
+          <a:effectLst>
+            <a:outerShdw blurRad="40000" dist="20000" dir="5400000" rotWithShape="0">
+              <a:srgbClr val="000000">
+                <a:alpha val="38000"/>
+              </a:srgbClr>
+            </a:outerShdw>
+          </a:effectLst>
+        </a:effectStyle>
+        <a:effectStyle>
+          <a:effectLst>
+            <a:outerShdw blurRad="40000" dist="23000" dir="5400000" rotWithShape="0">
+              <a:srgbClr val="000000">
+                <a:alpha val="35000"/>
+              </a:srgbClr>
+            </a:outerShdw>
+          </a:effectLst>
+        </a:effectStyle>
+        <a:effectStyle>
+          <a:effectLst>
+            <a:outerShdw blurRad="40000" dist="23000" dir="5400000" rotWithShape="0">
+              <a:srgbClr val="000000">
+                <a:alpha val="35000"/>
+              </a:srgbClr>
+            </a:outerShdw>
+          </a:effectLst>
+          <a:scene3d>
+            <a:camera prst="orthographicFront">
+              <a:rot lat="0" lon="0" rev="0"/>
+            </a:camera>
+            <a:lightRig rig="threePt" dir="t">
+              <a:rot lat="0" lon="0" rev="1200000"/>
+            </a:lightRig>
+          </a:scene3d>
+          <a:sp3d>
+            <a:bevelT w="63500" h="25400"/>
+          </a:sp3d>
+        </a:effectStyle>
+      </a:effectStyleLst>
+      <a:bgFillStyleLst>
+        <a:solidFill>
+          <a:schemeClr val="phClr"/>
+        </a:solidFill>
+        <a:gradFill rotWithShape="1">
+          <a:gsLst>
+            <a:gs pos="0">
+              <a:schemeClr val="phClr">
+                <a:tint val="40000"/>
+                <a:satMod val="350000"/>
+              </a:schemeClr>
+            </a:gs>
+            <a:gs pos="40000">
+              <a:schemeClr val="phClr">
+                <a:tint val="45000"/>
+                <a:shade val="99000"/>
+                <a:satMod val="350000"/>
+              </a:schemeClr>
+            </a:gs>
+            <a:gs pos="100000">
+              <a:schemeClr val="phClr">
+                <a:shade val="20000"/>
+                <a:satMod val="255000"/>
+              </a:schemeClr>
+            </a:gs>
+          </a:gsLst>
+          <a:path path="circle">
+            <a:fillToRect l="50000" t="-80000" r="50000" b="180000"/>
+          </a:path>
+        </a:gradFill>
+        <a:gradFill rotWithShape="1">
+          <a:gsLst>
+            <a:gs pos="0">
+              <a:schemeClr val="phClr">
+                <a:tint val="80000"/>
+                <a:satMod val="300000"/>
+              </a:schemeClr>
+            </a:gs>
+            <a:gs pos="100000">
+              <a:schemeClr val="phClr">
+                <a:shade val="30000"/>
+                <a:satMod val="200000"/>
+              </a:schemeClr>
+            </a:gs>
+          </a:gsLst>
+          <a:path path="circle">
+            <a:fillToRect l="50000" t="50000" r="50000" b="50000"/>
+          </a:path>
+        </a:gradFill>
+      </a:bgFillStyleLst>
+    </a:fmtScheme>
+  </a:themeElements>
+</a:theme>
+</file>
+
+<file path=ppt/theme/theme2.xml><?xml version="1.0" encoding="utf-8"?>
 <a:theme xmlns:a="http://schemas.openxmlformats.org/drawingml/2006/main" xmlns:r="http://schemas.openxmlformats.org/officeDocument/2006/relationships">
   <a:themeElements>
     <a:clrScheme name="Default">
@@ -13657,283 +16708,4 @@
     </a:fmtScheme>
   </a:themeElements>
 </a:theme>
-</file>
-
-<file path=ppt/theme/theme2.xml><?xml version="1.0" encoding="utf-8"?>
-<a:theme xmlns:a="http://schemas.openxmlformats.org/drawingml/2006/main" xmlns:r="http://schemas.openxmlformats.org/officeDocument/2006/relationships" name="Spearmint">
-  <a:themeElements>
-    <a:clrScheme name="Spearmint">
-      <a:dk1>
-        <a:srgbClr val="202729"/>
-      </a:dk1>
-      <a:lt1>
-        <a:srgbClr val="FFFFFF"/>
-      </a:lt1>
-      <a:dk2>
-        <a:srgbClr val="4BA173"/>
-      </a:dk2>
-      <a:lt2>
-        <a:srgbClr val="63D297"/>
-      </a:lt2>
-      <a:accent1>
-        <a:srgbClr val="353744"/>
-      </a:accent1>
-      <a:accent2>
-        <a:srgbClr val="424242"/>
-      </a:accent2>
-      <a:accent3>
-        <a:srgbClr val="616161"/>
-      </a:accent3>
-      <a:accent4>
-        <a:srgbClr val="F0F0F0"/>
-      </a:accent4>
-      <a:accent5>
-        <a:srgbClr val="FF5252"/>
-      </a:accent5>
-      <a:accent6>
-        <a:srgbClr val="FFF176"/>
-      </a:accent6>
-      <a:hlink>
-        <a:srgbClr val="FF5252"/>
-      </a:hlink>
-      <a:folHlink>
-        <a:srgbClr val="FF5252"/>
-      </a:folHlink>
-    </a:clrScheme>
-    <a:fontScheme name="Office">
-      <a:majorFont>
-        <a:latin typeface="Arial"/>
-        <a:ea typeface=""/>
-        <a:cs typeface=""/>
-        <a:font script="Jpan" typeface="ＭＳ Ｐゴシック"/>
-        <a:font script="Hang" typeface="맑은 고딕"/>
-        <a:font script="Hans" typeface="宋体"/>
-        <a:font script="Hant" typeface="新細明體"/>
-        <a:font script="Arab" typeface="Times New Roman"/>
-        <a:font script="Hebr" typeface="Times New Roman"/>
-        <a:font script="Thai" typeface="Angsana New"/>
-        <a:font script="Ethi" typeface="Nyala"/>
-        <a:font script="Beng" typeface="Vrinda"/>
-        <a:font script="Gujr" typeface="Shruti"/>
-        <a:font script="Khmr" typeface="MoolBoran"/>
-        <a:font script="Knda" typeface="Tunga"/>
-        <a:font script="Guru" typeface="Raavi"/>
-        <a:font script="Cans" typeface="Euphemia"/>
-        <a:font script="Cher" typeface="Plantagenet Cherokee"/>
-        <a:font script="Yiii" typeface="Microsoft Yi Baiti"/>
-        <a:font script="Tibt" typeface="Microsoft Himalaya"/>
-        <a:font script="Thaa" typeface="MV Boli"/>
-        <a:font script="Deva" typeface="Mangal"/>
-        <a:font script="Telu" typeface="Gautami"/>
-        <a:font script="Taml" typeface="Latha"/>
-        <a:font script="Syrc" typeface="Estrangelo Edessa"/>
-        <a:font script="Orya" typeface="Kalinga"/>
-        <a:font script="Mlym" typeface="Kartika"/>
-        <a:font script="Laoo" typeface="DokChampa"/>
-        <a:font script="Sinh" typeface="Iskoola Pota"/>
-        <a:font script="Mong" typeface="Mongolian Baiti"/>
-        <a:font script="Viet" typeface="Times New Roman"/>
-        <a:font script="Uigh" typeface="Microsoft Uighur"/>
-        <a:font script="Geor" typeface="Sylfaen"/>
-      </a:majorFont>
-      <a:minorFont>
-        <a:latin typeface="Arial"/>
-        <a:ea typeface=""/>
-        <a:cs typeface=""/>
-        <a:font script="Jpan" typeface="ＭＳ Ｐゴシック"/>
-        <a:font script="Hang" typeface="맑은 고딕"/>
-        <a:font script="Hans" typeface="宋体"/>
-        <a:font script="Hant" typeface="新細明體"/>
-        <a:font script="Arab" typeface="Arial"/>
-        <a:font script="Hebr" typeface="Arial"/>
-        <a:font script="Thai" typeface="Cordia New"/>
-        <a:font script="Ethi" typeface="Nyala"/>
-        <a:font script="Beng" typeface="Vrinda"/>
-        <a:font script="Gujr" typeface="Shruti"/>
-        <a:font script="Khmr" typeface="DaunPenh"/>
-        <a:font script="Knda" typeface="Tunga"/>
-        <a:font script="Guru" typeface="Raavi"/>
-        <a:font script="Cans" typeface="Euphemia"/>
-        <a:font script="Cher" typeface="Plantagenet Cherokee"/>
-        <a:font script="Yiii" typeface="Microsoft Yi Baiti"/>
-        <a:font script="Tibt" typeface="Microsoft Himalaya"/>
-        <a:font script="Thaa" typeface="MV Boli"/>
-        <a:font script="Deva" typeface="Mangal"/>
-        <a:font script="Telu" typeface="Gautami"/>
-        <a:font script="Taml" typeface="Latha"/>
-        <a:font script="Syrc" typeface="Estrangelo Edessa"/>
-        <a:font script="Orya" typeface="Kalinga"/>
-        <a:font script="Mlym" typeface="Kartika"/>
-        <a:font script="Laoo" typeface="DokChampa"/>
-        <a:font script="Sinh" typeface="Iskoola Pota"/>
-        <a:font script="Mong" typeface="Mongolian Baiti"/>
-        <a:font script="Viet" typeface="Arial"/>
-        <a:font script="Uigh" typeface="Microsoft Uighur"/>
-        <a:font script="Geor" typeface="Sylfaen"/>
-      </a:minorFont>
-    </a:fontScheme>
-    <a:fmtScheme name="Office">
-      <a:fillStyleLst>
-        <a:solidFill>
-          <a:schemeClr val="phClr"/>
-        </a:solidFill>
-        <a:gradFill rotWithShape="1">
-          <a:gsLst>
-            <a:gs pos="0">
-              <a:schemeClr val="phClr">
-                <a:tint val="50000"/>
-                <a:satMod val="300000"/>
-              </a:schemeClr>
-            </a:gs>
-            <a:gs pos="35000">
-              <a:schemeClr val="phClr">
-                <a:tint val="37000"/>
-                <a:satMod val="300000"/>
-              </a:schemeClr>
-            </a:gs>
-            <a:gs pos="100000">
-              <a:schemeClr val="phClr">
-                <a:tint val="15000"/>
-                <a:satMod val="350000"/>
-              </a:schemeClr>
-            </a:gs>
-          </a:gsLst>
-          <a:lin ang="16200000" scaled="1"/>
-        </a:gradFill>
-        <a:gradFill rotWithShape="1">
-          <a:gsLst>
-            <a:gs pos="0">
-              <a:schemeClr val="phClr">
-                <a:tint val="100000"/>
-                <a:shade val="100000"/>
-                <a:satMod val="130000"/>
-              </a:schemeClr>
-            </a:gs>
-            <a:gs pos="100000">
-              <a:schemeClr val="phClr">
-                <a:tint val="50000"/>
-                <a:shade val="100000"/>
-                <a:satMod val="350000"/>
-              </a:schemeClr>
-            </a:gs>
-          </a:gsLst>
-          <a:lin ang="16200000" scaled="0"/>
-        </a:gradFill>
-      </a:fillStyleLst>
-      <a:lnStyleLst>
-        <a:ln w="9525" cap="flat" cmpd="sng" algn="ctr">
-          <a:solidFill>
-            <a:schemeClr val="phClr">
-              <a:shade val="95000"/>
-              <a:satMod val="105000"/>
-            </a:schemeClr>
-          </a:solidFill>
-          <a:prstDash val="solid"/>
-        </a:ln>
-        <a:ln w="25400" cap="flat" cmpd="sng" algn="ctr">
-          <a:solidFill>
-            <a:schemeClr val="phClr"/>
-          </a:solidFill>
-          <a:prstDash val="solid"/>
-        </a:ln>
-        <a:ln w="38100" cap="flat" cmpd="sng" algn="ctr">
-          <a:solidFill>
-            <a:schemeClr val="phClr"/>
-          </a:solidFill>
-          <a:prstDash val="solid"/>
-        </a:ln>
-      </a:lnStyleLst>
-      <a:effectStyleLst>
-        <a:effectStyle>
-          <a:effectLst>
-            <a:outerShdw blurRad="40000" dist="20000" dir="5400000" rotWithShape="0">
-              <a:srgbClr val="000000">
-                <a:alpha val="38000"/>
-              </a:srgbClr>
-            </a:outerShdw>
-          </a:effectLst>
-        </a:effectStyle>
-        <a:effectStyle>
-          <a:effectLst>
-            <a:outerShdw blurRad="40000" dist="23000" dir="5400000" rotWithShape="0">
-              <a:srgbClr val="000000">
-                <a:alpha val="35000"/>
-              </a:srgbClr>
-            </a:outerShdw>
-          </a:effectLst>
-        </a:effectStyle>
-        <a:effectStyle>
-          <a:effectLst>
-            <a:outerShdw blurRad="40000" dist="23000" dir="5400000" rotWithShape="0">
-              <a:srgbClr val="000000">
-                <a:alpha val="35000"/>
-              </a:srgbClr>
-            </a:outerShdw>
-          </a:effectLst>
-          <a:scene3d>
-            <a:camera prst="orthographicFront">
-              <a:rot lat="0" lon="0" rev="0"/>
-            </a:camera>
-            <a:lightRig rig="threePt" dir="t">
-              <a:rot lat="0" lon="0" rev="1200000"/>
-            </a:lightRig>
-          </a:scene3d>
-          <a:sp3d>
-            <a:bevelT w="63500" h="25400"/>
-          </a:sp3d>
-        </a:effectStyle>
-      </a:effectStyleLst>
-      <a:bgFillStyleLst>
-        <a:solidFill>
-          <a:schemeClr val="phClr"/>
-        </a:solidFill>
-        <a:gradFill rotWithShape="1">
-          <a:gsLst>
-            <a:gs pos="0">
-              <a:schemeClr val="phClr">
-                <a:tint val="40000"/>
-                <a:satMod val="350000"/>
-              </a:schemeClr>
-            </a:gs>
-            <a:gs pos="40000">
-              <a:schemeClr val="phClr">
-                <a:tint val="45000"/>
-                <a:shade val="99000"/>
-                <a:satMod val="350000"/>
-              </a:schemeClr>
-            </a:gs>
-            <a:gs pos="100000">
-              <a:schemeClr val="phClr">
-                <a:shade val="20000"/>
-                <a:satMod val="255000"/>
-              </a:schemeClr>
-            </a:gs>
-          </a:gsLst>
-          <a:path path="circle">
-            <a:fillToRect l="50000" t="-80000" r="50000" b="180000"/>
-          </a:path>
-        </a:gradFill>
-        <a:gradFill rotWithShape="1">
-          <a:gsLst>
-            <a:gs pos="0">
-              <a:schemeClr val="phClr">
-                <a:tint val="80000"/>
-                <a:satMod val="300000"/>
-              </a:schemeClr>
-            </a:gs>
-            <a:gs pos="100000">
-              <a:schemeClr val="phClr">
-                <a:shade val="30000"/>
-                <a:satMod val="200000"/>
-              </a:schemeClr>
-            </a:gs>
-          </a:gsLst>
-          <a:path path="circle">
-            <a:fillToRect l="50000" t="50000" r="50000" b="50000"/>
-          </a:path>
-        </a:gradFill>
-      </a:bgFillStyleLst>
-    </a:fmtScheme>
-  </a:themeElements>
-</a:theme>
 </file>
--- a/2024_LLM論文要約_8.pptx
+++ b/2024_LLM論文要約_8.pptx
@@ -22,16 +22,17 @@
     <p:sldId id="267" r:id="rId17"/>
     <p:sldId id="268" r:id="rId18"/>
     <p:sldId id="269" r:id="rId19"/>
+    <p:sldId id="270" r:id="rId20"/>
   </p:sldIdLst>
   <p:sldSz cy="5143500" cx="9144000"/>
   <p:notesSz cx="6858000" cy="9144000"/>
   <p:embeddedFontLst>
     <p:embeddedFont>
       <p:font typeface="Proxima Nova"/>
-      <p:regular r:id="rId20"/>
-      <p:bold r:id="rId21"/>
-      <p:italic r:id="rId22"/>
-      <p:boldItalic r:id="rId23"/>
+      <p:regular r:id="rId21"/>
+      <p:bold r:id="rId22"/>
+      <p:italic r:id="rId23"/>
+      <p:boldItalic r:id="rId24"/>
     </p:embeddedFont>
   </p:embeddedFontLst>
   <p:defaultTextStyle>
@@ -1222,7 +1223,7 @@
       </p:grpSpPr>
       <p:sp>
         <p:nvSpPr>
-          <p:cNvPr id="127" name="Google Shape;127;g2b3937a3876_0_15:notes"/>
+          <p:cNvPr id="127" name="Google Shape;127;g2f2ccb58738_0_0:notes"/>
           <p:cNvSpPr/>
           <p:nvPr>
             <p:ph idx="2" type="sldImg"/>
@@ -1257,7 +1258,106 @@
       </p:sp>
       <p:sp>
         <p:nvSpPr>
-          <p:cNvPr id="128" name="Google Shape;128;g2b3937a3876_0_15:notes"/>
+          <p:cNvPr id="128" name="Google Shape;128;g2f2ccb58738_0_0:notes"/>
+          <p:cNvSpPr txBox="1"/>
+          <p:nvPr>
+            <p:ph idx="1" type="body"/>
+          </p:nvPr>
+        </p:nvSpPr>
+        <p:spPr>
+          <a:xfrm>
+            <a:off x="685800" y="4343400"/>
+            <a:ext cx="5486400" cy="4114800"/>
+          </a:xfrm>
+          <a:prstGeom prst="rect">
+            <a:avLst/>
+          </a:prstGeom>
+        </p:spPr>
+        <p:txBody>
+          <a:bodyPr anchorCtr="0" anchor="t" bIns="91425" lIns="91425" spcFirstLastPara="1" rIns="91425" wrap="square" tIns="91425">
+            <a:noAutofit/>
+          </a:bodyPr>
+          <a:lstStyle/>
+          <a:p>
+            <a:pPr indent="0" lvl="0" marL="0" rtl="0" algn="l">
+              <a:spcBef>
+                <a:spcPts val="0"/>
+              </a:spcBef>
+              <a:spcAft>
+                <a:spcPts val="0"/>
+              </a:spcAft>
+              <a:buNone/>
+            </a:pPr>
+            <a:r>
+              <a:t/>
+            </a:r>
+            <a:endParaRPr/>
+          </a:p>
+        </p:txBody>
+      </p:sp>
+    </p:spTree>
+  </p:cSld>
+  <p:clrMapOvr>
+    <a:masterClrMapping/>
+  </p:clrMapOvr>
+</p:notes>
+</file>
+
+<file path=ppt/notesSlides/notesSlide15.xml><?xml version="1.0" encoding="utf-8"?>
+<p:notes xmlns:a="http://schemas.openxmlformats.org/drawingml/2006/main" xmlns:r="http://schemas.openxmlformats.org/officeDocument/2006/relationships" xmlns:mc="http://schemas.openxmlformats.org/markup-compatibility/2006" xmlns:mv="urn:schemas-microsoft-com:mac:vml" xmlns:p="http://schemas.openxmlformats.org/presentationml/2006/main" xmlns:c="http://schemas.openxmlformats.org/drawingml/2006/chart" xmlns:dgm="http://schemas.openxmlformats.org/drawingml/2006/diagram" xmlns:o="urn:schemas-microsoft-com:office:office" xmlns:v="urn:schemas-microsoft-com:vml" xmlns:pvml="urn:schemas-microsoft-com:office:powerpoint" xmlns:com="http://schemas.openxmlformats.org/drawingml/2006/compatibility" xmlns:p14="http://schemas.microsoft.com/office/powerpoint/2010/main" xmlns:p15="http://schemas.microsoft.com/office/powerpoint/2012/main" xmlns:ahyp="http://schemas.microsoft.com/office/drawing/2018/hyperlinkcolor" showMasterPhAnim="0" showMasterSp="0">
+  <p:cSld>
+    <p:spTree>
+      <p:nvGrpSpPr>
+        <p:cNvPr id="132" name="Shape 132"/>
+        <p:cNvGrpSpPr/>
+        <p:nvPr/>
+      </p:nvGrpSpPr>
+      <p:grpSpPr>
+        <a:xfrm>
+          <a:off x="0" y="0"/>
+          <a:ext cx="0" cy="0"/>
+          <a:chOff x="0" y="0"/>
+          <a:chExt cx="0" cy="0"/>
+        </a:xfrm>
+      </p:grpSpPr>
+      <p:sp>
+        <p:nvSpPr>
+          <p:cNvPr id="133" name="Google Shape;133;g2b3937a3876_0_15:notes"/>
+          <p:cNvSpPr/>
+          <p:nvPr>
+            <p:ph idx="2" type="sldImg"/>
+          </p:nvPr>
+        </p:nvSpPr>
+        <p:spPr>
+          <a:xfrm>
+            <a:off x="381300" y="685800"/>
+            <a:ext cx="6096000" cy="3429000"/>
+          </a:xfrm>
+          <a:custGeom>
+            <a:rect b="b" l="l" r="r" t="t"/>
+            <a:pathLst>
+              <a:path extrusionOk="0" h="120000" w="120000">
+                <a:moveTo>
+                  <a:pt x="0" y="0"/>
+                </a:moveTo>
+                <a:lnTo>
+                  <a:pt x="120000" y="0"/>
+                </a:lnTo>
+                <a:lnTo>
+                  <a:pt x="120000" y="120000"/>
+                </a:lnTo>
+                <a:lnTo>
+                  <a:pt x="0" y="120000"/>
+                </a:lnTo>
+                <a:close/>
+              </a:path>
+            </a:pathLst>
+          </a:custGeom>
+        </p:spPr>
+      </p:sp>
+      <p:sp>
+        <p:nvSpPr>
+          <p:cNvPr id="134" name="Google Shape;134;g2b3937a3876_0_15:notes"/>
           <p:cNvSpPr txBox="1"/>
           <p:nvPr>
             <p:ph idx="1" type="body"/>
@@ -14992,6 +15092,4778 @@
           <p:cNvPr id="130" name="Google Shape;130;p26"/>
           <p:cNvSpPr txBox="1"/>
           <p:nvPr>
+            <p:ph idx="1" type="body"/>
+          </p:nvPr>
+        </p:nvSpPr>
+        <p:spPr>
+          <a:xfrm>
+            <a:off x="0" y="0"/>
+            <a:ext cx="9144000" cy="5049600"/>
+          </a:xfrm>
+          <a:prstGeom prst="rect">
+            <a:avLst/>
+          </a:prstGeom>
+        </p:spPr>
+        <p:txBody>
+          <a:bodyPr anchorCtr="0" anchor="t" bIns="91425" lIns="91425" spcFirstLastPara="1" rIns="91425" wrap="square" tIns="91425">
+            <a:noAutofit/>
+          </a:bodyPr>
+          <a:lstStyle/>
+          <a:p>
+            <a:pPr indent="0" lvl="0" marL="0" rtl="0" algn="l">
+              <a:lnSpc>
+                <a:spcPct val="95000"/>
+              </a:lnSpc>
+              <a:spcBef>
+                <a:spcPts val="1200"/>
+              </a:spcBef>
+              <a:spcAft>
+                <a:spcPts val="0"/>
+              </a:spcAft>
+              <a:buNone/>
+            </a:pPr>
+            <a:r>
+              <a:rPr lang="ja" sz="791"/>
+              <a:t># Evaluating RAG-Fusion with RAGElo: an Automated Elo-based Framework RAG-Fusionの評価: RAGEloを用いた自動Eloベースフレームワ</a:t>
+            </a:r>
+            <a:endParaRPr sz="791"/>
+          </a:p>
+          <a:p>
+            <a:pPr indent="0" lvl="0" marL="0" rtl="0" algn="l">
+              <a:lnSpc>
+                <a:spcPct val="95000"/>
+              </a:lnSpc>
+              <a:spcBef>
+                <a:spcPts val="1200"/>
+              </a:spcBef>
+              <a:spcAft>
+                <a:spcPts val="0"/>
+              </a:spcAft>
+              <a:buNone/>
+            </a:pPr>
+            <a:r>
+              <a:t/>
+            </a:r>
+            <a:endParaRPr sz="791"/>
+          </a:p>
+          <a:p>
+            <a:pPr indent="0" lvl="0" marL="0" rtl="0" algn="l">
+              <a:lnSpc>
+                <a:spcPct val="95000"/>
+              </a:lnSpc>
+              <a:spcBef>
+                <a:spcPts val="1200"/>
+              </a:spcBef>
+              <a:spcAft>
+                <a:spcPts val="0"/>
+              </a:spcAft>
+              <a:buNone/>
+            </a:pPr>
+            <a:r>
+              <a:rPr lang="ja" sz="791"/>
+              <a:t>概要: RAGによるQAの自動評価で企業内タスクに対するベンチマークの不足に対応するためにLLMを活用してユーザーの実際のクエリとドメイン内の文書に基づく合成クエリの大規模データセットを生成し、自動EloベースのRAGエージェントの異なるバリエーションをランク付けする包括的なRAGElo評価フレームワークを提案。</a:t>
+            </a:r>
+            <a:endParaRPr sz="791"/>
+          </a:p>
+          <a:p>
+            <a:pPr indent="0" lvl="0" marL="0" rtl="0" algn="l">
+              <a:lnSpc>
+                <a:spcPct val="95000"/>
+              </a:lnSpc>
+              <a:spcBef>
+                <a:spcPts val="1200"/>
+              </a:spcBef>
+              <a:spcAft>
+                <a:spcPts val="0"/>
+              </a:spcAft>
+              <a:buNone/>
+            </a:pPr>
+            <a:r>
+              <a:rPr lang="ja" sz="791"/>
+              <a:t>製品QAタスクにおいてRAGとRAGFを評価し、RAGEloの評価基準によるとRAGFの方が優れた回答をすることがわかりました</a:t>
+            </a:r>
+            <a:endParaRPr sz="791"/>
+          </a:p>
+          <a:p>
+            <a:pPr indent="0" lvl="0" marL="0" rtl="0" algn="l">
+              <a:lnSpc>
+                <a:spcPct val="95000"/>
+              </a:lnSpc>
+              <a:spcBef>
+                <a:spcPts val="1200"/>
+              </a:spcBef>
+              <a:spcAft>
+                <a:spcPts val="0"/>
+              </a:spcAft>
+              <a:buNone/>
+            </a:pPr>
+            <a:r>
+              <a:t/>
+            </a:r>
+            <a:endParaRPr sz="791"/>
+          </a:p>
+          <a:p>
+            <a:pPr indent="0" lvl="0" marL="0" rtl="0" algn="l">
+              <a:lnSpc>
+                <a:spcPct val="95000"/>
+              </a:lnSpc>
+              <a:spcBef>
+                <a:spcPts val="1200"/>
+              </a:spcBef>
+              <a:spcAft>
+                <a:spcPts val="0"/>
+              </a:spcAft>
+              <a:buNone/>
+            </a:pPr>
+            <a:r>
+              <a:t/>
+            </a:r>
+            <a:endParaRPr sz="791"/>
+          </a:p>
+          <a:p>
+            <a:pPr indent="0" lvl="0" marL="0" rtl="0" algn="l">
+              <a:lnSpc>
+                <a:spcPct val="95000"/>
+              </a:lnSpc>
+              <a:spcBef>
+                <a:spcPts val="1200"/>
+              </a:spcBef>
+              <a:spcAft>
+                <a:spcPts val="0"/>
+              </a:spcAft>
+              <a:buNone/>
+            </a:pPr>
+            <a:r>
+              <a:t/>
+            </a:r>
+            <a:endParaRPr sz="791"/>
+          </a:p>
+          <a:p>
+            <a:pPr indent="0" lvl="0" marL="0" rtl="0" algn="l">
+              <a:lnSpc>
+                <a:spcPct val="95000"/>
+              </a:lnSpc>
+              <a:spcBef>
+                <a:spcPts val="1200"/>
+              </a:spcBef>
+              <a:spcAft>
+                <a:spcPts val="0"/>
+              </a:spcAft>
+              <a:buNone/>
+            </a:pPr>
+            <a:r>
+              <a:t/>
+            </a:r>
+            <a:endParaRPr sz="791"/>
+          </a:p>
+          <a:p>
+            <a:pPr indent="0" lvl="0" marL="0" rtl="0" algn="l">
+              <a:lnSpc>
+                <a:spcPct val="95000"/>
+              </a:lnSpc>
+              <a:spcBef>
+                <a:spcPts val="1200"/>
+              </a:spcBef>
+              <a:spcAft>
+                <a:spcPts val="0"/>
+              </a:spcAft>
+              <a:buNone/>
+            </a:pPr>
+            <a:r>
+              <a:t/>
+            </a:r>
+            <a:endParaRPr sz="791"/>
+          </a:p>
+          <a:p>
+            <a:pPr indent="0" lvl="0" marL="0" rtl="0" algn="l">
+              <a:lnSpc>
+                <a:spcPct val="95000"/>
+              </a:lnSpc>
+              <a:spcBef>
+                <a:spcPts val="1200"/>
+              </a:spcBef>
+              <a:spcAft>
+                <a:spcPts val="0"/>
+              </a:spcAft>
+              <a:buNone/>
+            </a:pPr>
+            <a:r>
+              <a:t/>
+            </a:r>
+            <a:endParaRPr sz="791"/>
+          </a:p>
+          <a:p>
+            <a:pPr indent="0" lvl="0" marL="0" rtl="0" algn="l">
+              <a:lnSpc>
+                <a:spcPct val="95000"/>
+              </a:lnSpc>
+              <a:spcBef>
+                <a:spcPts val="1200"/>
+              </a:spcBef>
+              <a:spcAft>
+                <a:spcPts val="0"/>
+              </a:spcAft>
+              <a:buNone/>
+            </a:pPr>
+            <a:r>
+              <a:t/>
+            </a:r>
+            <a:endParaRPr sz="791"/>
+          </a:p>
+          <a:p>
+            <a:pPr indent="0" lvl="0" marL="0" rtl="0" algn="l">
+              <a:lnSpc>
+                <a:spcPct val="95000"/>
+              </a:lnSpc>
+              <a:spcBef>
+                <a:spcPts val="1200"/>
+              </a:spcBef>
+              <a:spcAft>
+                <a:spcPts val="0"/>
+              </a:spcAft>
+              <a:buNone/>
+            </a:pPr>
+            <a:r>
+              <a:t/>
+            </a:r>
+            <a:endParaRPr sz="791"/>
+          </a:p>
+          <a:p>
+            <a:pPr indent="0" lvl="0" marL="0" rtl="0" algn="l">
+              <a:lnSpc>
+                <a:spcPct val="95000"/>
+              </a:lnSpc>
+              <a:spcBef>
+                <a:spcPts val="1200"/>
+              </a:spcBef>
+              <a:spcAft>
+                <a:spcPts val="0"/>
+              </a:spcAft>
+              <a:buNone/>
+            </a:pPr>
+            <a:r>
+              <a:rPr lang="ja" sz="791"/>
+              <a:t>RAGElo evaluation pipeline</a:t>
+            </a:r>
+            <a:endParaRPr sz="791"/>
+          </a:p>
+          <a:p>
+            <a:pPr indent="0" lvl="0" marL="0" rtl="0" algn="l">
+              <a:lnSpc>
+                <a:spcPct val="95000"/>
+              </a:lnSpc>
+              <a:spcBef>
+                <a:spcPts val="1200"/>
+              </a:spcBef>
+              <a:spcAft>
+                <a:spcPts val="0"/>
+              </a:spcAft>
+              <a:buNone/>
+            </a:pPr>
+            <a:r>
+              <a:t/>
+            </a:r>
+            <a:endParaRPr sz="791"/>
+          </a:p>
+          <a:p>
+            <a:pPr indent="0" lvl="0" marL="0" rtl="0" algn="l">
+              <a:lnSpc>
+                <a:spcPct val="95000"/>
+              </a:lnSpc>
+              <a:spcBef>
+                <a:spcPts val="1200"/>
+              </a:spcBef>
+              <a:spcAft>
+                <a:spcPts val="0"/>
+              </a:spcAft>
+              <a:buNone/>
+            </a:pPr>
+            <a:r>
+              <a:rPr lang="ja" sz="791"/>
+              <a:t>## 技術と手法について</a:t>
+            </a:r>
+            <a:endParaRPr sz="791"/>
+          </a:p>
+          <a:p>
+            <a:pPr indent="0" lvl="0" marL="0" rtl="0" algn="l">
+              <a:lnSpc>
+                <a:spcPct val="95000"/>
+              </a:lnSpc>
+              <a:spcBef>
+                <a:spcPts val="1200"/>
+              </a:spcBef>
+              <a:spcAft>
+                <a:spcPts val="0"/>
+              </a:spcAft>
+              <a:buNone/>
+            </a:pPr>
+            <a:r>
+              <a:t/>
+            </a:r>
+            <a:endParaRPr sz="791"/>
+          </a:p>
+          <a:p>
+            <a:pPr indent="0" lvl="0" marL="0" rtl="0" algn="l">
+              <a:lnSpc>
+                <a:spcPct val="95000"/>
+              </a:lnSpc>
+              <a:spcBef>
+                <a:spcPts val="1200"/>
+              </a:spcBef>
+              <a:spcAft>
+                <a:spcPts val="0"/>
+              </a:spcAft>
+              <a:buNone/>
+            </a:pPr>
+            <a:r>
+              <a:rPr lang="ja" sz="791"/>
+              <a:t>### **RAGEloフレームワーク**:</a:t>
+            </a:r>
+            <a:endParaRPr sz="791"/>
+          </a:p>
+          <a:p>
+            <a:pPr indent="0" lvl="0" marL="0" rtl="0" algn="l">
+              <a:lnSpc>
+                <a:spcPct val="95000"/>
+              </a:lnSpc>
+              <a:spcBef>
+                <a:spcPts val="1200"/>
+              </a:spcBef>
+              <a:spcAft>
+                <a:spcPts val="0"/>
+              </a:spcAft>
+              <a:buNone/>
+            </a:pPr>
+            <a:r>
+              <a:t/>
+            </a:r>
+            <a:endParaRPr sz="791"/>
+          </a:p>
+          <a:p>
+            <a:pPr indent="0" lvl="0" marL="0" rtl="0" algn="l">
+              <a:lnSpc>
+                <a:spcPct val="95000"/>
+              </a:lnSpc>
+              <a:spcBef>
+                <a:spcPts val="1200"/>
+              </a:spcBef>
+              <a:spcAft>
+                <a:spcPts val="0"/>
+              </a:spcAft>
+              <a:buNone/>
+            </a:pPr>
+            <a:r>
+              <a:rPr lang="ja" sz="791"/>
+              <a:t>RAGEloは、Eloランキングシステムに基づいた評価ツールキットで、RAGシステムによって生成されたドキュメントや回答を評価するために、LLMをジャッジとして使用します。</a:t>
+            </a:r>
+            <a:endParaRPr sz="791"/>
+          </a:p>
+          <a:p>
+            <a:pPr indent="0" lvl="0" marL="0" rtl="0" algn="l">
+              <a:lnSpc>
+                <a:spcPct val="95000"/>
+              </a:lnSpc>
+              <a:spcBef>
+                <a:spcPts val="1200"/>
+              </a:spcBef>
+              <a:spcAft>
+                <a:spcPts val="0"/>
+              </a:spcAft>
+              <a:buNone/>
+            </a:pPr>
+            <a:r>
+              <a:t/>
+            </a:r>
+            <a:endParaRPr sz="791"/>
+          </a:p>
+          <a:p>
+            <a:pPr indent="0" lvl="0" marL="0" rtl="0" algn="l">
+              <a:lnSpc>
+                <a:spcPct val="95000"/>
+              </a:lnSpc>
+              <a:spcBef>
+                <a:spcPts val="1200"/>
+              </a:spcBef>
+              <a:spcAft>
+                <a:spcPts val="0"/>
+              </a:spcAft>
+              <a:buNone/>
+            </a:pPr>
+            <a:r>
+              <a:rPr lang="ja" sz="791"/>
+              <a:t>### RAGEloの基本構成</a:t>
+            </a:r>
+            <a:endParaRPr sz="791"/>
+          </a:p>
+          <a:p>
+            <a:pPr indent="0" lvl="0" marL="0" rtl="0" algn="l">
+              <a:lnSpc>
+                <a:spcPct val="95000"/>
+              </a:lnSpc>
+              <a:spcBef>
+                <a:spcPts val="1200"/>
+              </a:spcBef>
+              <a:spcAft>
+                <a:spcPts val="0"/>
+              </a:spcAft>
+              <a:buNone/>
+            </a:pPr>
+            <a:r>
+              <a:t/>
+            </a:r>
+            <a:endParaRPr sz="791"/>
+          </a:p>
+          <a:p>
+            <a:pPr indent="0" lvl="0" marL="0" rtl="0" algn="l">
+              <a:lnSpc>
+                <a:spcPct val="95000"/>
+              </a:lnSpc>
+              <a:spcBef>
+                <a:spcPts val="1200"/>
+              </a:spcBef>
+              <a:spcAft>
+                <a:spcPts val="0"/>
+              </a:spcAft>
+              <a:buNone/>
+            </a:pPr>
+            <a:r>
+              <a:rPr lang="ja" sz="791"/>
+              <a:t>RAGEloは、以下の主要なコンポーネントで構成されています。</a:t>
+            </a:r>
+            <a:endParaRPr sz="791"/>
+          </a:p>
+          <a:p>
+            <a:pPr indent="0" lvl="0" marL="0" rtl="0" algn="l">
+              <a:lnSpc>
+                <a:spcPct val="95000"/>
+              </a:lnSpc>
+              <a:spcBef>
+                <a:spcPts val="1200"/>
+              </a:spcBef>
+              <a:spcAft>
+                <a:spcPts val="0"/>
+              </a:spcAft>
+              <a:buNone/>
+            </a:pPr>
+            <a:r>
+              <a:t/>
+            </a:r>
+            <a:endParaRPr sz="791"/>
+          </a:p>
+          <a:p>
+            <a:pPr indent="0" lvl="0" marL="0" rtl="0" algn="l">
+              <a:lnSpc>
+                <a:spcPct val="95000"/>
+              </a:lnSpc>
+              <a:spcBef>
+                <a:spcPts val="1200"/>
+              </a:spcBef>
+              <a:spcAft>
+                <a:spcPts val="0"/>
+              </a:spcAft>
+              <a:buNone/>
+            </a:pPr>
+            <a:r>
+              <a:rPr lang="ja" sz="791"/>
+              <a:t>- **Retrieval Evaluator（検索評価者）**: 検索された文書の関連性を評価するコンポーネントです。ユーザーのクエリに対して、システムが返した文書がどの程度関連性が高いかを評価します。</a:t>
+            </a:r>
+            <a:endParaRPr sz="791"/>
+          </a:p>
+          <a:p>
+            <a:pPr indent="0" lvl="0" marL="0" rtl="0" algn="l">
+              <a:lnSpc>
+                <a:spcPct val="95000"/>
+              </a:lnSpc>
+              <a:spcBef>
+                <a:spcPts val="1200"/>
+              </a:spcBef>
+              <a:spcAft>
+                <a:spcPts val="0"/>
+              </a:spcAft>
+              <a:buNone/>
+            </a:pPr>
+            <a:r>
+              <a:rPr lang="ja" sz="791"/>
+              <a:t>- **Pairwise Answer Evaluator（ペアワイズ回答評価者）**: 複数のRAGシステムが生成した回答を比較し、どちらの回答がより良いかを判断するコンポーネントです。</a:t>
+            </a:r>
+            <a:endParaRPr sz="791"/>
+          </a:p>
+          <a:p>
+            <a:pPr indent="0" lvl="0" marL="0" rtl="0" algn="l">
+              <a:lnSpc>
+                <a:spcPct val="95000"/>
+              </a:lnSpc>
+              <a:spcBef>
+                <a:spcPts val="1200"/>
+              </a:spcBef>
+              <a:spcAft>
+                <a:spcPts val="0"/>
+              </a:spcAft>
+              <a:buNone/>
+            </a:pPr>
+            <a:r>
+              <a:rPr lang="ja" sz="791"/>
+              <a:t>- **Elo Ranking System（Eloランキングシステム）**: 上記の評価結果を基に、RAGシステムのパフォーマンスをランキングするためのシステムです。</a:t>
+            </a:r>
+            <a:endParaRPr sz="791"/>
+          </a:p>
+          <a:p>
+            <a:pPr indent="0" lvl="0" marL="0" rtl="0" algn="l">
+              <a:lnSpc>
+                <a:spcPct val="95000"/>
+              </a:lnSpc>
+              <a:spcBef>
+                <a:spcPts val="1200"/>
+              </a:spcBef>
+              <a:spcAft>
+                <a:spcPts val="0"/>
+              </a:spcAft>
+              <a:buNone/>
+            </a:pPr>
+            <a:r>
+              <a:t/>
+            </a:r>
+            <a:endParaRPr sz="791"/>
+          </a:p>
+          <a:p>
+            <a:pPr indent="0" lvl="0" marL="0" rtl="0" algn="l">
+              <a:lnSpc>
+                <a:spcPct val="95000"/>
+              </a:lnSpc>
+              <a:spcBef>
+                <a:spcPts val="1200"/>
+              </a:spcBef>
+              <a:spcAft>
+                <a:spcPts val="0"/>
+              </a:spcAft>
+              <a:buNone/>
+            </a:pPr>
+            <a:r>
+              <a:rPr lang="ja" sz="791"/>
+              <a:t>### RAGEloの評価プロセス</a:t>
+            </a:r>
+            <a:endParaRPr sz="791"/>
+          </a:p>
+          <a:p>
+            <a:pPr indent="0" lvl="0" marL="0" rtl="0" algn="l">
+              <a:lnSpc>
+                <a:spcPct val="95000"/>
+              </a:lnSpc>
+              <a:spcBef>
+                <a:spcPts val="1200"/>
+              </a:spcBef>
+              <a:spcAft>
+                <a:spcPts val="0"/>
+              </a:spcAft>
+              <a:buNone/>
+            </a:pPr>
+            <a:r>
+              <a:t/>
+            </a:r>
+            <a:endParaRPr sz="791"/>
+          </a:p>
+          <a:p>
+            <a:pPr indent="0" lvl="0" marL="0" rtl="0" algn="l">
+              <a:lnSpc>
+                <a:spcPct val="95000"/>
+              </a:lnSpc>
+              <a:spcBef>
+                <a:spcPts val="1200"/>
+              </a:spcBef>
+              <a:spcAft>
+                <a:spcPts val="0"/>
+              </a:spcAft>
+              <a:buNone/>
+            </a:pPr>
+            <a:r>
+              <a:rPr lang="ja" sz="791"/>
+              <a:t>RAGEloの評価プロセスは、以下のステップで進行します。</a:t>
+            </a:r>
+            <a:endParaRPr sz="791"/>
+          </a:p>
+          <a:p>
+            <a:pPr indent="0" lvl="0" marL="0" rtl="0" algn="l">
+              <a:lnSpc>
+                <a:spcPct val="95000"/>
+              </a:lnSpc>
+              <a:spcBef>
+                <a:spcPts val="1200"/>
+              </a:spcBef>
+              <a:spcAft>
+                <a:spcPts val="0"/>
+              </a:spcAft>
+              <a:buNone/>
+            </a:pPr>
+            <a:r>
+              <a:t/>
+            </a:r>
+            <a:endParaRPr sz="791"/>
+          </a:p>
+          <a:p>
+            <a:pPr indent="0" lvl="0" marL="0" rtl="0" algn="l">
+              <a:lnSpc>
+                <a:spcPct val="95000"/>
+              </a:lnSpc>
+              <a:spcBef>
+                <a:spcPts val="1200"/>
+              </a:spcBef>
+              <a:spcAft>
+                <a:spcPts val="0"/>
+              </a:spcAft>
+              <a:buNone/>
+            </a:pPr>
+            <a:r>
+              <a:rPr lang="ja" sz="791"/>
+              <a:t>### 文書の検索と評価（Retrieval Evaluation）</a:t>
+            </a:r>
+            <a:endParaRPr sz="791"/>
+          </a:p>
+          <a:p>
+            <a:pPr indent="0" lvl="0" marL="0" rtl="0" algn="l">
+              <a:lnSpc>
+                <a:spcPct val="95000"/>
+              </a:lnSpc>
+              <a:spcBef>
+                <a:spcPts val="1200"/>
+              </a:spcBef>
+              <a:spcAft>
+                <a:spcPts val="0"/>
+              </a:spcAft>
+              <a:buNone/>
+            </a:pPr>
+            <a:r>
+              <a:t/>
+            </a:r>
+            <a:endParaRPr sz="791"/>
+          </a:p>
+          <a:p>
+            <a:pPr indent="0" lvl="0" marL="0" rtl="0" algn="l">
+              <a:lnSpc>
+                <a:spcPct val="95000"/>
+              </a:lnSpc>
+              <a:spcBef>
+                <a:spcPts val="1200"/>
+              </a:spcBef>
+              <a:spcAft>
+                <a:spcPts val="0"/>
+              </a:spcAft>
+              <a:buNone/>
+            </a:pPr>
+            <a:r>
+              <a:rPr lang="ja" sz="791"/>
+              <a:t>まず、RAGシステムがユーザーのクエリに対して検索した文書の関連性を評価します。RAGEloのRetrieval Evaluatorは、各文書の関連性を「Not Relevant（関連性なし）」、「Somewhat Relevant（やや関連あり）」、「Very Relevant（非常に関連あり）」の3段階で評価します。</a:t>
+            </a:r>
+            <a:endParaRPr sz="791"/>
+          </a:p>
+          <a:p>
+            <a:pPr indent="0" lvl="0" marL="0" rtl="0" algn="l">
+              <a:lnSpc>
+                <a:spcPct val="95000"/>
+              </a:lnSpc>
+              <a:spcBef>
+                <a:spcPts val="1200"/>
+              </a:spcBef>
+              <a:spcAft>
+                <a:spcPts val="0"/>
+              </a:spcAft>
+              <a:buNone/>
+            </a:pPr>
+            <a:r>
+              <a:t/>
+            </a:r>
+            <a:endParaRPr sz="791"/>
+          </a:p>
+          <a:p>
+            <a:pPr indent="0" lvl="0" marL="0" rtl="0" algn="l">
+              <a:lnSpc>
+                <a:spcPct val="95000"/>
+              </a:lnSpc>
+              <a:spcBef>
+                <a:spcPts val="1200"/>
+              </a:spcBef>
+              <a:spcAft>
+                <a:spcPts val="0"/>
+              </a:spcAft>
+              <a:buNone/>
+            </a:pPr>
+            <a:r>
+              <a:rPr lang="ja" sz="791"/>
+              <a:t>- **Not Relevant**: 文書がクエリに対して全く関連性がない場合。</a:t>
+            </a:r>
+            <a:endParaRPr sz="791"/>
+          </a:p>
+          <a:p>
+            <a:pPr indent="0" lvl="0" marL="0" rtl="0" algn="l">
+              <a:lnSpc>
+                <a:spcPct val="95000"/>
+              </a:lnSpc>
+              <a:spcBef>
+                <a:spcPts val="1200"/>
+              </a:spcBef>
+              <a:spcAft>
+                <a:spcPts val="0"/>
+              </a:spcAft>
+              <a:buNone/>
+            </a:pPr>
+            <a:r>
+              <a:rPr lang="ja" sz="791"/>
+              <a:t>- **Somewhat Relevant**: 文書がクエリに対してある程度関連性があるが、完全には答えていない場合。</a:t>
+            </a:r>
+            <a:endParaRPr sz="791"/>
+          </a:p>
+          <a:p>
+            <a:pPr indent="0" lvl="0" marL="0" rtl="0" algn="l">
+              <a:lnSpc>
+                <a:spcPct val="95000"/>
+              </a:lnSpc>
+              <a:spcBef>
+                <a:spcPts val="1200"/>
+              </a:spcBef>
+              <a:spcAft>
+                <a:spcPts val="0"/>
+              </a:spcAft>
+              <a:buNone/>
+            </a:pPr>
+            <a:r>
+              <a:rPr lang="ja" sz="791"/>
+              <a:t>- **Very Relevant**: 文書がクエリに対して完全に関連し、質問に十分に答えている場合。</a:t>
+            </a:r>
+            <a:endParaRPr sz="791"/>
+          </a:p>
+          <a:p>
+            <a:pPr indent="0" lvl="0" marL="0" rtl="0" algn="l">
+              <a:lnSpc>
+                <a:spcPct val="95000"/>
+              </a:lnSpc>
+              <a:spcBef>
+                <a:spcPts val="1200"/>
+              </a:spcBef>
+              <a:spcAft>
+                <a:spcPts val="0"/>
+              </a:spcAft>
+              <a:buNone/>
+            </a:pPr>
+            <a:r>
+              <a:t/>
+            </a:r>
+            <a:endParaRPr sz="791"/>
+          </a:p>
+          <a:p>
+            <a:pPr indent="0" lvl="0" marL="0" rtl="0" algn="l">
+              <a:lnSpc>
+                <a:spcPct val="95000"/>
+              </a:lnSpc>
+              <a:spcBef>
+                <a:spcPts val="1200"/>
+              </a:spcBef>
+              <a:spcAft>
+                <a:spcPts val="0"/>
+              </a:spcAft>
+              <a:buNone/>
+            </a:pPr>
+            <a:r>
+              <a:rPr lang="ja" sz="791"/>
+              <a:t>この評価は、LLMを使用して自動的に行われ、評価結果は後続の回答評価に利用されます。</a:t>
+            </a:r>
+            <a:endParaRPr sz="791"/>
+          </a:p>
+          <a:p>
+            <a:pPr indent="0" lvl="0" marL="0" rtl="0" algn="l">
+              <a:lnSpc>
+                <a:spcPct val="95000"/>
+              </a:lnSpc>
+              <a:spcBef>
+                <a:spcPts val="1200"/>
+              </a:spcBef>
+              <a:spcAft>
+                <a:spcPts val="0"/>
+              </a:spcAft>
+              <a:buNone/>
+            </a:pPr>
+            <a:r>
+              <a:t/>
+            </a:r>
+            <a:endParaRPr sz="791"/>
+          </a:p>
+          <a:p>
+            <a:pPr indent="0" lvl="0" marL="0" rtl="0" algn="l">
+              <a:lnSpc>
+                <a:spcPct val="95000"/>
+              </a:lnSpc>
+              <a:spcBef>
+                <a:spcPts val="1200"/>
+              </a:spcBef>
+              <a:spcAft>
+                <a:spcPts val="0"/>
+              </a:spcAft>
+              <a:buNone/>
+            </a:pPr>
+            <a:r>
+              <a:rPr lang="ja" sz="791"/>
+              <a:t>### 回答の比較と評価（Pairwise Answer Evaluation）</a:t>
+            </a:r>
+            <a:endParaRPr sz="791"/>
+          </a:p>
+          <a:p>
+            <a:pPr indent="0" lvl="0" marL="0" rtl="0" algn="l">
+              <a:lnSpc>
+                <a:spcPct val="95000"/>
+              </a:lnSpc>
+              <a:spcBef>
+                <a:spcPts val="1200"/>
+              </a:spcBef>
+              <a:spcAft>
+                <a:spcPts val="0"/>
+              </a:spcAft>
+              <a:buNone/>
+            </a:pPr>
+            <a:r>
+              <a:t/>
+            </a:r>
+            <a:endParaRPr sz="791"/>
+          </a:p>
+          <a:p>
+            <a:pPr indent="0" lvl="0" marL="0" rtl="0" algn="l">
+              <a:lnSpc>
+                <a:spcPct val="95000"/>
+              </a:lnSpc>
+              <a:spcBef>
+                <a:spcPts val="1200"/>
+              </a:spcBef>
+              <a:spcAft>
+                <a:spcPts val="0"/>
+              </a:spcAft>
+              <a:buNone/>
+            </a:pPr>
+            <a:r>
+              <a:rPr lang="ja" sz="791"/>
+              <a:t>次に、RAGシステムが生成した回答の質を評価します。ここでは、異なるRAGシステムの回答をペアで比較し、どちらの回答が優れているかを判断します。この評価もLLMを「ジャッジ(**LLM-as-a-Judge**)」として使用し、以下の基準に基づいて行われます。</a:t>
+            </a:r>
+            <a:endParaRPr sz="791"/>
+          </a:p>
+          <a:p>
+            <a:pPr indent="0" lvl="0" marL="0" rtl="0" algn="l">
+              <a:lnSpc>
+                <a:spcPct val="95000"/>
+              </a:lnSpc>
+              <a:spcBef>
+                <a:spcPts val="1200"/>
+              </a:spcBef>
+              <a:spcAft>
+                <a:spcPts val="0"/>
+              </a:spcAft>
+              <a:buNone/>
+            </a:pPr>
+            <a:r>
+              <a:t/>
+            </a:r>
+            <a:endParaRPr sz="791"/>
+          </a:p>
+          <a:p>
+            <a:pPr indent="0" lvl="0" marL="0" rtl="0" algn="l">
+              <a:lnSpc>
+                <a:spcPct val="95000"/>
+              </a:lnSpc>
+              <a:spcBef>
+                <a:spcPts val="1200"/>
+              </a:spcBef>
+              <a:spcAft>
+                <a:spcPts val="0"/>
+              </a:spcAft>
+              <a:buNone/>
+            </a:pPr>
+            <a:r>
+              <a:rPr lang="ja" sz="791"/>
+              <a:t>- **Relevance（関連性）**: 回答がユーザーの質問にどれだけ関連しているか。</a:t>
+            </a:r>
+            <a:endParaRPr sz="791"/>
+          </a:p>
+          <a:p>
+            <a:pPr indent="0" lvl="0" marL="0" rtl="0" algn="l">
+              <a:lnSpc>
+                <a:spcPct val="95000"/>
+              </a:lnSpc>
+              <a:spcBef>
+                <a:spcPts val="1200"/>
+              </a:spcBef>
+              <a:spcAft>
+                <a:spcPts val="0"/>
+              </a:spcAft>
+              <a:buNone/>
+            </a:pPr>
+            <a:r>
+              <a:rPr lang="ja" sz="791"/>
+              <a:t>- **Accuracy（正確性）**: 回答が文書に基づいて事実に即しているか。</a:t>
+            </a:r>
+            <a:endParaRPr sz="791"/>
+          </a:p>
+          <a:p>
+            <a:pPr indent="0" lvl="0" marL="0" rtl="0" algn="l">
+              <a:lnSpc>
+                <a:spcPct val="95000"/>
+              </a:lnSpc>
+              <a:spcBef>
+                <a:spcPts val="1200"/>
+              </a:spcBef>
+              <a:spcAft>
+                <a:spcPts val="0"/>
+              </a:spcAft>
+              <a:buNone/>
+            </a:pPr>
+            <a:r>
+              <a:rPr lang="ja" sz="791"/>
+              <a:t>- **Completeness（完全性）**: 回答がユーザーの質問に対してすべての必要な情報を提供しているか。</a:t>
+            </a:r>
+            <a:endParaRPr sz="791"/>
+          </a:p>
+          <a:p>
+            <a:pPr indent="0" lvl="0" marL="0" rtl="0" algn="l">
+              <a:lnSpc>
+                <a:spcPct val="95000"/>
+              </a:lnSpc>
+              <a:spcBef>
+                <a:spcPts val="1200"/>
+              </a:spcBef>
+              <a:spcAft>
+                <a:spcPts val="0"/>
+              </a:spcAft>
+              <a:buNone/>
+            </a:pPr>
+            <a:r>
+              <a:rPr lang="ja" sz="791"/>
+              <a:t>- **Precision（精度）**: 回答が特定の商品やプロダクトラインに関連しているか。</a:t>
+            </a:r>
+            <a:endParaRPr sz="791"/>
+          </a:p>
+          <a:p>
+            <a:pPr indent="0" lvl="0" marL="0" rtl="0" algn="l">
+              <a:lnSpc>
+                <a:spcPct val="95000"/>
+              </a:lnSpc>
+              <a:spcBef>
+                <a:spcPts val="1200"/>
+              </a:spcBef>
+              <a:spcAft>
+                <a:spcPts val="0"/>
+              </a:spcAft>
+              <a:buNone/>
+            </a:pPr>
+            <a:r>
+              <a:t/>
+            </a:r>
+            <a:endParaRPr sz="791"/>
+          </a:p>
+          <a:p>
+            <a:pPr indent="0" lvl="0" marL="0" rtl="0" algn="l">
+              <a:lnSpc>
+                <a:spcPct val="95000"/>
+              </a:lnSpc>
+              <a:spcBef>
+                <a:spcPts val="1200"/>
+              </a:spcBef>
+              <a:spcAft>
+                <a:spcPts val="0"/>
+              </a:spcAft>
+              <a:buNone/>
+            </a:pPr>
+            <a:r>
+              <a:rPr lang="ja" sz="791"/>
+              <a:t>各回答の質を評価した後、どちらの回答が優れているかを判定し、勝者を決定します。このプロセスは、クエリごとに複数回繰り返され、RAGシステム全体のパフォーマンスを評価します。</a:t>
+            </a:r>
+            <a:endParaRPr sz="791"/>
+          </a:p>
+          <a:p>
+            <a:pPr indent="0" lvl="0" marL="0" rtl="0" algn="l">
+              <a:lnSpc>
+                <a:spcPct val="95000"/>
+              </a:lnSpc>
+              <a:spcBef>
+                <a:spcPts val="1200"/>
+              </a:spcBef>
+              <a:spcAft>
+                <a:spcPts val="0"/>
+              </a:spcAft>
+              <a:buNone/>
+            </a:pPr>
+            <a:r>
+              <a:t/>
+            </a:r>
+            <a:endParaRPr sz="791"/>
+          </a:p>
+          <a:p>
+            <a:pPr indent="0" lvl="0" marL="0" rtl="0" algn="l">
+              <a:lnSpc>
+                <a:spcPct val="95000"/>
+              </a:lnSpc>
+              <a:spcBef>
+                <a:spcPts val="1200"/>
+              </a:spcBef>
+              <a:spcAft>
+                <a:spcPts val="0"/>
+              </a:spcAft>
+              <a:buNone/>
+            </a:pPr>
+            <a:r>
+              <a:rPr lang="ja" sz="791"/>
+              <a:t>## **LLM-as-a-Judge**:</a:t>
+            </a:r>
+            <a:endParaRPr sz="791"/>
+          </a:p>
+          <a:p>
+            <a:pPr indent="0" lvl="0" marL="0" rtl="0" algn="l">
+              <a:lnSpc>
+                <a:spcPct val="95000"/>
+              </a:lnSpc>
+              <a:spcBef>
+                <a:spcPts val="1200"/>
+              </a:spcBef>
+              <a:spcAft>
+                <a:spcPts val="0"/>
+              </a:spcAft>
+              <a:buNone/>
+            </a:pPr>
+            <a:r>
+              <a:t/>
+            </a:r>
+            <a:endParaRPr sz="791"/>
+          </a:p>
+          <a:p>
+            <a:pPr indent="0" lvl="0" marL="0" rtl="0" algn="l">
+              <a:lnSpc>
+                <a:spcPct val="95000"/>
+              </a:lnSpc>
+              <a:spcBef>
+                <a:spcPts val="1200"/>
+              </a:spcBef>
+              <a:spcAft>
+                <a:spcPts val="0"/>
+              </a:spcAft>
+              <a:buNone/>
+            </a:pPr>
+            <a:r>
+              <a:rPr lang="ja" sz="791"/>
+              <a:t>LLMをジャッジとして使用し、生成された回答の品質を評価します。評価には、関連性、正確性、完全性、精度の4つの基準が使用されます。</a:t>
+            </a:r>
+            <a:endParaRPr sz="791"/>
+          </a:p>
+          <a:p>
+            <a:pPr indent="0" lvl="0" marL="0" rtl="0" algn="l">
+              <a:lnSpc>
+                <a:spcPct val="95000"/>
+              </a:lnSpc>
+              <a:spcBef>
+                <a:spcPts val="1200"/>
+              </a:spcBef>
+              <a:spcAft>
+                <a:spcPts val="0"/>
+              </a:spcAft>
+              <a:buNone/>
+            </a:pPr>
+            <a:r>
+              <a:t/>
+            </a:r>
+            <a:endParaRPr sz="791"/>
+          </a:p>
+          <a:p>
+            <a:pPr indent="0" lvl="0" marL="0" rtl="0" algn="l">
+              <a:lnSpc>
+                <a:spcPct val="95000"/>
+              </a:lnSpc>
+              <a:spcBef>
+                <a:spcPts val="1200"/>
+              </a:spcBef>
+              <a:spcAft>
+                <a:spcPts val="0"/>
+              </a:spcAft>
+              <a:buNone/>
+            </a:pPr>
+            <a:r>
+              <a:rPr lang="ja" sz="791"/>
+              <a:t>### 2. 評価基準</a:t>
+            </a:r>
+            <a:endParaRPr sz="791"/>
+          </a:p>
+          <a:p>
+            <a:pPr indent="0" lvl="0" marL="0" rtl="0" algn="l">
+              <a:lnSpc>
+                <a:spcPct val="95000"/>
+              </a:lnSpc>
+              <a:spcBef>
+                <a:spcPts val="1200"/>
+              </a:spcBef>
+              <a:spcAft>
+                <a:spcPts val="0"/>
+              </a:spcAft>
+              <a:buNone/>
+            </a:pPr>
+            <a:r>
+              <a:t/>
+            </a:r>
+            <a:endParaRPr sz="791"/>
+          </a:p>
+          <a:p>
+            <a:pPr indent="0" lvl="0" marL="0" rtl="0" algn="l">
+              <a:lnSpc>
+                <a:spcPct val="95000"/>
+              </a:lnSpc>
+              <a:spcBef>
+                <a:spcPts val="1200"/>
+              </a:spcBef>
+              <a:spcAft>
+                <a:spcPts val="0"/>
+              </a:spcAft>
+              <a:buNone/>
+            </a:pPr>
+            <a:r>
+              <a:rPr lang="ja" sz="791"/>
+              <a:t>LLM-as-a-Judgeは、主に以下の4つの基準に基づいて回答の品質を評価します。</a:t>
+            </a:r>
+            <a:endParaRPr sz="791"/>
+          </a:p>
+          <a:p>
+            <a:pPr indent="0" lvl="0" marL="0" rtl="0" algn="l">
+              <a:lnSpc>
+                <a:spcPct val="95000"/>
+              </a:lnSpc>
+              <a:spcBef>
+                <a:spcPts val="1200"/>
+              </a:spcBef>
+              <a:spcAft>
+                <a:spcPts val="0"/>
+              </a:spcAft>
+              <a:buNone/>
+            </a:pPr>
+            <a:r>
+              <a:t/>
+            </a:r>
+            <a:endParaRPr sz="791"/>
+          </a:p>
+          <a:p>
+            <a:pPr indent="0" lvl="0" marL="0" rtl="0" algn="l">
+              <a:lnSpc>
+                <a:spcPct val="95000"/>
+              </a:lnSpc>
+              <a:spcBef>
+                <a:spcPts val="1200"/>
+              </a:spcBef>
+              <a:spcAft>
+                <a:spcPts val="0"/>
+              </a:spcAft>
+              <a:buNone/>
+            </a:pPr>
+            <a:r>
+              <a:rPr lang="ja" sz="791"/>
+              <a:t>### 2.1. **関連性 (Relevance)**</a:t>
+            </a:r>
+            <a:endParaRPr sz="791"/>
+          </a:p>
+          <a:p>
+            <a:pPr indent="0" lvl="0" marL="0" rtl="0" algn="l">
+              <a:lnSpc>
+                <a:spcPct val="95000"/>
+              </a:lnSpc>
+              <a:spcBef>
+                <a:spcPts val="1200"/>
+              </a:spcBef>
+              <a:spcAft>
+                <a:spcPts val="0"/>
+              </a:spcAft>
+              <a:buNone/>
+            </a:pPr>
+            <a:r>
+              <a:t/>
+            </a:r>
+            <a:endParaRPr sz="791"/>
+          </a:p>
+          <a:p>
+            <a:pPr indent="0" lvl="0" marL="0" rtl="0" algn="l">
+              <a:lnSpc>
+                <a:spcPct val="95000"/>
+              </a:lnSpc>
+              <a:spcBef>
+                <a:spcPts val="1200"/>
+              </a:spcBef>
+              <a:spcAft>
+                <a:spcPts val="0"/>
+              </a:spcAft>
+              <a:buNone/>
+            </a:pPr>
+            <a:r>
+              <a:rPr lang="ja" sz="791"/>
+              <a:t>**関連性**は、生成された回答がユーザーの質問にどれだけ関連しているかを評価する基準です。具体的には、回答が質問に対して適切な情報を提供しているか、質問の意図を正しく理解しているかを判断します。関連性が高い回答は、ユーザーの質問に直接関係する情報を含んでおり、質問の意図を満たす内容になっています。</a:t>
+            </a:r>
+            <a:endParaRPr sz="791"/>
+          </a:p>
+          <a:p>
+            <a:pPr indent="0" lvl="0" marL="0" rtl="0" algn="l">
+              <a:lnSpc>
+                <a:spcPct val="95000"/>
+              </a:lnSpc>
+              <a:spcBef>
+                <a:spcPts val="1200"/>
+              </a:spcBef>
+              <a:spcAft>
+                <a:spcPts val="0"/>
+              </a:spcAft>
+              <a:buNone/>
+            </a:pPr>
+            <a:r>
+              <a:t/>
+            </a:r>
+            <a:endParaRPr sz="791"/>
+          </a:p>
+          <a:p>
+            <a:pPr indent="0" lvl="0" marL="0" rtl="0" algn="l">
+              <a:lnSpc>
+                <a:spcPct val="95000"/>
+              </a:lnSpc>
+              <a:spcBef>
+                <a:spcPts val="1200"/>
+              </a:spcBef>
+              <a:spcAft>
+                <a:spcPts val="0"/>
+              </a:spcAft>
+              <a:buNone/>
+            </a:pPr>
+            <a:r>
+              <a:rPr lang="ja" sz="791"/>
+              <a:t>**評価のポイント**:</a:t>
+            </a:r>
+            <a:endParaRPr sz="791"/>
+          </a:p>
+          <a:p>
+            <a:pPr indent="0" lvl="0" marL="0" rtl="0" algn="l">
+              <a:lnSpc>
+                <a:spcPct val="95000"/>
+              </a:lnSpc>
+              <a:spcBef>
+                <a:spcPts val="1200"/>
+              </a:spcBef>
+              <a:spcAft>
+                <a:spcPts val="0"/>
+              </a:spcAft>
+              <a:buNone/>
+            </a:pPr>
+            <a:r>
+              <a:t/>
+            </a:r>
+            <a:endParaRPr sz="791"/>
+          </a:p>
+          <a:p>
+            <a:pPr indent="0" lvl="0" marL="0" rtl="0" algn="l">
+              <a:lnSpc>
+                <a:spcPct val="95000"/>
+              </a:lnSpc>
+              <a:spcBef>
+                <a:spcPts val="1200"/>
+              </a:spcBef>
+              <a:spcAft>
+                <a:spcPts val="0"/>
+              </a:spcAft>
+              <a:buNone/>
+            </a:pPr>
+            <a:r>
+              <a:rPr lang="ja" sz="791"/>
+              <a:t>- 回答が質問の主題に対して直接的に応答しているか。</a:t>
+            </a:r>
+            <a:endParaRPr sz="791"/>
+          </a:p>
+          <a:p>
+            <a:pPr indent="0" lvl="0" marL="0" rtl="0" algn="l">
+              <a:lnSpc>
+                <a:spcPct val="95000"/>
+              </a:lnSpc>
+              <a:spcBef>
+                <a:spcPts val="1200"/>
+              </a:spcBef>
+              <a:spcAft>
+                <a:spcPts val="0"/>
+              </a:spcAft>
+              <a:buNone/>
+            </a:pPr>
+            <a:r>
+              <a:rPr lang="ja" sz="791"/>
+              <a:t>- 回答が質問に無関係な情報を含んでいないか。</a:t>
+            </a:r>
+            <a:endParaRPr sz="791"/>
+          </a:p>
+          <a:p>
+            <a:pPr indent="0" lvl="0" marL="0" rtl="0" algn="l">
+              <a:lnSpc>
+                <a:spcPct val="95000"/>
+              </a:lnSpc>
+              <a:spcBef>
+                <a:spcPts val="1200"/>
+              </a:spcBef>
+              <a:spcAft>
+                <a:spcPts val="0"/>
+              </a:spcAft>
+              <a:buNone/>
+            </a:pPr>
+            <a:r>
+              <a:t/>
+            </a:r>
+            <a:endParaRPr sz="791"/>
+          </a:p>
+          <a:p>
+            <a:pPr indent="0" lvl="0" marL="0" rtl="0" algn="l">
+              <a:lnSpc>
+                <a:spcPct val="95000"/>
+              </a:lnSpc>
+              <a:spcBef>
+                <a:spcPts val="1200"/>
+              </a:spcBef>
+              <a:spcAft>
+                <a:spcPts val="0"/>
+              </a:spcAft>
+              <a:buNone/>
+            </a:pPr>
+            <a:r>
+              <a:rPr lang="ja" sz="791"/>
+              <a:t>### 2.2. **正確性 (Accuracy)**</a:t>
+            </a:r>
+            <a:endParaRPr sz="791"/>
+          </a:p>
+          <a:p>
+            <a:pPr indent="0" lvl="0" marL="0" rtl="0" algn="l">
+              <a:lnSpc>
+                <a:spcPct val="95000"/>
+              </a:lnSpc>
+              <a:spcBef>
+                <a:spcPts val="1200"/>
+              </a:spcBef>
+              <a:spcAft>
+                <a:spcPts val="0"/>
+              </a:spcAft>
+              <a:buNone/>
+            </a:pPr>
+            <a:r>
+              <a:t/>
+            </a:r>
+            <a:endParaRPr sz="791"/>
+          </a:p>
+          <a:p>
+            <a:pPr indent="0" lvl="0" marL="0" rtl="0" algn="l">
+              <a:lnSpc>
+                <a:spcPct val="95000"/>
+              </a:lnSpc>
+              <a:spcBef>
+                <a:spcPts val="1200"/>
+              </a:spcBef>
+              <a:spcAft>
+                <a:spcPts val="0"/>
+              </a:spcAft>
+              <a:buNone/>
+            </a:pPr>
+            <a:r>
+              <a:rPr lang="ja" sz="791"/>
+              <a:t>**正確性**は、生成された回答が事実に基づいて正確であるかを評価する基準です。ここでは、回答が提供された文書やデータに基づいており、誤った情報や幻覚（hallucination）を含んでいないことが求められます。LLM-as-a-Judgeは、関連するドキュメントを参照しながら回答の正確性を判断します。</a:t>
+            </a:r>
+            <a:endParaRPr sz="791"/>
+          </a:p>
+          <a:p>
+            <a:pPr indent="0" lvl="0" marL="0" rtl="0" algn="l">
+              <a:lnSpc>
+                <a:spcPct val="95000"/>
+              </a:lnSpc>
+              <a:spcBef>
+                <a:spcPts val="1200"/>
+              </a:spcBef>
+              <a:spcAft>
+                <a:spcPts val="0"/>
+              </a:spcAft>
+              <a:buNone/>
+            </a:pPr>
+            <a:r>
+              <a:t/>
+            </a:r>
+            <a:endParaRPr sz="791"/>
+          </a:p>
+          <a:p>
+            <a:pPr indent="0" lvl="0" marL="0" rtl="0" algn="l">
+              <a:lnSpc>
+                <a:spcPct val="95000"/>
+              </a:lnSpc>
+              <a:spcBef>
+                <a:spcPts val="1200"/>
+              </a:spcBef>
+              <a:spcAft>
+                <a:spcPts val="0"/>
+              </a:spcAft>
+              <a:buNone/>
+            </a:pPr>
+            <a:r>
+              <a:rPr lang="ja" sz="791"/>
+              <a:t>**評価のポイント**:</a:t>
+            </a:r>
+            <a:endParaRPr sz="791"/>
+          </a:p>
+          <a:p>
+            <a:pPr indent="0" lvl="0" marL="0" rtl="0" algn="l">
+              <a:lnSpc>
+                <a:spcPct val="95000"/>
+              </a:lnSpc>
+              <a:spcBef>
+                <a:spcPts val="1200"/>
+              </a:spcBef>
+              <a:spcAft>
+                <a:spcPts val="0"/>
+              </a:spcAft>
+              <a:buNone/>
+            </a:pPr>
+            <a:r>
+              <a:t/>
+            </a:r>
+            <a:endParaRPr sz="791"/>
+          </a:p>
+          <a:p>
+            <a:pPr indent="0" lvl="0" marL="0" rtl="0" algn="l">
+              <a:lnSpc>
+                <a:spcPct val="95000"/>
+              </a:lnSpc>
+              <a:spcBef>
+                <a:spcPts val="1200"/>
+              </a:spcBef>
+              <a:spcAft>
+                <a:spcPts val="0"/>
+              </a:spcAft>
+              <a:buNone/>
+            </a:pPr>
+            <a:r>
+              <a:rPr lang="ja" sz="791"/>
+              <a:t>- 回答がドキュメントに基づいて正しい情報を提供しているか。</a:t>
+            </a:r>
+            <a:endParaRPr sz="791"/>
+          </a:p>
+          <a:p>
+            <a:pPr indent="0" lvl="0" marL="0" rtl="0" algn="l">
+              <a:lnSpc>
+                <a:spcPct val="95000"/>
+              </a:lnSpc>
+              <a:spcBef>
+                <a:spcPts val="1200"/>
+              </a:spcBef>
+              <a:spcAft>
+                <a:spcPts val="0"/>
+              </a:spcAft>
+              <a:buNone/>
+            </a:pPr>
+            <a:r>
+              <a:rPr lang="ja" sz="791"/>
+              <a:t>- 回答に誤った事実や誤解を招く情報が含まれていないか。</a:t>
+            </a:r>
+            <a:endParaRPr sz="791"/>
+          </a:p>
+          <a:p>
+            <a:pPr indent="0" lvl="0" marL="0" rtl="0" algn="l">
+              <a:lnSpc>
+                <a:spcPct val="95000"/>
+              </a:lnSpc>
+              <a:spcBef>
+                <a:spcPts val="1200"/>
+              </a:spcBef>
+              <a:spcAft>
+                <a:spcPts val="0"/>
+              </a:spcAft>
+              <a:buNone/>
+            </a:pPr>
+            <a:r>
+              <a:t/>
+            </a:r>
+            <a:endParaRPr sz="791"/>
+          </a:p>
+          <a:p>
+            <a:pPr indent="0" lvl="0" marL="0" rtl="0" algn="l">
+              <a:lnSpc>
+                <a:spcPct val="95000"/>
+              </a:lnSpc>
+              <a:spcBef>
+                <a:spcPts val="1200"/>
+              </a:spcBef>
+              <a:spcAft>
+                <a:spcPts val="0"/>
+              </a:spcAft>
+              <a:buNone/>
+            </a:pPr>
+            <a:r>
+              <a:rPr lang="ja" sz="791"/>
+              <a:t>### 2.3. **完全性 (Completeness)**</a:t>
+            </a:r>
+            <a:endParaRPr sz="791"/>
+          </a:p>
+          <a:p>
+            <a:pPr indent="0" lvl="0" marL="0" rtl="0" algn="l">
+              <a:lnSpc>
+                <a:spcPct val="95000"/>
+              </a:lnSpc>
+              <a:spcBef>
+                <a:spcPts val="1200"/>
+              </a:spcBef>
+              <a:spcAft>
+                <a:spcPts val="0"/>
+              </a:spcAft>
+              <a:buNone/>
+            </a:pPr>
+            <a:r>
+              <a:t/>
+            </a:r>
+            <a:endParaRPr sz="791"/>
+          </a:p>
+          <a:p>
+            <a:pPr indent="0" lvl="0" marL="0" rtl="0" algn="l">
+              <a:lnSpc>
+                <a:spcPct val="95000"/>
+              </a:lnSpc>
+              <a:spcBef>
+                <a:spcPts val="1200"/>
+              </a:spcBef>
+              <a:spcAft>
+                <a:spcPts val="0"/>
+              </a:spcAft>
+              <a:buNone/>
+            </a:pPr>
+            <a:r>
+              <a:rPr lang="ja" sz="791"/>
+              <a:t>**完全性**は、生成された回答が質問に対して必要なすべての情報を提供しているかを評価する基準です。回答が質問の一部にしか答えていない場合は、完全性が低いと評価されます。LLM-as-a-Judgeは、回答が質問の全体に対して適切な情報を提供しているかをチェックします。</a:t>
+            </a:r>
+            <a:endParaRPr sz="791"/>
+          </a:p>
+          <a:p>
+            <a:pPr indent="0" lvl="0" marL="0" rtl="0" algn="l">
+              <a:lnSpc>
+                <a:spcPct val="95000"/>
+              </a:lnSpc>
+              <a:spcBef>
+                <a:spcPts val="1200"/>
+              </a:spcBef>
+              <a:spcAft>
+                <a:spcPts val="0"/>
+              </a:spcAft>
+              <a:buNone/>
+            </a:pPr>
+            <a:r>
+              <a:t/>
+            </a:r>
+            <a:endParaRPr sz="791"/>
+          </a:p>
+          <a:p>
+            <a:pPr indent="0" lvl="0" marL="0" rtl="0" algn="l">
+              <a:lnSpc>
+                <a:spcPct val="95000"/>
+              </a:lnSpc>
+              <a:spcBef>
+                <a:spcPts val="1200"/>
+              </a:spcBef>
+              <a:spcAft>
+                <a:spcPts val="0"/>
+              </a:spcAft>
+              <a:buNone/>
+            </a:pPr>
+            <a:r>
+              <a:rPr lang="ja" sz="791"/>
+              <a:t>**評価のポイント**:</a:t>
+            </a:r>
+            <a:endParaRPr sz="791"/>
+          </a:p>
+          <a:p>
+            <a:pPr indent="0" lvl="0" marL="0" rtl="0" algn="l">
+              <a:lnSpc>
+                <a:spcPct val="95000"/>
+              </a:lnSpc>
+              <a:spcBef>
+                <a:spcPts val="1200"/>
+              </a:spcBef>
+              <a:spcAft>
+                <a:spcPts val="0"/>
+              </a:spcAft>
+              <a:buNone/>
+            </a:pPr>
+            <a:r>
+              <a:t/>
+            </a:r>
+            <a:endParaRPr sz="791"/>
+          </a:p>
+          <a:p>
+            <a:pPr indent="0" lvl="0" marL="0" rtl="0" algn="l">
+              <a:lnSpc>
+                <a:spcPct val="95000"/>
+              </a:lnSpc>
+              <a:spcBef>
+                <a:spcPts val="1200"/>
+              </a:spcBef>
+              <a:spcAft>
+                <a:spcPts val="0"/>
+              </a:spcAft>
+              <a:buNone/>
+            </a:pPr>
+            <a:r>
+              <a:rPr lang="ja" sz="791"/>
+              <a:t>- 回答が質問に対するすべての重要な側面に言及しているか。</a:t>
+            </a:r>
+            <a:endParaRPr sz="791"/>
+          </a:p>
+          <a:p>
+            <a:pPr indent="0" lvl="0" marL="0" rtl="0" algn="l">
+              <a:lnSpc>
+                <a:spcPct val="95000"/>
+              </a:lnSpc>
+              <a:spcBef>
+                <a:spcPts val="1200"/>
+              </a:spcBef>
+              <a:spcAft>
+                <a:spcPts val="0"/>
+              </a:spcAft>
+              <a:buNone/>
+            </a:pPr>
+            <a:r>
+              <a:rPr lang="ja" sz="791"/>
+              <a:t>- 情報が不足していないか、または部分的な回答になっていないか。</a:t>
+            </a:r>
+            <a:endParaRPr sz="791"/>
+          </a:p>
+          <a:p>
+            <a:pPr indent="0" lvl="0" marL="0" rtl="0" algn="l">
+              <a:lnSpc>
+                <a:spcPct val="95000"/>
+              </a:lnSpc>
+              <a:spcBef>
+                <a:spcPts val="1200"/>
+              </a:spcBef>
+              <a:spcAft>
+                <a:spcPts val="0"/>
+              </a:spcAft>
+              <a:buNone/>
+            </a:pPr>
+            <a:r>
+              <a:t/>
+            </a:r>
+            <a:endParaRPr sz="791"/>
+          </a:p>
+          <a:p>
+            <a:pPr indent="0" lvl="0" marL="0" rtl="0" algn="l">
+              <a:lnSpc>
+                <a:spcPct val="95000"/>
+              </a:lnSpc>
+              <a:spcBef>
+                <a:spcPts val="1200"/>
+              </a:spcBef>
+              <a:spcAft>
+                <a:spcPts val="0"/>
+              </a:spcAft>
+              <a:buNone/>
+            </a:pPr>
+            <a:r>
+              <a:rPr lang="ja" sz="791"/>
+              <a:t>### 2.4. **精度 (Precision)**</a:t>
+            </a:r>
+            <a:endParaRPr sz="791"/>
+          </a:p>
+          <a:p>
+            <a:pPr indent="0" lvl="0" marL="0" rtl="0" algn="l">
+              <a:lnSpc>
+                <a:spcPct val="95000"/>
+              </a:lnSpc>
+              <a:spcBef>
+                <a:spcPts val="1200"/>
+              </a:spcBef>
+              <a:spcAft>
+                <a:spcPts val="0"/>
+              </a:spcAft>
+              <a:buNone/>
+            </a:pPr>
+            <a:r>
+              <a:t/>
+            </a:r>
+            <a:endParaRPr sz="791"/>
+          </a:p>
+          <a:p>
+            <a:pPr indent="0" lvl="0" marL="0" rtl="0" algn="l">
+              <a:lnSpc>
+                <a:spcPct val="95000"/>
+              </a:lnSpc>
+              <a:spcBef>
+                <a:spcPts val="1200"/>
+              </a:spcBef>
+              <a:spcAft>
+                <a:spcPts val="0"/>
+              </a:spcAft>
+              <a:buNone/>
+            </a:pPr>
+            <a:r>
+              <a:rPr lang="ja" sz="791"/>
+              <a:t>**精度**は、生成された回答が具体的で、質問に対して正確な情報を提供しているかを評価する基準です。特に、特定のプロダクトや技術に関する質問の場合、そのプロダクトに関する正確な情報を提供できているかが重要です。LLM-as-a-Judgeは、回答が正確かつ具体的であるかを確認します。</a:t>
+            </a:r>
+            <a:endParaRPr sz="791"/>
+          </a:p>
+          <a:p>
+            <a:pPr indent="0" lvl="0" marL="0" rtl="0" algn="l">
+              <a:lnSpc>
+                <a:spcPct val="95000"/>
+              </a:lnSpc>
+              <a:spcBef>
+                <a:spcPts val="1200"/>
+              </a:spcBef>
+              <a:spcAft>
+                <a:spcPts val="0"/>
+              </a:spcAft>
+              <a:buNone/>
+            </a:pPr>
+            <a:r>
+              <a:t/>
+            </a:r>
+            <a:endParaRPr sz="791"/>
+          </a:p>
+          <a:p>
+            <a:pPr indent="0" lvl="0" marL="0" rtl="0" algn="l">
+              <a:lnSpc>
+                <a:spcPct val="95000"/>
+              </a:lnSpc>
+              <a:spcBef>
+                <a:spcPts val="1200"/>
+              </a:spcBef>
+              <a:spcAft>
+                <a:spcPts val="0"/>
+              </a:spcAft>
+              <a:buNone/>
+            </a:pPr>
+            <a:r>
+              <a:rPr lang="ja" sz="791"/>
+              <a:t>**評価のポイント**:</a:t>
+            </a:r>
+            <a:endParaRPr sz="791"/>
+          </a:p>
+          <a:p>
+            <a:pPr indent="0" lvl="0" marL="0" rtl="0" algn="l">
+              <a:lnSpc>
+                <a:spcPct val="95000"/>
+              </a:lnSpc>
+              <a:spcBef>
+                <a:spcPts val="1200"/>
+              </a:spcBef>
+              <a:spcAft>
+                <a:spcPts val="0"/>
+              </a:spcAft>
+              <a:buNone/>
+            </a:pPr>
+            <a:r>
+              <a:t/>
+            </a:r>
+            <a:endParaRPr sz="791"/>
+          </a:p>
+          <a:p>
+            <a:pPr indent="0" lvl="0" marL="0" rtl="0" algn="l">
+              <a:lnSpc>
+                <a:spcPct val="95000"/>
+              </a:lnSpc>
+              <a:spcBef>
+                <a:spcPts val="1200"/>
+              </a:spcBef>
+              <a:spcAft>
+                <a:spcPts val="0"/>
+              </a:spcAft>
+              <a:buNone/>
+            </a:pPr>
+            <a:r>
+              <a:rPr lang="ja" sz="791"/>
+              <a:t>- 回答が特定の商品や技術について正確に言及しているか。</a:t>
+            </a:r>
+            <a:endParaRPr sz="791"/>
+          </a:p>
+          <a:p>
+            <a:pPr indent="0" lvl="0" marL="0" rtl="0" algn="l">
+              <a:lnSpc>
+                <a:spcPct val="95000"/>
+              </a:lnSpc>
+              <a:spcBef>
+                <a:spcPts val="1200"/>
+              </a:spcBef>
+              <a:spcAft>
+                <a:spcPts val="0"/>
+              </a:spcAft>
+              <a:buNone/>
+            </a:pPr>
+            <a:r>
+              <a:rPr lang="ja" sz="791"/>
+              <a:t>- 回答が質問に対して具体的で適切な情報を提供しているか。</a:t>
+            </a:r>
+            <a:endParaRPr sz="791"/>
+          </a:p>
+          <a:p>
+            <a:pPr indent="0" lvl="0" marL="0" rtl="0" algn="l">
+              <a:lnSpc>
+                <a:spcPct val="95000"/>
+              </a:lnSpc>
+              <a:spcBef>
+                <a:spcPts val="1200"/>
+              </a:spcBef>
+              <a:spcAft>
+                <a:spcPts val="0"/>
+              </a:spcAft>
+              <a:buNone/>
+            </a:pPr>
+            <a:r>
+              <a:t/>
+            </a:r>
+            <a:endParaRPr sz="791"/>
+          </a:p>
+          <a:p>
+            <a:pPr indent="0" lvl="0" marL="0" rtl="0" algn="l">
+              <a:lnSpc>
+                <a:spcPct val="95000"/>
+              </a:lnSpc>
+              <a:spcBef>
+                <a:spcPts val="1200"/>
+              </a:spcBef>
+              <a:spcAft>
+                <a:spcPts val="0"/>
+              </a:spcAft>
+              <a:buNone/>
+            </a:pPr>
+            <a:r>
+              <a:rPr lang="ja" sz="791"/>
+              <a:t>### 3. 評価プロセス</a:t>
+            </a:r>
+            <a:endParaRPr sz="791"/>
+          </a:p>
+          <a:p>
+            <a:pPr indent="0" lvl="0" marL="0" rtl="0" algn="l">
+              <a:lnSpc>
+                <a:spcPct val="95000"/>
+              </a:lnSpc>
+              <a:spcBef>
+                <a:spcPts val="1200"/>
+              </a:spcBef>
+              <a:spcAft>
+                <a:spcPts val="0"/>
+              </a:spcAft>
+              <a:buNone/>
+            </a:pPr>
+            <a:r>
+              <a:t/>
+            </a:r>
+            <a:endParaRPr sz="791"/>
+          </a:p>
+          <a:p>
+            <a:pPr indent="0" lvl="0" marL="0" rtl="0" algn="l">
+              <a:lnSpc>
+                <a:spcPct val="95000"/>
+              </a:lnSpc>
+              <a:spcBef>
+                <a:spcPts val="1200"/>
+              </a:spcBef>
+              <a:spcAft>
+                <a:spcPts val="0"/>
+              </a:spcAft>
+              <a:buNone/>
+            </a:pPr>
+            <a:r>
+              <a:rPr lang="ja" sz="791"/>
+              <a:t>LLM-as-a-Judgeは、上記の評価基準に基づいて次のようなプロセスで評価を行います。</a:t>
+            </a:r>
+            <a:endParaRPr sz="791"/>
+          </a:p>
+          <a:p>
+            <a:pPr indent="0" lvl="0" marL="0" rtl="0" algn="l">
+              <a:lnSpc>
+                <a:spcPct val="95000"/>
+              </a:lnSpc>
+              <a:spcBef>
+                <a:spcPts val="1200"/>
+              </a:spcBef>
+              <a:spcAft>
+                <a:spcPts val="0"/>
+              </a:spcAft>
+              <a:buNone/>
+            </a:pPr>
+            <a:r>
+              <a:t/>
+            </a:r>
+            <a:endParaRPr sz="791"/>
+          </a:p>
+          <a:p>
+            <a:pPr indent="0" lvl="0" marL="0" rtl="0" algn="l">
+              <a:lnSpc>
+                <a:spcPct val="95000"/>
+              </a:lnSpc>
+              <a:spcBef>
+                <a:spcPts val="1200"/>
+              </a:spcBef>
+              <a:spcAft>
+                <a:spcPts val="0"/>
+              </a:spcAft>
+              <a:buNone/>
+            </a:pPr>
+            <a:r>
+              <a:rPr lang="ja" sz="791"/>
+              <a:t>1. **質問の理解**: LLMはまずユーザーの質問を理解し、その意図を把握します。</a:t>
+            </a:r>
+            <a:endParaRPr sz="791"/>
+          </a:p>
+          <a:p>
+            <a:pPr indent="0" lvl="0" marL="0" rtl="0" algn="l">
+              <a:lnSpc>
+                <a:spcPct val="95000"/>
+              </a:lnSpc>
+              <a:spcBef>
+                <a:spcPts val="1200"/>
+              </a:spcBef>
+              <a:spcAft>
+                <a:spcPts val="0"/>
+              </a:spcAft>
+              <a:buNone/>
+            </a:pPr>
+            <a:r>
+              <a:rPr lang="ja" sz="791"/>
+              <a:t>2. **回答の生成**: 提供されたドキュメントやデータに基づいて、各RAGシステムが回答を生成します。</a:t>
+            </a:r>
+            <a:endParaRPr sz="791"/>
+          </a:p>
+          <a:p>
+            <a:pPr indent="0" lvl="0" marL="0" rtl="0" algn="l">
+              <a:lnSpc>
+                <a:spcPct val="95000"/>
+              </a:lnSpc>
+              <a:spcBef>
+                <a:spcPts val="1200"/>
+              </a:spcBef>
+              <a:spcAft>
+                <a:spcPts val="0"/>
+              </a:spcAft>
+              <a:buNone/>
+            </a:pPr>
+            <a:r>
+              <a:rPr lang="ja" sz="791"/>
+              <a:t>3. **評価の実施**: LLMは生成された回答を評価し、関連性、正確性、完全性、精度の観点からスコアを付けます。</a:t>
+            </a:r>
+            <a:endParaRPr sz="791"/>
+          </a:p>
+          <a:p>
+            <a:pPr indent="0" lvl="0" marL="0" rtl="0" algn="l">
+              <a:lnSpc>
+                <a:spcPct val="95000"/>
+              </a:lnSpc>
+              <a:spcBef>
+                <a:spcPts val="1200"/>
+              </a:spcBef>
+              <a:spcAft>
+                <a:spcPts val="0"/>
+              </a:spcAft>
+              <a:buNone/>
+            </a:pPr>
+            <a:r>
+              <a:rPr lang="ja" sz="791"/>
+              <a:t>4. **勝者の決定**: 複数の回答がある場合、LLMはこれらを比較し、最も優れた回答を選定します。</a:t>
+            </a:r>
+            <a:endParaRPr sz="791"/>
+          </a:p>
+          <a:p>
+            <a:pPr indent="0" lvl="0" marL="0" rtl="0" algn="l">
+              <a:lnSpc>
+                <a:spcPct val="95000"/>
+              </a:lnSpc>
+              <a:spcBef>
+                <a:spcPts val="1200"/>
+              </a:spcBef>
+              <a:spcAft>
+                <a:spcPts val="0"/>
+              </a:spcAft>
+              <a:buNone/>
+            </a:pPr>
+            <a:r>
+              <a:t/>
+            </a:r>
+            <a:endParaRPr sz="791"/>
+          </a:p>
+          <a:p>
+            <a:pPr indent="0" lvl="0" marL="0" rtl="0" algn="l">
+              <a:lnSpc>
+                <a:spcPct val="95000"/>
+              </a:lnSpc>
+              <a:spcBef>
+                <a:spcPts val="1200"/>
+              </a:spcBef>
+              <a:spcAft>
+                <a:spcPts val="0"/>
+              </a:spcAft>
+              <a:buNone/>
+            </a:pPr>
+            <a:r>
+              <a:rPr lang="ja" sz="791"/>
+              <a:t>### Eloランキングの計算</a:t>
+            </a:r>
+            <a:endParaRPr sz="791"/>
+          </a:p>
+          <a:p>
+            <a:pPr indent="0" lvl="0" marL="0" rtl="0" algn="l">
+              <a:lnSpc>
+                <a:spcPct val="95000"/>
+              </a:lnSpc>
+              <a:spcBef>
+                <a:spcPts val="1200"/>
+              </a:spcBef>
+              <a:spcAft>
+                <a:spcPts val="0"/>
+              </a:spcAft>
+              <a:buNone/>
+            </a:pPr>
+            <a:r>
+              <a:t/>
+            </a:r>
+            <a:endParaRPr sz="791"/>
+          </a:p>
+          <a:p>
+            <a:pPr indent="0" lvl="0" marL="0" rtl="0" algn="l">
+              <a:lnSpc>
+                <a:spcPct val="95000"/>
+              </a:lnSpc>
+              <a:spcBef>
+                <a:spcPts val="1200"/>
+              </a:spcBef>
+              <a:spcAft>
+                <a:spcPts val="0"/>
+              </a:spcAft>
+              <a:buNone/>
+            </a:pPr>
+            <a:r>
+              <a:rPr lang="ja" sz="791"/>
+              <a:t>最後に、ペアワイズ評価の結果を基に、各RAGシステムのEloスコアを計算します。Eloスコアは、各システムが他のシステムに対してどれだけ良いパフォーマンスを発揮したかを示すもともとチェスなどの対戦型ゲームにおいてプレイヤーの強さを評価するために開発された指標です。スコアが高いほど、そのシステムが優れていると判断されます。</a:t>
+            </a:r>
+            <a:endParaRPr sz="791"/>
+          </a:p>
+          <a:p>
+            <a:pPr indent="0" lvl="0" marL="0" rtl="0" algn="l">
+              <a:lnSpc>
+                <a:spcPct val="95000"/>
+              </a:lnSpc>
+              <a:spcBef>
+                <a:spcPts val="1200"/>
+              </a:spcBef>
+              <a:spcAft>
+                <a:spcPts val="0"/>
+              </a:spcAft>
+              <a:buNone/>
+            </a:pPr>
+            <a:r>
+              <a:t/>
+            </a:r>
+            <a:endParaRPr sz="791"/>
+          </a:p>
+          <a:p>
+            <a:pPr indent="0" lvl="0" marL="0" rtl="0" algn="l">
+              <a:lnSpc>
+                <a:spcPct val="95000"/>
+              </a:lnSpc>
+              <a:spcBef>
+                <a:spcPts val="1200"/>
+              </a:spcBef>
+              <a:spcAft>
+                <a:spcPts val="0"/>
+              </a:spcAft>
+              <a:buNone/>
+            </a:pPr>
+            <a:r>
+              <a:rPr lang="ja" sz="791"/>
+              <a:t>### 1. ペアワイズ評価の概要</a:t>
+            </a:r>
+            <a:endParaRPr sz="791"/>
+          </a:p>
+          <a:p>
+            <a:pPr indent="0" lvl="0" marL="0" rtl="0" algn="l">
+              <a:lnSpc>
+                <a:spcPct val="95000"/>
+              </a:lnSpc>
+              <a:spcBef>
+                <a:spcPts val="1200"/>
+              </a:spcBef>
+              <a:spcAft>
+                <a:spcPts val="0"/>
+              </a:spcAft>
+              <a:buNone/>
+            </a:pPr>
+            <a:r>
+              <a:t/>
+            </a:r>
+            <a:endParaRPr sz="791"/>
+          </a:p>
+          <a:p>
+            <a:pPr indent="0" lvl="0" marL="0" rtl="0" algn="l">
+              <a:lnSpc>
+                <a:spcPct val="95000"/>
+              </a:lnSpc>
+              <a:spcBef>
+                <a:spcPts val="1200"/>
+              </a:spcBef>
+              <a:spcAft>
+                <a:spcPts val="0"/>
+              </a:spcAft>
+              <a:buNone/>
+            </a:pPr>
+            <a:r>
+              <a:rPr lang="ja" sz="791"/>
+              <a:t>まず、RAGEloフレームワークでは、複数のRAGシステムが同じクエリに対して生成した回答を比較し、どちらのシステムが優れた回答を生成したかを評価します。この評価はLLMを使用して行われ、各ペアワイズ評価の結果、勝者（または引き分け）が決定されます。</a:t>
+            </a:r>
+            <a:endParaRPr sz="791"/>
+          </a:p>
+          <a:p>
+            <a:pPr indent="0" lvl="0" marL="0" rtl="0" algn="l">
+              <a:lnSpc>
+                <a:spcPct val="95000"/>
+              </a:lnSpc>
+              <a:spcBef>
+                <a:spcPts val="1200"/>
+              </a:spcBef>
+              <a:spcAft>
+                <a:spcPts val="0"/>
+              </a:spcAft>
+              <a:buNone/>
+            </a:pPr>
+            <a:r>
+              <a:t/>
+            </a:r>
+            <a:endParaRPr sz="791"/>
+          </a:p>
+          <a:p>
+            <a:pPr indent="0" lvl="0" marL="0" rtl="0" algn="l">
+              <a:lnSpc>
+                <a:spcPct val="95000"/>
+              </a:lnSpc>
+              <a:spcBef>
+                <a:spcPts val="1200"/>
+              </a:spcBef>
+              <a:spcAft>
+                <a:spcPts val="0"/>
+              </a:spcAft>
+              <a:buNone/>
+            </a:pPr>
+            <a:r>
+              <a:rPr lang="ja" sz="791"/>
+              <a:t>### 2. Eloスコアの初期設定</a:t>
+            </a:r>
+            <a:endParaRPr sz="791"/>
+          </a:p>
+          <a:p>
+            <a:pPr indent="0" lvl="0" marL="0" rtl="0" algn="l">
+              <a:lnSpc>
+                <a:spcPct val="95000"/>
+              </a:lnSpc>
+              <a:spcBef>
+                <a:spcPts val="1200"/>
+              </a:spcBef>
+              <a:spcAft>
+                <a:spcPts val="0"/>
+              </a:spcAft>
+              <a:buNone/>
+            </a:pPr>
+            <a:r>
+              <a:t/>
+            </a:r>
+            <a:endParaRPr sz="791"/>
+          </a:p>
+          <a:p>
+            <a:pPr indent="0" lvl="0" marL="0" rtl="0" algn="l">
+              <a:lnSpc>
+                <a:spcPct val="95000"/>
+              </a:lnSpc>
+              <a:spcBef>
+                <a:spcPts val="1200"/>
+              </a:spcBef>
+              <a:spcAft>
+                <a:spcPts val="0"/>
+              </a:spcAft>
+              <a:buNone/>
+            </a:pPr>
+            <a:r>
+              <a:rPr lang="ja" sz="791"/>
+              <a:t>すべてのRAGシステムには、初期Eloスコアが設定されます。一般的に、この初期スコアは全システムに対して同じ値（たとえば1500点）が設定されます。</a:t>
+            </a:r>
+            <a:endParaRPr sz="791"/>
+          </a:p>
+          <a:p>
+            <a:pPr indent="0" lvl="0" marL="0" rtl="0" algn="l">
+              <a:lnSpc>
+                <a:spcPct val="95000"/>
+              </a:lnSpc>
+              <a:spcBef>
+                <a:spcPts val="1200"/>
+              </a:spcBef>
+              <a:spcAft>
+                <a:spcPts val="0"/>
+              </a:spcAft>
+              <a:buNone/>
+            </a:pPr>
+            <a:r>
+              <a:t/>
+            </a:r>
+            <a:endParaRPr sz="791"/>
+          </a:p>
+          <a:p>
+            <a:pPr indent="0" lvl="0" marL="0" rtl="0" algn="l">
+              <a:lnSpc>
+                <a:spcPct val="95000"/>
+              </a:lnSpc>
+              <a:spcBef>
+                <a:spcPts val="1200"/>
+              </a:spcBef>
+              <a:spcAft>
+                <a:spcPts val="0"/>
+              </a:spcAft>
+              <a:buNone/>
+            </a:pPr>
+            <a:r>
+              <a:rPr lang="ja" sz="791"/>
+              <a:t>### 3. 勝者と敗者の決定</a:t>
+            </a:r>
+            <a:endParaRPr sz="791"/>
+          </a:p>
+          <a:p>
+            <a:pPr indent="0" lvl="0" marL="0" rtl="0" algn="l">
+              <a:lnSpc>
+                <a:spcPct val="95000"/>
+              </a:lnSpc>
+              <a:spcBef>
+                <a:spcPts val="1200"/>
+              </a:spcBef>
+              <a:spcAft>
+                <a:spcPts val="0"/>
+              </a:spcAft>
+              <a:buNone/>
+            </a:pPr>
+            <a:r>
+              <a:t/>
+            </a:r>
+            <a:endParaRPr sz="791"/>
+          </a:p>
+          <a:p>
+            <a:pPr indent="0" lvl="0" marL="0" rtl="0" algn="l">
+              <a:lnSpc>
+                <a:spcPct val="95000"/>
+              </a:lnSpc>
+              <a:spcBef>
+                <a:spcPts val="1200"/>
+              </a:spcBef>
+              <a:spcAft>
+                <a:spcPts val="0"/>
+              </a:spcAft>
+              <a:buNone/>
+            </a:pPr>
+            <a:r>
+              <a:rPr lang="ja" sz="791"/>
+              <a:t>ペアワイズ評価の結果、以下の3つの結果が考えられます：</a:t>
+            </a:r>
+            <a:endParaRPr sz="791"/>
+          </a:p>
+          <a:p>
+            <a:pPr indent="0" lvl="0" marL="0" rtl="0" algn="l">
+              <a:lnSpc>
+                <a:spcPct val="95000"/>
+              </a:lnSpc>
+              <a:spcBef>
+                <a:spcPts val="1200"/>
+              </a:spcBef>
+              <a:spcAft>
+                <a:spcPts val="0"/>
+              </a:spcAft>
+              <a:buNone/>
+            </a:pPr>
+            <a:r>
+              <a:t/>
+            </a:r>
+            <a:endParaRPr sz="791"/>
+          </a:p>
+          <a:p>
+            <a:pPr indent="0" lvl="0" marL="0" rtl="0" algn="l">
+              <a:lnSpc>
+                <a:spcPct val="95000"/>
+              </a:lnSpc>
+              <a:spcBef>
+                <a:spcPts val="1200"/>
+              </a:spcBef>
+              <a:spcAft>
+                <a:spcPts val="0"/>
+              </a:spcAft>
+              <a:buNone/>
+            </a:pPr>
+            <a:r>
+              <a:rPr lang="ja" sz="791"/>
+              <a:t>- **勝利**: システムAがシステムBよりも優れた回答を生成したと評価された場合。</a:t>
+            </a:r>
+            <a:endParaRPr sz="791"/>
+          </a:p>
+          <a:p>
+            <a:pPr indent="0" lvl="0" marL="0" rtl="0" algn="l">
+              <a:lnSpc>
+                <a:spcPct val="95000"/>
+              </a:lnSpc>
+              <a:spcBef>
+                <a:spcPts val="1200"/>
+              </a:spcBef>
+              <a:spcAft>
+                <a:spcPts val="0"/>
+              </a:spcAft>
+              <a:buNone/>
+            </a:pPr>
+            <a:r>
+              <a:rPr lang="ja" sz="791"/>
+              <a:t>- **敗北**: システムBがシステムAよりも優れた回答を生成したと評価された場合。</a:t>
+            </a:r>
+            <a:endParaRPr sz="791"/>
+          </a:p>
+          <a:p>
+            <a:pPr indent="0" lvl="0" marL="0" rtl="0" algn="l">
+              <a:lnSpc>
+                <a:spcPct val="95000"/>
+              </a:lnSpc>
+              <a:spcBef>
+                <a:spcPts val="1200"/>
+              </a:spcBef>
+              <a:spcAft>
+                <a:spcPts val="0"/>
+              </a:spcAft>
+              <a:buNone/>
+            </a:pPr>
+            <a:r>
+              <a:rPr lang="ja" sz="791"/>
+              <a:t>- **引き分け**: 両方のシステムが同等の回答を生成したと評価された場合。</a:t>
+            </a:r>
+            <a:endParaRPr sz="791"/>
+          </a:p>
+          <a:p>
+            <a:pPr indent="0" lvl="0" marL="0" rtl="0" algn="l">
+              <a:lnSpc>
+                <a:spcPct val="95000"/>
+              </a:lnSpc>
+              <a:spcBef>
+                <a:spcPts val="1200"/>
+              </a:spcBef>
+              <a:spcAft>
+                <a:spcPts val="0"/>
+              </a:spcAft>
+              <a:buNone/>
+            </a:pPr>
+            <a:r>
+              <a:t/>
+            </a:r>
+            <a:endParaRPr sz="791"/>
+          </a:p>
+          <a:p>
+            <a:pPr indent="0" lvl="0" marL="0" rtl="0" algn="l">
+              <a:lnSpc>
+                <a:spcPct val="95000"/>
+              </a:lnSpc>
+              <a:spcBef>
+                <a:spcPts val="1200"/>
+              </a:spcBef>
+              <a:spcAft>
+                <a:spcPts val="0"/>
+              </a:spcAft>
+              <a:buNone/>
+            </a:pPr>
+            <a:r>
+              <a:rPr lang="ja" sz="791"/>
+              <a:t>### 4. 勝利期待値の計算</a:t>
+            </a:r>
+            <a:endParaRPr sz="791"/>
+          </a:p>
+          <a:p>
+            <a:pPr indent="0" lvl="0" marL="0" rtl="0" algn="l">
+              <a:lnSpc>
+                <a:spcPct val="95000"/>
+              </a:lnSpc>
+              <a:spcBef>
+                <a:spcPts val="1200"/>
+              </a:spcBef>
+              <a:spcAft>
+                <a:spcPts val="0"/>
+              </a:spcAft>
+              <a:buNone/>
+            </a:pPr>
+            <a:r>
+              <a:t/>
+            </a:r>
+            <a:endParaRPr sz="791"/>
+          </a:p>
+          <a:p>
+            <a:pPr indent="0" lvl="0" marL="0" rtl="0" algn="l">
+              <a:lnSpc>
+                <a:spcPct val="95000"/>
+              </a:lnSpc>
+              <a:spcBef>
+                <a:spcPts val="1200"/>
+              </a:spcBef>
+              <a:spcAft>
+                <a:spcPts val="0"/>
+              </a:spcAft>
+              <a:buNone/>
+            </a:pPr>
+            <a:r>
+              <a:rPr lang="ja" sz="791"/>
+              <a:t>次に、各システムの勝利期待値を計算します。システムAとシステムBの現在のEloスコアを`Ra`と`Rb`とすると、システムAの勝利期待値`EA`は以下の式で計算されます。</a:t>
+            </a:r>
+            <a:endParaRPr sz="791"/>
+          </a:p>
+          <a:p>
+            <a:pPr indent="0" lvl="0" marL="0" rtl="0" algn="l">
+              <a:lnSpc>
+                <a:spcPct val="95000"/>
+              </a:lnSpc>
+              <a:spcBef>
+                <a:spcPts val="1200"/>
+              </a:spcBef>
+              <a:spcAft>
+                <a:spcPts val="0"/>
+              </a:spcAft>
+              <a:buNone/>
+            </a:pPr>
+            <a:r>
+              <a:t/>
+            </a:r>
+            <a:endParaRPr sz="791"/>
+          </a:p>
+          <a:p>
+            <a:pPr indent="0" lvl="0" marL="0" rtl="0" algn="l">
+              <a:lnSpc>
+                <a:spcPct val="95000"/>
+              </a:lnSpc>
+              <a:spcBef>
+                <a:spcPts val="1200"/>
+              </a:spcBef>
+              <a:spcAft>
+                <a:spcPts val="0"/>
+              </a:spcAft>
+              <a:buNone/>
+            </a:pPr>
+            <a:r>
+              <a:rPr lang="ja" sz="791"/>
+              <a:t>$$</a:t>
+            </a:r>
+            <a:endParaRPr sz="791"/>
+          </a:p>
+          <a:p>
+            <a:pPr indent="0" lvl="0" marL="0" rtl="0" algn="l">
+              <a:lnSpc>
+                <a:spcPct val="95000"/>
+              </a:lnSpc>
+              <a:spcBef>
+                <a:spcPts val="1200"/>
+              </a:spcBef>
+              <a:spcAft>
+                <a:spcPts val="0"/>
+              </a:spcAft>
+              <a:buNone/>
+            </a:pPr>
+            <a:r>
+              <a:rPr lang="ja" sz="791"/>
+              <a:t>E_A = \frac{1}{1 + 10^{(Rb - Ra)/400}}</a:t>
+            </a:r>
+            <a:endParaRPr sz="791"/>
+          </a:p>
+          <a:p>
+            <a:pPr indent="0" lvl="0" marL="0" rtl="0" algn="l">
+              <a:lnSpc>
+                <a:spcPct val="95000"/>
+              </a:lnSpc>
+              <a:spcBef>
+                <a:spcPts val="1200"/>
+              </a:spcBef>
+              <a:spcAft>
+                <a:spcPts val="0"/>
+              </a:spcAft>
+              <a:buNone/>
+            </a:pPr>
+            <a:r>
+              <a:rPr lang="ja" sz="791"/>
+              <a:t>$$</a:t>
+            </a:r>
+            <a:endParaRPr sz="791"/>
+          </a:p>
+          <a:p>
+            <a:pPr indent="0" lvl="0" marL="0" rtl="0" algn="l">
+              <a:lnSpc>
+                <a:spcPct val="95000"/>
+              </a:lnSpc>
+              <a:spcBef>
+                <a:spcPts val="1200"/>
+              </a:spcBef>
+              <a:spcAft>
+                <a:spcPts val="0"/>
+              </a:spcAft>
+              <a:buNone/>
+            </a:pPr>
+            <a:r>
+              <a:t/>
+            </a:r>
+            <a:endParaRPr sz="791"/>
+          </a:p>
+          <a:p>
+            <a:pPr indent="0" lvl="0" marL="0" rtl="0" algn="l">
+              <a:lnSpc>
+                <a:spcPct val="95000"/>
+              </a:lnSpc>
+              <a:spcBef>
+                <a:spcPts val="1200"/>
+              </a:spcBef>
+              <a:spcAft>
+                <a:spcPts val="0"/>
+              </a:spcAft>
+              <a:buNone/>
+            </a:pPr>
+            <a:r>
+              <a:rPr lang="ja" sz="791"/>
+              <a:t>同様に、システムBの勝利期待値`EB`は次の式で計算されます。</a:t>
+            </a:r>
+            <a:endParaRPr sz="791"/>
+          </a:p>
+          <a:p>
+            <a:pPr indent="0" lvl="0" marL="0" rtl="0" algn="l">
+              <a:lnSpc>
+                <a:spcPct val="95000"/>
+              </a:lnSpc>
+              <a:spcBef>
+                <a:spcPts val="1200"/>
+              </a:spcBef>
+              <a:spcAft>
+                <a:spcPts val="0"/>
+              </a:spcAft>
+              <a:buNone/>
+            </a:pPr>
+            <a:r>
+              <a:t/>
+            </a:r>
+            <a:endParaRPr sz="791"/>
+          </a:p>
+          <a:p>
+            <a:pPr indent="0" lvl="0" marL="0" rtl="0" algn="l">
+              <a:lnSpc>
+                <a:spcPct val="95000"/>
+              </a:lnSpc>
+              <a:spcBef>
+                <a:spcPts val="1200"/>
+              </a:spcBef>
+              <a:spcAft>
+                <a:spcPts val="0"/>
+              </a:spcAft>
+              <a:buNone/>
+            </a:pPr>
+            <a:r>
+              <a:rPr lang="ja" sz="791"/>
+              <a:t>$$</a:t>
+            </a:r>
+            <a:endParaRPr sz="791"/>
+          </a:p>
+          <a:p>
+            <a:pPr indent="0" lvl="0" marL="0" rtl="0" algn="l">
+              <a:lnSpc>
+                <a:spcPct val="95000"/>
+              </a:lnSpc>
+              <a:spcBef>
+                <a:spcPts val="1200"/>
+              </a:spcBef>
+              <a:spcAft>
+                <a:spcPts val="0"/>
+              </a:spcAft>
+              <a:buNone/>
+            </a:pPr>
+            <a:r>
+              <a:rPr lang="ja" sz="791"/>
+              <a:t>E_B = \frac{1}{1 + 10^{(Ra - Rb)/400}} = 1 - E_A</a:t>
+            </a:r>
+            <a:endParaRPr sz="791"/>
+          </a:p>
+          <a:p>
+            <a:pPr indent="0" lvl="0" marL="0" rtl="0" algn="l">
+              <a:lnSpc>
+                <a:spcPct val="95000"/>
+              </a:lnSpc>
+              <a:spcBef>
+                <a:spcPts val="1200"/>
+              </a:spcBef>
+              <a:spcAft>
+                <a:spcPts val="0"/>
+              </a:spcAft>
+              <a:buNone/>
+            </a:pPr>
+            <a:r>
+              <a:rPr lang="ja" sz="791"/>
+              <a:t>$$</a:t>
+            </a:r>
+            <a:endParaRPr sz="791"/>
+          </a:p>
+          <a:p>
+            <a:pPr indent="0" lvl="0" marL="0" rtl="0" algn="l">
+              <a:lnSpc>
+                <a:spcPct val="95000"/>
+              </a:lnSpc>
+              <a:spcBef>
+                <a:spcPts val="1200"/>
+              </a:spcBef>
+              <a:spcAft>
+                <a:spcPts val="0"/>
+              </a:spcAft>
+              <a:buNone/>
+            </a:pPr>
+            <a:r>
+              <a:t/>
+            </a:r>
+            <a:endParaRPr sz="791"/>
+          </a:p>
+          <a:p>
+            <a:pPr indent="0" lvl="0" marL="0" rtl="0" algn="l">
+              <a:lnSpc>
+                <a:spcPct val="95000"/>
+              </a:lnSpc>
+              <a:spcBef>
+                <a:spcPts val="1200"/>
+              </a:spcBef>
+              <a:spcAft>
+                <a:spcPts val="0"/>
+              </a:spcAft>
+              <a:buNone/>
+            </a:pPr>
+            <a:r>
+              <a:rPr lang="ja" sz="791"/>
+              <a:t>### 5. 試合結果に基づくEloスコアの更新</a:t>
+            </a:r>
+            <a:endParaRPr sz="791"/>
+          </a:p>
+          <a:p>
+            <a:pPr indent="0" lvl="0" marL="0" rtl="0" algn="l">
+              <a:lnSpc>
+                <a:spcPct val="95000"/>
+              </a:lnSpc>
+              <a:spcBef>
+                <a:spcPts val="1200"/>
+              </a:spcBef>
+              <a:spcAft>
+                <a:spcPts val="0"/>
+              </a:spcAft>
+              <a:buNone/>
+            </a:pPr>
+            <a:r>
+              <a:t/>
+            </a:r>
+            <a:endParaRPr sz="791"/>
+          </a:p>
+          <a:p>
+            <a:pPr indent="0" lvl="0" marL="0" rtl="0" algn="l">
+              <a:lnSpc>
+                <a:spcPct val="95000"/>
+              </a:lnSpc>
+              <a:spcBef>
+                <a:spcPts val="1200"/>
+              </a:spcBef>
+              <a:spcAft>
+                <a:spcPts val="0"/>
+              </a:spcAft>
+              <a:buNone/>
+            </a:pPr>
+            <a:r>
+              <a:rPr lang="ja" sz="791"/>
+              <a:t>実際の試合結果（ペアワイズ評価の結果）を基に、各システムのEloスコアを更新します。</a:t>
+            </a:r>
+            <a:endParaRPr sz="791"/>
+          </a:p>
+          <a:p>
+            <a:pPr indent="0" lvl="0" marL="0" rtl="0" algn="l">
+              <a:lnSpc>
+                <a:spcPct val="95000"/>
+              </a:lnSpc>
+              <a:spcBef>
+                <a:spcPts val="1200"/>
+              </a:spcBef>
+              <a:spcAft>
+                <a:spcPts val="0"/>
+              </a:spcAft>
+              <a:buNone/>
+            </a:pPr>
+            <a:r>
+              <a:t/>
+            </a:r>
+            <a:endParaRPr sz="791"/>
+          </a:p>
+          <a:p>
+            <a:pPr indent="0" lvl="0" marL="0" rtl="0" algn="l">
+              <a:lnSpc>
+                <a:spcPct val="95000"/>
+              </a:lnSpc>
+              <a:spcBef>
+                <a:spcPts val="1200"/>
+              </a:spcBef>
+              <a:spcAft>
+                <a:spcPts val="0"/>
+              </a:spcAft>
+              <a:buNone/>
+            </a:pPr>
+            <a:r>
+              <a:rPr lang="ja" sz="791"/>
+              <a:t>- 勝利システムのスコアは上昇し、敗北システムのスコアは減少します。</a:t>
+            </a:r>
+            <a:endParaRPr sz="791"/>
+          </a:p>
+          <a:p>
+            <a:pPr indent="0" lvl="0" marL="0" rtl="0" algn="l">
+              <a:lnSpc>
+                <a:spcPct val="95000"/>
+              </a:lnSpc>
+              <a:spcBef>
+                <a:spcPts val="1200"/>
+              </a:spcBef>
+              <a:spcAft>
+                <a:spcPts val="0"/>
+              </a:spcAft>
+              <a:buNone/>
+            </a:pPr>
+            <a:r>
+              <a:rPr lang="ja" sz="791"/>
+              <a:t>- スコアの更新は以下の式で計算されます。</a:t>
+            </a:r>
+            <a:endParaRPr sz="791"/>
+          </a:p>
+          <a:p>
+            <a:pPr indent="0" lvl="0" marL="0" rtl="0" algn="l">
+              <a:lnSpc>
+                <a:spcPct val="95000"/>
+              </a:lnSpc>
+              <a:spcBef>
+                <a:spcPts val="1200"/>
+              </a:spcBef>
+              <a:spcAft>
+                <a:spcPts val="0"/>
+              </a:spcAft>
+              <a:buNone/>
+            </a:pPr>
+            <a:r>
+              <a:t/>
+            </a:r>
+            <a:endParaRPr sz="791"/>
+          </a:p>
+          <a:p>
+            <a:pPr indent="0" lvl="0" marL="0" rtl="0" algn="l">
+              <a:lnSpc>
+                <a:spcPct val="95000"/>
+              </a:lnSpc>
+              <a:spcBef>
+                <a:spcPts val="1200"/>
+              </a:spcBef>
+              <a:spcAft>
+                <a:spcPts val="0"/>
+              </a:spcAft>
+              <a:buNone/>
+            </a:pPr>
+            <a:r>
+              <a:rPr lang="ja" sz="791"/>
+              <a:t>システムAの新しいEloスコア`Ra'`は以下のように計算されます。</a:t>
+            </a:r>
+            <a:endParaRPr sz="791"/>
+          </a:p>
+          <a:p>
+            <a:pPr indent="0" lvl="0" marL="0" rtl="0" algn="l">
+              <a:lnSpc>
+                <a:spcPct val="95000"/>
+              </a:lnSpc>
+              <a:spcBef>
+                <a:spcPts val="1200"/>
+              </a:spcBef>
+              <a:spcAft>
+                <a:spcPts val="0"/>
+              </a:spcAft>
+              <a:buNone/>
+            </a:pPr>
+            <a:r>
+              <a:t/>
+            </a:r>
+            <a:endParaRPr sz="791"/>
+          </a:p>
+          <a:p>
+            <a:pPr indent="0" lvl="0" marL="0" rtl="0" algn="l">
+              <a:lnSpc>
+                <a:spcPct val="95000"/>
+              </a:lnSpc>
+              <a:spcBef>
+                <a:spcPts val="1200"/>
+              </a:spcBef>
+              <a:spcAft>
+                <a:spcPts val="0"/>
+              </a:spcAft>
+              <a:buNone/>
+            </a:pPr>
+            <a:r>
+              <a:rPr lang="ja" sz="791"/>
+              <a:t>$$</a:t>
+            </a:r>
+            <a:endParaRPr sz="791"/>
+          </a:p>
+          <a:p>
+            <a:pPr indent="0" lvl="0" marL="0" rtl="0" algn="l">
+              <a:lnSpc>
+                <a:spcPct val="95000"/>
+              </a:lnSpc>
+              <a:spcBef>
+                <a:spcPts val="1200"/>
+              </a:spcBef>
+              <a:spcAft>
+                <a:spcPts val="0"/>
+              </a:spcAft>
+              <a:buNone/>
+            </a:pPr>
+            <a:r>
+              <a:rPr lang="ja" sz="791"/>
+              <a:t>R_a' = R_a + K \times (S_A - E_A)</a:t>
+            </a:r>
+            <a:endParaRPr sz="791"/>
+          </a:p>
+          <a:p>
+            <a:pPr indent="0" lvl="0" marL="0" rtl="0" algn="l">
+              <a:lnSpc>
+                <a:spcPct val="95000"/>
+              </a:lnSpc>
+              <a:spcBef>
+                <a:spcPts val="1200"/>
+              </a:spcBef>
+              <a:spcAft>
+                <a:spcPts val="0"/>
+              </a:spcAft>
+              <a:buNone/>
+            </a:pPr>
+            <a:r>
+              <a:rPr lang="ja" sz="791"/>
+              <a:t>$$</a:t>
+            </a:r>
+            <a:endParaRPr sz="791"/>
+          </a:p>
+          <a:p>
+            <a:pPr indent="0" lvl="0" marL="0" rtl="0" algn="l">
+              <a:lnSpc>
+                <a:spcPct val="95000"/>
+              </a:lnSpc>
+              <a:spcBef>
+                <a:spcPts val="1200"/>
+              </a:spcBef>
+              <a:spcAft>
+                <a:spcPts val="0"/>
+              </a:spcAft>
+              <a:buNone/>
+            </a:pPr>
+            <a:r>
+              <a:t/>
+            </a:r>
+            <a:endParaRPr sz="791"/>
+          </a:p>
+          <a:p>
+            <a:pPr indent="0" lvl="0" marL="0" rtl="0" algn="l">
+              <a:lnSpc>
+                <a:spcPct val="95000"/>
+              </a:lnSpc>
+              <a:spcBef>
+                <a:spcPts val="1200"/>
+              </a:spcBef>
+              <a:spcAft>
+                <a:spcPts val="0"/>
+              </a:spcAft>
+              <a:buNone/>
+            </a:pPr>
+            <a:r>
+              <a:rPr lang="ja" sz="791"/>
+              <a:t>システムBの新しいEloスコア`Rb'`は以下のように計算されます。</a:t>
+            </a:r>
+            <a:endParaRPr sz="791"/>
+          </a:p>
+          <a:p>
+            <a:pPr indent="0" lvl="0" marL="0" rtl="0" algn="l">
+              <a:lnSpc>
+                <a:spcPct val="95000"/>
+              </a:lnSpc>
+              <a:spcBef>
+                <a:spcPts val="1200"/>
+              </a:spcBef>
+              <a:spcAft>
+                <a:spcPts val="0"/>
+              </a:spcAft>
+              <a:buNone/>
+            </a:pPr>
+            <a:r>
+              <a:t/>
+            </a:r>
+            <a:endParaRPr sz="791"/>
+          </a:p>
+          <a:p>
+            <a:pPr indent="0" lvl="0" marL="0" rtl="0" algn="l">
+              <a:lnSpc>
+                <a:spcPct val="95000"/>
+              </a:lnSpc>
+              <a:spcBef>
+                <a:spcPts val="1200"/>
+              </a:spcBef>
+              <a:spcAft>
+                <a:spcPts val="0"/>
+              </a:spcAft>
+              <a:buNone/>
+            </a:pPr>
+            <a:r>
+              <a:rPr lang="ja" sz="791"/>
+              <a:t>$$</a:t>
+            </a:r>
+            <a:endParaRPr sz="791"/>
+          </a:p>
+          <a:p>
+            <a:pPr indent="0" lvl="0" marL="0" rtl="0" algn="l">
+              <a:lnSpc>
+                <a:spcPct val="95000"/>
+              </a:lnSpc>
+              <a:spcBef>
+                <a:spcPts val="1200"/>
+              </a:spcBef>
+              <a:spcAft>
+                <a:spcPts val="0"/>
+              </a:spcAft>
+              <a:buNone/>
+            </a:pPr>
+            <a:r>
+              <a:rPr lang="ja" sz="791"/>
+              <a:t>R_b' = R_b + K \times (S_B - E_B)</a:t>
+            </a:r>
+            <a:endParaRPr sz="791"/>
+          </a:p>
+          <a:p>
+            <a:pPr indent="0" lvl="0" marL="0" rtl="0" algn="l">
+              <a:lnSpc>
+                <a:spcPct val="95000"/>
+              </a:lnSpc>
+              <a:spcBef>
+                <a:spcPts val="1200"/>
+              </a:spcBef>
+              <a:spcAft>
+                <a:spcPts val="0"/>
+              </a:spcAft>
+              <a:buNone/>
+            </a:pPr>
+            <a:r>
+              <a:rPr lang="ja" sz="791"/>
+              <a:t>$$</a:t>
+            </a:r>
+            <a:endParaRPr sz="791"/>
+          </a:p>
+          <a:p>
+            <a:pPr indent="0" lvl="0" marL="0" rtl="0" algn="l">
+              <a:lnSpc>
+                <a:spcPct val="95000"/>
+              </a:lnSpc>
+              <a:spcBef>
+                <a:spcPts val="1200"/>
+              </a:spcBef>
+              <a:spcAft>
+                <a:spcPts val="0"/>
+              </a:spcAft>
+              <a:buNone/>
+            </a:pPr>
+            <a:r>
+              <a:t/>
+            </a:r>
+            <a:endParaRPr sz="791"/>
+          </a:p>
+          <a:p>
+            <a:pPr indent="0" lvl="0" marL="0" rtl="0" algn="l">
+              <a:lnSpc>
+                <a:spcPct val="95000"/>
+              </a:lnSpc>
+              <a:spcBef>
+                <a:spcPts val="1200"/>
+              </a:spcBef>
+              <a:spcAft>
+                <a:spcPts val="0"/>
+              </a:spcAft>
+              <a:buNone/>
+            </a:pPr>
+            <a:r>
+              <a:rPr lang="ja" sz="791"/>
+              <a:t>ここで、`K`はスコア変動の大きさを決定する定数で、通常は32や40などの値が使われます。`SA`と`SB`は試合結果を表し、次のように設定されます。</a:t>
+            </a:r>
+            <a:endParaRPr sz="791"/>
+          </a:p>
+          <a:p>
+            <a:pPr indent="0" lvl="0" marL="0" rtl="0" algn="l">
+              <a:lnSpc>
+                <a:spcPct val="95000"/>
+              </a:lnSpc>
+              <a:spcBef>
+                <a:spcPts val="1200"/>
+              </a:spcBef>
+              <a:spcAft>
+                <a:spcPts val="0"/>
+              </a:spcAft>
+              <a:buNone/>
+            </a:pPr>
+            <a:r>
+              <a:t/>
+            </a:r>
+            <a:endParaRPr sz="791"/>
+          </a:p>
+          <a:p>
+            <a:pPr indent="0" lvl="0" marL="0" rtl="0" algn="l">
+              <a:lnSpc>
+                <a:spcPct val="95000"/>
+              </a:lnSpc>
+              <a:spcBef>
+                <a:spcPts val="1200"/>
+              </a:spcBef>
+              <a:spcAft>
+                <a:spcPts val="0"/>
+              </a:spcAft>
+              <a:buNone/>
+            </a:pPr>
+            <a:r>
+              <a:rPr lang="ja" sz="791"/>
+              <a:t>- 勝利した場合は`1`</a:t>
+            </a:r>
+            <a:endParaRPr sz="791"/>
+          </a:p>
+          <a:p>
+            <a:pPr indent="0" lvl="0" marL="0" rtl="0" algn="l">
+              <a:lnSpc>
+                <a:spcPct val="95000"/>
+              </a:lnSpc>
+              <a:spcBef>
+                <a:spcPts val="1200"/>
+              </a:spcBef>
+              <a:spcAft>
+                <a:spcPts val="0"/>
+              </a:spcAft>
+              <a:buNone/>
+            </a:pPr>
+            <a:r>
+              <a:rPr lang="ja" sz="791"/>
+              <a:t>- 敗北した場合は`0`</a:t>
+            </a:r>
+            <a:endParaRPr sz="791"/>
+          </a:p>
+          <a:p>
+            <a:pPr indent="0" lvl="0" marL="0" rtl="0" algn="l">
+              <a:lnSpc>
+                <a:spcPct val="95000"/>
+              </a:lnSpc>
+              <a:spcBef>
+                <a:spcPts val="1200"/>
+              </a:spcBef>
+              <a:spcAft>
+                <a:spcPts val="0"/>
+              </a:spcAft>
+              <a:buNone/>
+            </a:pPr>
+            <a:r>
+              <a:rPr lang="ja" sz="791"/>
+              <a:t>- 引き分けの場合は`0.5`</a:t>
+            </a:r>
+            <a:endParaRPr sz="791"/>
+          </a:p>
+          <a:p>
+            <a:pPr indent="0" lvl="0" marL="0" rtl="0" algn="l">
+              <a:lnSpc>
+                <a:spcPct val="95000"/>
+              </a:lnSpc>
+              <a:spcBef>
+                <a:spcPts val="1200"/>
+              </a:spcBef>
+              <a:spcAft>
+                <a:spcPts val="0"/>
+              </a:spcAft>
+              <a:buNone/>
+            </a:pPr>
+            <a:r>
+              <a:t/>
+            </a:r>
+            <a:endParaRPr sz="791"/>
+          </a:p>
+          <a:p>
+            <a:pPr indent="0" lvl="0" marL="0" rtl="0" algn="l">
+              <a:lnSpc>
+                <a:spcPct val="95000"/>
+              </a:lnSpc>
+              <a:spcBef>
+                <a:spcPts val="1200"/>
+              </a:spcBef>
+              <a:spcAft>
+                <a:spcPts val="0"/>
+              </a:spcAft>
+              <a:buNone/>
+            </a:pPr>
+            <a:r>
+              <a:rPr lang="ja" sz="791"/>
+              <a:t>### 6. 全体のスコア更新</a:t>
+            </a:r>
+            <a:endParaRPr sz="791"/>
+          </a:p>
+          <a:p>
+            <a:pPr indent="0" lvl="0" marL="0" rtl="0" algn="l">
+              <a:lnSpc>
+                <a:spcPct val="95000"/>
+              </a:lnSpc>
+              <a:spcBef>
+                <a:spcPts val="1200"/>
+              </a:spcBef>
+              <a:spcAft>
+                <a:spcPts val="0"/>
+              </a:spcAft>
+              <a:buNone/>
+            </a:pPr>
+            <a:r>
+              <a:t/>
+            </a:r>
+            <a:endParaRPr sz="791"/>
+          </a:p>
+          <a:p>
+            <a:pPr indent="0" lvl="0" marL="0" rtl="0" algn="l">
+              <a:lnSpc>
+                <a:spcPct val="95000"/>
+              </a:lnSpc>
+              <a:spcBef>
+                <a:spcPts val="1200"/>
+              </a:spcBef>
+              <a:spcAft>
+                <a:spcPts val="0"/>
+              </a:spcAft>
+              <a:buNone/>
+            </a:pPr>
+            <a:r>
+              <a:rPr lang="ja" sz="791"/>
+              <a:t>このプロセスを、すべてのペアワイズ評価の結果に対して繰り返し行うことで、各RAGシステムのEloスコアが更新されます。最終的に、すべてのシステムのスコアが収束することで、それぞれのRAGシステムのパフォーマンスが評価され、スコアの高いシステムほど優れていると判断されます。</a:t>
+            </a:r>
+            <a:endParaRPr sz="791"/>
+          </a:p>
+          <a:p>
+            <a:pPr indent="0" lvl="0" marL="0" rtl="0" algn="l">
+              <a:lnSpc>
+                <a:spcPct val="95000"/>
+              </a:lnSpc>
+              <a:spcBef>
+                <a:spcPts val="1200"/>
+              </a:spcBef>
+              <a:spcAft>
+                <a:spcPts val="0"/>
+              </a:spcAft>
+              <a:buNone/>
+            </a:pPr>
+            <a:r>
+              <a:t/>
+            </a:r>
+            <a:endParaRPr sz="791"/>
+          </a:p>
+          <a:p>
+            <a:pPr indent="0" lvl="0" marL="0" rtl="0" algn="l">
+              <a:lnSpc>
+                <a:spcPct val="95000"/>
+              </a:lnSpc>
+              <a:spcBef>
+                <a:spcPts val="1200"/>
+              </a:spcBef>
+              <a:spcAft>
+                <a:spcPts val="0"/>
+              </a:spcAft>
+              <a:buNone/>
+            </a:pPr>
+            <a:r>
+              <a:rPr lang="ja" sz="791"/>
+              <a:t>### 7. 結果の解釈</a:t>
+            </a:r>
+            <a:endParaRPr sz="791"/>
+          </a:p>
+          <a:p>
+            <a:pPr indent="0" lvl="0" marL="0" rtl="0" algn="l">
+              <a:lnSpc>
+                <a:spcPct val="95000"/>
+              </a:lnSpc>
+              <a:spcBef>
+                <a:spcPts val="1200"/>
+              </a:spcBef>
+              <a:spcAft>
+                <a:spcPts val="0"/>
+              </a:spcAft>
+              <a:buNone/>
+            </a:pPr>
+            <a:r>
+              <a:t/>
+            </a:r>
+            <a:endParaRPr sz="791"/>
+          </a:p>
+          <a:p>
+            <a:pPr indent="0" lvl="0" marL="0" rtl="0" algn="l">
+              <a:lnSpc>
+                <a:spcPct val="95000"/>
+              </a:lnSpc>
+              <a:spcBef>
+                <a:spcPts val="1200"/>
+              </a:spcBef>
+              <a:spcAft>
+                <a:spcPts val="0"/>
+              </a:spcAft>
+              <a:buNone/>
+            </a:pPr>
+            <a:r>
+              <a:rPr lang="ja" sz="791"/>
+              <a:t>Eloスコアは、各システムが他のシステムと比較してどれだけ優れているかを示す相対的な指標です。したがって、最終的なランキングは、Eloスコアが高いほど、他のシステムよりも優れた回答を生成する能力が高いことを意味します。</a:t>
+            </a:r>
+            <a:endParaRPr sz="791"/>
+          </a:p>
+          <a:p>
+            <a:pPr indent="0" lvl="0" marL="0" rtl="0" algn="l">
+              <a:lnSpc>
+                <a:spcPct val="95000"/>
+              </a:lnSpc>
+              <a:spcBef>
+                <a:spcPts val="1200"/>
+              </a:spcBef>
+              <a:spcAft>
+                <a:spcPts val="0"/>
+              </a:spcAft>
+              <a:buNone/>
+            </a:pPr>
+            <a:r>
+              <a:t/>
+            </a:r>
+            <a:endParaRPr sz="791"/>
+          </a:p>
+          <a:p>
+            <a:pPr indent="0" lvl="0" marL="0" rtl="0" algn="l">
+              <a:lnSpc>
+                <a:spcPct val="95000"/>
+              </a:lnSpc>
+              <a:spcBef>
+                <a:spcPts val="1200"/>
+              </a:spcBef>
+              <a:spcAft>
+                <a:spcPts val="0"/>
+              </a:spcAft>
+              <a:buNone/>
+            </a:pPr>
+            <a:r>
+              <a:rPr lang="ja" sz="791"/>
+              <a:t>## RAG-Fusion (RAGF) :</a:t>
+            </a:r>
+            <a:endParaRPr sz="791"/>
+          </a:p>
+          <a:p>
+            <a:pPr indent="0" lvl="0" marL="0" rtl="0" algn="l">
+              <a:lnSpc>
+                <a:spcPct val="95000"/>
+              </a:lnSpc>
+              <a:spcBef>
+                <a:spcPts val="1200"/>
+              </a:spcBef>
+              <a:spcAft>
+                <a:spcPts val="0"/>
+              </a:spcAft>
+              <a:buNone/>
+            </a:pPr>
+            <a:r>
+              <a:t/>
+            </a:r>
+            <a:endParaRPr sz="791"/>
+          </a:p>
+          <a:p>
+            <a:pPr indent="0" lvl="0" marL="0" rtl="0" algn="l">
+              <a:lnSpc>
+                <a:spcPct val="95000"/>
+              </a:lnSpc>
+              <a:spcBef>
+                <a:spcPts val="1200"/>
+              </a:spcBef>
+              <a:spcAft>
+                <a:spcPts val="0"/>
+              </a:spcAft>
+              <a:buNone/>
+            </a:pPr>
+            <a:r>
+              <a:rPr lang="ja" sz="791"/>
+              <a:t>RAGFは、ユーザーのクエリに対して複数のバリエーションを生成し、それらのランキングを組み合わせることで、より多様で質の高い回答を生成します。</a:t>
+            </a:r>
+            <a:endParaRPr sz="791"/>
+          </a:p>
+          <a:p>
+            <a:pPr indent="0" lvl="0" marL="0" rtl="0" algn="l">
+              <a:lnSpc>
+                <a:spcPct val="95000"/>
+              </a:lnSpc>
+              <a:spcBef>
+                <a:spcPts val="1200"/>
+              </a:spcBef>
+              <a:spcAft>
+                <a:spcPts val="0"/>
+              </a:spcAft>
+              <a:buNone/>
+            </a:pPr>
+            <a:r>
+              <a:t/>
+            </a:r>
+            <a:endParaRPr sz="791"/>
+          </a:p>
+          <a:p>
+            <a:pPr indent="0" lvl="0" marL="0" rtl="0" algn="l">
+              <a:lnSpc>
+                <a:spcPct val="95000"/>
+              </a:lnSpc>
+              <a:spcBef>
+                <a:spcPts val="1200"/>
+              </a:spcBef>
+              <a:spcAft>
+                <a:spcPts val="0"/>
+              </a:spcAft>
+              <a:buNone/>
+            </a:pPr>
+            <a:r>
+              <a:rPr lang="ja" sz="791"/>
+              <a:t>### 1. RAGFの背景と目的</a:t>
+            </a:r>
+            <a:endParaRPr sz="791"/>
+          </a:p>
+          <a:p>
+            <a:pPr indent="0" lvl="0" marL="0" rtl="0" algn="l">
+              <a:lnSpc>
+                <a:spcPct val="95000"/>
+              </a:lnSpc>
+              <a:spcBef>
+                <a:spcPts val="1200"/>
+              </a:spcBef>
+              <a:spcAft>
+                <a:spcPts val="0"/>
+              </a:spcAft>
+              <a:buNone/>
+            </a:pPr>
+            <a:r>
+              <a:t/>
+            </a:r>
+            <a:endParaRPr sz="791"/>
+          </a:p>
+          <a:p>
+            <a:pPr indent="0" lvl="0" marL="0" rtl="0" algn="l">
+              <a:lnSpc>
+                <a:spcPct val="95000"/>
+              </a:lnSpc>
+              <a:spcBef>
+                <a:spcPts val="1200"/>
+              </a:spcBef>
+              <a:spcAft>
+                <a:spcPts val="0"/>
+              </a:spcAft>
+              <a:buNone/>
+            </a:pPr>
+            <a:r>
+              <a:rPr lang="ja" sz="791"/>
+              <a:t>従来のRAGシステムは、ユーザーからのクエリ（質問）に対して外部のドキュメントやデータベースから関連情報を検索し、その情報を元に回答を生成します。しかし、この方法では、単一のクエリに基づいて検索される文書に依存するため、場合によっては関連情報を見逃したり、部分的な回答しか得られないことがあります。</a:t>
+            </a:r>
+            <a:endParaRPr sz="791"/>
+          </a:p>
+          <a:p>
+            <a:pPr indent="0" lvl="0" marL="0" rtl="0" algn="l">
+              <a:lnSpc>
+                <a:spcPct val="95000"/>
+              </a:lnSpc>
+              <a:spcBef>
+                <a:spcPts val="1200"/>
+              </a:spcBef>
+              <a:spcAft>
+                <a:spcPts val="0"/>
+              </a:spcAft>
+              <a:buNone/>
+            </a:pPr>
+            <a:r>
+              <a:t/>
+            </a:r>
+            <a:endParaRPr sz="791"/>
+          </a:p>
+          <a:p>
+            <a:pPr indent="0" lvl="0" marL="0" rtl="0" algn="l">
+              <a:lnSpc>
+                <a:spcPct val="95000"/>
+              </a:lnSpc>
+              <a:spcBef>
+                <a:spcPts val="1200"/>
+              </a:spcBef>
+              <a:spcAft>
+                <a:spcPts val="0"/>
+              </a:spcAft>
+              <a:buNone/>
+            </a:pPr>
+            <a:r>
+              <a:rPr lang="ja" sz="791"/>
+              <a:t>RAGFは、この問題を解決するために設計されました。RAGFの目的は、単一のクエリに依存せず、クエリのバリエーションを生成して複数の検索結果を融合（Fusion）させることで、より包括的で精度の高い回答を提供することです。</a:t>
+            </a:r>
+            <a:endParaRPr sz="791"/>
+          </a:p>
+          <a:p>
+            <a:pPr indent="0" lvl="0" marL="0" rtl="0" algn="l">
+              <a:lnSpc>
+                <a:spcPct val="95000"/>
+              </a:lnSpc>
+              <a:spcBef>
+                <a:spcPts val="1200"/>
+              </a:spcBef>
+              <a:spcAft>
+                <a:spcPts val="0"/>
+              </a:spcAft>
+              <a:buNone/>
+            </a:pPr>
+            <a:r>
+              <a:t/>
+            </a:r>
+            <a:endParaRPr sz="791"/>
+          </a:p>
+          <a:p>
+            <a:pPr indent="0" lvl="0" marL="0" rtl="0" algn="l">
+              <a:lnSpc>
+                <a:spcPct val="95000"/>
+              </a:lnSpc>
+              <a:spcBef>
+                <a:spcPts val="1200"/>
+              </a:spcBef>
+              <a:spcAft>
+                <a:spcPts val="0"/>
+              </a:spcAft>
+              <a:buNone/>
+            </a:pPr>
+            <a:r>
+              <a:rPr lang="ja" sz="791"/>
+              <a:t>### 2. RAGFの基本的な仕組み</a:t>
+            </a:r>
+            <a:endParaRPr sz="791"/>
+          </a:p>
+          <a:p>
+            <a:pPr indent="0" lvl="0" marL="0" rtl="0" algn="l">
+              <a:lnSpc>
+                <a:spcPct val="95000"/>
+              </a:lnSpc>
+              <a:spcBef>
+                <a:spcPts val="1200"/>
+              </a:spcBef>
+              <a:spcAft>
+                <a:spcPts val="0"/>
+              </a:spcAft>
+              <a:buNone/>
+            </a:pPr>
+            <a:r>
+              <a:t/>
+            </a:r>
+            <a:endParaRPr sz="791"/>
+          </a:p>
+          <a:p>
+            <a:pPr indent="0" lvl="0" marL="0" rtl="0" algn="l">
+              <a:lnSpc>
+                <a:spcPct val="95000"/>
+              </a:lnSpc>
+              <a:spcBef>
+                <a:spcPts val="1200"/>
+              </a:spcBef>
+              <a:spcAft>
+                <a:spcPts val="0"/>
+              </a:spcAft>
+              <a:buNone/>
+            </a:pPr>
+            <a:r>
+              <a:rPr lang="ja" sz="791"/>
+              <a:t>RAGFの基本的な動作は以下のステップに従います。</a:t>
+            </a:r>
+            <a:endParaRPr sz="791"/>
+          </a:p>
+          <a:p>
+            <a:pPr indent="0" lvl="0" marL="0" rtl="0" algn="l">
+              <a:lnSpc>
+                <a:spcPct val="95000"/>
+              </a:lnSpc>
+              <a:spcBef>
+                <a:spcPts val="1200"/>
+              </a:spcBef>
+              <a:spcAft>
+                <a:spcPts val="0"/>
+              </a:spcAft>
+              <a:buNone/>
+            </a:pPr>
+            <a:r>
+              <a:t/>
+            </a:r>
+            <a:endParaRPr sz="791"/>
+          </a:p>
+          <a:p>
+            <a:pPr indent="0" lvl="0" marL="0" rtl="0" algn="l">
+              <a:lnSpc>
+                <a:spcPct val="95000"/>
+              </a:lnSpc>
+              <a:spcBef>
+                <a:spcPts val="1200"/>
+              </a:spcBef>
+              <a:spcAft>
+                <a:spcPts val="0"/>
+              </a:spcAft>
+              <a:buNone/>
+            </a:pPr>
+            <a:r>
+              <a:rPr lang="ja" sz="791"/>
+              <a:t>### 2.1. クエリの生成</a:t>
+            </a:r>
+            <a:endParaRPr sz="791"/>
+          </a:p>
+          <a:p>
+            <a:pPr indent="0" lvl="0" marL="0" rtl="0" algn="l">
+              <a:lnSpc>
+                <a:spcPct val="95000"/>
+              </a:lnSpc>
+              <a:spcBef>
+                <a:spcPts val="1200"/>
+              </a:spcBef>
+              <a:spcAft>
+                <a:spcPts val="0"/>
+              </a:spcAft>
+              <a:buNone/>
+            </a:pPr>
+            <a:r>
+              <a:t/>
+            </a:r>
+            <a:endParaRPr sz="791"/>
+          </a:p>
+          <a:p>
+            <a:pPr indent="0" lvl="0" marL="0" rtl="0" algn="l">
+              <a:lnSpc>
+                <a:spcPct val="95000"/>
+              </a:lnSpc>
+              <a:spcBef>
+                <a:spcPts val="1200"/>
+              </a:spcBef>
+              <a:spcAft>
+                <a:spcPts val="0"/>
+              </a:spcAft>
+              <a:buNone/>
+            </a:pPr>
+            <a:r>
+              <a:rPr lang="ja" sz="791"/>
+              <a:t>RAGFは、ユーザーが入力したオリジナルのクエリに基づいて、LLM を用いて複数のクエリバリエーションを生成します。これにより、元のクエリに関連する様々な角度からの質問を自動的に作り出すことができます。例えば、元のクエリが「特定のマイクロフォンの防水機能について教えてください」というものであれば、RAGFはこれに基づいて「このマイクロフォンはどの程度の防水性を持っていますか？」や「マイクロフォンの防水性能を確認する方法は？」などの関連クエリを生成します。</a:t>
+            </a:r>
+            <a:endParaRPr sz="791"/>
+          </a:p>
+          <a:p>
+            <a:pPr indent="0" lvl="0" marL="0" rtl="0" algn="l">
+              <a:lnSpc>
+                <a:spcPct val="95000"/>
+              </a:lnSpc>
+              <a:spcBef>
+                <a:spcPts val="1200"/>
+              </a:spcBef>
+              <a:spcAft>
+                <a:spcPts val="0"/>
+              </a:spcAft>
+              <a:buNone/>
+            </a:pPr>
+            <a:r>
+              <a:t/>
+            </a:r>
+            <a:endParaRPr sz="791"/>
+          </a:p>
+          <a:p>
+            <a:pPr indent="0" lvl="0" marL="0" rtl="0" algn="l">
+              <a:lnSpc>
+                <a:spcPct val="95000"/>
+              </a:lnSpc>
+              <a:spcBef>
+                <a:spcPts val="1200"/>
+              </a:spcBef>
+              <a:spcAft>
+                <a:spcPts val="0"/>
+              </a:spcAft>
+              <a:buNone/>
+            </a:pPr>
+            <a:r>
+              <a:rPr lang="ja" sz="791"/>
+              <a:t>### 2.2. 複数クエリによる検索</a:t>
+            </a:r>
+            <a:endParaRPr sz="791"/>
+          </a:p>
+          <a:p>
+            <a:pPr indent="0" lvl="0" marL="0" rtl="0" algn="l">
+              <a:lnSpc>
+                <a:spcPct val="95000"/>
+              </a:lnSpc>
+              <a:spcBef>
+                <a:spcPts val="1200"/>
+              </a:spcBef>
+              <a:spcAft>
+                <a:spcPts val="0"/>
+              </a:spcAft>
+              <a:buNone/>
+            </a:pPr>
+            <a:r>
+              <a:t/>
+            </a:r>
+            <a:endParaRPr sz="791"/>
+          </a:p>
+          <a:p>
+            <a:pPr indent="0" lvl="0" marL="0" rtl="0" algn="l">
+              <a:lnSpc>
+                <a:spcPct val="95000"/>
+              </a:lnSpc>
+              <a:spcBef>
+                <a:spcPts val="1200"/>
+              </a:spcBef>
+              <a:spcAft>
+                <a:spcPts val="0"/>
+              </a:spcAft>
+              <a:buNone/>
+            </a:pPr>
+            <a:r>
+              <a:rPr lang="ja" sz="791"/>
+              <a:t>生成された複数のクエリは、それぞれ独立して情報検索システムに送られます。これにより、元のクエリだけでは引き出せなかった関連情報を含むドキュメントを幅広く取得することが可能になります。</a:t>
+            </a:r>
+            <a:endParaRPr sz="791"/>
+          </a:p>
+          <a:p>
+            <a:pPr indent="0" lvl="0" marL="0" rtl="0" algn="l">
+              <a:lnSpc>
+                <a:spcPct val="95000"/>
+              </a:lnSpc>
+              <a:spcBef>
+                <a:spcPts val="1200"/>
+              </a:spcBef>
+              <a:spcAft>
+                <a:spcPts val="0"/>
+              </a:spcAft>
+              <a:buNone/>
+            </a:pPr>
+            <a:r>
+              <a:t/>
+            </a:r>
+            <a:endParaRPr sz="791"/>
+          </a:p>
+          <a:p>
+            <a:pPr indent="0" lvl="0" marL="0" rtl="0" algn="l">
+              <a:lnSpc>
+                <a:spcPct val="95000"/>
+              </a:lnSpc>
+              <a:spcBef>
+                <a:spcPts val="1200"/>
+              </a:spcBef>
+              <a:spcAft>
+                <a:spcPts val="0"/>
+              </a:spcAft>
+              <a:buNone/>
+            </a:pPr>
+            <a:r>
+              <a:rPr lang="ja" sz="791"/>
+              <a:t>### 2.3. ランクフュージョン (Rank Fusion)</a:t>
+            </a:r>
+            <a:endParaRPr sz="791"/>
+          </a:p>
+          <a:p>
+            <a:pPr indent="0" lvl="0" marL="0" rtl="0" algn="l">
+              <a:lnSpc>
+                <a:spcPct val="95000"/>
+              </a:lnSpc>
+              <a:spcBef>
+                <a:spcPts val="1200"/>
+              </a:spcBef>
+              <a:spcAft>
+                <a:spcPts val="0"/>
+              </a:spcAft>
+              <a:buNone/>
+            </a:pPr>
+            <a:r>
+              <a:t/>
+            </a:r>
+            <a:endParaRPr sz="791"/>
+          </a:p>
+          <a:p>
+            <a:pPr indent="0" lvl="0" marL="0" rtl="0" algn="l">
+              <a:lnSpc>
+                <a:spcPct val="95000"/>
+              </a:lnSpc>
+              <a:spcBef>
+                <a:spcPts val="1200"/>
+              </a:spcBef>
+              <a:spcAft>
+                <a:spcPts val="0"/>
+              </a:spcAft>
+              <a:buNone/>
+            </a:pPr>
+            <a:r>
+              <a:rPr lang="ja" sz="791"/>
+              <a:t>取得された複数の検索結果は、ランキングフュージョン (Rank Fusion) 手法を用いて統合されます。RAGFでは特に「Reciprocal Rank Fusion (RRF)」を使用します。この手法では、各クエリごとの検索結果のランキングを逆数化し、それを合計することで最終的なランキングを決定します。これにより、異なるクエリから得られた情報の中で最も関連性が高いものが上位にランク付けされ、結果的により質の高いドキュメントセットが得られます。</a:t>
+            </a:r>
+            <a:endParaRPr sz="791"/>
+          </a:p>
+          <a:p>
+            <a:pPr indent="0" lvl="0" marL="0" rtl="0" algn="l">
+              <a:lnSpc>
+                <a:spcPct val="95000"/>
+              </a:lnSpc>
+              <a:spcBef>
+                <a:spcPts val="1200"/>
+              </a:spcBef>
+              <a:spcAft>
+                <a:spcPts val="0"/>
+              </a:spcAft>
+              <a:buNone/>
+            </a:pPr>
+            <a:r>
+              <a:t/>
+            </a:r>
+            <a:endParaRPr sz="791"/>
+          </a:p>
+          <a:p>
+            <a:pPr indent="0" lvl="0" marL="0" rtl="0" algn="l">
+              <a:lnSpc>
+                <a:spcPct val="95000"/>
+              </a:lnSpc>
+              <a:spcBef>
+                <a:spcPts val="1200"/>
+              </a:spcBef>
+              <a:spcAft>
+                <a:spcPts val="0"/>
+              </a:spcAft>
+              <a:buNone/>
+            </a:pPr>
+            <a:r>
+              <a:rPr lang="ja" sz="791"/>
+              <a:t>RRFは、複数の検索結果リスト（たとえば、異なるクエリやアルゴリズムから得られたリスト）から、それぞれの文書に対するランキング情報を取得し、それを統合することで最終的なランキングを生成します。</a:t>
+            </a:r>
+            <a:endParaRPr sz="791"/>
+          </a:p>
+          <a:p>
+            <a:pPr indent="0" lvl="0" marL="0" rtl="0" algn="l">
+              <a:lnSpc>
+                <a:spcPct val="95000"/>
+              </a:lnSpc>
+              <a:spcBef>
+                <a:spcPts val="1200"/>
+              </a:spcBef>
+              <a:spcAft>
+                <a:spcPts val="0"/>
+              </a:spcAft>
+              <a:buNone/>
+            </a:pPr>
+            <a:r>
+              <a:t/>
+            </a:r>
+            <a:endParaRPr sz="791"/>
+          </a:p>
+          <a:p>
+            <a:pPr indent="0" lvl="0" marL="0" rtl="0" algn="l">
+              <a:lnSpc>
+                <a:spcPct val="95000"/>
+              </a:lnSpc>
+              <a:spcBef>
+                <a:spcPts val="1200"/>
+              </a:spcBef>
+              <a:spcAft>
+                <a:spcPts val="0"/>
+              </a:spcAft>
+              <a:buNone/>
+            </a:pPr>
+            <a:r>
+              <a:rPr lang="ja" sz="791"/>
+              <a:t>### 2.3.1 逆数ランクの計算</a:t>
+            </a:r>
+            <a:endParaRPr sz="791"/>
+          </a:p>
+          <a:p>
+            <a:pPr indent="0" lvl="0" marL="0" rtl="0" algn="l">
+              <a:lnSpc>
+                <a:spcPct val="95000"/>
+              </a:lnSpc>
+              <a:spcBef>
+                <a:spcPts val="1200"/>
+              </a:spcBef>
+              <a:spcAft>
+                <a:spcPts val="0"/>
+              </a:spcAft>
+              <a:buNone/>
+            </a:pPr>
+            <a:r>
+              <a:t/>
+            </a:r>
+            <a:endParaRPr sz="791"/>
+          </a:p>
+          <a:p>
+            <a:pPr indent="0" lvl="0" marL="0" rtl="0" algn="l">
+              <a:lnSpc>
+                <a:spcPct val="95000"/>
+              </a:lnSpc>
+              <a:spcBef>
+                <a:spcPts val="1200"/>
+              </a:spcBef>
+              <a:spcAft>
+                <a:spcPts val="0"/>
+              </a:spcAft>
+              <a:buNone/>
+            </a:pPr>
+            <a:r>
+              <a:rPr lang="ja" sz="791"/>
+              <a:t>RRFでは、まず各検索結果リストで文書の順位を取得し、その順位の逆数を計算します。具体的には、文書`d`が検索結果リスト`i`で順位`r_i`にランク付けされている場合、RRFスコアは次の式で計算されます。</a:t>
+            </a:r>
+            <a:endParaRPr sz="791"/>
+          </a:p>
+          <a:p>
+            <a:pPr indent="0" lvl="0" marL="0" rtl="0" algn="l">
+              <a:lnSpc>
+                <a:spcPct val="95000"/>
+              </a:lnSpc>
+              <a:spcBef>
+                <a:spcPts val="1200"/>
+              </a:spcBef>
+              <a:spcAft>
+                <a:spcPts val="0"/>
+              </a:spcAft>
+              <a:buNone/>
+            </a:pPr>
+            <a:r>
+              <a:t/>
+            </a:r>
+            <a:endParaRPr sz="791"/>
+          </a:p>
+          <a:p>
+            <a:pPr indent="0" lvl="0" marL="0" rtl="0" algn="l">
+              <a:lnSpc>
+                <a:spcPct val="95000"/>
+              </a:lnSpc>
+              <a:spcBef>
+                <a:spcPts val="1200"/>
+              </a:spcBef>
+              <a:spcAft>
+                <a:spcPts val="0"/>
+              </a:spcAft>
+              <a:buNone/>
+            </a:pPr>
+            <a:r>
+              <a:rPr lang="ja" sz="791"/>
+              <a:t>$$</a:t>
+            </a:r>
+            <a:endParaRPr sz="791"/>
+          </a:p>
+          <a:p>
+            <a:pPr indent="0" lvl="0" marL="0" rtl="0" algn="l">
+              <a:lnSpc>
+                <a:spcPct val="95000"/>
+              </a:lnSpc>
+              <a:spcBef>
+                <a:spcPts val="1200"/>
+              </a:spcBef>
+              <a:spcAft>
+                <a:spcPts val="0"/>
+              </a:spcAft>
+              <a:buNone/>
+            </a:pPr>
+            <a:r>
+              <a:rPr lang="ja" sz="791"/>
+              <a:t>\text{RRF}_i(d) = \frac{1}{k + r_i}</a:t>
+            </a:r>
+            <a:endParaRPr sz="791"/>
+          </a:p>
+          <a:p>
+            <a:pPr indent="0" lvl="0" marL="0" rtl="0" algn="l">
+              <a:lnSpc>
+                <a:spcPct val="95000"/>
+              </a:lnSpc>
+              <a:spcBef>
+                <a:spcPts val="1200"/>
+              </a:spcBef>
+              <a:spcAft>
+                <a:spcPts val="0"/>
+              </a:spcAft>
+              <a:buNone/>
+            </a:pPr>
+            <a:r>
+              <a:rPr lang="ja" sz="791"/>
+              <a:t>$$</a:t>
+            </a:r>
+            <a:endParaRPr sz="791"/>
+          </a:p>
+          <a:p>
+            <a:pPr indent="0" lvl="0" marL="0" rtl="0" algn="l">
+              <a:lnSpc>
+                <a:spcPct val="95000"/>
+              </a:lnSpc>
+              <a:spcBef>
+                <a:spcPts val="1200"/>
+              </a:spcBef>
+              <a:spcAft>
+                <a:spcPts val="0"/>
+              </a:spcAft>
+              <a:buNone/>
+            </a:pPr>
+            <a:r>
+              <a:t/>
+            </a:r>
+            <a:endParaRPr sz="791"/>
+          </a:p>
+          <a:p>
+            <a:pPr indent="0" lvl="0" marL="0" rtl="0" algn="l">
+              <a:lnSpc>
+                <a:spcPct val="95000"/>
+              </a:lnSpc>
+              <a:spcBef>
+                <a:spcPts val="1200"/>
+              </a:spcBef>
+              <a:spcAft>
+                <a:spcPts val="0"/>
+              </a:spcAft>
+              <a:buNone/>
+            </a:pPr>
+            <a:r>
+              <a:rPr lang="ja" sz="791"/>
+              <a:t>ここで、`k`は定数であり、通常1や60などの値が設定されます。この定数は、上位の順位に対してスコアが過剰に高くならないように調整する役割を果たします。`r_i`は文書`d`がリスト`i`で何位にランク付けされているかを示します。</a:t>
+            </a:r>
+            <a:endParaRPr sz="791"/>
+          </a:p>
+          <a:p>
+            <a:pPr indent="0" lvl="0" marL="0" rtl="0" algn="l">
+              <a:lnSpc>
+                <a:spcPct val="95000"/>
+              </a:lnSpc>
+              <a:spcBef>
+                <a:spcPts val="1200"/>
+              </a:spcBef>
+              <a:spcAft>
+                <a:spcPts val="0"/>
+              </a:spcAft>
+              <a:buNone/>
+            </a:pPr>
+            <a:r>
+              <a:t/>
+            </a:r>
+            <a:endParaRPr sz="791"/>
+          </a:p>
+          <a:p>
+            <a:pPr indent="0" lvl="0" marL="0" rtl="0" algn="l">
+              <a:lnSpc>
+                <a:spcPct val="95000"/>
+              </a:lnSpc>
+              <a:spcBef>
+                <a:spcPts val="1200"/>
+              </a:spcBef>
+              <a:spcAft>
+                <a:spcPts val="0"/>
+              </a:spcAft>
+              <a:buNone/>
+            </a:pPr>
+            <a:r>
+              <a:rPr lang="ja" sz="791"/>
+              <a:t>### 2.3.2 各リストのスコアの合算</a:t>
+            </a:r>
+            <a:endParaRPr sz="791"/>
+          </a:p>
+          <a:p>
+            <a:pPr indent="0" lvl="0" marL="0" rtl="0" algn="l">
+              <a:lnSpc>
+                <a:spcPct val="95000"/>
+              </a:lnSpc>
+              <a:spcBef>
+                <a:spcPts val="1200"/>
+              </a:spcBef>
+              <a:spcAft>
+                <a:spcPts val="0"/>
+              </a:spcAft>
+              <a:buNone/>
+            </a:pPr>
+            <a:r>
+              <a:t/>
+            </a:r>
+            <a:endParaRPr sz="791"/>
+          </a:p>
+          <a:p>
+            <a:pPr indent="0" lvl="0" marL="0" rtl="0" algn="l">
+              <a:lnSpc>
+                <a:spcPct val="95000"/>
+              </a:lnSpc>
+              <a:spcBef>
+                <a:spcPts val="1200"/>
+              </a:spcBef>
+              <a:spcAft>
+                <a:spcPts val="0"/>
+              </a:spcAft>
+              <a:buNone/>
+            </a:pPr>
+            <a:r>
+              <a:rPr lang="ja" sz="791"/>
+              <a:t>次に、異なる検索結果リストから得られた文書の逆数ランクスコアを合計します。文書`d`が複数の検索結果リストで見つかった場合、その文書の最終スコア`S(d)`は次のように計算されます。</a:t>
+            </a:r>
+            <a:endParaRPr sz="791"/>
+          </a:p>
+          <a:p>
+            <a:pPr indent="0" lvl="0" marL="0" rtl="0" algn="l">
+              <a:lnSpc>
+                <a:spcPct val="95000"/>
+              </a:lnSpc>
+              <a:spcBef>
+                <a:spcPts val="1200"/>
+              </a:spcBef>
+              <a:spcAft>
+                <a:spcPts val="0"/>
+              </a:spcAft>
+              <a:buNone/>
+            </a:pPr>
+            <a:r>
+              <a:t/>
+            </a:r>
+            <a:endParaRPr sz="791"/>
+          </a:p>
+          <a:p>
+            <a:pPr indent="0" lvl="0" marL="0" rtl="0" algn="l">
+              <a:lnSpc>
+                <a:spcPct val="95000"/>
+              </a:lnSpc>
+              <a:spcBef>
+                <a:spcPts val="1200"/>
+              </a:spcBef>
+              <a:spcAft>
+                <a:spcPts val="0"/>
+              </a:spcAft>
+              <a:buNone/>
+            </a:pPr>
+            <a:r>
+              <a:rPr lang="ja" sz="791"/>
+              <a:t>$$</a:t>
+            </a:r>
+            <a:endParaRPr sz="791"/>
+          </a:p>
+          <a:p>
+            <a:pPr indent="0" lvl="0" marL="0" rtl="0" algn="l">
+              <a:lnSpc>
+                <a:spcPct val="95000"/>
+              </a:lnSpc>
+              <a:spcBef>
+                <a:spcPts val="1200"/>
+              </a:spcBef>
+              <a:spcAft>
+                <a:spcPts val="0"/>
+              </a:spcAft>
+              <a:buNone/>
+            </a:pPr>
+            <a:r>
+              <a:rPr lang="ja" sz="791"/>
+              <a:t>S(d) = \sum_{i=1}^{n} \frac{1}{k + r_i}</a:t>
+            </a:r>
+            <a:endParaRPr sz="791"/>
+          </a:p>
+          <a:p>
+            <a:pPr indent="0" lvl="0" marL="0" rtl="0" algn="l">
+              <a:lnSpc>
+                <a:spcPct val="95000"/>
+              </a:lnSpc>
+              <a:spcBef>
+                <a:spcPts val="1200"/>
+              </a:spcBef>
+              <a:spcAft>
+                <a:spcPts val="0"/>
+              </a:spcAft>
+              <a:buNone/>
+            </a:pPr>
+            <a:r>
+              <a:rPr lang="ja" sz="791"/>
+              <a:t>$$</a:t>
+            </a:r>
+            <a:endParaRPr sz="791"/>
+          </a:p>
+          <a:p>
+            <a:pPr indent="0" lvl="0" marL="0" rtl="0" algn="l">
+              <a:lnSpc>
+                <a:spcPct val="95000"/>
+              </a:lnSpc>
+              <a:spcBef>
+                <a:spcPts val="1200"/>
+              </a:spcBef>
+              <a:spcAft>
+                <a:spcPts val="0"/>
+              </a:spcAft>
+              <a:buNone/>
+            </a:pPr>
+            <a:r>
+              <a:t/>
+            </a:r>
+            <a:endParaRPr sz="791"/>
+          </a:p>
+          <a:p>
+            <a:pPr indent="0" lvl="0" marL="0" rtl="0" algn="l">
+              <a:lnSpc>
+                <a:spcPct val="95000"/>
+              </a:lnSpc>
+              <a:spcBef>
+                <a:spcPts val="1200"/>
+              </a:spcBef>
+              <a:spcAft>
+                <a:spcPts val="0"/>
+              </a:spcAft>
+              <a:buNone/>
+            </a:pPr>
+            <a:r>
+              <a:rPr lang="ja" sz="791"/>
+              <a:t>ここで、`n`は使用されている検索結果リストの数です。文書が特定のリストに含まれていない場合、そのリストでの`r_i`は無限大と見なされ、その逆数は0として計算されます。</a:t>
+            </a:r>
+            <a:endParaRPr sz="791"/>
+          </a:p>
+          <a:p>
+            <a:pPr indent="0" lvl="0" marL="0" rtl="0" algn="l">
+              <a:lnSpc>
+                <a:spcPct val="95000"/>
+              </a:lnSpc>
+              <a:spcBef>
+                <a:spcPts val="1200"/>
+              </a:spcBef>
+              <a:spcAft>
+                <a:spcPts val="0"/>
+              </a:spcAft>
+              <a:buNone/>
+            </a:pPr>
+            <a:r>
+              <a:t/>
+            </a:r>
+            <a:endParaRPr sz="791"/>
+          </a:p>
+          <a:p>
+            <a:pPr indent="0" lvl="0" marL="0" rtl="0" algn="l">
+              <a:lnSpc>
+                <a:spcPct val="95000"/>
+              </a:lnSpc>
+              <a:spcBef>
+                <a:spcPts val="1200"/>
+              </a:spcBef>
+              <a:spcAft>
+                <a:spcPts val="0"/>
+              </a:spcAft>
+              <a:buNone/>
+            </a:pPr>
+            <a:r>
+              <a:rPr lang="ja" sz="791"/>
+              <a:t>### 2.3.3 最終ランキングの決定</a:t>
+            </a:r>
+            <a:endParaRPr sz="791"/>
+          </a:p>
+          <a:p>
+            <a:pPr indent="0" lvl="0" marL="0" rtl="0" algn="l">
+              <a:lnSpc>
+                <a:spcPct val="95000"/>
+              </a:lnSpc>
+              <a:spcBef>
+                <a:spcPts val="1200"/>
+              </a:spcBef>
+              <a:spcAft>
+                <a:spcPts val="0"/>
+              </a:spcAft>
+              <a:buNone/>
+            </a:pPr>
+            <a:r>
+              <a:t/>
+            </a:r>
+            <a:endParaRPr sz="791"/>
+          </a:p>
+          <a:p>
+            <a:pPr indent="0" lvl="0" marL="0" rtl="0" algn="l">
+              <a:lnSpc>
+                <a:spcPct val="95000"/>
+              </a:lnSpc>
+              <a:spcBef>
+                <a:spcPts val="1200"/>
+              </a:spcBef>
+              <a:spcAft>
+                <a:spcPts val="0"/>
+              </a:spcAft>
+              <a:buNone/>
+            </a:pPr>
+            <a:r>
+              <a:rPr lang="ja" sz="791"/>
+              <a:t>すべての文書のスコアが計算された後、これらのスコアに基づいて文書が再ランク付けされます。スコアが高いほど、その文書が複数のリストで高い順位にランク付けされていることを示し、したがってその文書がユーザーのクエリに対して関連性が高いと判断されます。最終的に、これらのスコアを基にして文書の最終ランキングが決定され、ユーザーに提供される検索結果の品質が向上します。</a:t>
+            </a:r>
+            <a:endParaRPr sz="791"/>
+          </a:p>
+          <a:p>
+            <a:pPr indent="0" lvl="0" marL="0" rtl="0" algn="l">
+              <a:lnSpc>
+                <a:spcPct val="95000"/>
+              </a:lnSpc>
+              <a:spcBef>
+                <a:spcPts val="1200"/>
+              </a:spcBef>
+              <a:spcAft>
+                <a:spcPts val="0"/>
+              </a:spcAft>
+              <a:buNone/>
+            </a:pPr>
+            <a:r>
+              <a:t/>
+            </a:r>
+            <a:endParaRPr sz="791"/>
+          </a:p>
+          <a:p>
+            <a:pPr indent="0" lvl="0" marL="0" rtl="0" algn="l">
+              <a:lnSpc>
+                <a:spcPct val="95000"/>
+              </a:lnSpc>
+              <a:spcBef>
+                <a:spcPts val="1200"/>
+              </a:spcBef>
+              <a:spcAft>
+                <a:spcPts val="0"/>
+              </a:spcAft>
+              <a:buNone/>
+            </a:pPr>
+            <a:r>
+              <a:rPr lang="ja" sz="791"/>
+              <a:t>### 2.3.4 RRFの利点</a:t>
+            </a:r>
+            <a:endParaRPr sz="791"/>
+          </a:p>
+          <a:p>
+            <a:pPr indent="0" lvl="0" marL="0" rtl="0" algn="l">
+              <a:lnSpc>
+                <a:spcPct val="95000"/>
+              </a:lnSpc>
+              <a:spcBef>
+                <a:spcPts val="1200"/>
+              </a:spcBef>
+              <a:spcAft>
+                <a:spcPts val="0"/>
+              </a:spcAft>
+              <a:buNone/>
+            </a:pPr>
+            <a:r>
+              <a:t/>
+            </a:r>
+            <a:endParaRPr sz="791"/>
+          </a:p>
+          <a:p>
+            <a:pPr indent="0" lvl="0" marL="0" rtl="0" algn="l">
+              <a:lnSpc>
+                <a:spcPct val="95000"/>
+              </a:lnSpc>
+              <a:spcBef>
+                <a:spcPts val="1200"/>
+              </a:spcBef>
+              <a:spcAft>
+                <a:spcPts val="0"/>
+              </a:spcAft>
+              <a:buNone/>
+            </a:pPr>
+            <a:r>
+              <a:rPr lang="ja" sz="791"/>
+              <a:t>- **シンプルな実装**: RRFは、複雑なアルゴリズムを使用せずに、検索結果を効果的に統合することができるため、実装が比較的容易です。</a:t>
+            </a:r>
+            <a:endParaRPr sz="791"/>
+          </a:p>
+          <a:p>
+            <a:pPr indent="0" lvl="0" marL="0" rtl="0" algn="l">
+              <a:lnSpc>
+                <a:spcPct val="95000"/>
+              </a:lnSpc>
+              <a:spcBef>
+                <a:spcPts val="1200"/>
+              </a:spcBef>
+              <a:spcAft>
+                <a:spcPts val="0"/>
+              </a:spcAft>
+              <a:buNone/>
+            </a:pPr>
+            <a:r>
+              <a:rPr lang="ja" sz="791"/>
+              <a:t>- **多様な情報の統合**: 複数の検索アルゴリズムやクエリから得られた情報を統合することで、異なる観点からの関連性を考慮し、より包括的な検索結果を提供できます。</a:t>
+            </a:r>
+            <a:endParaRPr sz="791"/>
+          </a:p>
+          <a:p>
+            <a:pPr indent="0" lvl="0" marL="0" rtl="0" algn="l">
+              <a:lnSpc>
+                <a:spcPct val="95000"/>
+              </a:lnSpc>
+              <a:spcBef>
+                <a:spcPts val="1200"/>
+              </a:spcBef>
+              <a:spcAft>
+                <a:spcPts val="0"/>
+              </a:spcAft>
+              <a:buNone/>
+            </a:pPr>
+            <a:r>
+              <a:rPr lang="ja" sz="791"/>
+              <a:t>- **調整可能なパラメータ**: 定数`k`を調整することで、ランキングのバランスを取ることができ、特定のランキングリストに過度に依存しない柔軟な統合が可能です。</a:t>
+            </a:r>
+            <a:endParaRPr sz="791"/>
+          </a:p>
+          <a:p>
+            <a:pPr indent="0" lvl="0" marL="0" rtl="0" algn="l">
+              <a:lnSpc>
+                <a:spcPct val="95000"/>
+              </a:lnSpc>
+              <a:spcBef>
+                <a:spcPts val="1200"/>
+              </a:spcBef>
+              <a:spcAft>
+                <a:spcPts val="0"/>
+              </a:spcAft>
+              <a:buNone/>
+            </a:pPr>
+            <a:r>
+              <a:t/>
+            </a:r>
+            <a:endParaRPr sz="791"/>
+          </a:p>
+          <a:p>
+            <a:pPr indent="0" lvl="0" marL="0" rtl="0" algn="l">
+              <a:lnSpc>
+                <a:spcPct val="95000"/>
+              </a:lnSpc>
+              <a:spcBef>
+                <a:spcPts val="1200"/>
+              </a:spcBef>
+              <a:spcAft>
+                <a:spcPts val="0"/>
+              </a:spcAft>
+              <a:buNone/>
+            </a:pPr>
+            <a:r>
+              <a:rPr lang="ja" sz="791"/>
+              <a:t>### 2.3.4 RRFのダメな点</a:t>
+            </a:r>
+            <a:endParaRPr sz="791"/>
+          </a:p>
+          <a:p>
+            <a:pPr indent="0" lvl="0" marL="0" rtl="0" algn="l">
+              <a:lnSpc>
+                <a:spcPct val="95000"/>
+              </a:lnSpc>
+              <a:spcBef>
+                <a:spcPts val="1200"/>
+              </a:spcBef>
+              <a:spcAft>
+                <a:spcPts val="0"/>
+              </a:spcAft>
+              <a:buNone/>
+            </a:pPr>
+            <a:r>
+              <a:t/>
+            </a:r>
+            <a:endParaRPr sz="791"/>
+          </a:p>
+          <a:p>
+            <a:pPr indent="0" lvl="0" marL="0" rtl="0" algn="l">
+              <a:lnSpc>
+                <a:spcPct val="95000"/>
+              </a:lnSpc>
+              <a:spcBef>
+                <a:spcPts val="1200"/>
+              </a:spcBef>
+              <a:spcAft>
+                <a:spcPts val="0"/>
+              </a:spcAft>
+              <a:buNone/>
+            </a:pPr>
+            <a:r>
+              <a:rPr lang="ja" sz="791"/>
+              <a:t>- たとえば、リストの数が多すぎる場合や、個々のリストの品質に大きな差がある場合、RRFが最適な結果を生成しないことがあります。また、RRFはランクの逆数に基づいているため、順位の絶対的な差異を反映することはできません。</a:t>
+            </a:r>
+            <a:endParaRPr sz="791"/>
+          </a:p>
+          <a:p>
+            <a:pPr indent="0" lvl="0" marL="0" rtl="0" algn="l">
+              <a:lnSpc>
+                <a:spcPct val="95000"/>
+              </a:lnSpc>
+              <a:spcBef>
+                <a:spcPts val="1200"/>
+              </a:spcBef>
+              <a:spcAft>
+                <a:spcPts val="0"/>
+              </a:spcAft>
+              <a:buNone/>
+            </a:pPr>
+            <a:r>
+              <a:t/>
+            </a:r>
+            <a:endParaRPr sz="791"/>
+          </a:p>
+          <a:p>
+            <a:pPr indent="0" lvl="0" marL="0" rtl="0" algn="l">
+              <a:lnSpc>
+                <a:spcPct val="95000"/>
+              </a:lnSpc>
+              <a:spcBef>
+                <a:spcPts val="1200"/>
+              </a:spcBef>
+              <a:spcAft>
+                <a:spcPts val="0"/>
+              </a:spcAft>
+              <a:buNone/>
+            </a:pPr>
+            <a:r>
+              <a:rPr lang="ja" sz="791"/>
+              <a:t>### 2.4. 回答の生成</a:t>
+            </a:r>
+            <a:endParaRPr sz="791"/>
+          </a:p>
+          <a:p>
+            <a:pPr indent="0" lvl="0" marL="0" rtl="0" algn="l">
+              <a:lnSpc>
+                <a:spcPct val="95000"/>
+              </a:lnSpc>
+              <a:spcBef>
+                <a:spcPts val="1200"/>
+              </a:spcBef>
+              <a:spcAft>
+                <a:spcPts val="0"/>
+              </a:spcAft>
+              <a:buNone/>
+            </a:pPr>
+            <a:r>
+              <a:t/>
+            </a:r>
+            <a:endParaRPr sz="791"/>
+          </a:p>
+          <a:p>
+            <a:pPr indent="0" lvl="0" marL="0" rtl="0" algn="l">
+              <a:lnSpc>
+                <a:spcPct val="95000"/>
+              </a:lnSpc>
+              <a:spcBef>
+                <a:spcPts val="1200"/>
+              </a:spcBef>
+              <a:spcAft>
+                <a:spcPts val="0"/>
+              </a:spcAft>
+              <a:buNone/>
+            </a:pPr>
+            <a:r>
+              <a:rPr lang="ja" sz="791"/>
+              <a:t>フュージョンされたドキュメントセットを基に、LLMが最終的な回答を生成します。RAGFは、このフュージョンされた情報から回答を生成するため、従来の単一クエリに基づくRAGシステムよりも、より包括的で正確な回答を提供できる可能性が高くなります。</a:t>
+            </a:r>
+            <a:endParaRPr sz="791"/>
+          </a:p>
+          <a:p>
+            <a:pPr indent="0" lvl="0" marL="0" rtl="0" algn="l">
+              <a:lnSpc>
+                <a:spcPct val="95000"/>
+              </a:lnSpc>
+              <a:spcBef>
+                <a:spcPts val="1200"/>
+              </a:spcBef>
+              <a:spcAft>
+                <a:spcPts val="0"/>
+              </a:spcAft>
+              <a:buNone/>
+            </a:pPr>
+            <a:r>
+              <a:t/>
+            </a:r>
+            <a:endParaRPr sz="791"/>
+          </a:p>
+          <a:p>
+            <a:pPr indent="0" lvl="0" marL="0" rtl="0" algn="l">
+              <a:lnSpc>
+                <a:spcPct val="95000"/>
+              </a:lnSpc>
+              <a:spcBef>
+                <a:spcPts val="1200"/>
+              </a:spcBef>
+              <a:spcAft>
+                <a:spcPts val="0"/>
+              </a:spcAft>
+              <a:buNone/>
+            </a:pPr>
+            <a:r>
+              <a:rPr lang="ja" sz="791"/>
+              <a:t>### 3. RAGFの利点</a:t>
+            </a:r>
+            <a:endParaRPr sz="791"/>
+          </a:p>
+          <a:p>
+            <a:pPr indent="0" lvl="0" marL="0" rtl="0" algn="l">
+              <a:lnSpc>
+                <a:spcPct val="95000"/>
+              </a:lnSpc>
+              <a:spcBef>
+                <a:spcPts val="1200"/>
+              </a:spcBef>
+              <a:spcAft>
+                <a:spcPts val="0"/>
+              </a:spcAft>
+              <a:buNone/>
+            </a:pPr>
+            <a:r>
+              <a:t/>
+            </a:r>
+            <a:endParaRPr sz="791"/>
+          </a:p>
+          <a:p>
+            <a:pPr indent="0" lvl="0" marL="0" rtl="0" algn="l">
+              <a:lnSpc>
+                <a:spcPct val="95000"/>
+              </a:lnSpc>
+              <a:spcBef>
+                <a:spcPts val="1200"/>
+              </a:spcBef>
+              <a:spcAft>
+                <a:spcPts val="0"/>
+              </a:spcAft>
+              <a:buNone/>
+            </a:pPr>
+            <a:r>
+              <a:rPr lang="ja" sz="791"/>
+              <a:t>RAGFの主な利点は以下の通りです。</a:t>
+            </a:r>
+            <a:endParaRPr sz="791"/>
+          </a:p>
+          <a:p>
+            <a:pPr indent="0" lvl="0" marL="0" rtl="0" algn="l">
+              <a:lnSpc>
+                <a:spcPct val="95000"/>
+              </a:lnSpc>
+              <a:spcBef>
+                <a:spcPts val="1200"/>
+              </a:spcBef>
+              <a:spcAft>
+                <a:spcPts val="0"/>
+              </a:spcAft>
+              <a:buNone/>
+            </a:pPr>
+            <a:r>
+              <a:t/>
+            </a:r>
+            <a:endParaRPr sz="791"/>
+          </a:p>
+          <a:p>
+            <a:pPr indent="0" lvl="0" marL="0" rtl="0" algn="l">
+              <a:lnSpc>
+                <a:spcPct val="95000"/>
+              </a:lnSpc>
+              <a:spcBef>
+                <a:spcPts val="1200"/>
+              </a:spcBef>
+              <a:spcAft>
+                <a:spcPts val="0"/>
+              </a:spcAft>
+              <a:buNone/>
+            </a:pPr>
+            <a:r>
+              <a:rPr lang="ja" sz="791"/>
+              <a:t>- **より包括的な回答**: 複数のクエリを生成し、それらを統合することで、単一クエリでは見つからなかった関連情報を含む、より充実した回答を得ることができます。</a:t>
+            </a:r>
+            <a:endParaRPr sz="791"/>
+          </a:p>
+          <a:p>
+            <a:pPr indent="0" lvl="0" marL="0" rtl="0" algn="l">
+              <a:lnSpc>
+                <a:spcPct val="95000"/>
+              </a:lnSpc>
+              <a:spcBef>
+                <a:spcPts val="1200"/>
+              </a:spcBef>
+              <a:spcAft>
+                <a:spcPts val="0"/>
+              </a:spcAft>
+              <a:buNone/>
+            </a:pPr>
+            <a:r>
+              <a:rPr lang="ja" sz="791"/>
+              <a:t>- **幻覚の軽減**: LLMが不正確な情報を生成するリスク（幻覚）を減少させるため、関連性の高いドキュメントのみをLLMに提示し、正確な情報に基づいた回答を促進します。</a:t>
+            </a:r>
+            <a:endParaRPr sz="791"/>
+          </a:p>
+          <a:p>
+            <a:pPr indent="0" lvl="0" marL="0" rtl="0" algn="l">
+              <a:lnSpc>
+                <a:spcPct val="95000"/>
+              </a:lnSpc>
+              <a:spcBef>
+                <a:spcPts val="1200"/>
+              </a:spcBef>
+              <a:spcAft>
+                <a:spcPts val="0"/>
+              </a:spcAft>
+              <a:buNone/>
+            </a:pPr>
+            <a:r>
+              <a:rPr lang="ja" sz="791"/>
+              <a:t>- **多角的な視点**: 複数のクエリによって、異なる角度からの情報を引き出すことで、質問に対する多角的な視点を提供します。</a:t>
+            </a:r>
+            <a:endParaRPr sz="791"/>
+          </a:p>
+          <a:p>
+            <a:pPr indent="0" lvl="0" marL="0" rtl="0" algn="l">
+              <a:lnSpc>
+                <a:spcPct val="95000"/>
+              </a:lnSpc>
+              <a:spcBef>
+                <a:spcPts val="1200"/>
+              </a:spcBef>
+              <a:spcAft>
+                <a:spcPts val="0"/>
+              </a:spcAft>
+              <a:buNone/>
+            </a:pPr>
+            <a:r>
+              <a:t/>
+            </a:r>
+            <a:endParaRPr sz="791"/>
+          </a:p>
+          <a:p>
+            <a:pPr indent="0" lvl="0" marL="0" rtl="0" algn="l">
+              <a:lnSpc>
+                <a:spcPct val="95000"/>
+              </a:lnSpc>
+              <a:spcBef>
+                <a:spcPts val="1200"/>
+              </a:spcBef>
+              <a:spcAft>
+                <a:spcPts val="0"/>
+              </a:spcAft>
+              <a:buNone/>
+            </a:pPr>
+            <a:r>
+              <a:rPr lang="ja" sz="791"/>
+              <a:t>### 4. 使用例と評価</a:t>
+            </a:r>
+            <a:endParaRPr sz="791"/>
+          </a:p>
+          <a:p>
+            <a:pPr indent="0" lvl="0" marL="0" rtl="0" algn="l">
+              <a:lnSpc>
+                <a:spcPct val="95000"/>
+              </a:lnSpc>
+              <a:spcBef>
+                <a:spcPts val="1200"/>
+              </a:spcBef>
+              <a:spcAft>
+                <a:spcPts val="0"/>
+              </a:spcAft>
+              <a:buNone/>
+            </a:pPr>
+            <a:r>
+              <a:t/>
+            </a:r>
+            <a:endParaRPr sz="791"/>
+          </a:p>
+          <a:p>
+            <a:pPr indent="0" lvl="0" marL="0" rtl="0" algn="l">
+              <a:lnSpc>
+                <a:spcPct val="95000"/>
+              </a:lnSpc>
+              <a:spcBef>
+                <a:spcPts val="1200"/>
+              </a:spcBef>
+              <a:spcAft>
+                <a:spcPts val="0"/>
+              </a:spcAft>
+              <a:buNone/>
+            </a:pPr>
+            <a:r>
+              <a:rPr lang="ja" sz="791"/>
+              <a:t>RAGFは、特に企業内での高度なドメイン固有のQAシステムにおいて有効です。例えば、半導体メーカーのInfineon Technologiesでは、製品情報を提供する内部QAシステムにRAGFを適用し、従来のRAGシステムよりも高いパフォーマンスを発揮することが確認されています。</a:t>
+            </a:r>
+            <a:endParaRPr sz="791"/>
+          </a:p>
+          <a:p>
+            <a:pPr indent="0" lvl="0" marL="0" rtl="0" algn="l">
+              <a:lnSpc>
+                <a:spcPct val="95000"/>
+              </a:lnSpc>
+              <a:spcBef>
+                <a:spcPts val="1200"/>
+              </a:spcBef>
+              <a:spcAft>
+                <a:spcPts val="0"/>
+              </a:spcAft>
+              <a:buNone/>
+            </a:pPr>
+            <a:r>
+              <a:t/>
+            </a:r>
+            <a:endParaRPr sz="791"/>
+          </a:p>
+          <a:p>
+            <a:pPr indent="0" lvl="0" marL="0" rtl="0" algn="l">
+              <a:lnSpc>
+                <a:spcPct val="95000"/>
+              </a:lnSpc>
+              <a:spcBef>
+                <a:spcPts val="1200"/>
+              </a:spcBef>
+              <a:spcAft>
+                <a:spcPts val="0"/>
+              </a:spcAft>
+              <a:buNone/>
+            </a:pPr>
+            <a:r>
+              <a:rPr lang="ja" sz="791"/>
+              <a:t>##</a:t>
+            </a:r>
+            <a:endParaRPr sz="791"/>
+          </a:p>
+          <a:p>
+            <a:pPr indent="0" lvl="0" marL="0" rtl="0" algn="l">
+              <a:lnSpc>
+                <a:spcPct val="95000"/>
+              </a:lnSpc>
+              <a:spcBef>
+                <a:spcPts val="1200"/>
+              </a:spcBef>
+              <a:spcAft>
+                <a:spcPts val="1200"/>
+              </a:spcAft>
+              <a:buNone/>
+            </a:pPr>
+            <a:r>
+              <a:t/>
+            </a:r>
+            <a:endParaRPr sz="791"/>
+          </a:p>
+        </p:txBody>
+      </p:sp>
+      <p:pic>
+        <p:nvPicPr>
+          <p:cNvPr id="131" name="Google Shape;131;p26"/>
+          <p:cNvPicPr preferRelativeResize="0"/>
+          <p:nvPr/>
+        </p:nvPicPr>
+        <p:blipFill>
+          <a:blip r:embed="rId3">
+            <a:alphaModFix/>
+          </a:blip>
+          <a:stretch>
+            <a:fillRect/>
+          </a:stretch>
+        </p:blipFill>
+        <p:spPr>
+          <a:xfrm>
+            <a:off x="95250" y="1268901"/>
+            <a:ext cx="8409225" cy="2120975"/>
+          </a:xfrm>
+          <a:prstGeom prst="rect">
+            <a:avLst/>
+          </a:prstGeom>
+          <a:noFill/>
+          <a:ln>
+            <a:noFill/>
+          </a:ln>
+        </p:spPr>
+      </p:pic>
+    </p:spTree>
+  </p:cSld>
+  <p:clrMapOvr>
+    <a:masterClrMapping/>
+  </p:clrMapOvr>
+</p:sld>
+</file>
+
+<file path=ppt/slides/slide15.xml><?xml version="1.0" encoding="utf-8"?>
+<p:sld xmlns:a="http://schemas.openxmlformats.org/drawingml/2006/main" xmlns:r="http://schemas.openxmlformats.org/officeDocument/2006/relationships" xmlns:mc="http://schemas.openxmlformats.org/markup-compatibility/2006" xmlns:mv="urn:schemas-microsoft-com:mac:vml" xmlns:p="http://schemas.openxmlformats.org/presentationml/2006/main" xmlns:c="http://schemas.openxmlformats.org/drawingml/2006/chart" xmlns:dgm="http://schemas.openxmlformats.org/drawingml/2006/diagram" xmlns:o="urn:schemas-microsoft-com:office:office" xmlns:v="urn:schemas-microsoft-com:vml" xmlns:pvml="urn:schemas-microsoft-com:office:powerpoint" xmlns:com="http://schemas.openxmlformats.org/drawingml/2006/compatibility" xmlns:p14="http://schemas.microsoft.com/office/powerpoint/2010/main" xmlns:p15="http://schemas.microsoft.com/office/powerpoint/2012/main" xmlns:ahyp="http://schemas.microsoft.com/office/drawing/2018/hyperlinkcolor">
+  <p:cSld>
+    <p:spTree>
+      <p:nvGrpSpPr>
+        <p:cNvPr id="135" name="Shape 135"/>
+        <p:cNvGrpSpPr/>
+        <p:nvPr/>
+      </p:nvGrpSpPr>
+      <p:grpSpPr>
+        <a:xfrm>
+          <a:off x="0" y="0"/>
+          <a:ext cx="0" cy="0"/>
+          <a:chOff x="0" y="0"/>
+          <a:chExt cx="0" cy="0"/>
+        </a:xfrm>
+      </p:grpSpPr>
+      <p:sp>
+        <p:nvSpPr>
+          <p:cNvPr id="136" name="Google Shape;136;p27"/>
+          <p:cNvSpPr txBox="1"/>
+          <p:nvPr>
             <p:ph type="title"/>
           </p:nvPr>
         </p:nvSpPr>
@@ -31197,6 +36069,285 @@
 </file>
 
 <file path=ppt/theme/theme1.xml><?xml version="1.0" encoding="utf-8"?>
+<a:theme xmlns:a="http://schemas.openxmlformats.org/drawingml/2006/main" xmlns:r="http://schemas.openxmlformats.org/officeDocument/2006/relationships" name="Spearmint">
+  <a:themeElements>
+    <a:clrScheme name="Spearmint">
+      <a:dk1>
+        <a:srgbClr val="202729"/>
+      </a:dk1>
+      <a:lt1>
+        <a:srgbClr val="FFFFFF"/>
+      </a:lt1>
+      <a:dk2>
+        <a:srgbClr val="4BA173"/>
+      </a:dk2>
+      <a:lt2>
+        <a:srgbClr val="63D297"/>
+      </a:lt2>
+      <a:accent1>
+        <a:srgbClr val="353744"/>
+      </a:accent1>
+      <a:accent2>
+        <a:srgbClr val="424242"/>
+      </a:accent2>
+      <a:accent3>
+        <a:srgbClr val="616161"/>
+      </a:accent3>
+      <a:accent4>
+        <a:srgbClr val="F0F0F0"/>
+      </a:accent4>
+      <a:accent5>
+        <a:srgbClr val="FF5252"/>
+      </a:accent5>
+      <a:accent6>
+        <a:srgbClr val="FFF176"/>
+      </a:accent6>
+      <a:hlink>
+        <a:srgbClr val="FF5252"/>
+      </a:hlink>
+      <a:folHlink>
+        <a:srgbClr val="FF5252"/>
+      </a:folHlink>
+    </a:clrScheme>
+    <a:fontScheme name="Office">
+      <a:majorFont>
+        <a:latin typeface="Arial"/>
+        <a:ea typeface=""/>
+        <a:cs typeface=""/>
+        <a:font script="Jpan" typeface="ＭＳ Ｐゴシック"/>
+        <a:font script="Hang" typeface="맑은 고딕"/>
+        <a:font script="Hans" typeface="宋体"/>
+        <a:font script="Hant" typeface="新細明體"/>
+        <a:font script="Arab" typeface="Times New Roman"/>
+        <a:font script="Hebr" typeface="Times New Roman"/>
+        <a:font script="Thai" typeface="Angsana New"/>
+        <a:font script="Ethi" typeface="Nyala"/>
+        <a:font script="Beng" typeface="Vrinda"/>
+        <a:font script="Gujr" typeface="Shruti"/>
+        <a:font script="Khmr" typeface="MoolBoran"/>
+        <a:font script="Knda" typeface="Tunga"/>
+        <a:font script="Guru" typeface="Raavi"/>
+        <a:font script="Cans" typeface="Euphemia"/>
+        <a:font script="Cher" typeface="Plantagenet Cherokee"/>
+        <a:font script="Yiii" typeface="Microsoft Yi Baiti"/>
+        <a:font script="Tibt" typeface="Microsoft Himalaya"/>
+        <a:font script="Thaa" typeface="MV Boli"/>
+        <a:font script="Deva" typeface="Mangal"/>
+        <a:font script="Telu" typeface="Gautami"/>
+        <a:font script="Taml" typeface="Latha"/>
+        <a:font script="Syrc" typeface="Estrangelo Edessa"/>
+        <a:font script="Orya" typeface="Kalinga"/>
+        <a:font script="Mlym" typeface="Kartika"/>
+        <a:font script="Laoo" typeface="DokChampa"/>
+        <a:font script="Sinh" typeface="Iskoola Pota"/>
+        <a:font script="Mong" typeface="Mongolian Baiti"/>
+        <a:font script="Viet" typeface="Times New Roman"/>
+        <a:font script="Uigh" typeface="Microsoft Uighur"/>
+        <a:font script="Geor" typeface="Sylfaen"/>
+      </a:majorFont>
+      <a:minorFont>
+        <a:latin typeface="Arial"/>
+        <a:ea typeface=""/>
+        <a:cs typeface=""/>
+        <a:font script="Jpan" typeface="ＭＳ Ｐゴシック"/>
+        <a:font script="Hang" typeface="맑은 고딕"/>
+        <a:font script="Hans" typeface="宋体"/>
+        <a:font script="Hant" typeface="新細明體"/>
+        <a:font script="Arab" typeface="Arial"/>
+        <a:font script="Hebr" typeface="Arial"/>
+        <a:font script="Thai" typeface="Cordia New"/>
+        <a:font script="Ethi" typeface="Nyala"/>
+        <a:font script="Beng" typeface="Vrinda"/>
+        <a:font script="Gujr" typeface="Shruti"/>
+        <a:font script="Khmr" typeface="DaunPenh"/>
+        <a:font script="Knda" typeface="Tunga"/>
+        <a:font script="Guru" typeface="Raavi"/>
+        <a:font script="Cans" typeface="Euphemia"/>
+        <a:font script="Cher" typeface="Plantagenet Cherokee"/>
+        <a:font script="Yiii" typeface="Microsoft Yi Baiti"/>
+        <a:font script="Tibt" typeface="Microsoft Himalaya"/>
+        <a:font script="Thaa" typeface="MV Boli"/>
+        <a:font script="Deva" typeface="Mangal"/>
+        <a:font script="Telu" typeface="Gautami"/>
+        <a:font script="Taml" typeface="Latha"/>
+        <a:font script="Syrc" typeface="Estrangelo Edessa"/>
+        <a:font script="Orya" typeface="Kalinga"/>
+        <a:font script="Mlym" typeface="Kartika"/>
+        <a:font script="Laoo" typeface="DokChampa"/>
+        <a:font script="Sinh" typeface="Iskoola Pota"/>
+        <a:font script="Mong" typeface="Mongolian Baiti"/>
+        <a:font script="Viet" typeface="Arial"/>
+        <a:font script="Uigh" typeface="Microsoft Uighur"/>
+        <a:font script="Geor" typeface="Sylfaen"/>
+      </a:minorFont>
+    </a:fontScheme>
+    <a:fmtScheme name="Office">
+      <a:fillStyleLst>
+        <a:solidFill>
+          <a:schemeClr val="phClr"/>
+        </a:solidFill>
+        <a:gradFill rotWithShape="1">
+          <a:gsLst>
+            <a:gs pos="0">
+              <a:schemeClr val="phClr">
+                <a:tint val="50000"/>
+                <a:satMod val="300000"/>
+              </a:schemeClr>
+            </a:gs>
+            <a:gs pos="35000">
+              <a:schemeClr val="phClr">
+                <a:tint val="37000"/>
+                <a:satMod val="300000"/>
+              </a:schemeClr>
+            </a:gs>
+            <a:gs pos="100000">
+              <a:schemeClr val="phClr">
+                <a:tint val="15000"/>
+                <a:satMod val="350000"/>
+              </a:schemeClr>
+            </a:gs>
+          </a:gsLst>
+          <a:lin ang="16200000" scaled="1"/>
+        </a:gradFill>
+        <a:gradFill rotWithShape="1">
+          <a:gsLst>
+            <a:gs pos="0">
+              <a:schemeClr val="phClr">
+                <a:tint val="100000"/>
+                <a:shade val="100000"/>
+                <a:satMod val="130000"/>
+              </a:schemeClr>
+            </a:gs>
+            <a:gs pos="100000">
+              <a:schemeClr val="phClr">
+                <a:tint val="50000"/>
+                <a:shade val="100000"/>
+                <a:satMod val="350000"/>
+              </a:schemeClr>
+            </a:gs>
+          </a:gsLst>
+          <a:lin ang="16200000" scaled="0"/>
+        </a:gradFill>
+      </a:fillStyleLst>
+      <a:lnStyleLst>
+        <a:ln w="9525" cap="flat" cmpd="sng" algn="ctr">
+          <a:solidFill>
+            <a:schemeClr val="phClr">
+              <a:shade val="95000"/>
+              <a:satMod val="105000"/>
+            </a:schemeClr>
+          </a:solidFill>
+          <a:prstDash val="solid"/>
+        </a:ln>
+        <a:ln w="25400" cap="flat" cmpd="sng" algn="ctr">
+          <a:solidFill>
+            <a:schemeClr val="phClr"/>
+          </a:solidFill>
+          <a:prstDash val="solid"/>
+        </a:ln>
+        <a:ln w="38100" cap="flat" cmpd="sng" algn="ctr">
+          <a:solidFill>
+            <a:schemeClr val="phClr"/>
+          </a:solidFill>
+          <a:prstDash val="solid"/>
+        </a:ln>
+      </a:lnStyleLst>
+      <a:effectStyleLst>
+        <a:effectStyle>
+          <a:effectLst>
+            <a:outerShdw blurRad="40000" dist="20000" dir="5400000" rotWithShape="0">
+              <a:srgbClr val="000000">
+                <a:alpha val="38000"/>
+              </a:srgbClr>
+            </a:outerShdw>
+          </a:effectLst>
+        </a:effectStyle>
+        <a:effectStyle>
+          <a:effectLst>
+            <a:outerShdw blurRad="40000" dist="23000" dir="5400000" rotWithShape="0">
+              <a:srgbClr val="000000">
+                <a:alpha val="35000"/>
+              </a:srgbClr>
+            </a:outerShdw>
+          </a:effectLst>
+        </a:effectStyle>
+        <a:effectStyle>
+          <a:effectLst>
+            <a:outerShdw blurRad="40000" dist="23000" dir="5400000" rotWithShape="0">
+              <a:srgbClr val="000000">
+                <a:alpha val="35000"/>
+              </a:srgbClr>
+            </a:outerShdw>
+          </a:effectLst>
+          <a:scene3d>
+            <a:camera prst="orthographicFront">
+              <a:rot lat="0" lon="0" rev="0"/>
+            </a:camera>
+            <a:lightRig rig="threePt" dir="t">
+              <a:rot lat="0" lon="0" rev="1200000"/>
+            </a:lightRig>
+          </a:scene3d>
+          <a:sp3d>
+            <a:bevelT w="63500" h="25400"/>
+          </a:sp3d>
+        </a:effectStyle>
+      </a:effectStyleLst>
+      <a:bgFillStyleLst>
+        <a:solidFill>
+          <a:schemeClr val="phClr"/>
+        </a:solidFill>
+        <a:gradFill rotWithShape="1">
+          <a:gsLst>
+            <a:gs pos="0">
+              <a:schemeClr val="phClr">
+                <a:tint val="40000"/>
+                <a:satMod val="350000"/>
+              </a:schemeClr>
+            </a:gs>
+            <a:gs pos="40000">
+              <a:schemeClr val="phClr">
+                <a:tint val="45000"/>
+                <a:shade val="99000"/>
+                <a:satMod val="350000"/>
+              </a:schemeClr>
+            </a:gs>
+            <a:gs pos="100000">
+              <a:schemeClr val="phClr">
+                <a:shade val="20000"/>
+                <a:satMod val="255000"/>
+              </a:schemeClr>
+            </a:gs>
+          </a:gsLst>
+          <a:path path="circle">
+            <a:fillToRect l="50000" t="-80000" r="50000" b="180000"/>
+          </a:path>
+        </a:gradFill>
+        <a:gradFill rotWithShape="1">
+          <a:gsLst>
+            <a:gs pos="0">
+              <a:schemeClr val="phClr">
+                <a:tint val="80000"/>
+                <a:satMod val="300000"/>
+              </a:schemeClr>
+            </a:gs>
+            <a:gs pos="100000">
+              <a:schemeClr val="phClr">
+                <a:shade val="30000"/>
+                <a:satMod val="200000"/>
+              </a:schemeClr>
+            </a:gs>
+          </a:gsLst>
+          <a:path path="circle">
+            <a:fillToRect l="50000" t="50000" r="50000" b="50000"/>
+          </a:path>
+        </a:gradFill>
+      </a:bgFillStyleLst>
+    </a:fmtScheme>
+  </a:themeElements>
+</a:theme>
+</file>
+
+<file path=ppt/theme/theme2.xml><?xml version="1.0" encoding="utf-8"?>
 <a:theme xmlns:a="http://schemas.openxmlformats.org/drawingml/2006/main" xmlns:r="http://schemas.openxmlformats.org/officeDocument/2006/relationships">
   <a:themeElements>
     <a:clrScheme name="Default">
@@ -31473,283 +36624,4 @@
     </a:fmtScheme>
   </a:themeElements>
 </a:theme>
-</file>
-
-<file path=ppt/theme/theme2.xml><?xml version="1.0" encoding="utf-8"?>
-<a:theme xmlns:a="http://schemas.openxmlformats.org/drawingml/2006/main" xmlns:r="http://schemas.openxmlformats.org/officeDocument/2006/relationships" name="Spearmint">
-  <a:themeElements>
-    <a:clrScheme name="Spearmint">
-      <a:dk1>
-        <a:srgbClr val="202729"/>
-      </a:dk1>
-      <a:lt1>
-        <a:srgbClr val="FFFFFF"/>
-      </a:lt1>
-      <a:dk2>
-        <a:srgbClr val="4BA173"/>
-      </a:dk2>
-      <a:lt2>
-        <a:srgbClr val="63D297"/>
-      </a:lt2>
-      <a:accent1>
-        <a:srgbClr val="353744"/>
-      </a:accent1>
-      <a:accent2>
-        <a:srgbClr val="424242"/>
-      </a:accent2>
-      <a:accent3>
-        <a:srgbClr val="616161"/>
-      </a:accent3>
-      <a:accent4>
-        <a:srgbClr val="F0F0F0"/>
-      </a:accent4>
-      <a:accent5>
-        <a:srgbClr val="FF5252"/>
-      </a:accent5>
-      <a:accent6>
-        <a:srgbClr val="FFF176"/>
-      </a:accent6>
-      <a:hlink>
-        <a:srgbClr val="FF5252"/>
-      </a:hlink>
-      <a:folHlink>
-        <a:srgbClr val="FF5252"/>
-      </a:folHlink>
-    </a:clrScheme>
-    <a:fontScheme name="Office">
-      <a:majorFont>
-        <a:latin typeface="Arial"/>
-        <a:ea typeface=""/>
-        <a:cs typeface=""/>
-        <a:font script="Jpan" typeface="ＭＳ Ｐゴシック"/>
-        <a:font script="Hang" typeface="맑은 고딕"/>
-        <a:font script="Hans" typeface="宋体"/>
-        <a:font script="Hant" typeface="新細明體"/>
-        <a:font script="Arab" typeface="Times New Roman"/>
-        <a:font script="Hebr" typeface="Times New Roman"/>
-        <a:font script="Thai" typeface="Angsana New"/>
-        <a:font script="Ethi" typeface="Nyala"/>
-        <a:font script="Beng" typeface="Vrinda"/>
-        <a:font script="Gujr" typeface="Shruti"/>
-        <a:font script="Khmr" typeface="MoolBoran"/>
-        <a:font script="Knda" typeface="Tunga"/>
-        <a:font script="Guru" typeface="Raavi"/>
-        <a:font script="Cans" typeface="Euphemia"/>
-        <a:font script="Cher" typeface="Plantagenet Cherokee"/>
-        <a:font script="Yiii" typeface="Microsoft Yi Baiti"/>
-        <a:font script="Tibt" typeface="Microsoft Himalaya"/>
-        <a:font script="Thaa" typeface="MV Boli"/>
-        <a:font script="Deva" typeface="Mangal"/>
-        <a:font script="Telu" typeface="Gautami"/>
-        <a:font script="Taml" typeface="Latha"/>
-        <a:font script="Syrc" typeface="Estrangelo Edessa"/>
-        <a:font script="Orya" typeface="Kalinga"/>
-        <a:font script="Mlym" typeface="Kartika"/>
-        <a:font script="Laoo" typeface="DokChampa"/>
-        <a:font script="Sinh" typeface="Iskoola Pota"/>
-        <a:font script="Mong" typeface="Mongolian Baiti"/>
-        <a:font script="Viet" typeface="Times New Roman"/>
-        <a:font script="Uigh" typeface="Microsoft Uighur"/>
-        <a:font script="Geor" typeface="Sylfaen"/>
-      </a:majorFont>
-      <a:minorFont>
-        <a:latin typeface="Arial"/>
-        <a:ea typeface=""/>
-        <a:cs typeface=""/>
-        <a:font script="Jpan" typeface="ＭＳ Ｐゴシック"/>
-        <a:font script="Hang" typeface="맑은 고딕"/>
-        <a:font script="Hans" typeface="宋体"/>
-        <a:font script="Hant" typeface="新細明體"/>
-        <a:font script="Arab" typeface="Arial"/>
-        <a:font script="Hebr" typeface="Arial"/>
-        <a:font script="Thai" typeface="Cordia New"/>
-        <a:font script="Ethi" typeface="Nyala"/>
-        <a:font script="Beng" typeface="Vrinda"/>
-        <a:font script="Gujr" typeface="Shruti"/>
-        <a:font script="Khmr" typeface="DaunPenh"/>
-        <a:font script="Knda" typeface="Tunga"/>
-        <a:font script="Guru" typeface="Raavi"/>
-        <a:font script="Cans" typeface="Euphemia"/>
-        <a:font script="Cher" typeface="Plantagenet Cherokee"/>
-        <a:font script="Yiii" typeface="Microsoft Yi Baiti"/>
-        <a:font script="Tibt" typeface="Microsoft Himalaya"/>
-        <a:font script="Thaa" typeface="MV Boli"/>
-        <a:font script="Deva" typeface="Mangal"/>
-        <a:font script="Telu" typeface="Gautami"/>
-        <a:font script="Taml" typeface="Latha"/>
-        <a:font script="Syrc" typeface="Estrangelo Edessa"/>
-        <a:font script="Orya" typeface="Kalinga"/>
-        <a:font script="Mlym" typeface="Kartika"/>
-        <a:font script="Laoo" typeface="DokChampa"/>
-        <a:font script="Sinh" typeface="Iskoola Pota"/>
-        <a:font script="Mong" typeface="Mongolian Baiti"/>
-        <a:font script="Viet" typeface="Arial"/>
-        <a:font script="Uigh" typeface="Microsoft Uighur"/>
-        <a:font script="Geor" typeface="Sylfaen"/>
-      </a:minorFont>
-    </a:fontScheme>
-    <a:fmtScheme name="Office">
-      <a:fillStyleLst>
-        <a:solidFill>
-          <a:schemeClr val="phClr"/>
-        </a:solidFill>
-        <a:gradFill rotWithShape="1">
-          <a:gsLst>
-            <a:gs pos="0">
-              <a:schemeClr val="phClr">
-                <a:tint val="50000"/>
-                <a:satMod val="300000"/>
-              </a:schemeClr>
-            </a:gs>
-            <a:gs pos="35000">
-              <a:schemeClr val="phClr">
-                <a:tint val="37000"/>
-                <a:satMod val="300000"/>
-              </a:schemeClr>
-            </a:gs>
-            <a:gs pos="100000">
-              <a:schemeClr val="phClr">
-                <a:tint val="15000"/>
-                <a:satMod val="350000"/>
-              </a:schemeClr>
-            </a:gs>
-          </a:gsLst>
-          <a:lin ang="16200000" scaled="1"/>
-        </a:gradFill>
-        <a:gradFill rotWithShape="1">
-          <a:gsLst>
-            <a:gs pos="0">
-              <a:schemeClr val="phClr">
-                <a:tint val="100000"/>
-                <a:shade val="100000"/>
-                <a:satMod val="130000"/>
-              </a:schemeClr>
-            </a:gs>
-            <a:gs pos="100000">
-              <a:schemeClr val="phClr">
-                <a:tint val="50000"/>
-                <a:shade val="100000"/>
-                <a:satMod val="350000"/>
-              </a:schemeClr>
-            </a:gs>
-          </a:gsLst>
-          <a:lin ang="16200000" scaled="0"/>
-        </a:gradFill>
-      </a:fillStyleLst>
-      <a:lnStyleLst>
-        <a:ln w="9525" cap="flat" cmpd="sng" algn="ctr">
-          <a:solidFill>
-            <a:schemeClr val="phClr">
-              <a:shade val="95000"/>
-              <a:satMod val="105000"/>
-            </a:schemeClr>
-          </a:solidFill>
-          <a:prstDash val="solid"/>
-        </a:ln>
-        <a:ln w="25400" cap="flat" cmpd="sng" algn="ctr">
-          <a:solidFill>
-            <a:schemeClr val="phClr"/>
-          </a:solidFill>
-          <a:prstDash val="solid"/>
-        </a:ln>
-        <a:ln w="38100" cap="flat" cmpd="sng" algn="ctr">
-          <a:solidFill>
-            <a:schemeClr val="phClr"/>
-          </a:solidFill>
-          <a:prstDash val="solid"/>
-        </a:ln>
-      </a:lnStyleLst>
-      <a:effectStyleLst>
-        <a:effectStyle>
-          <a:effectLst>
-            <a:outerShdw blurRad="40000" dist="20000" dir="5400000" rotWithShape="0">
-              <a:srgbClr val="000000">
-                <a:alpha val="38000"/>
-              </a:srgbClr>
-            </a:outerShdw>
-          </a:effectLst>
-        </a:effectStyle>
-        <a:effectStyle>
-          <a:effectLst>
-            <a:outerShdw blurRad="40000" dist="23000" dir="5400000" rotWithShape="0">
-              <a:srgbClr val="000000">
-                <a:alpha val="35000"/>
-              </a:srgbClr>
-            </a:outerShdw>
-          </a:effectLst>
-        </a:effectStyle>
-        <a:effectStyle>
-          <a:effectLst>
-            <a:outerShdw blurRad="40000" dist="23000" dir="5400000" rotWithShape="0">
-              <a:srgbClr val="000000">
-                <a:alpha val="35000"/>
-              </a:srgbClr>
-            </a:outerShdw>
-          </a:effectLst>
-          <a:scene3d>
-            <a:camera prst="orthographicFront">
-              <a:rot lat="0" lon="0" rev="0"/>
-            </a:camera>
-            <a:lightRig rig="threePt" dir="t">
-              <a:rot lat="0" lon="0" rev="1200000"/>
-            </a:lightRig>
-          </a:scene3d>
-          <a:sp3d>
-            <a:bevelT w="63500" h="25400"/>
-          </a:sp3d>
-        </a:effectStyle>
-      </a:effectStyleLst>
-      <a:bgFillStyleLst>
-        <a:solidFill>
-          <a:schemeClr val="phClr"/>
-        </a:solidFill>
-        <a:gradFill rotWithShape="1">
-          <a:gsLst>
-            <a:gs pos="0">
-              <a:schemeClr val="phClr">
-                <a:tint val="40000"/>
-                <a:satMod val="350000"/>
-              </a:schemeClr>
-            </a:gs>
-            <a:gs pos="40000">
-              <a:schemeClr val="phClr">
-                <a:tint val="45000"/>
-                <a:shade val="99000"/>
-                <a:satMod val="350000"/>
-              </a:schemeClr>
-            </a:gs>
-            <a:gs pos="100000">
-              <a:schemeClr val="phClr">
-                <a:shade val="20000"/>
-                <a:satMod val="255000"/>
-              </a:schemeClr>
-            </a:gs>
-          </a:gsLst>
-          <a:path path="circle">
-            <a:fillToRect l="50000" t="-80000" r="50000" b="180000"/>
-          </a:path>
-        </a:gradFill>
-        <a:gradFill rotWithShape="1">
-          <a:gsLst>
-            <a:gs pos="0">
-              <a:schemeClr val="phClr">
-                <a:tint val="80000"/>
-                <a:satMod val="300000"/>
-              </a:schemeClr>
-            </a:gs>
-            <a:gs pos="100000">
-              <a:schemeClr val="phClr">
-                <a:shade val="30000"/>
-                <a:satMod val="200000"/>
-              </a:schemeClr>
-            </a:gs>
-          </a:gsLst>
-          <a:path path="circle">
-            <a:fillToRect l="50000" t="50000" r="50000" b="50000"/>
-          </a:path>
-        </a:gradFill>
-      </a:bgFillStyleLst>
-    </a:fmtScheme>
-  </a:themeElements>
-</a:theme>
 </file>
--- a/2024_LLM論文要約_8.pptx
+++ b/2024_LLM論文要約_8.pptx
@@ -23,16 +23,18 @@
     <p:sldId id="268" r:id="rId18"/>
     <p:sldId id="269" r:id="rId19"/>
     <p:sldId id="270" r:id="rId20"/>
+    <p:sldId id="271" r:id="rId21"/>
+    <p:sldId id="272" r:id="rId22"/>
   </p:sldIdLst>
   <p:sldSz cy="5143500" cx="9144000"/>
   <p:notesSz cx="6858000" cy="9144000"/>
   <p:embeddedFontLst>
     <p:embeddedFont>
       <p:font typeface="Proxima Nova"/>
-      <p:regular r:id="rId21"/>
-      <p:bold r:id="rId22"/>
-      <p:italic r:id="rId23"/>
-      <p:boldItalic r:id="rId24"/>
+      <p:regular r:id="rId23"/>
+      <p:bold r:id="rId24"/>
+      <p:italic r:id="rId25"/>
+      <p:boldItalic r:id="rId26"/>
     </p:embeddedFont>
   </p:embeddedFontLst>
   <p:defaultTextStyle>
@@ -1322,7 +1324,7 @@
       </p:grpSpPr>
       <p:sp>
         <p:nvSpPr>
-          <p:cNvPr id="133" name="Google Shape;133;g2b3937a3876_0_15:notes"/>
+          <p:cNvPr id="133" name="Google Shape;133;g28016a72b1c_0_0:notes"/>
           <p:cNvSpPr/>
           <p:nvPr>
             <p:ph idx="2" type="sldImg"/>
@@ -1357,7 +1359,205 @@
       </p:sp>
       <p:sp>
         <p:nvSpPr>
-          <p:cNvPr id="134" name="Google Shape;134;g2b3937a3876_0_15:notes"/>
+          <p:cNvPr id="134" name="Google Shape;134;g28016a72b1c_0_0:notes"/>
+          <p:cNvSpPr txBox="1"/>
+          <p:nvPr>
+            <p:ph idx="1" type="body"/>
+          </p:nvPr>
+        </p:nvSpPr>
+        <p:spPr>
+          <a:xfrm>
+            <a:off x="685800" y="4343400"/>
+            <a:ext cx="5486400" cy="4114800"/>
+          </a:xfrm>
+          <a:prstGeom prst="rect">
+            <a:avLst/>
+          </a:prstGeom>
+        </p:spPr>
+        <p:txBody>
+          <a:bodyPr anchorCtr="0" anchor="t" bIns="91425" lIns="91425" spcFirstLastPara="1" rIns="91425" wrap="square" tIns="91425">
+            <a:noAutofit/>
+          </a:bodyPr>
+          <a:lstStyle/>
+          <a:p>
+            <a:pPr indent="0" lvl="0" marL="0" rtl="0" algn="l">
+              <a:spcBef>
+                <a:spcPts val="0"/>
+              </a:spcBef>
+              <a:spcAft>
+                <a:spcPts val="0"/>
+              </a:spcAft>
+              <a:buNone/>
+            </a:pPr>
+            <a:r>
+              <a:t/>
+            </a:r>
+            <a:endParaRPr/>
+          </a:p>
+        </p:txBody>
+      </p:sp>
+    </p:spTree>
+  </p:cSld>
+  <p:clrMapOvr>
+    <a:masterClrMapping/>
+  </p:clrMapOvr>
+</p:notes>
+</file>
+
+<file path=ppt/notesSlides/notesSlide16.xml><?xml version="1.0" encoding="utf-8"?>
+<p:notes xmlns:a="http://schemas.openxmlformats.org/drawingml/2006/main" xmlns:r="http://schemas.openxmlformats.org/officeDocument/2006/relationships" xmlns:mc="http://schemas.openxmlformats.org/markup-compatibility/2006" xmlns:mv="urn:schemas-microsoft-com:mac:vml" xmlns:p="http://schemas.openxmlformats.org/presentationml/2006/main" xmlns:c="http://schemas.openxmlformats.org/drawingml/2006/chart" xmlns:dgm="http://schemas.openxmlformats.org/drawingml/2006/diagram" xmlns:o="urn:schemas-microsoft-com:office:office" xmlns:v="urn:schemas-microsoft-com:vml" xmlns:pvml="urn:schemas-microsoft-com:office:powerpoint" xmlns:com="http://schemas.openxmlformats.org/drawingml/2006/compatibility" xmlns:p14="http://schemas.microsoft.com/office/powerpoint/2010/main" xmlns:p15="http://schemas.microsoft.com/office/powerpoint/2012/main" xmlns:ahyp="http://schemas.microsoft.com/office/drawing/2018/hyperlinkcolor" showMasterPhAnim="0" showMasterSp="0">
+  <p:cSld>
+    <p:spTree>
+      <p:nvGrpSpPr>
+        <p:cNvPr id="137" name="Shape 137"/>
+        <p:cNvGrpSpPr/>
+        <p:nvPr/>
+      </p:nvGrpSpPr>
+      <p:grpSpPr>
+        <a:xfrm>
+          <a:off x="0" y="0"/>
+          <a:ext cx="0" cy="0"/>
+          <a:chOff x="0" y="0"/>
+          <a:chExt cx="0" cy="0"/>
+        </a:xfrm>
+      </p:grpSpPr>
+      <p:sp>
+        <p:nvSpPr>
+          <p:cNvPr id="138" name="Google Shape;138;g28016a72b1c_0_5:notes"/>
+          <p:cNvSpPr/>
+          <p:nvPr>
+            <p:ph idx="2" type="sldImg"/>
+          </p:nvPr>
+        </p:nvSpPr>
+        <p:spPr>
+          <a:xfrm>
+            <a:off x="381300" y="685800"/>
+            <a:ext cx="6096000" cy="3429000"/>
+          </a:xfrm>
+          <a:custGeom>
+            <a:rect b="b" l="l" r="r" t="t"/>
+            <a:pathLst>
+              <a:path extrusionOk="0" h="120000" w="120000">
+                <a:moveTo>
+                  <a:pt x="0" y="0"/>
+                </a:moveTo>
+                <a:lnTo>
+                  <a:pt x="120000" y="0"/>
+                </a:lnTo>
+                <a:lnTo>
+                  <a:pt x="120000" y="120000"/>
+                </a:lnTo>
+                <a:lnTo>
+                  <a:pt x="0" y="120000"/>
+                </a:lnTo>
+                <a:close/>
+              </a:path>
+            </a:pathLst>
+          </a:custGeom>
+        </p:spPr>
+      </p:sp>
+      <p:sp>
+        <p:nvSpPr>
+          <p:cNvPr id="139" name="Google Shape;139;g28016a72b1c_0_5:notes"/>
+          <p:cNvSpPr txBox="1"/>
+          <p:nvPr>
+            <p:ph idx="1" type="body"/>
+          </p:nvPr>
+        </p:nvSpPr>
+        <p:spPr>
+          <a:xfrm>
+            <a:off x="685800" y="4343400"/>
+            <a:ext cx="5486400" cy="4114800"/>
+          </a:xfrm>
+          <a:prstGeom prst="rect">
+            <a:avLst/>
+          </a:prstGeom>
+        </p:spPr>
+        <p:txBody>
+          <a:bodyPr anchorCtr="0" anchor="t" bIns="91425" lIns="91425" spcFirstLastPara="1" rIns="91425" wrap="square" tIns="91425">
+            <a:noAutofit/>
+          </a:bodyPr>
+          <a:lstStyle/>
+          <a:p>
+            <a:pPr indent="0" lvl="0" marL="0" rtl="0" algn="l">
+              <a:spcBef>
+                <a:spcPts val="0"/>
+              </a:spcBef>
+              <a:spcAft>
+                <a:spcPts val="0"/>
+              </a:spcAft>
+              <a:buNone/>
+            </a:pPr>
+            <a:r>
+              <a:t/>
+            </a:r>
+            <a:endParaRPr/>
+          </a:p>
+        </p:txBody>
+      </p:sp>
+    </p:spTree>
+  </p:cSld>
+  <p:clrMapOvr>
+    <a:masterClrMapping/>
+  </p:clrMapOvr>
+</p:notes>
+</file>
+
+<file path=ppt/notesSlides/notesSlide17.xml><?xml version="1.0" encoding="utf-8"?>
+<p:notes xmlns:a="http://schemas.openxmlformats.org/drawingml/2006/main" xmlns:r="http://schemas.openxmlformats.org/officeDocument/2006/relationships" xmlns:mc="http://schemas.openxmlformats.org/markup-compatibility/2006" xmlns:mv="urn:schemas-microsoft-com:mac:vml" xmlns:p="http://schemas.openxmlformats.org/presentationml/2006/main" xmlns:c="http://schemas.openxmlformats.org/drawingml/2006/chart" xmlns:dgm="http://schemas.openxmlformats.org/drawingml/2006/diagram" xmlns:o="urn:schemas-microsoft-com:office:office" xmlns:v="urn:schemas-microsoft-com:vml" xmlns:pvml="urn:schemas-microsoft-com:office:powerpoint" xmlns:com="http://schemas.openxmlformats.org/drawingml/2006/compatibility" xmlns:p14="http://schemas.microsoft.com/office/powerpoint/2010/main" xmlns:p15="http://schemas.microsoft.com/office/powerpoint/2012/main" xmlns:ahyp="http://schemas.microsoft.com/office/drawing/2018/hyperlinkcolor" showMasterPhAnim="0" showMasterSp="0">
+  <p:cSld>
+    <p:spTree>
+      <p:nvGrpSpPr>
+        <p:cNvPr id="142" name="Shape 142"/>
+        <p:cNvGrpSpPr/>
+        <p:nvPr/>
+      </p:nvGrpSpPr>
+      <p:grpSpPr>
+        <a:xfrm>
+          <a:off x="0" y="0"/>
+          <a:ext cx="0" cy="0"/>
+          <a:chOff x="0" y="0"/>
+          <a:chExt cx="0" cy="0"/>
+        </a:xfrm>
+      </p:grpSpPr>
+      <p:sp>
+        <p:nvSpPr>
+          <p:cNvPr id="143" name="Google Shape;143;g2b3937a3876_0_15:notes"/>
+          <p:cNvSpPr/>
+          <p:nvPr>
+            <p:ph idx="2" type="sldImg"/>
+          </p:nvPr>
+        </p:nvSpPr>
+        <p:spPr>
+          <a:xfrm>
+            <a:off x="381300" y="685800"/>
+            <a:ext cx="6096000" cy="3429000"/>
+          </a:xfrm>
+          <a:custGeom>
+            <a:rect b="b" l="l" r="r" t="t"/>
+            <a:pathLst>
+              <a:path extrusionOk="0" h="120000" w="120000">
+                <a:moveTo>
+                  <a:pt x="0" y="0"/>
+                </a:moveTo>
+                <a:lnTo>
+                  <a:pt x="120000" y="0"/>
+                </a:lnTo>
+                <a:lnTo>
+                  <a:pt x="120000" y="120000"/>
+                </a:lnTo>
+                <a:lnTo>
+                  <a:pt x="0" y="120000"/>
+                </a:lnTo>
+                <a:close/>
+              </a:path>
+            </a:pathLst>
+          </a:custGeom>
+        </p:spPr>
+      </p:sp>
+      <p:sp>
+        <p:nvSpPr>
+          <p:cNvPr id="144" name="Google Shape;144;g2b3937a3876_0_15:notes"/>
           <p:cNvSpPr txBox="1"/>
           <p:nvPr>
             <p:ph idx="1" type="body"/>
@@ -19864,6 +20064,3351 @@
           <p:cNvPr id="136" name="Google Shape;136;p27"/>
           <p:cNvSpPr txBox="1"/>
           <p:nvPr>
+            <p:ph idx="1" type="body"/>
+          </p:nvPr>
+        </p:nvSpPr>
+        <p:spPr>
+          <a:xfrm>
+            <a:off x="0" y="0"/>
+            <a:ext cx="9144000" cy="5049600"/>
+          </a:xfrm>
+          <a:prstGeom prst="rect">
+            <a:avLst/>
+          </a:prstGeom>
+        </p:spPr>
+        <p:txBody>
+          <a:bodyPr anchorCtr="0" anchor="t" bIns="91425" lIns="91425" spcFirstLastPara="1" rIns="91425" wrap="square" tIns="91425">
+            <a:noAutofit/>
+          </a:bodyPr>
+          <a:lstStyle/>
+          <a:p>
+            <a:pPr indent="0" lvl="0" marL="0" rtl="0" algn="l">
+              <a:lnSpc>
+                <a:spcPct val="95000"/>
+              </a:lnSpc>
+              <a:spcBef>
+                <a:spcPts val="1200"/>
+              </a:spcBef>
+              <a:spcAft>
+                <a:spcPts val="0"/>
+              </a:spcAft>
+              <a:buNone/>
+            </a:pPr>
+            <a:r>
+              <a:rPr lang="ja" sz="791"/>
+              <a:t># Large Language Models for Secure Code Assessment: A Multi-Language Empirical Study 安全なコード評価のための大規模言語モデル: 多言語での実証的研究</a:t>
+            </a:r>
+            <a:endParaRPr sz="791"/>
+          </a:p>
+          <a:p>
+            <a:pPr indent="0" lvl="0" marL="0" rtl="0" algn="l">
+              <a:lnSpc>
+                <a:spcPct val="95000"/>
+              </a:lnSpc>
+              <a:spcBef>
+                <a:spcPts val="1200"/>
+              </a:spcBef>
+              <a:spcAft>
+                <a:spcPts val="0"/>
+              </a:spcAft>
+              <a:buNone/>
+            </a:pPr>
+            <a:r>
+              <a:t/>
+            </a:r>
+            <a:endParaRPr sz="791"/>
+          </a:p>
+          <a:p>
+            <a:pPr indent="0" lvl="0" marL="0" rtl="0" algn="l">
+              <a:lnSpc>
+                <a:spcPct val="95000"/>
+              </a:lnSpc>
+              <a:spcBef>
+                <a:spcPts val="1200"/>
+              </a:spcBef>
+              <a:spcAft>
+                <a:spcPts val="0"/>
+              </a:spcAft>
+              <a:buNone/>
+            </a:pPr>
+            <a:r>
+              <a:rPr lang="ja" sz="791"/>
+              <a:t>概要: Python, C, C++, Java, JavaScriptを対象にリアルタイム脆弱性分析を行うCODEGUARDIANを開発、GPT-4 TurboとGPT-4oは、他のLLMと比較して特に脆弱性検出とCWE分類のタスクで他のLLMよりも優れており、few-shotプロンプトがさらに効果をあげることがわかりました</a:t>
+            </a:r>
+            <a:endParaRPr sz="791"/>
+          </a:p>
+          <a:p>
+            <a:pPr indent="0" lvl="0" marL="0" rtl="0" algn="l">
+              <a:lnSpc>
+                <a:spcPct val="95000"/>
+              </a:lnSpc>
+              <a:spcBef>
+                <a:spcPts val="1200"/>
+              </a:spcBef>
+              <a:spcAft>
+                <a:spcPts val="0"/>
+              </a:spcAft>
+              <a:buNone/>
+            </a:pPr>
+            <a:r>
+              <a:t/>
+            </a:r>
+            <a:endParaRPr sz="791"/>
+          </a:p>
+          <a:p>
+            <a:pPr indent="0" lvl="0" marL="0" rtl="0" algn="l">
+              <a:lnSpc>
+                <a:spcPct val="95000"/>
+              </a:lnSpc>
+              <a:spcBef>
+                <a:spcPts val="1200"/>
+              </a:spcBef>
+              <a:spcAft>
+                <a:spcPts val="0"/>
+              </a:spcAft>
+              <a:buNone/>
+            </a:pPr>
+            <a:r>
+              <a:rPr lang="ja" sz="791"/>
+              <a:t>- **LLMの評価**: 複数のプログラミング言語に対して、GPT-3.5-Turbo, GPT-4 Turbo, GPT-4o, CodeLlama-7B, CodeLlama-13B, Gemini 1.5 Proの6つのLLMを使用して、脆弱性検出およびCWE分類の能力を評価。</a:t>
+            </a:r>
+            <a:endParaRPr sz="791"/>
+          </a:p>
+          <a:p>
+            <a:pPr indent="0" lvl="0" marL="0" rtl="0" algn="l">
+              <a:lnSpc>
+                <a:spcPct val="95000"/>
+              </a:lnSpc>
+              <a:spcBef>
+                <a:spcPts val="1200"/>
+              </a:spcBef>
+              <a:spcAft>
+                <a:spcPts val="0"/>
+              </a:spcAft>
+              <a:buNone/>
+            </a:pPr>
+            <a:r>
+              <a:rPr lang="ja" sz="791"/>
+              <a:t>- **データセットの構築**: 5つのプログラミング言語で370以上の手動で検証された脆弱性を含むデータセットを構築し、脆弱性検出と分類の評価に使用。</a:t>
+            </a:r>
+            <a:endParaRPr sz="791"/>
+          </a:p>
+          <a:p>
+            <a:pPr indent="0" lvl="0" marL="0" rtl="0" algn="l">
+              <a:lnSpc>
+                <a:spcPct val="95000"/>
+              </a:lnSpc>
+              <a:spcBef>
+                <a:spcPts val="1200"/>
+              </a:spcBef>
+              <a:spcAft>
+                <a:spcPts val="0"/>
+              </a:spcAft>
+              <a:buNone/>
+            </a:pPr>
+            <a:r>
+              <a:rPr lang="ja" sz="791"/>
+              <a:t>- **プロンプト戦略**: 脆弱性検出とCWE分類のために、複数のシステムプロンプトおよびユーザープロンプトを設計し、LLMの性能を最適化。</a:t>
+            </a:r>
+            <a:endParaRPr sz="791"/>
+          </a:p>
+          <a:p>
+            <a:pPr indent="0" lvl="0" marL="0" rtl="0" algn="l">
+              <a:lnSpc>
+                <a:spcPct val="95000"/>
+              </a:lnSpc>
+              <a:spcBef>
+                <a:spcPts val="1200"/>
+              </a:spcBef>
+              <a:spcAft>
+                <a:spcPts val="0"/>
+              </a:spcAft>
+              <a:buNone/>
+            </a:pPr>
+            <a:r>
+              <a:rPr lang="ja" sz="791"/>
+              <a:t>- **CODEGUARDIANの開発**: VSCodeの拡張機能として、LLMを活用してリアルタイムでコードの脆弱性を分析するツールを開発。</a:t>
+            </a:r>
+            <a:endParaRPr sz="791"/>
+          </a:p>
+          <a:p>
+            <a:pPr indent="0" lvl="0" marL="0" rtl="0" algn="l">
+              <a:lnSpc>
+                <a:spcPct val="95000"/>
+              </a:lnSpc>
+              <a:spcBef>
+                <a:spcPts val="1200"/>
+              </a:spcBef>
+              <a:spcAft>
+                <a:spcPts val="0"/>
+              </a:spcAft>
+              <a:buNone/>
+            </a:pPr>
+            <a:r>
+              <a:rPr lang="ja" sz="791"/>
+              <a:t>- **GPT-4 TurboとGPT-4oの優位性**:</a:t>
+            </a:r>
+            <a:endParaRPr sz="791"/>
+          </a:p>
+          <a:p>
+            <a:pPr indent="0" lvl="0" marL="0" rtl="0" algn="l">
+              <a:lnSpc>
+                <a:spcPct val="95000"/>
+              </a:lnSpc>
+              <a:spcBef>
+                <a:spcPts val="1200"/>
+              </a:spcBef>
+              <a:spcAft>
+                <a:spcPts val="0"/>
+              </a:spcAft>
+              <a:buNone/>
+            </a:pPr>
+            <a:r>
+              <a:rPr lang="ja" sz="791"/>
+              <a:t>    - **脆弱性検出**では、GPT-4 TurboとGPT-4oが他のLLMを上回るパフォーマンスを示しました。特に、GPT-4 Turboは誤警報を最小限に抑える点で最も効果的であり、GPT-4oはCとC++の脆弱性検出で優れたリコール（真の脆弱性を見逃さない率）を示しました。</a:t>
+            </a:r>
+            <a:endParaRPr sz="791"/>
+          </a:p>
+          <a:p>
+            <a:pPr indent="0" lvl="0" marL="0" rtl="0" algn="l">
+              <a:lnSpc>
+                <a:spcPct val="95000"/>
+              </a:lnSpc>
+              <a:spcBef>
+                <a:spcPts val="1200"/>
+              </a:spcBef>
+              <a:spcAft>
+                <a:spcPts val="0"/>
+              </a:spcAft>
+              <a:buNone/>
+            </a:pPr>
+            <a:r>
+              <a:rPr lang="ja" sz="791"/>
+              <a:t>    - **CWE分類**では、GPT-4oが多言語間で最高の分類スコアを達成し、特にfew-shotプロンプトを使用した場合にパフォーマンスが顕著に向上しました。</a:t>
+            </a:r>
+            <a:endParaRPr sz="791"/>
+          </a:p>
+          <a:p>
+            <a:pPr indent="0" lvl="0" marL="0" rtl="0" algn="l">
+              <a:lnSpc>
+                <a:spcPct val="95000"/>
+              </a:lnSpc>
+              <a:spcBef>
+                <a:spcPts val="1200"/>
+              </a:spcBef>
+              <a:spcAft>
+                <a:spcPts val="0"/>
+              </a:spcAft>
+              <a:buNone/>
+            </a:pPr>
+            <a:r>
+              <a:rPr lang="ja" sz="791"/>
+              <a:t>- **Gemini 1.5 Proの特異なパフォーマンス**:</a:t>
+            </a:r>
+            <a:endParaRPr sz="791"/>
+          </a:p>
+          <a:p>
+            <a:pPr indent="0" lvl="0" marL="0" rtl="0" algn="l">
+              <a:lnSpc>
+                <a:spcPct val="95000"/>
+              </a:lnSpc>
+              <a:spcBef>
+                <a:spcPts val="1200"/>
+              </a:spcBef>
+              <a:spcAft>
+                <a:spcPts val="0"/>
+              </a:spcAft>
+              <a:buNone/>
+            </a:pPr>
+            <a:r>
+              <a:rPr lang="ja" sz="791"/>
+              <a:t>    - 特にPythonとJavaScriptの脆弱性検出およびCWE分類において、Gemini 1.5 Proも強力なパフォーマンスを示しました。</a:t>
+            </a:r>
+            <a:endParaRPr sz="791"/>
+          </a:p>
+          <a:p>
+            <a:pPr indent="0" lvl="0" marL="0" rtl="0" algn="l">
+              <a:lnSpc>
+                <a:spcPct val="95000"/>
+              </a:lnSpc>
+              <a:spcBef>
+                <a:spcPts val="1200"/>
+              </a:spcBef>
+              <a:spcAft>
+                <a:spcPts val="0"/>
+              </a:spcAft>
+              <a:buNone/>
+            </a:pPr>
+            <a:r>
+              <a:rPr lang="ja" sz="791"/>
+              <a:t>- **few-shot学習の効果**:</a:t>
+            </a:r>
+            <a:endParaRPr sz="791"/>
+          </a:p>
+          <a:p>
+            <a:pPr indent="0" lvl="0" marL="0" rtl="0" algn="l">
+              <a:lnSpc>
+                <a:spcPct val="95000"/>
+              </a:lnSpc>
+              <a:spcBef>
+                <a:spcPts val="1200"/>
+              </a:spcBef>
+              <a:spcAft>
+                <a:spcPts val="0"/>
+              </a:spcAft>
+              <a:buNone/>
+            </a:pPr>
+            <a:r>
+              <a:rPr lang="ja" sz="791"/>
+              <a:t>    - CWE分類において、few-shotプロンプトを使用することで、モデルのパフォーマンスが大幅に向上することが確認されました。特に、GPT-4oはfew-shot設定でリコールが約3倍に改善されました。</a:t>
+            </a:r>
+            <a:endParaRPr sz="791"/>
+          </a:p>
+          <a:p>
+            <a:pPr indent="0" lvl="0" marL="0" rtl="0" algn="l">
+              <a:lnSpc>
+                <a:spcPct val="95000"/>
+              </a:lnSpc>
+              <a:spcBef>
+                <a:spcPts val="1200"/>
+              </a:spcBef>
+              <a:spcAft>
+                <a:spcPts val="0"/>
+              </a:spcAft>
+              <a:buNone/>
+            </a:pPr>
+            <a:r>
+              <a:rPr lang="ja" sz="791"/>
+              <a:t>- **CODEGUARDIANの有効性**:</a:t>
+            </a:r>
+            <a:endParaRPr sz="791"/>
+          </a:p>
+          <a:p>
+            <a:pPr indent="0" lvl="0" marL="0" rtl="0" algn="l">
+              <a:lnSpc>
+                <a:spcPct val="95000"/>
+              </a:lnSpc>
+              <a:spcBef>
+                <a:spcPts val="1200"/>
+              </a:spcBef>
+              <a:spcAft>
+                <a:spcPts val="0"/>
+              </a:spcAft>
+              <a:buNone/>
+            </a:pPr>
+            <a:r>
+              <a:rPr lang="ja" sz="791"/>
+              <a:t>    - ユーザースタディでは、CODEGUARDIANを使用した開発者が、脆弱性の検出において伝統的な手法と比較して66%速く、203%高い精度でタスクを完了することが示されました。CODEGUARDIANは、開発者の作業フローにシームレスに統合でき、より迅速で正確な脆弱性検出を可能にします。</a:t>
+            </a:r>
+            <a:endParaRPr sz="791"/>
+          </a:p>
+          <a:p>
+            <a:pPr indent="0" lvl="0" marL="0" rtl="0" algn="l">
+              <a:lnSpc>
+                <a:spcPct val="95000"/>
+              </a:lnSpc>
+              <a:spcBef>
+                <a:spcPts val="1200"/>
+              </a:spcBef>
+              <a:spcAft>
+                <a:spcPts val="0"/>
+              </a:spcAft>
+              <a:buNone/>
+            </a:pPr>
+            <a:r>
+              <a:t/>
+            </a:r>
+            <a:endParaRPr sz="791"/>
+          </a:p>
+          <a:p>
+            <a:pPr indent="0" lvl="0" marL="0" rtl="0" algn="l">
+              <a:lnSpc>
+                <a:spcPct val="95000"/>
+              </a:lnSpc>
+              <a:spcBef>
+                <a:spcPts val="1200"/>
+              </a:spcBef>
+              <a:spcAft>
+                <a:spcPts val="0"/>
+              </a:spcAft>
+              <a:buNone/>
+            </a:pPr>
+            <a:r>
+              <a:rPr lang="ja" sz="791"/>
+              <a:t>以下は、使用された主要なプロンプトの概要です。</a:t>
+            </a:r>
+            <a:endParaRPr sz="791"/>
+          </a:p>
+          <a:p>
+            <a:pPr indent="0" lvl="0" marL="0" rtl="0" algn="l">
+              <a:lnSpc>
+                <a:spcPct val="95000"/>
+              </a:lnSpc>
+              <a:spcBef>
+                <a:spcPts val="1200"/>
+              </a:spcBef>
+              <a:spcAft>
+                <a:spcPts val="0"/>
+              </a:spcAft>
+              <a:buNone/>
+            </a:pPr>
+            <a:r>
+              <a:t/>
+            </a:r>
+            <a:endParaRPr sz="791"/>
+          </a:p>
+          <a:p>
+            <a:pPr indent="0" lvl="0" marL="0" rtl="0" algn="l">
+              <a:lnSpc>
+                <a:spcPct val="95000"/>
+              </a:lnSpc>
+              <a:spcBef>
+                <a:spcPts val="1200"/>
+              </a:spcBef>
+              <a:spcAft>
+                <a:spcPts val="0"/>
+              </a:spcAft>
+              <a:buNone/>
+            </a:pPr>
+            <a:r>
+              <a:rPr lang="ja" sz="791"/>
+              <a:t>### 1. 脆弱性検出 (Vulnerability Detection)</a:t>
+            </a:r>
+            <a:endParaRPr sz="791"/>
+          </a:p>
+          <a:p>
+            <a:pPr indent="0" lvl="0" marL="0" rtl="0" algn="l">
+              <a:lnSpc>
+                <a:spcPct val="95000"/>
+              </a:lnSpc>
+              <a:spcBef>
+                <a:spcPts val="1200"/>
+              </a:spcBef>
+              <a:spcAft>
+                <a:spcPts val="0"/>
+              </a:spcAft>
+              <a:buNone/>
+            </a:pPr>
+            <a:r>
+              <a:t/>
+            </a:r>
+            <a:endParaRPr sz="791"/>
+          </a:p>
+          <a:p>
+            <a:pPr indent="0" lvl="0" marL="0" rtl="0" algn="l">
+              <a:lnSpc>
+                <a:spcPct val="95000"/>
+              </a:lnSpc>
+              <a:spcBef>
+                <a:spcPts val="1200"/>
+              </a:spcBef>
+              <a:spcAft>
+                <a:spcPts val="0"/>
+              </a:spcAft>
+              <a:buNone/>
+            </a:pPr>
+            <a:r>
+              <a:rPr lang="ja" sz="791"/>
+              <a:t>### システムプロンプト (System Prompts):</a:t>
+            </a:r>
+            <a:endParaRPr sz="791"/>
+          </a:p>
+          <a:p>
+            <a:pPr indent="0" lvl="0" marL="0" rtl="0" algn="l">
+              <a:lnSpc>
+                <a:spcPct val="95000"/>
+              </a:lnSpc>
+              <a:spcBef>
+                <a:spcPts val="1200"/>
+              </a:spcBef>
+              <a:spcAft>
+                <a:spcPts val="0"/>
+              </a:spcAft>
+              <a:buNone/>
+            </a:pPr>
+            <a:r>
+              <a:t/>
+            </a:r>
+            <a:endParaRPr sz="791"/>
+          </a:p>
+          <a:p>
+            <a:pPr indent="0" lvl="0" marL="0" rtl="0" algn="l">
+              <a:lnSpc>
+                <a:spcPct val="95000"/>
+              </a:lnSpc>
+              <a:spcBef>
+                <a:spcPts val="1200"/>
+              </a:spcBef>
+              <a:spcAft>
+                <a:spcPts val="0"/>
+              </a:spcAft>
+              <a:buNone/>
+            </a:pPr>
+            <a:r>
+              <a:rPr lang="ja" sz="791"/>
+              <a:t>- **VD-Sys1**:</a:t>
+            </a:r>
+            <a:endParaRPr sz="791"/>
+          </a:p>
+          <a:p>
+            <a:pPr indent="0" lvl="0" marL="0" rtl="0" algn="l">
+              <a:lnSpc>
+                <a:spcPct val="95000"/>
+              </a:lnSpc>
+              <a:spcBef>
+                <a:spcPts val="1200"/>
+              </a:spcBef>
+              <a:spcAft>
+                <a:spcPts val="0"/>
+              </a:spcAft>
+              <a:buNone/>
+            </a:pPr>
+            <a:r>
+              <a:rPr lang="ja" sz="791"/>
+              <a:t>    - ロール: 「あなたは、与えられたコードが脆弱か非脆弱かを識別するAIバイナリ脆弱性分類器です。'vulnerable' または 'not vulnerable' のみで回答してください。」</a:t>
+            </a:r>
+            <a:endParaRPr sz="791"/>
+          </a:p>
+          <a:p>
+            <a:pPr indent="0" lvl="0" marL="0" rtl="0" algn="l">
+              <a:lnSpc>
+                <a:spcPct val="95000"/>
+              </a:lnSpc>
+              <a:spcBef>
+                <a:spcPts val="1200"/>
+              </a:spcBef>
+              <a:spcAft>
+                <a:spcPts val="0"/>
+              </a:spcAft>
+              <a:buNone/>
+            </a:pPr>
+            <a:r>
+              <a:rPr lang="ja" sz="791"/>
+              <a:t>- **VD-Sys2**:</a:t>
+            </a:r>
+            <a:endParaRPr sz="791"/>
+          </a:p>
+          <a:p>
+            <a:pPr indent="0" lvl="0" marL="0" rtl="0" algn="l">
+              <a:lnSpc>
+                <a:spcPct val="95000"/>
+              </a:lnSpc>
+              <a:spcBef>
+                <a:spcPts val="1200"/>
+              </a:spcBef>
+              <a:spcAft>
+                <a:spcPts val="0"/>
+              </a:spcAft>
+              <a:buNone/>
+            </a:pPr>
+            <a:r>
+              <a:rPr lang="ja" sz="791"/>
+              <a:t>    - ロール: 「あなたは、セキュリティ脆弱性に非常に詳しい経験豊富な開発者です。」</a:t>
+            </a:r>
+            <a:endParaRPr sz="791"/>
+          </a:p>
+          <a:p>
+            <a:pPr indent="0" lvl="0" marL="0" rtl="0" algn="l">
+              <a:lnSpc>
+                <a:spcPct val="95000"/>
+              </a:lnSpc>
+              <a:spcBef>
+                <a:spcPts val="1200"/>
+              </a:spcBef>
+              <a:spcAft>
+                <a:spcPts val="0"/>
+              </a:spcAft>
+              <a:buNone/>
+            </a:pPr>
+            <a:r>
+              <a:t/>
+            </a:r>
+            <a:endParaRPr sz="791"/>
+          </a:p>
+          <a:p>
+            <a:pPr indent="0" lvl="0" marL="0" rtl="0" algn="l">
+              <a:lnSpc>
+                <a:spcPct val="95000"/>
+              </a:lnSpc>
+              <a:spcBef>
+                <a:spcPts val="1200"/>
+              </a:spcBef>
+              <a:spcAft>
+                <a:spcPts val="0"/>
+              </a:spcAft>
+              <a:buNone/>
+            </a:pPr>
+            <a:r>
+              <a:rPr lang="ja" sz="791"/>
+              <a:t>### ユーザープロンプト (User Prompts):</a:t>
+            </a:r>
+            <a:endParaRPr sz="791"/>
+          </a:p>
+          <a:p>
+            <a:pPr indent="0" lvl="0" marL="0" rtl="0" algn="l">
+              <a:lnSpc>
+                <a:spcPct val="95000"/>
+              </a:lnSpc>
+              <a:spcBef>
+                <a:spcPts val="1200"/>
+              </a:spcBef>
+              <a:spcAft>
+                <a:spcPts val="0"/>
+              </a:spcAft>
+              <a:buNone/>
+            </a:pPr>
+            <a:r>
+              <a:t/>
+            </a:r>
+            <a:endParaRPr sz="791"/>
+          </a:p>
+          <a:p>
+            <a:pPr indent="0" lvl="0" marL="0" rtl="0" algn="l">
+              <a:lnSpc>
+                <a:spcPct val="95000"/>
+              </a:lnSpc>
+              <a:spcBef>
+                <a:spcPts val="1200"/>
+              </a:spcBef>
+              <a:spcAft>
+                <a:spcPts val="0"/>
+              </a:spcAft>
+              <a:buNone/>
+            </a:pPr>
+            <a:r>
+              <a:rPr lang="ja" sz="791"/>
+              <a:t>- **VD-User1**:</a:t>
+            </a:r>
+            <a:endParaRPr sz="791"/>
+          </a:p>
+          <a:p>
+            <a:pPr indent="0" lvl="0" marL="0" rtl="0" algn="l">
+              <a:lnSpc>
+                <a:spcPct val="95000"/>
+              </a:lnSpc>
+              <a:spcBef>
+                <a:spcPts val="1200"/>
+              </a:spcBef>
+              <a:spcAft>
+                <a:spcPts val="0"/>
+              </a:spcAft>
+              <a:buNone/>
+            </a:pPr>
+            <a:r>
+              <a:rPr lang="ja" sz="791"/>
+              <a:t>    - 指示: 「次のコードを脆弱か非脆弱か分類してください。'vulnerable' または 'not vulnerable' のみで回答してください。」</a:t>
+            </a:r>
+            <a:endParaRPr sz="791"/>
+          </a:p>
+          <a:p>
+            <a:pPr indent="0" lvl="0" marL="0" rtl="0" algn="l">
+              <a:lnSpc>
+                <a:spcPct val="95000"/>
+              </a:lnSpc>
+              <a:spcBef>
+                <a:spcPts val="1200"/>
+              </a:spcBef>
+              <a:spcAft>
+                <a:spcPts val="0"/>
+              </a:spcAft>
+              <a:buNone/>
+            </a:pPr>
+            <a:r>
+              <a:rPr lang="ja" sz="791"/>
+              <a:t>- **VD-User2**:</a:t>
+            </a:r>
+            <a:endParaRPr sz="791"/>
+          </a:p>
+          <a:p>
+            <a:pPr indent="0" lvl="0" marL="0" rtl="0" algn="l">
+              <a:lnSpc>
+                <a:spcPct val="95000"/>
+              </a:lnSpc>
+              <a:spcBef>
+                <a:spcPts val="1200"/>
+              </a:spcBef>
+              <a:spcAft>
+                <a:spcPts val="0"/>
+              </a:spcAft>
+              <a:buNone/>
+            </a:pPr>
+            <a:r>
+              <a:rPr lang="ja" sz="791"/>
+              <a:t>    - 指示: 「コードが脆弱性を含んでいるかどうかを識別する必要があります。もし潜在的な脆弱性がある場合は 'vulnerable' と出力し、それ以外の場合は 'not vulnerable' と出力してください。'vulnerable' または 'not vulnerable' のみで回答してください。」</a:t>
+            </a:r>
+            <a:endParaRPr sz="791"/>
+          </a:p>
+          <a:p>
+            <a:pPr indent="0" lvl="0" marL="0" rtl="0" algn="l">
+              <a:lnSpc>
+                <a:spcPct val="95000"/>
+              </a:lnSpc>
+              <a:spcBef>
+                <a:spcPts val="1200"/>
+              </a:spcBef>
+              <a:spcAft>
+                <a:spcPts val="0"/>
+              </a:spcAft>
+              <a:buNone/>
+            </a:pPr>
+            <a:r>
+              <a:t/>
+            </a:r>
+            <a:endParaRPr sz="791"/>
+          </a:p>
+          <a:p>
+            <a:pPr indent="0" lvl="0" marL="0" rtl="0" algn="l">
+              <a:lnSpc>
+                <a:spcPct val="95000"/>
+              </a:lnSpc>
+              <a:spcBef>
+                <a:spcPts val="1200"/>
+              </a:spcBef>
+              <a:spcAft>
+                <a:spcPts val="0"/>
+              </a:spcAft>
+              <a:buNone/>
+            </a:pPr>
+            <a:r>
+              <a:rPr lang="ja" sz="791"/>
+              <a:t>### 2. CWE分類 (CWE Classification)</a:t>
+            </a:r>
+            <a:endParaRPr sz="791"/>
+          </a:p>
+          <a:p>
+            <a:pPr indent="0" lvl="0" marL="0" rtl="0" algn="l">
+              <a:lnSpc>
+                <a:spcPct val="95000"/>
+              </a:lnSpc>
+              <a:spcBef>
+                <a:spcPts val="1200"/>
+              </a:spcBef>
+              <a:spcAft>
+                <a:spcPts val="0"/>
+              </a:spcAft>
+              <a:buNone/>
+            </a:pPr>
+            <a:r>
+              <a:t/>
+            </a:r>
+            <a:endParaRPr sz="791"/>
+          </a:p>
+          <a:p>
+            <a:pPr indent="0" lvl="0" marL="0" rtl="0" algn="l">
+              <a:lnSpc>
+                <a:spcPct val="95000"/>
+              </a:lnSpc>
+              <a:spcBef>
+                <a:spcPts val="1200"/>
+              </a:spcBef>
+              <a:spcAft>
+                <a:spcPts val="0"/>
+              </a:spcAft>
+              <a:buNone/>
+            </a:pPr>
+            <a:r>
+              <a:rPr lang="ja" sz="791"/>
+              <a:t>### システムプロンプト (System Prompts):</a:t>
+            </a:r>
+            <a:endParaRPr sz="791"/>
+          </a:p>
+          <a:p>
+            <a:pPr indent="0" lvl="0" marL="0" rtl="0" algn="l">
+              <a:lnSpc>
+                <a:spcPct val="95000"/>
+              </a:lnSpc>
+              <a:spcBef>
+                <a:spcPts val="1200"/>
+              </a:spcBef>
+              <a:spcAft>
+                <a:spcPts val="0"/>
+              </a:spcAft>
+              <a:buNone/>
+            </a:pPr>
+            <a:r>
+              <a:t/>
+            </a:r>
+            <a:endParaRPr sz="791"/>
+          </a:p>
+          <a:p>
+            <a:pPr indent="0" lvl="0" marL="0" rtl="0" algn="l">
+              <a:lnSpc>
+                <a:spcPct val="95000"/>
+              </a:lnSpc>
+              <a:spcBef>
+                <a:spcPts val="1200"/>
+              </a:spcBef>
+              <a:spcAft>
+                <a:spcPts val="0"/>
+              </a:spcAft>
+              <a:buNone/>
+            </a:pPr>
+            <a:r>
+              <a:rPr lang="ja" sz="791"/>
+              <a:t>- **CWE-Sys1**:</a:t>
+            </a:r>
+            <a:endParaRPr sz="791"/>
+          </a:p>
+          <a:p>
+            <a:pPr indent="0" lvl="0" marL="0" rtl="0" algn="l">
+              <a:lnSpc>
+                <a:spcPct val="95000"/>
+              </a:lnSpc>
+              <a:spcBef>
+                <a:spcPts val="1200"/>
+              </a:spcBef>
+              <a:spcAft>
+                <a:spcPts val="0"/>
+              </a:spcAft>
+              <a:buNone/>
+            </a:pPr>
+            <a:r>
+              <a:rPr lang="ja" sz="791"/>
+              <a:t>    - ロール: 「あなたは、送信されたコードが脆弱性を持っている場合、そのCWEを識別するAI脆弱性分類器です。CWEのIDのみを出力してください。」</a:t>
+            </a:r>
+            <a:endParaRPr sz="791"/>
+          </a:p>
+          <a:p>
+            <a:pPr indent="0" lvl="0" marL="0" rtl="0" algn="l">
+              <a:lnSpc>
+                <a:spcPct val="95000"/>
+              </a:lnSpc>
+              <a:spcBef>
+                <a:spcPts val="1200"/>
+              </a:spcBef>
+              <a:spcAft>
+                <a:spcPts val="0"/>
+              </a:spcAft>
+              <a:buNone/>
+            </a:pPr>
+            <a:r>
+              <a:rPr lang="ja" sz="791"/>
+              <a:t>- **CWE-Sys2**:</a:t>
+            </a:r>
+            <a:endParaRPr sz="791"/>
+          </a:p>
+          <a:p>
+            <a:pPr indent="0" lvl="0" marL="0" rtl="0" algn="l">
+              <a:lnSpc>
+                <a:spcPct val="95000"/>
+              </a:lnSpc>
+              <a:spcBef>
+                <a:spcPts val="1200"/>
+              </a:spcBef>
+              <a:spcAft>
+                <a:spcPts val="0"/>
+              </a:spcAft>
+              <a:buNone/>
+            </a:pPr>
+            <a:r>
+              <a:rPr lang="ja" sz="791"/>
+              <a:t>    - ロール: 「あなたは、セキュリティ脆弱性に非常に詳しい経験豊富な開発者です。」</a:t>
+            </a:r>
+            <a:endParaRPr sz="791"/>
+          </a:p>
+          <a:p>
+            <a:pPr indent="0" lvl="0" marL="0" rtl="0" algn="l">
+              <a:lnSpc>
+                <a:spcPct val="95000"/>
+              </a:lnSpc>
+              <a:spcBef>
+                <a:spcPts val="1200"/>
+              </a:spcBef>
+              <a:spcAft>
+                <a:spcPts val="0"/>
+              </a:spcAft>
+              <a:buNone/>
+            </a:pPr>
+            <a:r>
+              <a:t/>
+            </a:r>
+            <a:endParaRPr sz="791"/>
+          </a:p>
+          <a:p>
+            <a:pPr indent="0" lvl="0" marL="0" rtl="0" algn="l">
+              <a:lnSpc>
+                <a:spcPct val="95000"/>
+              </a:lnSpc>
+              <a:spcBef>
+                <a:spcPts val="1200"/>
+              </a:spcBef>
+              <a:spcAft>
+                <a:spcPts val="0"/>
+              </a:spcAft>
+              <a:buNone/>
+            </a:pPr>
+            <a:r>
+              <a:rPr lang="ja" sz="791"/>
+              <a:t>### ユーザープロンプト (User Prompts):</a:t>
+            </a:r>
+            <a:endParaRPr sz="791"/>
+          </a:p>
+          <a:p>
+            <a:pPr indent="0" lvl="0" marL="0" rtl="0" algn="l">
+              <a:lnSpc>
+                <a:spcPct val="95000"/>
+              </a:lnSpc>
+              <a:spcBef>
+                <a:spcPts val="1200"/>
+              </a:spcBef>
+              <a:spcAft>
+                <a:spcPts val="0"/>
+              </a:spcAft>
+              <a:buNone/>
+            </a:pPr>
+            <a:r>
+              <a:t/>
+            </a:r>
+            <a:endParaRPr sz="791"/>
+          </a:p>
+          <a:p>
+            <a:pPr indent="0" lvl="0" marL="0" rtl="0" algn="l">
+              <a:lnSpc>
+                <a:spcPct val="95000"/>
+              </a:lnSpc>
+              <a:spcBef>
+                <a:spcPts val="1200"/>
+              </a:spcBef>
+              <a:spcAft>
+                <a:spcPts val="0"/>
+              </a:spcAft>
+              <a:buNone/>
+            </a:pPr>
+            <a:r>
+              <a:rPr lang="ja" sz="791"/>
+              <a:t>- **CWE-UserZ** (ゼロショット設定):</a:t>
+            </a:r>
+            <a:endParaRPr sz="791"/>
+          </a:p>
+          <a:p>
+            <a:pPr indent="0" lvl="0" marL="0" rtl="0" algn="l">
+              <a:lnSpc>
+                <a:spcPct val="95000"/>
+              </a:lnSpc>
+              <a:spcBef>
+                <a:spcPts val="1200"/>
+              </a:spcBef>
+              <a:spcAft>
+                <a:spcPts val="0"/>
+              </a:spcAft>
+              <a:buNone/>
+            </a:pPr>
+            <a:r>
+              <a:rPr lang="ja" sz="791"/>
+              <a:t>    - 指示: 「次のコードをCWEカテゴリーに分類してください。小文字のCWEタグのみを出力してください。コードが脆弱でないと思う場合は 'non-vul' と回答してください。」</a:t>
+            </a:r>
+            <a:endParaRPr sz="791"/>
+          </a:p>
+          <a:p>
+            <a:pPr indent="0" lvl="0" marL="0" rtl="0" algn="l">
+              <a:lnSpc>
+                <a:spcPct val="95000"/>
+              </a:lnSpc>
+              <a:spcBef>
+                <a:spcPts val="1200"/>
+              </a:spcBef>
+              <a:spcAft>
+                <a:spcPts val="0"/>
+              </a:spcAft>
+              <a:buNone/>
+            </a:pPr>
+            <a:r>
+              <a:rPr lang="ja" sz="791"/>
+              <a:t>- **CWE-UserF** (few-shot設定):</a:t>
+            </a:r>
+            <a:endParaRPr sz="791"/>
+          </a:p>
+          <a:p>
+            <a:pPr indent="0" lvl="0" marL="0" rtl="0" algn="l">
+              <a:lnSpc>
+                <a:spcPct val="95000"/>
+              </a:lnSpc>
+              <a:spcBef>
+                <a:spcPts val="1200"/>
+              </a:spcBef>
+              <a:spcAft>
+                <a:spcPts val="0"/>
+              </a:spcAft>
+              <a:buNone/>
+            </a:pPr>
+            <a:r>
+              <a:rPr lang="ja" sz="791"/>
+              <a:t>    - 指示: 「次のコードをCWEカテゴリーに分類してください。コードはトップ25のCWEのうち1つに対応する脆弱性を持っているはずです。小文字のCWEタグのみを出力してください。コードが脆弱でないと思う場合は 'non-vul' と回答してください。以下はトップ25のCWEのリストです。」</a:t>
+            </a:r>
+            <a:endParaRPr sz="791"/>
+          </a:p>
+          <a:p>
+            <a:pPr indent="0" lvl="0" marL="0" rtl="0" algn="l">
+              <a:lnSpc>
+                <a:spcPct val="95000"/>
+              </a:lnSpc>
+              <a:spcBef>
+                <a:spcPts val="1200"/>
+              </a:spcBef>
+              <a:spcAft>
+                <a:spcPts val="0"/>
+              </a:spcAft>
+              <a:buNone/>
+            </a:pPr>
+            <a:r>
+              <a:t/>
+            </a:r>
+            <a:endParaRPr sz="791"/>
+          </a:p>
+          <a:p>
+            <a:pPr indent="0" lvl="0" marL="0" rtl="0" algn="l">
+              <a:lnSpc>
+                <a:spcPct val="95000"/>
+              </a:lnSpc>
+              <a:spcBef>
+                <a:spcPts val="1200"/>
+              </a:spcBef>
+              <a:spcAft>
+                <a:spcPts val="0"/>
+              </a:spcAft>
+              <a:buNone/>
+            </a:pPr>
+            <a:r>
+              <a:rPr lang="ja" sz="791"/>
+              <a:t>### プロンプトの使用方法</a:t>
+            </a:r>
+            <a:endParaRPr sz="791"/>
+          </a:p>
+          <a:p>
+            <a:pPr indent="0" lvl="0" marL="0" rtl="0" algn="l">
+              <a:lnSpc>
+                <a:spcPct val="95000"/>
+              </a:lnSpc>
+              <a:spcBef>
+                <a:spcPts val="1200"/>
+              </a:spcBef>
+              <a:spcAft>
+                <a:spcPts val="0"/>
+              </a:spcAft>
+              <a:buNone/>
+            </a:pPr>
+            <a:r>
+              <a:t/>
+            </a:r>
+            <a:endParaRPr sz="791"/>
+          </a:p>
+          <a:p>
+            <a:pPr indent="0" lvl="0" marL="0" rtl="0" algn="l">
+              <a:lnSpc>
+                <a:spcPct val="95000"/>
+              </a:lnSpc>
+              <a:spcBef>
+                <a:spcPts val="1200"/>
+              </a:spcBef>
+              <a:spcAft>
+                <a:spcPts val="0"/>
+              </a:spcAft>
+              <a:buNone/>
+            </a:pPr>
+            <a:r>
+              <a:rPr lang="ja" sz="791"/>
+              <a:t>- **脆弱性検出**では、各モデルに対してシステムプロンプトとユーザープロンプトの組み合わせを用い、バイナリ分類（脆弱または非脆弱）を実行しました。</a:t>
+            </a:r>
+            <a:endParaRPr sz="791"/>
+          </a:p>
+          <a:p>
+            <a:pPr indent="0" lvl="0" marL="0" rtl="0" algn="l">
+              <a:lnSpc>
+                <a:spcPct val="95000"/>
+              </a:lnSpc>
+              <a:spcBef>
+                <a:spcPts val="1200"/>
+              </a:spcBef>
+              <a:spcAft>
+                <a:spcPts val="0"/>
+              </a:spcAft>
+              <a:buNone/>
+            </a:pPr>
+            <a:r>
+              <a:rPr lang="ja" sz="791"/>
+              <a:t>- **CWE分類**では、ゼロショット設定およびfew-shot設定を用いて、与えられたコードスニペットをCWEカテゴリに分類しました。few-shot設定では、いくつかの例を提示することで、モデルの理解を深めました。</a:t>
+            </a:r>
+            <a:endParaRPr sz="791"/>
+          </a:p>
+          <a:p>
+            <a:pPr indent="0" lvl="0" marL="0" rtl="0" algn="l">
+              <a:lnSpc>
+                <a:spcPct val="95000"/>
+              </a:lnSpc>
+              <a:spcBef>
+                <a:spcPts val="1200"/>
+              </a:spcBef>
+              <a:spcAft>
+                <a:spcPts val="1200"/>
+              </a:spcAft>
+              <a:buNone/>
+            </a:pPr>
+            <a:r>
+              <a:t/>
+            </a:r>
+            <a:endParaRPr sz="791"/>
+          </a:p>
+        </p:txBody>
+      </p:sp>
+    </p:spTree>
+  </p:cSld>
+  <p:clrMapOvr>
+    <a:masterClrMapping/>
+  </p:clrMapOvr>
+</p:sld>
+</file>
+
+<file path=ppt/slides/slide16.xml><?xml version="1.0" encoding="utf-8"?>
+<p:sld xmlns:a="http://schemas.openxmlformats.org/drawingml/2006/main" xmlns:r="http://schemas.openxmlformats.org/officeDocument/2006/relationships" xmlns:mc="http://schemas.openxmlformats.org/markup-compatibility/2006" xmlns:mv="urn:schemas-microsoft-com:mac:vml" xmlns:p="http://schemas.openxmlformats.org/presentationml/2006/main" xmlns:c="http://schemas.openxmlformats.org/drawingml/2006/chart" xmlns:dgm="http://schemas.openxmlformats.org/drawingml/2006/diagram" xmlns:o="urn:schemas-microsoft-com:office:office" xmlns:v="urn:schemas-microsoft-com:vml" xmlns:pvml="urn:schemas-microsoft-com:office:powerpoint" xmlns:com="http://schemas.openxmlformats.org/drawingml/2006/compatibility" xmlns:p14="http://schemas.microsoft.com/office/powerpoint/2010/main" xmlns:p15="http://schemas.microsoft.com/office/powerpoint/2012/main" xmlns:ahyp="http://schemas.microsoft.com/office/drawing/2018/hyperlinkcolor">
+  <p:cSld>
+    <p:spTree>
+      <p:nvGrpSpPr>
+        <p:cNvPr id="140" name="Shape 140"/>
+        <p:cNvGrpSpPr/>
+        <p:nvPr/>
+      </p:nvGrpSpPr>
+      <p:grpSpPr>
+        <a:xfrm>
+          <a:off x="0" y="0"/>
+          <a:ext cx="0" cy="0"/>
+          <a:chOff x="0" y="0"/>
+          <a:chExt cx="0" cy="0"/>
+        </a:xfrm>
+      </p:grpSpPr>
+      <p:sp>
+        <p:nvSpPr>
+          <p:cNvPr id="141" name="Google Shape;141;p28"/>
+          <p:cNvSpPr txBox="1"/>
+          <p:nvPr>
+            <p:ph idx="1" type="body"/>
+          </p:nvPr>
+        </p:nvSpPr>
+        <p:spPr>
+          <a:xfrm>
+            <a:off x="0" y="0"/>
+            <a:ext cx="9144000" cy="5049600"/>
+          </a:xfrm>
+          <a:prstGeom prst="rect">
+            <a:avLst/>
+          </a:prstGeom>
+        </p:spPr>
+        <p:txBody>
+          <a:bodyPr anchorCtr="0" anchor="t" bIns="91425" lIns="91425" spcFirstLastPara="1" rIns="91425" wrap="square" tIns="91425">
+            <a:noAutofit/>
+          </a:bodyPr>
+          <a:lstStyle/>
+          <a:p>
+            <a:pPr indent="0" lvl="0" marL="0" rtl="0" algn="l">
+              <a:lnSpc>
+                <a:spcPct val="95000"/>
+              </a:lnSpc>
+              <a:spcBef>
+                <a:spcPts val="1200"/>
+              </a:spcBef>
+              <a:spcAft>
+                <a:spcPts val="0"/>
+              </a:spcAft>
+              <a:buNone/>
+            </a:pPr>
+            <a:r>
+              <a:rPr lang="ja" sz="791"/>
+              <a:t># Improving Structural Diversity of Blackbox LLMs via Chain-of-Specification Prompting チェインオブスペシフィケーションプロンプティングを通じたブラックボックスLLMの構造的多様性の改善</a:t>
+            </a:r>
+            <a:endParaRPr sz="791"/>
+          </a:p>
+          <a:p>
+            <a:pPr indent="0" lvl="0" marL="0" rtl="0" algn="l">
+              <a:lnSpc>
+                <a:spcPct val="95000"/>
+              </a:lnSpc>
+              <a:spcBef>
+                <a:spcPts val="1200"/>
+              </a:spcBef>
+              <a:spcAft>
+                <a:spcPts val="0"/>
+              </a:spcAft>
+              <a:buNone/>
+            </a:pPr>
+            <a:r>
+              <a:t/>
+            </a:r>
+            <a:endParaRPr sz="791"/>
+          </a:p>
+          <a:p>
+            <a:pPr indent="0" lvl="0" marL="0" rtl="0" algn="l">
+              <a:lnSpc>
+                <a:spcPct val="95000"/>
+              </a:lnSpc>
+              <a:spcBef>
+                <a:spcPts val="1200"/>
+              </a:spcBef>
+              <a:spcAft>
+                <a:spcPts val="0"/>
+              </a:spcAft>
+              <a:buNone/>
+            </a:pPr>
+            <a:r>
+              <a:rPr lang="ja" sz="791"/>
+              <a:t>概要: LLMの多様性を改善するための手法として、チェインオブスペシフィケーション（CoS）プロンプティングを提案。</a:t>
+            </a:r>
+            <a:endParaRPr sz="791"/>
+          </a:p>
+          <a:p>
+            <a:pPr indent="0" lvl="0" marL="0" rtl="0" algn="l">
+              <a:lnSpc>
+                <a:spcPct val="95000"/>
+              </a:lnSpc>
+              <a:spcBef>
+                <a:spcPts val="1200"/>
+              </a:spcBef>
+              <a:spcAft>
+                <a:spcPts val="0"/>
+              </a:spcAft>
+              <a:buNone/>
+            </a:pPr>
+            <a:r>
+              <a:rPr lang="ja" sz="791"/>
+              <a:t>ユーザーが関心を持つ多様性の次元に基づいてテキストを特徴づける構造的多様性という指標を導入。LLMに構造的特徴を反映した仕様を生成させ、次にその仕様を満たすテキストを生成させることで、多様性を改善することを目指しています。</a:t>
+            </a:r>
+            <a:endParaRPr sz="791"/>
+          </a:p>
+          <a:p>
+            <a:pPr indent="0" lvl="0" marL="0" rtl="0" algn="l">
+              <a:lnSpc>
+                <a:spcPct val="95000"/>
+              </a:lnSpc>
+              <a:spcBef>
+                <a:spcPts val="1200"/>
+              </a:spcBef>
+              <a:spcAft>
+                <a:spcPts val="0"/>
+              </a:spcAft>
+              <a:buNone/>
+            </a:pPr>
+            <a:r>
+              <a:t/>
+            </a:r>
+            <a:endParaRPr sz="791"/>
+          </a:p>
+          <a:p>
+            <a:pPr indent="0" lvl="0" marL="0" rtl="0" algn="l">
+              <a:lnSpc>
+                <a:spcPct val="95000"/>
+              </a:lnSpc>
+              <a:spcBef>
+                <a:spcPts val="1200"/>
+              </a:spcBef>
+              <a:spcAft>
+                <a:spcPts val="0"/>
+              </a:spcAft>
+              <a:buNone/>
+            </a:pPr>
+            <a:r>
+              <a:rPr lang="ja" sz="791"/>
+              <a:t>チェインオブスペシフィケーション（CoS）プロンプティングは、プロンプトエンジニアリングの一種で、**複数の段階を経て段階的に詳細な仕様を生成し、その仕様を満たすテキストを最終的に生成する**手法です。</a:t>
+            </a:r>
+            <a:endParaRPr sz="791"/>
+          </a:p>
+          <a:p>
+            <a:pPr indent="0" lvl="0" marL="0" rtl="0" algn="l">
+              <a:lnSpc>
+                <a:spcPct val="95000"/>
+              </a:lnSpc>
+              <a:spcBef>
+                <a:spcPts val="1200"/>
+              </a:spcBef>
+              <a:spcAft>
+                <a:spcPts val="0"/>
+              </a:spcAft>
+              <a:buNone/>
+            </a:pPr>
+            <a:r>
+              <a:t/>
+            </a:r>
+            <a:endParaRPr sz="791"/>
+          </a:p>
+          <a:p>
+            <a:pPr indent="0" lvl="0" marL="0" rtl="0" algn="l">
+              <a:lnSpc>
+                <a:spcPct val="95000"/>
+              </a:lnSpc>
+              <a:spcBef>
+                <a:spcPts val="1200"/>
+              </a:spcBef>
+              <a:spcAft>
+                <a:spcPts val="0"/>
+              </a:spcAft>
+              <a:buNone/>
+            </a:pPr>
+            <a:r>
+              <a:rPr lang="ja" sz="791"/>
+              <a:t>### 1. 高次仕様の生成</a:t>
+            </a:r>
+            <a:endParaRPr sz="791"/>
+          </a:p>
+          <a:p>
+            <a:pPr indent="0" lvl="0" marL="0" rtl="0" algn="l">
+              <a:lnSpc>
+                <a:spcPct val="95000"/>
+              </a:lnSpc>
+              <a:spcBef>
+                <a:spcPts val="1200"/>
+              </a:spcBef>
+              <a:spcAft>
+                <a:spcPts val="0"/>
+              </a:spcAft>
+              <a:buNone/>
+            </a:pPr>
+            <a:r>
+              <a:t/>
+            </a:r>
+            <a:endParaRPr sz="791"/>
+          </a:p>
+          <a:p>
+            <a:pPr indent="0" lvl="0" marL="0" rtl="0" algn="l">
+              <a:lnSpc>
+                <a:spcPct val="95000"/>
+              </a:lnSpc>
+              <a:spcBef>
+                <a:spcPts val="1200"/>
+              </a:spcBef>
+              <a:spcAft>
+                <a:spcPts val="0"/>
+              </a:spcAft>
+              <a:buNone/>
+            </a:pPr>
+            <a:r>
+              <a:rPr lang="ja" sz="791"/>
+              <a:t>まず、LLMに対して高次の抽象的な仕様を生成させます。この高次仕様は、生成されるテキストが満たすべき大まかな構造や特徴を定義します。たとえば、詩の生成では「詩のスタイル」や「テーマ」などが高次仕様に該当します。</a:t>
+            </a:r>
+            <a:endParaRPr sz="791"/>
+          </a:p>
+          <a:p>
+            <a:pPr indent="0" lvl="0" marL="0" rtl="0" algn="l">
+              <a:lnSpc>
+                <a:spcPct val="95000"/>
+              </a:lnSpc>
+              <a:spcBef>
+                <a:spcPts val="1200"/>
+              </a:spcBef>
+              <a:spcAft>
+                <a:spcPts val="0"/>
+              </a:spcAft>
+              <a:buNone/>
+            </a:pPr>
+            <a:r>
+              <a:t/>
+            </a:r>
+            <a:endParaRPr sz="791"/>
+          </a:p>
+          <a:p>
+            <a:pPr indent="0" lvl="0" marL="0" rtl="0" algn="l">
+              <a:lnSpc>
+                <a:spcPct val="95000"/>
+              </a:lnSpc>
+              <a:spcBef>
+                <a:spcPts val="1200"/>
+              </a:spcBef>
+              <a:spcAft>
+                <a:spcPts val="0"/>
+              </a:spcAft>
+              <a:buNone/>
+            </a:pPr>
+            <a:r>
+              <a:rPr lang="ja" sz="791"/>
+              <a:t>### 2. 中次仕様の生成</a:t>
+            </a:r>
+            <a:endParaRPr sz="791"/>
+          </a:p>
+          <a:p>
+            <a:pPr indent="0" lvl="0" marL="0" rtl="0" algn="l">
+              <a:lnSpc>
+                <a:spcPct val="95000"/>
+              </a:lnSpc>
+              <a:spcBef>
+                <a:spcPts val="1200"/>
+              </a:spcBef>
+              <a:spcAft>
+                <a:spcPts val="0"/>
+              </a:spcAft>
+              <a:buNone/>
+            </a:pPr>
+            <a:r>
+              <a:t/>
+            </a:r>
+            <a:endParaRPr sz="791"/>
+          </a:p>
+          <a:p>
+            <a:pPr indent="0" lvl="0" marL="0" rtl="0" algn="l">
+              <a:lnSpc>
+                <a:spcPct val="95000"/>
+              </a:lnSpc>
+              <a:spcBef>
+                <a:spcPts val="1200"/>
+              </a:spcBef>
+              <a:spcAft>
+                <a:spcPts val="0"/>
+              </a:spcAft>
+              <a:buNone/>
+            </a:pPr>
+            <a:r>
+              <a:rPr lang="ja" sz="791"/>
+              <a:t>次に、最初に生成された高次仕様を基にして、より詳細な中次の仕様を生成します。これには、具体的な要素や特徴が含まれます。詩の場合、この段階で「感情のトーン」や「イメージ」などが定義されます。</a:t>
+            </a:r>
+            <a:endParaRPr sz="791"/>
+          </a:p>
+          <a:p>
+            <a:pPr indent="0" lvl="0" marL="0" rtl="0" algn="l">
+              <a:lnSpc>
+                <a:spcPct val="95000"/>
+              </a:lnSpc>
+              <a:spcBef>
+                <a:spcPts val="1200"/>
+              </a:spcBef>
+              <a:spcAft>
+                <a:spcPts val="0"/>
+              </a:spcAft>
+              <a:buNone/>
+            </a:pPr>
+            <a:r>
+              <a:t/>
+            </a:r>
+            <a:endParaRPr sz="791"/>
+          </a:p>
+          <a:p>
+            <a:pPr indent="0" lvl="0" marL="0" rtl="0" algn="l">
+              <a:lnSpc>
+                <a:spcPct val="95000"/>
+              </a:lnSpc>
+              <a:spcBef>
+                <a:spcPts val="1200"/>
+              </a:spcBef>
+              <a:spcAft>
+                <a:spcPts val="0"/>
+              </a:spcAft>
+              <a:buNone/>
+            </a:pPr>
+            <a:r>
+              <a:rPr lang="ja" sz="791"/>
+              <a:t>### 3. 低次仕様の生成</a:t>
+            </a:r>
+            <a:endParaRPr sz="791"/>
+          </a:p>
+          <a:p>
+            <a:pPr indent="0" lvl="0" marL="0" rtl="0" algn="l">
+              <a:lnSpc>
+                <a:spcPct val="95000"/>
+              </a:lnSpc>
+              <a:spcBef>
+                <a:spcPts val="1200"/>
+              </a:spcBef>
+              <a:spcAft>
+                <a:spcPts val="0"/>
+              </a:spcAft>
+              <a:buNone/>
+            </a:pPr>
+            <a:r>
+              <a:t/>
+            </a:r>
+            <a:endParaRPr sz="791"/>
+          </a:p>
+          <a:p>
+            <a:pPr indent="0" lvl="0" marL="0" rtl="0" algn="l">
+              <a:lnSpc>
+                <a:spcPct val="95000"/>
+              </a:lnSpc>
+              <a:spcBef>
+                <a:spcPts val="1200"/>
+              </a:spcBef>
+              <a:spcAft>
+                <a:spcPts val="0"/>
+              </a:spcAft>
+              <a:buNone/>
+            </a:pPr>
+            <a:r>
+              <a:rPr lang="ja" sz="791"/>
+              <a:t>さらに詳細な低次の仕様を生成します。この段階では、テキストの具体的な形式や文体に関する仕様が生成され、これに基づいて最終的なテキストが生成されます。例えば、詩のリズムや押韻パターンなどが該当します。</a:t>
+            </a:r>
+            <a:endParaRPr sz="791"/>
+          </a:p>
+          <a:p>
+            <a:pPr indent="0" lvl="0" marL="0" rtl="0" algn="l">
+              <a:lnSpc>
+                <a:spcPct val="95000"/>
+              </a:lnSpc>
+              <a:spcBef>
+                <a:spcPts val="1200"/>
+              </a:spcBef>
+              <a:spcAft>
+                <a:spcPts val="0"/>
+              </a:spcAft>
+              <a:buNone/>
+            </a:pPr>
+            <a:r>
+              <a:t/>
+            </a:r>
+            <a:endParaRPr sz="791"/>
+          </a:p>
+          <a:p>
+            <a:pPr indent="0" lvl="0" marL="0" rtl="0" algn="l">
+              <a:lnSpc>
+                <a:spcPct val="95000"/>
+              </a:lnSpc>
+              <a:spcBef>
+                <a:spcPts val="1200"/>
+              </a:spcBef>
+              <a:spcAft>
+                <a:spcPts val="0"/>
+              </a:spcAft>
+              <a:buNone/>
+            </a:pPr>
+            <a:r>
+              <a:rPr lang="ja" sz="791"/>
+              <a:t>### 4. テキストの生成</a:t>
+            </a:r>
+            <a:endParaRPr sz="791"/>
+          </a:p>
+          <a:p>
+            <a:pPr indent="0" lvl="0" marL="0" rtl="0" algn="l">
+              <a:lnSpc>
+                <a:spcPct val="95000"/>
+              </a:lnSpc>
+              <a:spcBef>
+                <a:spcPts val="1200"/>
+              </a:spcBef>
+              <a:spcAft>
+                <a:spcPts val="0"/>
+              </a:spcAft>
+              <a:buNone/>
+            </a:pPr>
+            <a:r>
+              <a:t/>
+            </a:r>
+            <a:endParaRPr sz="791"/>
+          </a:p>
+          <a:p>
+            <a:pPr indent="0" lvl="0" marL="0" rtl="0" algn="l">
+              <a:lnSpc>
+                <a:spcPct val="95000"/>
+              </a:lnSpc>
+              <a:spcBef>
+                <a:spcPts val="1200"/>
+              </a:spcBef>
+              <a:spcAft>
+                <a:spcPts val="0"/>
+              </a:spcAft>
+              <a:buNone/>
+            </a:pPr>
+            <a:r>
+              <a:rPr lang="ja" sz="791"/>
+              <a:t>最後に、生成された低次仕様に従って、実際のテキストを生成します。このプロセスでは、仕様が細分化されることにより、生成されるテキストが特定の構造的特徴や多様性を備えるように誘導されます。</a:t>
+            </a:r>
+            <a:endParaRPr sz="791"/>
+          </a:p>
+          <a:p>
+            <a:pPr indent="0" lvl="0" marL="0" rtl="0" algn="l">
+              <a:lnSpc>
+                <a:spcPct val="95000"/>
+              </a:lnSpc>
+              <a:spcBef>
+                <a:spcPts val="1200"/>
+              </a:spcBef>
+              <a:spcAft>
+                <a:spcPts val="0"/>
+              </a:spcAft>
+              <a:buNone/>
+            </a:pPr>
+            <a:r>
+              <a:t/>
+            </a:r>
+            <a:endParaRPr sz="791"/>
+          </a:p>
+          <a:p>
+            <a:pPr indent="0" lvl="0" marL="0" rtl="0" algn="l">
+              <a:lnSpc>
+                <a:spcPct val="95000"/>
+              </a:lnSpc>
+              <a:spcBef>
+                <a:spcPts val="1200"/>
+              </a:spcBef>
+              <a:spcAft>
+                <a:spcPts val="0"/>
+              </a:spcAft>
+              <a:buNone/>
+            </a:pPr>
+            <a:r>
+              <a:rPr lang="ja" sz="791"/>
+              <a:t>### CoSプロンプティングの特徴</a:t>
+            </a:r>
+            <a:endParaRPr sz="791"/>
+          </a:p>
+          <a:p>
+            <a:pPr indent="0" lvl="0" marL="0" rtl="0" algn="l">
+              <a:lnSpc>
+                <a:spcPct val="95000"/>
+              </a:lnSpc>
+              <a:spcBef>
+                <a:spcPts val="1200"/>
+              </a:spcBef>
+              <a:spcAft>
+                <a:spcPts val="0"/>
+              </a:spcAft>
+              <a:buNone/>
+            </a:pPr>
+            <a:r>
+              <a:t/>
+            </a:r>
+            <a:endParaRPr sz="791"/>
+          </a:p>
+          <a:p>
+            <a:pPr indent="0" lvl="0" marL="0" rtl="0" algn="l">
+              <a:lnSpc>
+                <a:spcPct val="95000"/>
+              </a:lnSpc>
+              <a:spcBef>
+                <a:spcPts val="1200"/>
+              </a:spcBef>
+              <a:spcAft>
+                <a:spcPts val="0"/>
+              </a:spcAft>
+              <a:buNone/>
+            </a:pPr>
+            <a:r>
+              <a:rPr lang="ja" sz="791"/>
+              <a:t>- **段階的アプローチ**: 高次から低次へと段階的に仕様を生成することで、LLMが生成するテキストに多様性を持たせることが可能になります。</a:t>
+            </a:r>
+            <a:endParaRPr sz="791"/>
+          </a:p>
+          <a:p>
+            <a:pPr indent="0" lvl="0" marL="0" rtl="0" algn="l">
+              <a:lnSpc>
+                <a:spcPct val="95000"/>
+              </a:lnSpc>
+              <a:spcBef>
+                <a:spcPts val="1200"/>
+              </a:spcBef>
+              <a:spcAft>
+                <a:spcPts val="0"/>
+              </a:spcAft>
+              <a:buNone/>
+            </a:pPr>
+            <a:r>
+              <a:rPr lang="ja" sz="791"/>
+              <a:t>- **仕様の分離**: テキストの構造的多様性の主な源泉を、最初の高次仕様の生成に集約するため、多様性の制御がしやすくなります。</a:t>
+            </a:r>
+            <a:endParaRPr sz="791"/>
+          </a:p>
+          <a:p>
+            <a:pPr indent="0" lvl="0" marL="0" rtl="0" algn="l">
+              <a:lnSpc>
+                <a:spcPct val="95000"/>
+              </a:lnSpc>
+              <a:spcBef>
+                <a:spcPts val="1200"/>
+              </a:spcBef>
+              <a:spcAft>
+                <a:spcPts val="0"/>
+              </a:spcAft>
+              <a:buNone/>
+            </a:pPr>
+            <a:r>
+              <a:rPr lang="ja" sz="791"/>
+              <a:t>- **ブラックボックスモデルの対応**: この手法は、モデルの内部構造にアクセスできないブラックボックスモデルでも有効です。</a:t>
+            </a:r>
+            <a:endParaRPr sz="791"/>
+          </a:p>
+          <a:p>
+            <a:pPr indent="0" lvl="0" marL="0" rtl="0" algn="l">
+              <a:lnSpc>
+                <a:spcPct val="95000"/>
+              </a:lnSpc>
+              <a:spcBef>
+                <a:spcPts val="1200"/>
+              </a:spcBef>
+              <a:spcAft>
+                <a:spcPts val="0"/>
+              </a:spcAft>
+              <a:buNone/>
+            </a:pPr>
+            <a:r>
+              <a:t/>
+            </a:r>
+            <a:endParaRPr sz="791"/>
+          </a:p>
+          <a:p>
+            <a:pPr indent="0" lvl="0" marL="0" rtl="0" algn="l">
+              <a:lnSpc>
+                <a:spcPct val="95000"/>
+              </a:lnSpc>
+              <a:spcBef>
+                <a:spcPts val="1200"/>
+              </a:spcBef>
+              <a:spcAft>
+                <a:spcPts val="0"/>
+              </a:spcAft>
+              <a:buNone/>
+            </a:pPr>
+            <a:r>
+              <a:rPr lang="ja" sz="791"/>
+              <a:t>詩の生成を例にしてCoSプロンプトの流れを示します。</a:t>
+            </a:r>
+            <a:endParaRPr sz="791"/>
+          </a:p>
+          <a:p>
+            <a:pPr indent="0" lvl="0" marL="0" rtl="0" algn="l">
+              <a:lnSpc>
+                <a:spcPct val="95000"/>
+              </a:lnSpc>
+              <a:spcBef>
+                <a:spcPts val="1200"/>
+              </a:spcBef>
+              <a:spcAft>
+                <a:spcPts val="0"/>
+              </a:spcAft>
+              <a:buNone/>
+            </a:pPr>
+            <a:r>
+              <a:t/>
+            </a:r>
+            <a:endParaRPr sz="791"/>
+          </a:p>
+          <a:p>
+            <a:pPr indent="0" lvl="0" marL="0" rtl="0" algn="l">
+              <a:lnSpc>
+                <a:spcPct val="95000"/>
+              </a:lnSpc>
+              <a:spcBef>
+                <a:spcPts val="1200"/>
+              </a:spcBef>
+              <a:spcAft>
+                <a:spcPts val="0"/>
+              </a:spcAft>
+              <a:buNone/>
+            </a:pPr>
+            <a:r>
+              <a:rPr lang="ja" sz="791"/>
+              <a:t>### 1. 高次仕様の生成</a:t>
+            </a:r>
+            <a:endParaRPr sz="791"/>
+          </a:p>
+          <a:p>
+            <a:pPr indent="0" lvl="0" marL="0" rtl="0" algn="l">
+              <a:lnSpc>
+                <a:spcPct val="95000"/>
+              </a:lnSpc>
+              <a:spcBef>
+                <a:spcPts val="1200"/>
+              </a:spcBef>
+              <a:spcAft>
+                <a:spcPts val="0"/>
+              </a:spcAft>
+              <a:buNone/>
+            </a:pPr>
+            <a:r>
+              <a:t/>
+            </a:r>
+            <a:endParaRPr sz="791"/>
+          </a:p>
+          <a:p>
+            <a:pPr indent="0" lvl="0" marL="0" rtl="0" algn="l">
+              <a:lnSpc>
+                <a:spcPct val="95000"/>
+              </a:lnSpc>
+              <a:spcBef>
+                <a:spcPts val="1200"/>
+              </a:spcBef>
+              <a:spcAft>
+                <a:spcPts val="0"/>
+              </a:spcAft>
+              <a:buNone/>
+            </a:pPr>
+            <a:r>
+              <a:rPr lang="ja" sz="791"/>
+              <a:t>最初に、詩のスタイルに関する高次仕様を生成します。</a:t>
+            </a:r>
+            <a:endParaRPr sz="791"/>
+          </a:p>
+          <a:p>
+            <a:pPr indent="0" lvl="0" marL="0" rtl="0" algn="l">
+              <a:lnSpc>
+                <a:spcPct val="95000"/>
+              </a:lnSpc>
+              <a:spcBef>
+                <a:spcPts val="1200"/>
+              </a:spcBef>
+              <a:spcAft>
+                <a:spcPts val="0"/>
+              </a:spcAft>
+              <a:buNone/>
+            </a:pPr>
+            <a:r>
+              <a:t/>
+            </a:r>
+            <a:endParaRPr sz="791"/>
+          </a:p>
+          <a:p>
+            <a:pPr indent="0" lvl="0" marL="0" rtl="0" algn="l">
+              <a:lnSpc>
+                <a:spcPct val="95000"/>
+              </a:lnSpc>
+              <a:spcBef>
+                <a:spcPts val="1200"/>
+              </a:spcBef>
+              <a:spcAft>
+                <a:spcPts val="0"/>
+              </a:spcAft>
+              <a:buNone/>
+            </a:pPr>
+            <a:r>
+              <a:rPr lang="ja" sz="791"/>
+              <a:t>**プロンプト例:**</a:t>
+            </a:r>
+            <a:endParaRPr sz="791"/>
+          </a:p>
+          <a:p>
+            <a:pPr indent="0" lvl="0" marL="0" rtl="0" algn="l">
+              <a:lnSpc>
+                <a:spcPct val="95000"/>
+              </a:lnSpc>
+              <a:spcBef>
+                <a:spcPts val="1200"/>
+              </a:spcBef>
+              <a:spcAft>
+                <a:spcPts val="0"/>
+              </a:spcAft>
+              <a:buNone/>
+            </a:pPr>
+            <a:r>
+              <a:t/>
+            </a:r>
+            <a:endParaRPr sz="791"/>
+          </a:p>
+          <a:p>
+            <a:pPr indent="0" lvl="0" marL="0" rtl="0" algn="l">
+              <a:lnSpc>
+                <a:spcPct val="95000"/>
+              </a:lnSpc>
+              <a:spcBef>
+                <a:spcPts val="1200"/>
+              </a:spcBef>
+              <a:spcAft>
+                <a:spcPts val="0"/>
+              </a:spcAft>
+              <a:buNone/>
+            </a:pPr>
+            <a:r>
+              <a:rPr lang="ja" sz="791"/>
+              <a:t>```</a:t>
+            </a:r>
+            <a:endParaRPr sz="791"/>
+          </a:p>
+          <a:p>
+            <a:pPr indent="0" lvl="0" marL="0" rtl="0" algn="l">
+              <a:lnSpc>
+                <a:spcPct val="95000"/>
+              </a:lnSpc>
+              <a:spcBef>
+                <a:spcPts val="1200"/>
+              </a:spcBef>
+              <a:spcAft>
+                <a:spcPts val="0"/>
+              </a:spcAft>
+              <a:buNone/>
+            </a:pPr>
+            <a:r>
+              <a:t/>
+            </a:r>
+            <a:endParaRPr sz="791"/>
+          </a:p>
+          <a:p>
+            <a:pPr indent="0" lvl="0" marL="0" rtl="0" algn="l">
+              <a:lnSpc>
+                <a:spcPct val="95000"/>
+              </a:lnSpc>
+              <a:spcBef>
+                <a:spcPts val="1200"/>
+              </a:spcBef>
+              <a:spcAft>
+                <a:spcPts val="0"/>
+              </a:spcAft>
+              <a:buNone/>
+            </a:pPr>
+            <a:r>
+              <a:rPr lang="ja" sz="791"/>
+              <a:t>詩を作成するために、詩のスタイルを指定してください。このスタイルには、古典的な形式（例えば、ソネット、ハイク）やモダンな形式（例えば、自由詩、コンクリートポエトリー）が含まれます。</a:t>
+            </a:r>
+            <a:endParaRPr sz="791"/>
+          </a:p>
+          <a:p>
+            <a:pPr indent="0" lvl="0" marL="0" rtl="0" algn="l">
+              <a:lnSpc>
+                <a:spcPct val="95000"/>
+              </a:lnSpc>
+              <a:spcBef>
+                <a:spcPts val="1200"/>
+              </a:spcBef>
+              <a:spcAft>
+                <a:spcPts val="0"/>
+              </a:spcAft>
+              <a:buNone/>
+            </a:pPr>
+            <a:r>
+              <a:rPr lang="ja" sz="791"/>
+              <a:t>```</a:t>
+            </a:r>
+            <a:endParaRPr sz="791"/>
+          </a:p>
+          <a:p>
+            <a:pPr indent="0" lvl="0" marL="0" rtl="0" algn="l">
+              <a:lnSpc>
+                <a:spcPct val="95000"/>
+              </a:lnSpc>
+              <a:spcBef>
+                <a:spcPts val="1200"/>
+              </a:spcBef>
+              <a:spcAft>
+                <a:spcPts val="0"/>
+              </a:spcAft>
+              <a:buNone/>
+            </a:pPr>
+            <a:r>
+              <a:t/>
+            </a:r>
+            <a:endParaRPr sz="791"/>
+          </a:p>
+          <a:p>
+            <a:pPr indent="0" lvl="0" marL="0" rtl="0" algn="l">
+              <a:lnSpc>
+                <a:spcPct val="95000"/>
+              </a:lnSpc>
+              <a:spcBef>
+                <a:spcPts val="1200"/>
+              </a:spcBef>
+              <a:spcAft>
+                <a:spcPts val="0"/>
+              </a:spcAft>
+              <a:buNone/>
+            </a:pPr>
+            <a:r>
+              <a:rPr lang="ja" sz="791"/>
+              <a:t>生成例:</a:t>
+            </a:r>
+            <a:endParaRPr sz="791"/>
+          </a:p>
+          <a:p>
+            <a:pPr indent="0" lvl="0" marL="0" rtl="0" algn="l">
+              <a:lnSpc>
+                <a:spcPct val="95000"/>
+              </a:lnSpc>
+              <a:spcBef>
+                <a:spcPts val="1200"/>
+              </a:spcBef>
+              <a:spcAft>
+                <a:spcPts val="0"/>
+              </a:spcAft>
+              <a:buNone/>
+            </a:pPr>
+            <a:r>
+              <a:t/>
+            </a:r>
+            <a:endParaRPr sz="791"/>
+          </a:p>
+          <a:p>
+            <a:pPr indent="0" lvl="0" marL="0" rtl="0" algn="l">
+              <a:lnSpc>
+                <a:spcPct val="95000"/>
+              </a:lnSpc>
+              <a:spcBef>
+                <a:spcPts val="1200"/>
+              </a:spcBef>
+              <a:spcAft>
+                <a:spcPts val="0"/>
+              </a:spcAft>
+              <a:buNone/>
+            </a:pPr>
+            <a:r>
+              <a:rPr lang="ja" sz="791"/>
+              <a:t>```</a:t>
+            </a:r>
+            <a:endParaRPr sz="791"/>
+          </a:p>
+          <a:p>
+            <a:pPr indent="0" lvl="0" marL="0" rtl="0" algn="l">
+              <a:lnSpc>
+                <a:spcPct val="95000"/>
+              </a:lnSpc>
+              <a:spcBef>
+                <a:spcPts val="1200"/>
+              </a:spcBef>
+              <a:spcAft>
+                <a:spcPts val="0"/>
+              </a:spcAft>
+              <a:buNone/>
+            </a:pPr>
+            <a:r>
+              <a:rPr lang="ja" sz="791"/>
+              <a:t>スタイル: ソネット</a:t>
+            </a:r>
+            <a:endParaRPr sz="791"/>
+          </a:p>
+          <a:p>
+            <a:pPr indent="0" lvl="0" marL="0" rtl="0" algn="l">
+              <a:lnSpc>
+                <a:spcPct val="95000"/>
+              </a:lnSpc>
+              <a:spcBef>
+                <a:spcPts val="1200"/>
+              </a:spcBef>
+              <a:spcAft>
+                <a:spcPts val="0"/>
+              </a:spcAft>
+              <a:buNone/>
+            </a:pPr>
+            <a:r>
+              <a:rPr lang="ja" sz="791"/>
+              <a:t>```</a:t>
+            </a:r>
+            <a:endParaRPr sz="791"/>
+          </a:p>
+          <a:p>
+            <a:pPr indent="0" lvl="0" marL="0" rtl="0" algn="l">
+              <a:lnSpc>
+                <a:spcPct val="95000"/>
+              </a:lnSpc>
+              <a:spcBef>
+                <a:spcPts val="1200"/>
+              </a:spcBef>
+              <a:spcAft>
+                <a:spcPts val="0"/>
+              </a:spcAft>
+              <a:buNone/>
+            </a:pPr>
+            <a:r>
+              <a:t/>
+            </a:r>
+            <a:endParaRPr sz="791"/>
+          </a:p>
+          <a:p>
+            <a:pPr indent="0" lvl="0" marL="0" rtl="0" algn="l">
+              <a:lnSpc>
+                <a:spcPct val="95000"/>
+              </a:lnSpc>
+              <a:spcBef>
+                <a:spcPts val="1200"/>
+              </a:spcBef>
+              <a:spcAft>
+                <a:spcPts val="0"/>
+              </a:spcAft>
+              <a:buNone/>
+            </a:pPr>
+            <a:r>
+              <a:rPr lang="ja" sz="791"/>
+              <a:t>### 2. 中次仕様の生成</a:t>
+            </a:r>
+            <a:endParaRPr sz="791"/>
+          </a:p>
+          <a:p>
+            <a:pPr indent="0" lvl="0" marL="0" rtl="0" algn="l">
+              <a:lnSpc>
+                <a:spcPct val="95000"/>
+              </a:lnSpc>
+              <a:spcBef>
+                <a:spcPts val="1200"/>
+              </a:spcBef>
+              <a:spcAft>
+                <a:spcPts val="0"/>
+              </a:spcAft>
+              <a:buNone/>
+            </a:pPr>
+            <a:r>
+              <a:t/>
+            </a:r>
+            <a:endParaRPr sz="791"/>
+          </a:p>
+          <a:p>
+            <a:pPr indent="0" lvl="0" marL="0" rtl="0" algn="l">
+              <a:lnSpc>
+                <a:spcPct val="95000"/>
+              </a:lnSpc>
+              <a:spcBef>
+                <a:spcPts val="1200"/>
+              </a:spcBef>
+              <a:spcAft>
+                <a:spcPts val="0"/>
+              </a:spcAft>
+              <a:buNone/>
+            </a:pPr>
+            <a:r>
+              <a:rPr lang="ja" sz="791"/>
+              <a:t>次に、選ばれた詩のスタイルに基づいて、テーマや感情のトーンなどの中次仕様を生成します。</a:t>
+            </a:r>
+            <a:endParaRPr sz="791"/>
+          </a:p>
+          <a:p>
+            <a:pPr indent="0" lvl="0" marL="0" rtl="0" algn="l">
+              <a:lnSpc>
+                <a:spcPct val="95000"/>
+              </a:lnSpc>
+              <a:spcBef>
+                <a:spcPts val="1200"/>
+              </a:spcBef>
+              <a:spcAft>
+                <a:spcPts val="0"/>
+              </a:spcAft>
+              <a:buNone/>
+            </a:pPr>
+            <a:r>
+              <a:t/>
+            </a:r>
+            <a:endParaRPr sz="791"/>
+          </a:p>
+          <a:p>
+            <a:pPr indent="0" lvl="0" marL="0" rtl="0" algn="l">
+              <a:lnSpc>
+                <a:spcPct val="95000"/>
+              </a:lnSpc>
+              <a:spcBef>
+                <a:spcPts val="1200"/>
+              </a:spcBef>
+              <a:spcAft>
+                <a:spcPts val="0"/>
+              </a:spcAft>
+              <a:buNone/>
+            </a:pPr>
+            <a:r>
+              <a:rPr lang="ja" sz="791"/>
+              <a:t>**プロンプト例:**</a:t>
+            </a:r>
+            <a:endParaRPr sz="791"/>
+          </a:p>
+          <a:p>
+            <a:pPr indent="0" lvl="0" marL="0" rtl="0" algn="l">
+              <a:lnSpc>
+                <a:spcPct val="95000"/>
+              </a:lnSpc>
+              <a:spcBef>
+                <a:spcPts val="1200"/>
+              </a:spcBef>
+              <a:spcAft>
+                <a:spcPts val="0"/>
+              </a:spcAft>
+              <a:buNone/>
+            </a:pPr>
+            <a:r>
+              <a:t/>
+            </a:r>
+            <a:endParaRPr sz="791"/>
+          </a:p>
+          <a:p>
+            <a:pPr indent="0" lvl="0" marL="0" rtl="0" algn="l">
+              <a:lnSpc>
+                <a:spcPct val="95000"/>
+              </a:lnSpc>
+              <a:spcBef>
+                <a:spcPts val="1200"/>
+              </a:spcBef>
+              <a:spcAft>
+                <a:spcPts val="0"/>
+              </a:spcAft>
+              <a:buNone/>
+            </a:pPr>
+            <a:r>
+              <a:rPr lang="ja" sz="791"/>
+              <a:t>```</a:t>
+            </a:r>
+            <a:endParaRPr sz="791"/>
+          </a:p>
+          <a:p>
+            <a:pPr indent="0" lvl="0" marL="0" rtl="0" algn="l">
+              <a:lnSpc>
+                <a:spcPct val="95000"/>
+              </a:lnSpc>
+              <a:spcBef>
+                <a:spcPts val="1200"/>
+              </a:spcBef>
+              <a:spcAft>
+                <a:spcPts val="0"/>
+              </a:spcAft>
+              <a:buNone/>
+            </a:pPr>
+            <a:r>
+              <a:rPr lang="ja" sz="791"/>
+              <a:t>"ソネット"のスタイルを使って、詩のテーマを指定してください。また、詩全体の感情のトーン（例えば、悲しみ、喜び、怒り）も指定してください。</a:t>
+            </a:r>
+            <a:endParaRPr sz="791"/>
+          </a:p>
+          <a:p>
+            <a:pPr indent="0" lvl="0" marL="0" rtl="0" algn="l">
+              <a:lnSpc>
+                <a:spcPct val="95000"/>
+              </a:lnSpc>
+              <a:spcBef>
+                <a:spcPts val="1200"/>
+              </a:spcBef>
+              <a:spcAft>
+                <a:spcPts val="0"/>
+              </a:spcAft>
+              <a:buNone/>
+            </a:pPr>
+            <a:r>
+              <a:rPr lang="ja" sz="791"/>
+              <a:t>```</a:t>
+            </a:r>
+            <a:endParaRPr sz="791"/>
+          </a:p>
+          <a:p>
+            <a:pPr indent="0" lvl="0" marL="0" rtl="0" algn="l">
+              <a:lnSpc>
+                <a:spcPct val="95000"/>
+              </a:lnSpc>
+              <a:spcBef>
+                <a:spcPts val="1200"/>
+              </a:spcBef>
+              <a:spcAft>
+                <a:spcPts val="0"/>
+              </a:spcAft>
+              <a:buNone/>
+            </a:pPr>
+            <a:r>
+              <a:t/>
+            </a:r>
+            <a:endParaRPr sz="791"/>
+          </a:p>
+          <a:p>
+            <a:pPr indent="0" lvl="0" marL="0" rtl="0" algn="l">
+              <a:lnSpc>
+                <a:spcPct val="95000"/>
+              </a:lnSpc>
+              <a:spcBef>
+                <a:spcPts val="1200"/>
+              </a:spcBef>
+              <a:spcAft>
+                <a:spcPts val="0"/>
+              </a:spcAft>
+              <a:buNone/>
+            </a:pPr>
+            <a:r>
+              <a:rPr lang="ja" sz="791"/>
+              <a:t>生成例:</a:t>
+            </a:r>
+            <a:endParaRPr sz="791"/>
+          </a:p>
+          <a:p>
+            <a:pPr indent="0" lvl="0" marL="0" rtl="0" algn="l">
+              <a:lnSpc>
+                <a:spcPct val="95000"/>
+              </a:lnSpc>
+              <a:spcBef>
+                <a:spcPts val="1200"/>
+              </a:spcBef>
+              <a:spcAft>
+                <a:spcPts val="0"/>
+              </a:spcAft>
+              <a:buNone/>
+            </a:pPr>
+            <a:r>
+              <a:t/>
+            </a:r>
+            <a:endParaRPr sz="791"/>
+          </a:p>
+          <a:p>
+            <a:pPr indent="0" lvl="0" marL="0" rtl="0" algn="l">
+              <a:lnSpc>
+                <a:spcPct val="95000"/>
+              </a:lnSpc>
+              <a:spcBef>
+                <a:spcPts val="1200"/>
+              </a:spcBef>
+              <a:spcAft>
+                <a:spcPts val="0"/>
+              </a:spcAft>
+              <a:buNone/>
+            </a:pPr>
+            <a:r>
+              <a:rPr lang="ja" sz="791"/>
+              <a:t>```</a:t>
+            </a:r>
+            <a:endParaRPr sz="791"/>
+          </a:p>
+          <a:p>
+            <a:pPr indent="0" lvl="0" marL="0" rtl="0" algn="l">
+              <a:lnSpc>
+                <a:spcPct val="95000"/>
+              </a:lnSpc>
+              <a:spcBef>
+                <a:spcPts val="1200"/>
+              </a:spcBef>
+              <a:spcAft>
+                <a:spcPts val="0"/>
+              </a:spcAft>
+              <a:buNone/>
+            </a:pPr>
+            <a:r>
+              <a:rPr lang="ja" sz="791"/>
+              <a:t>テーマ: 失われた愛</a:t>
+            </a:r>
+            <a:endParaRPr sz="791"/>
+          </a:p>
+          <a:p>
+            <a:pPr indent="0" lvl="0" marL="0" rtl="0" algn="l">
+              <a:lnSpc>
+                <a:spcPct val="95000"/>
+              </a:lnSpc>
+              <a:spcBef>
+                <a:spcPts val="1200"/>
+              </a:spcBef>
+              <a:spcAft>
+                <a:spcPts val="0"/>
+              </a:spcAft>
+              <a:buNone/>
+            </a:pPr>
+            <a:r>
+              <a:rPr lang="ja" sz="791"/>
+              <a:t>トーン: 悲しみ</a:t>
+            </a:r>
+            <a:endParaRPr sz="791"/>
+          </a:p>
+          <a:p>
+            <a:pPr indent="0" lvl="0" marL="0" rtl="0" algn="l">
+              <a:lnSpc>
+                <a:spcPct val="95000"/>
+              </a:lnSpc>
+              <a:spcBef>
+                <a:spcPts val="1200"/>
+              </a:spcBef>
+              <a:spcAft>
+                <a:spcPts val="0"/>
+              </a:spcAft>
+              <a:buNone/>
+            </a:pPr>
+            <a:r>
+              <a:rPr lang="ja" sz="791"/>
+              <a:t>```</a:t>
+            </a:r>
+            <a:endParaRPr sz="791"/>
+          </a:p>
+          <a:p>
+            <a:pPr indent="0" lvl="0" marL="0" rtl="0" algn="l">
+              <a:lnSpc>
+                <a:spcPct val="95000"/>
+              </a:lnSpc>
+              <a:spcBef>
+                <a:spcPts val="1200"/>
+              </a:spcBef>
+              <a:spcAft>
+                <a:spcPts val="0"/>
+              </a:spcAft>
+              <a:buNone/>
+            </a:pPr>
+            <a:r>
+              <a:t/>
+            </a:r>
+            <a:endParaRPr sz="791"/>
+          </a:p>
+          <a:p>
+            <a:pPr indent="0" lvl="0" marL="0" rtl="0" algn="l">
+              <a:lnSpc>
+                <a:spcPct val="95000"/>
+              </a:lnSpc>
+              <a:spcBef>
+                <a:spcPts val="1200"/>
+              </a:spcBef>
+              <a:spcAft>
+                <a:spcPts val="0"/>
+              </a:spcAft>
+              <a:buNone/>
+            </a:pPr>
+            <a:r>
+              <a:rPr lang="ja" sz="791"/>
+              <a:t>### 3. 低次仕様の生成</a:t>
+            </a:r>
+            <a:endParaRPr sz="791"/>
+          </a:p>
+          <a:p>
+            <a:pPr indent="0" lvl="0" marL="0" rtl="0" algn="l">
+              <a:lnSpc>
+                <a:spcPct val="95000"/>
+              </a:lnSpc>
+              <a:spcBef>
+                <a:spcPts val="1200"/>
+              </a:spcBef>
+              <a:spcAft>
+                <a:spcPts val="0"/>
+              </a:spcAft>
+              <a:buNone/>
+            </a:pPr>
+            <a:r>
+              <a:t/>
+            </a:r>
+            <a:endParaRPr sz="791"/>
+          </a:p>
+          <a:p>
+            <a:pPr indent="0" lvl="0" marL="0" rtl="0" algn="l">
+              <a:lnSpc>
+                <a:spcPct val="95000"/>
+              </a:lnSpc>
+              <a:spcBef>
+                <a:spcPts val="1200"/>
+              </a:spcBef>
+              <a:spcAft>
+                <a:spcPts val="0"/>
+              </a:spcAft>
+              <a:buNone/>
+            </a:pPr>
+            <a:r>
+              <a:rPr lang="ja" sz="791"/>
+              <a:t>その後、テーマと感情に基づいて、詩の具体的なイメージや表現に関する低次仕様を生成します。</a:t>
+            </a:r>
+            <a:endParaRPr sz="791"/>
+          </a:p>
+          <a:p>
+            <a:pPr indent="0" lvl="0" marL="0" rtl="0" algn="l">
+              <a:lnSpc>
+                <a:spcPct val="95000"/>
+              </a:lnSpc>
+              <a:spcBef>
+                <a:spcPts val="1200"/>
+              </a:spcBef>
+              <a:spcAft>
+                <a:spcPts val="0"/>
+              </a:spcAft>
+              <a:buNone/>
+            </a:pPr>
+            <a:r>
+              <a:t/>
+            </a:r>
+            <a:endParaRPr sz="791"/>
+          </a:p>
+          <a:p>
+            <a:pPr indent="0" lvl="0" marL="0" rtl="0" algn="l">
+              <a:lnSpc>
+                <a:spcPct val="95000"/>
+              </a:lnSpc>
+              <a:spcBef>
+                <a:spcPts val="1200"/>
+              </a:spcBef>
+              <a:spcAft>
+                <a:spcPts val="0"/>
+              </a:spcAft>
+              <a:buNone/>
+            </a:pPr>
+            <a:r>
+              <a:rPr lang="ja" sz="791"/>
+              <a:t>**プロンプト例:**</a:t>
+            </a:r>
+            <a:endParaRPr sz="791"/>
+          </a:p>
+          <a:p>
+            <a:pPr indent="0" lvl="0" marL="0" rtl="0" algn="l">
+              <a:lnSpc>
+                <a:spcPct val="95000"/>
+              </a:lnSpc>
+              <a:spcBef>
+                <a:spcPts val="1200"/>
+              </a:spcBef>
+              <a:spcAft>
+                <a:spcPts val="0"/>
+              </a:spcAft>
+              <a:buNone/>
+            </a:pPr>
+            <a:r>
+              <a:t/>
+            </a:r>
+            <a:endParaRPr sz="791"/>
+          </a:p>
+          <a:p>
+            <a:pPr indent="0" lvl="0" marL="0" rtl="0" algn="l">
+              <a:lnSpc>
+                <a:spcPct val="95000"/>
+              </a:lnSpc>
+              <a:spcBef>
+                <a:spcPts val="1200"/>
+              </a:spcBef>
+              <a:spcAft>
+                <a:spcPts val="0"/>
+              </a:spcAft>
+              <a:buNone/>
+            </a:pPr>
+            <a:r>
+              <a:rPr lang="ja" sz="791"/>
+              <a:t>```</a:t>
+            </a:r>
+            <a:endParaRPr sz="791"/>
+          </a:p>
+          <a:p>
+            <a:pPr indent="0" lvl="0" marL="0" rtl="0" algn="l">
+              <a:lnSpc>
+                <a:spcPct val="95000"/>
+              </a:lnSpc>
+              <a:spcBef>
+                <a:spcPts val="1200"/>
+              </a:spcBef>
+              <a:spcAft>
+                <a:spcPts val="0"/>
+              </a:spcAft>
+              <a:buNone/>
+            </a:pPr>
+            <a:r>
+              <a:rPr lang="ja" sz="791"/>
+              <a:t>"失われた愛"というテーマと"悲しみ"のトーンに基づいて、詩に含めるべき具体的なイメージや表現を指定してください。</a:t>
+            </a:r>
+            <a:endParaRPr sz="791"/>
+          </a:p>
+          <a:p>
+            <a:pPr indent="0" lvl="0" marL="0" rtl="0" algn="l">
+              <a:lnSpc>
+                <a:spcPct val="95000"/>
+              </a:lnSpc>
+              <a:spcBef>
+                <a:spcPts val="1200"/>
+              </a:spcBef>
+              <a:spcAft>
+                <a:spcPts val="0"/>
+              </a:spcAft>
+              <a:buNone/>
+            </a:pPr>
+            <a:r>
+              <a:rPr lang="ja" sz="791"/>
+              <a:t>```</a:t>
+            </a:r>
+            <a:endParaRPr sz="791"/>
+          </a:p>
+          <a:p>
+            <a:pPr indent="0" lvl="0" marL="0" rtl="0" algn="l">
+              <a:lnSpc>
+                <a:spcPct val="95000"/>
+              </a:lnSpc>
+              <a:spcBef>
+                <a:spcPts val="1200"/>
+              </a:spcBef>
+              <a:spcAft>
+                <a:spcPts val="0"/>
+              </a:spcAft>
+              <a:buNone/>
+            </a:pPr>
+            <a:r>
+              <a:t/>
+            </a:r>
+            <a:endParaRPr sz="791"/>
+          </a:p>
+          <a:p>
+            <a:pPr indent="0" lvl="0" marL="0" rtl="0" algn="l">
+              <a:lnSpc>
+                <a:spcPct val="95000"/>
+              </a:lnSpc>
+              <a:spcBef>
+                <a:spcPts val="1200"/>
+              </a:spcBef>
+              <a:spcAft>
+                <a:spcPts val="0"/>
+              </a:spcAft>
+              <a:buNone/>
+            </a:pPr>
+            <a:r>
+              <a:rPr lang="ja" sz="791"/>
+              <a:t>生成例:</a:t>
+            </a:r>
+            <a:endParaRPr sz="791"/>
+          </a:p>
+          <a:p>
+            <a:pPr indent="0" lvl="0" marL="0" rtl="0" algn="l">
+              <a:lnSpc>
+                <a:spcPct val="95000"/>
+              </a:lnSpc>
+              <a:spcBef>
+                <a:spcPts val="1200"/>
+              </a:spcBef>
+              <a:spcAft>
+                <a:spcPts val="0"/>
+              </a:spcAft>
+              <a:buNone/>
+            </a:pPr>
+            <a:r>
+              <a:t/>
+            </a:r>
+            <a:endParaRPr sz="791"/>
+          </a:p>
+          <a:p>
+            <a:pPr indent="0" lvl="0" marL="0" rtl="0" algn="l">
+              <a:lnSpc>
+                <a:spcPct val="95000"/>
+              </a:lnSpc>
+              <a:spcBef>
+                <a:spcPts val="1200"/>
+              </a:spcBef>
+              <a:spcAft>
+                <a:spcPts val="0"/>
+              </a:spcAft>
+              <a:buNone/>
+            </a:pPr>
+            <a:r>
+              <a:rPr lang="ja" sz="791"/>
+              <a:t>```</a:t>
+            </a:r>
+            <a:endParaRPr sz="791"/>
+          </a:p>
+          <a:p>
+            <a:pPr indent="0" lvl="0" marL="0" rtl="0" algn="l">
+              <a:lnSpc>
+                <a:spcPct val="95000"/>
+              </a:lnSpc>
+              <a:spcBef>
+                <a:spcPts val="1200"/>
+              </a:spcBef>
+              <a:spcAft>
+                <a:spcPts val="0"/>
+              </a:spcAft>
+              <a:buNone/>
+            </a:pPr>
+            <a:r>
+              <a:rPr lang="ja" sz="791"/>
+              <a:t>イメージ: 落ちる枯れ葉、曇り空、静かな波</a:t>
+            </a:r>
+            <a:endParaRPr sz="791"/>
+          </a:p>
+          <a:p>
+            <a:pPr indent="0" lvl="0" marL="0" rtl="0" algn="l">
+              <a:lnSpc>
+                <a:spcPct val="95000"/>
+              </a:lnSpc>
+              <a:spcBef>
+                <a:spcPts val="1200"/>
+              </a:spcBef>
+              <a:spcAft>
+                <a:spcPts val="0"/>
+              </a:spcAft>
+              <a:buNone/>
+            </a:pPr>
+            <a:r>
+              <a:rPr lang="ja" sz="791"/>
+              <a:t>```</a:t>
+            </a:r>
+            <a:endParaRPr sz="791"/>
+          </a:p>
+          <a:p>
+            <a:pPr indent="0" lvl="0" marL="0" rtl="0" algn="l">
+              <a:lnSpc>
+                <a:spcPct val="95000"/>
+              </a:lnSpc>
+              <a:spcBef>
+                <a:spcPts val="1200"/>
+              </a:spcBef>
+              <a:spcAft>
+                <a:spcPts val="0"/>
+              </a:spcAft>
+              <a:buNone/>
+            </a:pPr>
+            <a:r>
+              <a:t/>
+            </a:r>
+            <a:endParaRPr sz="791"/>
+          </a:p>
+          <a:p>
+            <a:pPr indent="0" lvl="0" marL="0" rtl="0" algn="l">
+              <a:lnSpc>
+                <a:spcPct val="95000"/>
+              </a:lnSpc>
+              <a:spcBef>
+                <a:spcPts val="1200"/>
+              </a:spcBef>
+              <a:spcAft>
+                <a:spcPts val="0"/>
+              </a:spcAft>
+              <a:buNone/>
+            </a:pPr>
+            <a:r>
+              <a:rPr lang="ja" sz="791"/>
+              <a:t>### 4. テキストの生成</a:t>
+            </a:r>
+            <a:endParaRPr sz="791"/>
+          </a:p>
+          <a:p>
+            <a:pPr indent="0" lvl="0" marL="0" rtl="0" algn="l">
+              <a:lnSpc>
+                <a:spcPct val="95000"/>
+              </a:lnSpc>
+              <a:spcBef>
+                <a:spcPts val="1200"/>
+              </a:spcBef>
+              <a:spcAft>
+                <a:spcPts val="0"/>
+              </a:spcAft>
+              <a:buNone/>
+            </a:pPr>
+            <a:r>
+              <a:t/>
+            </a:r>
+            <a:endParaRPr sz="791"/>
+          </a:p>
+          <a:p>
+            <a:pPr indent="0" lvl="0" marL="0" rtl="0" algn="l">
+              <a:lnSpc>
+                <a:spcPct val="95000"/>
+              </a:lnSpc>
+              <a:spcBef>
+                <a:spcPts val="1200"/>
+              </a:spcBef>
+              <a:spcAft>
+                <a:spcPts val="0"/>
+              </a:spcAft>
+              <a:buNone/>
+            </a:pPr>
+            <a:r>
+              <a:rPr lang="ja" sz="791"/>
+              <a:t>最後に、すべての仕様を統合し、詩を生成します。</a:t>
+            </a:r>
+            <a:endParaRPr sz="791"/>
+          </a:p>
+          <a:p>
+            <a:pPr indent="0" lvl="0" marL="0" rtl="0" algn="l">
+              <a:lnSpc>
+                <a:spcPct val="95000"/>
+              </a:lnSpc>
+              <a:spcBef>
+                <a:spcPts val="1200"/>
+              </a:spcBef>
+              <a:spcAft>
+                <a:spcPts val="0"/>
+              </a:spcAft>
+              <a:buNone/>
+            </a:pPr>
+            <a:r>
+              <a:t/>
+            </a:r>
+            <a:endParaRPr sz="791"/>
+          </a:p>
+          <a:p>
+            <a:pPr indent="0" lvl="0" marL="0" rtl="0" algn="l">
+              <a:lnSpc>
+                <a:spcPct val="95000"/>
+              </a:lnSpc>
+              <a:spcBef>
+                <a:spcPts val="1200"/>
+              </a:spcBef>
+              <a:spcAft>
+                <a:spcPts val="0"/>
+              </a:spcAft>
+              <a:buNone/>
+            </a:pPr>
+            <a:r>
+              <a:rPr lang="ja" sz="791"/>
+              <a:t>**プロンプト例:**</a:t>
+            </a:r>
+            <a:endParaRPr sz="791"/>
+          </a:p>
+          <a:p>
+            <a:pPr indent="0" lvl="0" marL="0" rtl="0" algn="l">
+              <a:lnSpc>
+                <a:spcPct val="95000"/>
+              </a:lnSpc>
+              <a:spcBef>
+                <a:spcPts val="1200"/>
+              </a:spcBef>
+              <a:spcAft>
+                <a:spcPts val="0"/>
+              </a:spcAft>
+              <a:buNone/>
+            </a:pPr>
+            <a:r>
+              <a:t/>
+            </a:r>
+            <a:endParaRPr sz="791"/>
+          </a:p>
+          <a:p>
+            <a:pPr indent="0" lvl="0" marL="0" rtl="0" algn="l">
+              <a:lnSpc>
+                <a:spcPct val="95000"/>
+              </a:lnSpc>
+              <a:spcBef>
+                <a:spcPts val="1200"/>
+              </a:spcBef>
+              <a:spcAft>
+                <a:spcPts val="0"/>
+              </a:spcAft>
+              <a:buNone/>
+            </a:pPr>
+            <a:r>
+              <a:rPr lang="ja" sz="791"/>
+              <a:t>```</a:t>
+            </a:r>
+            <a:endParaRPr sz="791"/>
+          </a:p>
+          <a:p>
+            <a:pPr indent="0" lvl="0" marL="0" rtl="0" algn="l">
+              <a:lnSpc>
+                <a:spcPct val="95000"/>
+              </a:lnSpc>
+              <a:spcBef>
+                <a:spcPts val="1200"/>
+              </a:spcBef>
+              <a:spcAft>
+                <a:spcPts val="0"/>
+              </a:spcAft>
+              <a:buNone/>
+            </a:pPr>
+            <a:r>
+              <a:rPr lang="ja" sz="791"/>
+              <a:t>以下の仕様に基づいてソネットを作成してください:</a:t>
+            </a:r>
+            <a:endParaRPr sz="791"/>
+          </a:p>
+          <a:p>
+            <a:pPr indent="0" lvl="0" marL="0" rtl="0" algn="l">
+              <a:lnSpc>
+                <a:spcPct val="95000"/>
+              </a:lnSpc>
+              <a:spcBef>
+                <a:spcPts val="1200"/>
+              </a:spcBef>
+              <a:spcAft>
+                <a:spcPts val="0"/>
+              </a:spcAft>
+              <a:buNone/>
+            </a:pPr>
+            <a:r>
+              <a:rPr lang="ja" sz="791"/>
+              <a:t>- スタイル: ソネット</a:t>
+            </a:r>
+            <a:endParaRPr sz="791"/>
+          </a:p>
+          <a:p>
+            <a:pPr indent="0" lvl="0" marL="0" rtl="0" algn="l">
+              <a:lnSpc>
+                <a:spcPct val="95000"/>
+              </a:lnSpc>
+              <a:spcBef>
+                <a:spcPts val="1200"/>
+              </a:spcBef>
+              <a:spcAft>
+                <a:spcPts val="0"/>
+              </a:spcAft>
+              <a:buNone/>
+            </a:pPr>
+            <a:r>
+              <a:rPr lang="ja" sz="791"/>
+              <a:t>- テーマ: 失われた愛</a:t>
+            </a:r>
+            <a:endParaRPr sz="791"/>
+          </a:p>
+          <a:p>
+            <a:pPr indent="0" lvl="0" marL="0" rtl="0" algn="l">
+              <a:lnSpc>
+                <a:spcPct val="95000"/>
+              </a:lnSpc>
+              <a:spcBef>
+                <a:spcPts val="1200"/>
+              </a:spcBef>
+              <a:spcAft>
+                <a:spcPts val="0"/>
+              </a:spcAft>
+              <a:buNone/>
+            </a:pPr>
+            <a:r>
+              <a:rPr lang="ja" sz="791"/>
+              <a:t>- トーン: 悲しみ</a:t>
+            </a:r>
+            <a:endParaRPr sz="791"/>
+          </a:p>
+          <a:p>
+            <a:pPr indent="0" lvl="0" marL="0" rtl="0" algn="l">
+              <a:lnSpc>
+                <a:spcPct val="95000"/>
+              </a:lnSpc>
+              <a:spcBef>
+                <a:spcPts val="1200"/>
+              </a:spcBef>
+              <a:spcAft>
+                <a:spcPts val="0"/>
+              </a:spcAft>
+              <a:buNone/>
+            </a:pPr>
+            <a:r>
+              <a:rPr lang="ja" sz="791"/>
+              <a:t>- イメージ: 落ちる枯れ葉、曇り空、静かな波</a:t>
+            </a:r>
+            <a:endParaRPr sz="791"/>
+          </a:p>
+          <a:p>
+            <a:pPr indent="0" lvl="0" marL="0" rtl="0" algn="l">
+              <a:lnSpc>
+                <a:spcPct val="95000"/>
+              </a:lnSpc>
+              <a:spcBef>
+                <a:spcPts val="1200"/>
+              </a:spcBef>
+              <a:spcAft>
+                <a:spcPts val="0"/>
+              </a:spcAft>
+              <a:buNone/>
+            </a:pPr>
+            <a:r>
+              <a:rPr lang="ja" sz="791"/>
+              <a:t>```</a:t>
+            </a:r>
+            <a:endParaRPr sz="791"/>
+          </a:p>
+          <a:p>
+            <a:pPr indent="0" lvl="0" marL="0" rtl="0" algn="l">
+              <a:lnSpc>
+                <a:spcPct val="95000"/>
+              </a:lnSpc>
+              <a:spcBef>
+                <a:spcPts val="1200"/>
+              </a:spcBef>
+              <a:spcAft>
+                <a:spcPts val="0"/>
+              </a:spcAft>
+              <a:buNone/>
+            </a:pPr>
+            <a:r>
+              <a:t/>
+            </a:r>
+            <a:endParaRPr sz="791"/>
+          </a:p>
+          <a:p>
+            <a:pPr indent="0" lvl="0" marL="0" rtl="0" algn="l">
+              <a:lnSpc>
+                <a:spcPct val="95000"/>
+              </a:lnSpc>
+              <a:spcBef>
+                <a:spcPts val="1200"/>
+              </a:spcBef>
+              <a:spcAft>
+                <a:spcPts val="0"/>
+              </a:spcAft>
+              <a:buNone/>
+            </a:pPr>
+            <a:r>
+              <a:rPr lang="ja" sz="791"/>
+              <a:t>生成例:</a:t>
+            </a:r>
+            <a:endParaRPr sz="791"/>
+          </a:p>
+          <a:p>
+            <a:pPr indent="0" lvl="0" marL="0" rtl="0" algn="l">
+              <a:lnSpc>
+                <a:spcPct val="95000"/>
+              </a:lnSpc>
+              <a:spcBef>
+                <a:spcPts val="1200"/>
+              </a:spcBef>
+              <a:spcAft>
+                <a:spcPts val="0"/>
+              </a:spcAft>
+              <a:buNone/>
+            </a:pPr>
+            <a:r>
+              <a:t/>
+            </a:r>
+            <a:endParaRPr sz="791"/>
+          </a:p>
+          <a:p>
+            <a:pPr indent="0" lvl="0" marL="0" rtl="0" algn="l">
+              <a:lnSpc>
+                <a:spcPct val="95000"/>
+              </a:lnSpc>
+              <a:spcBef>
+                <a:spcPts val="1200"/>
+              </a:spcBef>
+              <a:spcAft>
+                <a:spcPts val="0"/>
+              </a:spcAft>
+              <a:buNone/>
+            </a:pPr>
+            <a:r>
+              <a:rPr lang="ja" sz="791"/>
+              <a:t>```</a:t>
+            </a:r>
+            <a:endParaRPr sz="791"/>
+          </a:p>
+          <a:p>
+            <a:pPr indent="0" lvl="0" marL="0" rtl="0" algn="l">
+              <a:lnSpc>
+                <a:spcPct val="95000"/>
+              </a:lnSpc>
+              <a:spcBef>
+                <a:spcPts val="1200"/>
+              </a:spcBef>
+              <a:spcAft>
+                <a:spcPts val="0"/>
+              </a:spcAft>
+              <a:buNone/>
+            </a:pPr>
+            <a:r>
+              <a:rPr lang="ja" sz="791"/>
+              <a:t>秋の風に舞う枯れ葉たち</a:t>
+            </a:r>
+            <a:endParaRPr sz="791"/>
+          </a:p>
+          <a:p>
+            <a:pPr indent="0" lvl="0" marL="0" rtl="0" algn="l">
+              <a:lnSpc>
+                <a:spcPct val="95000"/>
+              </a:lnSpc>
+              <a:spcBef>
+                <a:spcPts val="1200"/>
+              </a:spcBef>
+              <a:spcAft>
+                <a:spcPts val="0"/>
+              </a:spcAft>
+              <a:buNone/>
+            </a:pPr>
+            <a:r>
+              <a:rPr lang="ja" sz="791"/>
+              <a:t>愛の終わりを告げるように</a:t>
+            </a:r>
+            <a:endParaRPr sz="791"/>
+          </a:p>
+          <a:p>
+            <a:pPr indent="0" lvl="0" marL="0" rtl="0" algn="l">
+              <a:lnSpc>
+                <a:spcPct val="95000"/>
+              </a:lnSpc>
+              <a:spcBef>
+                <a:spcPts val="1200"/>
+              </a:spcBef>
+              <a:spcAft>
+                <a:spcPts val="0"/>
+              </a:spcAft>
+              <a:buNone/>
+            </a:pPr>
+            <a:r>
+              <a:rPr lang="ja" sz="791"/>
+              <a:t>静かな波が岸を叩き</a:t>
+            </a:r>
+            <a:endParaRPr sz="791"/>
+          </a:p>
+          <a:p>
+            <a:pPr indent="0" lvl="0" marL="0" rtl="0" algn="l">
+              <a:lnSpc>
+                <a:spcPct val="95000"/>
+              </a:lnSpc>
+              <a:spcBef>
+                <a:spcPts val="1200"/>
+              </a:spcBef>
+              <a:spcAft>
+                <a:spcPts val="0"/>
+              </a:spcAft>
+              <a:buNone/>
+            </a:pPr>
+            <a:r>
+              <a:rPr lang="ja" sz="791"/>
+              <a:t>過ぎ去りし日々を思い出す</a:t>
+            </a:r>
+            <a:endParaRPr sz="791"/>
+          </a:p>
+          <a:p>
+            <a:pPr indent="0" lvl="0" marL="0" rtl="0" algn="l">
+              <a:lnSpc>
+                <a:spcPct val="95000"/>
+              </a:lnSpc>
+              <a:spcBef>
+                <a:spcPts val="1200"/>
+              </a:spcBef>
+              <a:spcAft>
+                <a:spcPts val="0"/>
+              </a:spcAft>
+              <a:buNone/>
+            </a:pPr>
+            <a:r>
+              <a:t/>
+            </a:r>
+            <a:endParaRPr sz="791"/>
+          </a:p>
+          <a:p>
+            <a:pPr indent="0" lvl="0" marL="0" rtl="0" algn="l">
+              <a:lnSpc>
+                <a:spcPct val="95000"/>
+              </a:lnSpc>
+              <a:spcBef>
+                <a:spcPts val="1200"/>
+              </a:spcBef>
+              <a:spcAft>
+                <a:spcPts val="0"/>
+              </a:spcAft>
+              <a:buNone/>
+            </a:pPr>
+            <a:r>
+              <a:rPr lang="ja" sz="791"/>
+              <a:t>曇り空は涙を隠し</a:t>
+            </a:r>
+            <a:endParaRPr sz="791"/>
+          </a:p>
+          <a:p>
+            <a:pPr indent="0" lvl="0" marL="0" rtl="0" algn="l">
+              <a:lnSpc>
+                <a:spcPct val="95000"/>
+              </a:lnSpc>
+              <a:spcBef>
+                <a:spcPts val="1200"/>
+              </a:spcBef>
+              <a:spcAft>
+                <a:spcPts val="0"/>
+              </a:spcAft>
+              <a:buNone/>
+            </a:pPr>
+            <a:r>
+              <a:rPr lang="ja" sz="791"/>
+              <a:t>心の中は空虚だけが</a:t>
+            </a:r>
+            <a:endParaRPr sz="791"/>
+          </a:p>
+          <a:p>
+            <a:pPr indent="0" lvl="0" marL="0" rtl="0" algn="l">
+              <a:lnSpc>
+                <a:spcPct val="95000"/>
+              </a:lnSpc>
+              <a:spcBef>
+                <a:spcPts val="1200"/>
+              </a:spcBef>
+              <a:spcAft>
+                <a:spcPts val="0"/>
+              </a:spcAft>
+              <a:buNone/>
+            </a:pPr>
+            <a:r>
+              <a:rPr lang="ja" sz="791"/>
+              <a:t>残る愛の欠片は儚く</a:t>
+            </a:r>
+            <a:endParaRPr sz="791"/>
+          </a:p>
+          <a:p>
+            <a:pPr indent="0" lvl="0" marL="0" rtl="0" algn="l">
+              <a:lnSpc>
+                <a:spcPct val="95000"/>
+              </a:lnSpc>
+              <a:spcBef>
+                <a:spcPts val="1200"/>
+              </a:spcBef>
+              <a:spcAft>
+                <a:spcPts val="0"/>
+              </a:spcAft>
+              <a:buNone/>
+            </a:pPr>
+            <a:r>
+              <a:rPr lang="ja" sz="791"/>
+              <a:t>もう戻らぬ時を悔やむ</a:t>
+            </a:r>
+            <a:endParaRPr sz="791"/>
+          </a:p>
+          <a:p>
+            <a:pPr indent="0" lvl="0" marL="0" rtl="0" algn="l">
+              <a:lnSpc>
+                <a:spcPct val="95000"/>
+              </a:lnSpc>
+              <a:spcBef>
+                <a:spcPts val="1200"/>
+              </a:spcBef>
+              <a:spcAft>
+                <a:spcPts val="0"/>
+              </a:spcAft>
+              <a:buNone/>
+            </a:pPr>
+            <a:r>
+              <a:t/>
+            </a:r>
+            <a:endParaRPr sz="791"/>
+          </a:p>
+          <a:p>
+            <a:pPr indent="0" lvl="0" marL="0" rtl="0" algn="l">
+              <a:lnSpc>
+                <a:spcPct val="95000"/>
+              </a:lnSpc>
+              <a:spcBef>
+                <a:spcPts val="1200"/>
+              </a:spcBef>
+              <a:spcAft>
+                <a:spcPts val="0"/>
+              </a:spcAft>
+              <a:buNone/>
+            </a:pPr>
+            <a:r>
+              <a:rPr lang="ja" sz="791"/>
+              <a:t>それでも心に残る影</a:t>
+            </a:r>
+            <a:endParaRPr sz="791"/>
+          </a:p>
+          <a:p>
+            <a:pPr indent="0" lvl="0" marL="0" rtl="0" algn="l">
+              <a:lnSpc>
+                <a:spcPct val="95000"/>
+              </a:lnSpc>
+              <a:spcBef>
+                <a:spcPts val="1200"/>
+              </a:spcBef>
+              <a:spcAft>
+                <a:spcPts val="0"/>
+              </a:spcAft>
+              <a:buNone/>
+            </a:pPr>
+            <a:r>
+              <a:rPr lang="ja" sz="791"/>
+              <a:t>永遠の愛が消え去っても</a:t>
+            </a:r>
+            <a:endParaRPr sz="791"/>
+          </a:p>
+          <a:p>
+            <a:pPr indent="0" lvl="0" marL="0" rtl="0" algn="l">
+              <a:lnSpc>
+                <a:spcPct val="95000"/>
+              </a:lnSpc>
+              <a:spcBef>
+                <a:spcPts val="1200"/>
+              </a:spcBef>
+              <a:spcAft>
+                <a:spcPts val="0"/>
+              </a:spcAft>
+              <a:buNone/>
+            </a:pPr>
+            <a:r>
+              <a:rPr lang="ja" sz="791"/>
+              <a:t>その想いは深く刻まれる</a:t>
+            </a:r>
+            <a:endParaRPr sz="791"/>
+          </a:p>
+          <a:p>
+            <a:pPr indent="0" lvl="0" marL="0" rtl="0" algn="l">
+              <a:lnSpc>
+                <a:spcPct val="95000"/>
+              </a:lnSpc>
+              <a:spcBef>
+                <a:spcPts val="1200"/>
+              </a:spcBef>
+              <a:spcAft>
+                <a:spcPts val="0"/>
+              </a:spcAft>
+              <a:buNone/>
+            </a:pPr>
+            <a:r>
+              <a:t/>
+            </a:r>
+            <a:endParaRPr sz="791"/>
+          </a:p>
+          <a:p>
+            <a:pPr indent="0" lvl="0" marL="0" rtl="0" algn="l">
+              <a:lnSpc>
+                <a:spcPct val="95000"/>
+              </a:lnSpc>
+              <a:spcBef>
+                <a:spcPts val="1200"/>
+              </a:spcBef>
+              <a:spcAft>
+                <a:spcPts val="0"/>
+              </a:spcAft>
+              <a:buNone/>
+            </a:pPr>
+            <a:r>
+              <a:rPr lang="ja" sz="791"/>
+              <a:t>この詩のように静かに終わる</a:t>
+            </a:r>
+            <a:endParaRPr sz="791"/>
+          </a:p>
+          <a:p>
+            <a:pPr indent="0" lvl="0" marL="0" rtl="0" algn="l">
+              <a:lnSpc>
+                <a:spcPct val="95000"/>
+              </a:lnSpc>
+              <a:spcBef>
+                <a:spcPts val="1200"/>
+              </a:spcBef>
+              <a:spcAft>
+                <a:spcPts val="0"/>
+              </a:spcAft>
+              <a:buNone/>
+            </a:pPr>
+            <a:r>
+              <a:rPr lang="ja" sz="791"/>
+              <a:t>```</a:t>
+            </a:r>
+            <a:endParaRPr sz="791"/>
+          </a:p>
+          <a:p>
+            <a:pPr indent="0" lvl="0" marL="0" rtl="0" algn="l">
+              <a:lnSpc>
+                <a:spcPct val="95000"/>
+              </a:lnSpc>
+              <a:spcBef>
+                <a:spcPts val="1200"/>
+              </a:spcBef>
+              <a:spcAft>
+                <a:spcPts val="0"/>
+              </a:spcAft>
+              <a:buNone/>
+            </a:pPr>
+            <a:r>
+              <a:t/>
+            </a:r>
+            <a:endParaRPr sz="791"/>
+          </a:p>
+          <a:p>
+            <a:pPr indent="0" lvl="0" marL="0" rtl="0" algn="l">
+              <a:lnSpc>
+                <a:spcPct val="95000"/>
+              </a:lnSpc>
+              <a:spcBef>
+                <a:spcPts val="1200"/>
+              </a:spcBef>
+              <a:spcAft>
+                <a:spcPts val="0"/>
+              </a:spcAft>
+              <a:buNone/>
+            </a:pPr>
+            <a:r>
+              <a:rPr lang="ja" sz="791"/>
+              <a:t>CoSプロンプティングでは、プロンプトを段階的に使用して仕様を細かく定義していき、その仕様を元に最終的なテキストを生成します。この手法により、テキストの構造的多様性が高まり、ユーザーが望む特定の特徴を反映した生成をしようとしています</a:t>
+            </a:r>
+            <a:endParaRPr sz="791"/>
+          </a:p>
+          <a:p>
+            <a:pPr indent="0" lvl="0" marL="0" rtl="0" algn="l">
+              <a:lnSpc>
+                <a:spcPct val="95000"/>
+              </a:lnSpc>
+              <a:spcBef>
+                <a:spcPts val="1200"/>
+              </a:spcBef>
+              <a:spcAft>
+                <a:spcPts val="1200"/>
+              </a:spcAft>
+              <a:buNone/>
+            </a:pPr>
+            <a:r>
+              <a:t/>
+            </a:r>
+            <a:endParaRPr sz="791"/>
+          </a:p>
+        </p:txBody>
+      </p:sp>
+    </p:spTree>
+  </p:cSld>
+  <p:clrMapOvr>
+    <a:masterClrMapping/>
+  </p:clrMapOvr>
+</p:sld>
+</file>
+
+<file path=ppt/slides/slide17.xml><?xml version="1.0" encoding="utf-8"?>
+<p:sld xmlns:a="http://schemas.openxmlformats.org/drawingml/2006/main" xmlns:r="http://schemas.openxmlformats.org/officeDocument/2006/relationships" xmlns:mc="http://schemas.openxmlformats.org/markup-compatibility/2006" xmlns:mv="urn:schemas-microsoft-com:mac:vml" xmlns:p="http://schemas.openxmlformats.org/presentationml/2006/main" xmlns:c="http://schemas.openxmlformats.org/drawingml/2006/chart" xmlns:dgm="http://schemas.openxmlformats.org/drawingml/2006/diagram" xmlns:o="urn:schemas-microsoft-com:office:office" xmlns:v="urn:schemas-microsoft-com:vml" xmlns:pvml="urn:schemas-microsoft-com:office:powerpoint" xmlns:com="http://schemas.openxmlformats.org/drawingml/2006/compatibility" xmlns:p14="http://schemas.microsoft.com/office/powerpoint/2010/main" xmlns:p15="http://schemas.microsoft.com/office/powerpoint/2012/main" xmlns:ahyp="http://schemas.microsoft.com/office/drawing/2018/hyperlinkcolor">
+  <p:cSld>
+    <p:spTree>
+      <p:nvGrpSpPr>
+        <p:cNvPr id="145" name="Shape 145"/>
+        <p:cNvGrpSpPr/>
+        <p:nvPr/>
+      </p:nvGrpSpPr>
+      <p:grpSpPr>
+        <a:xfrm>
+          <a:off x="0" y="0"/>
+          <a:ext cx="0" cy="0"/>
+          <a:chOff x="0" y="0"/>
+          <a:chExt cx="0" cy="0"/>
+        </a:xfrm>
+      </p:grpSpPr>
+      <p:sp>
+        <p:nvSpPr>
+          <p:cNvPr id="146" name="Google Shape;146;p29"/>
+          <p:cNvSpPr txBox="1"/>
+          <p:nvPr>
             <p:ph type="title"/>
           </p:nvPr>
         </p:nvSpPr>

--- a/2024_LLM論文要約_8.pptx
+++ b/2024_LLM論文要約_8.pptx
@@ -37015,6 +37015,291 @@
             </a:pPr>
             <a:r>
               <a:rPr lang="ja" sz="791"/>
+              <a:t>    </a:t>
+            </a:r>
+            <a:endParaRPr sz="791"/>
+          </a:p>
+          <a:p>
+            <a:pPr indent="0" lvl="0" marL="0" rtl="0" algn="l">
+              <a:lnSpc>
+                <a:spcPct val="95000"/>
+              </a:lnSpc>
+              <a:spcBef>
+                <a:spcPts val="1200"/>
+              </a:spcBef>
+              <a:spcAft>
+                <a:spcPts val="0"/>
+              </a:spcAft>
+              <a:buNone/>
+            </a:pPr>
+            <a:r>
+              <a:rPr lang="ja" sz="791"/>
+              <a:t>    ```python</a:t>
+            </a:r>
+            <a:endParaRPr sz="791"/>
+          </a:p>
+          <a:p>
+            <a:pPr indent="0" lvl="0" marL="0" rtl="0" algn="l">
+              <a:lnSpc>
+                <a:spcPct val="95000"/>
+              </a:lnSpc>
+              <a:spcBef>
+                <a:spcPts val="1200"/>
+              </a:spcBef>
+              <a:spcAft>
+                <a:spcPts val="0"/>
+              </a:spcAft>
+              <a:buNone/>
+            </a:pPr>
+            <a:r>
+              <a:rPr lang="ja" sz="791"/>
+              <a:t>    def strict_ais(generated_texts, attributions):</a:t>
+            </a:r>
+            <a:endParaRPr sz="791"/>
+          </a:p>
+          <a:p>
+            <a:pPr indent="0" lvl="0" marL="0" rtl="0" algn="l">
+              <a:lnSpc>
+                <a:spcPct val="95000"/>
+              </a:lnSpc>
+              <a:spcBef>
+                <a:spcPts val="1200"/>
+              </a:spcBef>
+              <a:spcAft>
+                <a:spcPts val="0"/>
+              </a:spcAft>
+              <a:buNone/>
+            </a:pPr>
+            <a:r>
+              <a:rPr lang="ja" sz="791"/>
+              <a:t>        """</a:t>
+            </a:r>
+            <a:endParaRPr sz="791"/>
+          </a:p>
+          <a:p>
+            <a:pPr indent="0" lvl="0" marL="0" rtl="0" algn="l">
+              <a:lnSpc>
+                <a:spcPct val="95000"/>
+              </a:lnSpc>
+              <a:spcBef>
+                <a:spcPts val="1200"/>
+              </a:spcBef>
+              <a:spcAft>
+                <a:spcPts val="0"/>
+              </a:spcAft>
+              <a:buNone/>
+            </a:pPr>
+            <a:r>
+              <a:rPr lang="ja" sz="791"/>
+              <a:t>        Strict AISを計算します。</a:t>
+            </a:r>
+            <a:endParaRPr sz="791"/>
+          </a:p>
+          <a:p>
+            <a:pPr indent="0" lvl="0" marL="0" rtl="0" algn="l">
+              <a:lnSpc>
+                <a:spcPct val="95000"/>
+              </a:lnSpc>
+              <a:spcBef>
+                <a:spcPts val="1200"/>
+              </a:spcBef>
+              <a:spcAft>
+                <a:spcPts val="0"/>
+              </a:spcAft>
+              <a:buNone/>
+            </a:pPr>
+            <a:r>
+              <a:rPr lang="ja" sz="791"/>
+              <a:t>        </a:t>
+            </a:r>
+            <a:endParaRPr sz="791"/>
+          </a:p>
+          <a:p>
+            <a:pPr indent="0" lvl="0" marL="0" rtl="0" algn="l">
+              <a:lnSpc>
+                <a:spcPct val="95000"/>
+              </a:lnSpc>
+              <a:spcBef>
+                <a:spcPts val="1200"/>
+              </a:spcBef>
+              <a:spcAft>
+                <a:spcPts val="0"/>
+              </a:spcAft>
+              <a:buNone/>
+            </a:pPr>
+            <a:r>
+              <a:rPr lang="ja" sz="791"/>
+              <a:t>        :param generated_texts: リスト、各生成されたテキスト (リスト)</a:t>
+            </a:r>
+            <a:endParaRPr sz="791"/>
+          </a:p>
+          <a:p>
+            <a:pPr indent="0" lvl="0" marL="0" rtl="0" algn="l">
+              <a:lnSpc>
+                <a:spcPct val="95000"/>
+              </a:lnSpc>
+              <a:spcBef>
+                <a:spcPts val="1200"/>
+              </a:spcBef>
+              <a:spcAft>
+                <a:spcPts val="0"/>
+              </a:spcAft>
+              <a:buNone/>
+            </a:pPr>
+            <a:r>
+              <a:rPr lang="ja" sz="791"/>
+              <a:t>        :param attributions: リスト、各生成されたテキストに対するアトリビューション (リスト)</a:t>
+            </a:r>
+            <a:endParaRPr sz="791"/>
+          </a:p>
+          <a:p>
+            <a:pPr indent="0" lvl="0" marL="0" rtl="0" algn="l">
+              <a:lnSpc>
+                <a:spcPct val="95000"/>
+              </a:lnSpc>
+              <a:spcBef>
+                <a:spcPts val="1200"/>
+              </a:spcBef>
+              <a:spcAft>
+                <a:spcPts val="0"/>
+              </a:spcAft>
+              <a:buNone/>
+            </a:pPr>
+            <a:r>
+              <a:rPr lang="ja" sz="791"/>
+              <a:t>        :return: Strict AISのスコア</a:t>
+            </a:r>
+            <a:endParaRPr sz="791"/>
+          </a:p>
+          <a:p>
+            <a:pPr indent="0" lvl="0" marL="0" rtl="0" algn="l">
+              <a:lnSpc>
+                <a:spcPct val="95000"/>
+              </a:lnSpc>
+              <a:spcBef>
+                <a:spcPts val="1200"/>
+              </a:spcBef>
+              <a:spcAft>
+                <a:spcPts val="0"/>
+              </a:spcAft>
+              <a:buNone/>
+            </a:pPr>
+            <a:r>
+              <a:rPr lang="ja" sz="791"/>
+              <a:t>        """</a:t>
+            </a:r>
+            <a:endParaRPr sz="791"/>
+          </a:p>
+          <a:p>
+            <a:pPr indent="0" lvl="0" marL="0" rtl="0" algn="l">
+              <a:lnSpc>
+                <a:spcPct val="95000"/>
+              </a:lnSpc>
+              <a:spcBef>
+                <a:spcPts val="1200"/>
+              </a:spcBef>
+              <a:spcAft>
+                <a:spcPts val="0"/>
+              </a:spcAft>
+              <a:buNone/>
+            </a:pPr>
+            <a:r>
+              <a:rPr lang="ja" sz="791"/>
+              <a:t>        n = len(generated_texts)</a:t>
+            </a:r>
+            <a:endParaRPr sz="791"/>
+          </a:p>
+          <a:p>
+            <a:pPr indent="0" lvl="0" marL="0" rtl="0" algn="l">
+              <a:lnSpc>
+                <a:spcPct val="95000"/>
+              </a:lnSpc>
+              <a:spcBef>
+                <a:spcPts val="1200"/>
+              </a:spcBef>
+              <a:spcAft>
+                <a:spcPts val="0"/>
+              </a:spcAft>
+              <a:buNone/>
+            </a:pPr>
+            <a:r>
+              <a:rPr lang="ja" sz="791"/>
+              <a:t>        strict_ais_score = sum(all(attributions[i]) for i in range(n)) / n</a:t>
+            </a:r>
+            <a:endParaRPr sz="791"/>
+          </a:p>
+          <a:p>
+            <a:pPr indent="0" lvl="0" marL="0" rtl="0" algn="l">
+              <a:lnSpc>
+                <a:spcPct val="95000"/>
+              </a:lnSpc>
+              <a:spcBef>
+                <a:spcPts val="1200"/>
+              </a:spcBef>
+              <a:spcAft>
+                <a:spcPts val="0"/>
+              </a:spcAft>
+              <a:buNone/>
+            </a:pPr>
+            <a:r>
+              <a:rPr lang="ja" sz="791"/>
+              <a:t>        return strict_ais_score</a:t>
+            </a:r>
+            <a:endParaRPr sz="791"/>
+          </a:p>
+          <a:p>
+            <a:pPr indent="0" lvl="0" marL="0" rtl="0" algn="l">
+              <a:lnSpc>
+                <a:spcPct val="95000"/>
+              </a:lnSpc>
+              <a:spcBef>
+                <a:spcPts val="1200"/>
+              </a:spcBef>
+              <a:spcAft>
+                <a:spcPts val="0"/>
+              </a:spcAft>
+              <a:buNone/>
+            </a:pPr>
+            <a:r>
+              <a:rPr lang="ja" sz="791"/>
+              <a:t>    ```</a:t>
+            </a:r>
+            <a:endParaRPr sz="791"/>
+          </a:p>
+          <a:p>
+            <a:pPr indent="0" lvl="0" marL="0" rtl="0" algn="l">
+              <a:lnSpc>
+                <a:spcPct val="95000"/>
+              </a:lnSpc>
+              <a:spcBef>
+                <a:spcPts val="1200"/>
+              </a:spcBef>
+              <a:spcAft>
+                <a:spcPts val="0"/>
+              </a:spcAft>
+              <a:buNone/>
+            </a:pPr>
+            <a:r>
+              <a:rPr lang="ja" sz="791"/>
+              <a:t>    </a:t>
+            </a:r>
+            <a:endParaRPr sz="791"/>
+          </a:p>
+          <a:p>
+            <a:pPr indent="0" lvl="0" marL="0" rtl="0" algn="l">
+              <a:lnSpc>
+                <a:spcPct val="95000"/>
+              </a:lnSpc>
+              <a:spcBef>
+                <a:spcPts val="1200"/>
+              </a:spcBef>
+              <a:spcAft>
+                <a:spcPts val="0"/>
+              </a:spcAft>
+              <a:buNone/>
+            </a:pPr>
+            <a:r>
+              <a:rPr lang="ja" sz="791"/>
               <a:t>    - **Macro AIS**: 各生成文が出典に基づいている割合の平均。</a:t>
             </a:r>
             <a:endParaRPr sz="791"/>
@@ -37034,6 +37319,291 @@
             </a:pPr>
             <a:r>
               <a:rPr lang="ja" sz="791"/>
+              <a:t>    </a:t>
+            </a:r>
+            <a:endParaRPr sz="791"/>
+          </a:p>
+          <a:p>
+            <a:pPr indent="0" lvl="0" marL="0" rtl="0" algn="l">
+              <a:lnSpc>
+                <a:spcPct val="95000"/>
+              </a:lnSpc>
+              <a:spcBef>
+                <a:spcPts val="1200"/>
+              </a:spcBef>
+              <a:spcAft>
+                <a:spcPts val="0"/>
+              </a:spcAft>
+              <a:buNone/>
+            </a:pPr>
+            <a:r>
+              <a:rPr lang="ja" sz="791"/>
+              <a:t>    ```python</a:t>
+            </a:r>
+            <a:endParaRPr sz="791"/>
+          </a:p>
+          <a:p>
+            <a:pPr indent="0" lvl="0" marL="0" rtl="0" algn="l">
+              <a:lnSpc>
+                <a:spcPct val="95000"/>
+              </a:lnSpc>
+              <a:spcBef>
+                <a:spcPts val="1200"/>
+              </a:spcBef>
+              <a:spcAft>
+                <a:spcPts val="0"/>
+              </a:spcAft>
+              <a:buNone/>
+            </a:pPr>
+            <a:r>
+              <a:rPr lang="ja" sz="791"/>
+              <a:t>    def macro_ais(generated_texts, attributions):</a:t>
+            </a:r>
+            <a:endParaRPr sz="791"/>
+          </a:p>
+          <a:p>
+            <a:pPr indent="0" lvl="0" marL="0" rtl="0" algn="l">
+              <a:lnSpc>
+                <a:spcPct val="95000"/>
+              </a:lnSpc>
+              <a:spcBef>
+                <a:spcPts val="1200"/>
+              </a:spcBef>
+              <a:spcAft>
+                <a:spcPts val="0"/>
+              </a:spcAft>
+              <a:buNone/>
+            </a:pPr>
+            <a:r>
+              <a:rPr lang="ja" sz="791"/>
+              <a:t>        """</a:t>
+            </a:r>
+            <a:endParaRPr sz="791"/>
+          </a:p>
+          <a:p>
+            <a:pPr indent="0" lvl="0" marL="0" rtl="0" algn="l">
+              <a:lnSpc>
+                <a:spcPct val="95000"/>
+              </a:lnSpc>
+              <a:spcBef>
+                <a:spcPts val="1200"/>
+              </a:spcBef>
+              <a:spcAft>
+                <a:spcPts val="0"/>
+              </a:spcAft>
+              <a:buNone/>
+            </a:pPr>
+            <a:r>
+              <a:rPr lang="ja" sz="791"/>
+              <a:t>        Macro AISを計算します。</a:t>
+            </a:r>
+            <a:endParaRPr sz="791"/>
+          </a:p>
+          <a:p>
+            <a:pPr indent="0" lvl="0" marL="0" rtl="0" algn="l">
+              <a:lnSpc>
+                <a:spcPct val="95000"/>
+              </a:lnSpc>
+              <a:spcBef>
+                <a:spcPts val="1200"/>
+              </a:spcBef>
+              <a:spcAft>
+                <a:spcPts val="0"/>
+              </a:spcAft>
+              <a:buNone/>
+            </a:pPr>
+            <a:r>
+              <a:rPr lang="ja" sz="791"/>
+              <a:t>        </a:t>
+            </a:r>
+            <a:endParaRPr sz="791"/>
+          </a:p>
+          <a:p>
+            <a:pPr indent="0" lvl="0" marL="0" rtl="0" algn="l">
+              <a:lnSpc>
+                <a:spcPct val="95000"/>
+              </a:lnSpc>
+              <a:spcBef>
+                <a:spcPts val="1200"/>
+              </a:spcBef>
+              <a:spcAft>
+                <a:spcPts val="0"/>
+              </a:spcAft>
+              <a:buNone/>
+            </a:pPr>
+            <a:r>
+              <a:rPr lang="ja" sz="791"/>
+              <a:t>        :param generated_texts: リスト、各生成されたテキスト (リスト)</a:t>
+            </a:r>
+            <a:endParaRPr sz="791"/>
+          </a:p>
+          <a:p>
+            <a:pPr indent="0" lvl="0" marL="0" rtl="0" algn="l">
+              <a:lnSpc>
+                <a:spcPct val="95000"/>
+              </a:lnSpc>
+              <a:spcBef>
+                <a:spcPts val="1200"/>
+              </a:spcBef>
+              <a:spcAft>
+                <a:spcPts val="0"/>
+              </a:spcAft>
+              <a:buNone/>
+            </a:pPr>
+            <a:r>
+              <a:rPr lang="ja" sz="791"/>
+              <a:t>        :param attributions: リスト、各生成されたテキストに対するアトリビューション (リスト)</a:t>
+            </a:r>
+            <a:endParaRPr sz="791"/>
+          </a:p>
+          <a:p>
+            <a:pPr indent="0" lvl="0" marL="0" rtl="0" algn="l">
+              <a:lnSpc>
+                <a:spcPct val="95000"/>
+              </a:lnSpc>
+              <a:spcBef>
+                <a:spcPts val="1200"/>
+              </a:spcBef>
+              <a:spcAft>
+                <a:spcPts val="0"/>
+              </a:spcAft>
+              <a:buNone/>
+            </a:pPr>
+            <a:r>
+              <a:rPr lang="ja" sz="791"/>
+              <a:t>        :return: Macro AISのスコア</a:t>
+            </a:r>
+            <a:endParaRPr sz="791"/>
+          </a:p>
+          <a:p>
+            <a:pPr indent="0" lvl="0" marL="0" rtl="0" algn="l">
+              <a:lnSpc>
+                <a:spcPct val="95000"/>
+              </a:lnSpc>
+              <a:spcBef>
+                <a:spcPts val="1200"/>
+              </a:spcBef>
+              <a:spcAft>
+                <a:spcPts val="0"/>
+              </a:spcAft>
+              <a:buNone/>
+            </a:pPr>
+            <a:r>
+              <a:rPr lang="ja" sz="791"/>
+              <a:t>        """</a:t>
+            </a:r>
+            <a:endParaRPr sz="791"/>
+          </a:p>
+          <a:p>
+            <a:pPr indent="0" lvl="0" marL="0" rtl="0" algn="l">
+              <a:lnSpc>
+                <a:spcPct val="95000"/>
+              </a:lnSpc>
+              <a:spcBef>
+                <a:spcPts val="1200"/>
+              </a:spcBef>
+              <a:spcAft>
+                <a:spcPts val="0"/>
+              </a:spcAft>
+              <a:buNone/>
+            </a:pPr>
+            <a:r>
+              <a:rPr lang="ja" sz="791"/>
+              <a:t>        n = len(generated_texts)</a:t>
+            </a:r>
+            <a:endParaRPr sz="791"/>
+          </a:p>
+          <a:p>
+            <a:pPr indent="0" lvl="0" marL="0" rtl="0" algn="l">
+              <a:lnSpc>
+                <a:spcPct val="95000"/>
+              </a:lnSpc>
+              <a:spcBef>
+                <a:spcPts val="1200"/>
+              </a:spcBef>
+              <a:spcAft>
+                <a:spcPts val="0"/>
+              </a:spcAft>
+              <a:buNone/>
+            </a:pPr>
+            <a:r>
+              <a:rPr lang="ja" sz="791"/>
+              <a:t>        macro_ais_score = sum(sum(attributions[i]) / len(attributions[i]) for i in range(n)) / n</a:t>
+            </a:r>
+            <a:endParaRPr sz="791"/>
+          </a:p>
+          <a:p>
+            <a:pPr indent="0" lvl="0" marL="0" rtl="0" algn="l">
+              <a:lnSpc>
+                <a:spcPct val="95000"/>
+              </a:lnSpc>
+              <a:spcBef>
+                <a:spcPts val="1200"/>
+              </a:spcBef>
+              <a:spcAft>
+                <a:spcPts val="0"/>
+              </a:spcAft>
+              <a:buNone/>
+            </a:pPr>
+            <a:r>
+              <a:rPr lang="ja" sz="791"/>
+              <a:t>        return macro_ais_score</a:t>
+            </a:r>
+            <a:endParaRPr sz="791"/>
+          </a:p>
+          <a:p>
+            <a:pPr indent="0" lvl="0" marL="0" rtl="0" algn="l">
+              <a:lnSpc>
+                <a:spcPct val="95000"/>
+              </a:lnSpc>
+              <a:spcBef>
+                <a:spcPts val="1200"/>
+              </a:spcBef>
+              <a:spcAft>
+                <a:spcPts val="0"/>
+              </a:spcAft>
+              <a:buNone/>
+            </a:pPr>
+            <a:r>
+              <a:rPr lang="ja" sz="791"/>
+              <a:t>    ```</a:t>
+            </a:r>
+            <a:endParaRPr sz="791"/>
+          </a:p>
+          <a:p>
+            <a:pPr indent="0" lvl="0" marL="0" rtl="0" algn="l">
+              <a:lnSpc>
+                <a:spcPct val="95000"/>
+              </a:lnSpc>
+              <a:spcBef>
+                <a:spcPts val="1200"/>
+              </a:spcBef>
+              <a:spcAft>
+                <a:spcPts val="0"/>
+              </a:spcAft>
+              <a:buNone/>
+            </a:pPr>
+            <a:r>
+              <a:rPr lang="ja" sz="791"/>
+              <a:t>    </a:t>
+            </a:r>
+            <a:endParaRPr sz="791"/>
+          </a:p>
+          <a:p>
+            <a:pPr indent="0" lvl="0" marL="0" rtl="0" algn="l">
+              <a:lnSpc>
+                <a:spcPct val="95000"/>
+              </a:lnSpc>
+              <a:spcBef>
+                <a:spcPts val="1200"/>
+              </a:spcBef>
+              <a:spcAft>
+                <a:spcPts val="0"/>
+              </a:spcAft>
+              <a:buNone/>
+            </a:pPr>
+            <a:r>
+              <a:rPr lang="ja" sz="791"/>
               <a:t>    - **Micro AIS**: 全生成文の中で出典に基づいている文の割合。</a:t>
             </a:r>
             <a:endParaRPr sz="791"/>
@@ -37052,6 +37622,310 @@
               <a:buNone/>
             </a:pPr>
             <a:r>
+              <a:rPr lang="ja" sz="791"/>
+              <a:t>    </a:t>
+            </a:r>
+            <a:endParaRPr sz="791"/>
+          </a:p>
+          <a:p>
+            <a:pPr indent="0" lvl="0" marL="0" rtl="0" algn="l">
+              <a:lnSpc>
+                <a:spcPct val="95000"/>
+              </a:lnSpc>
+              <a:spcBef>
+                <a:spcPts val="1200"/>
+              </a:spcBef>
+              <a:spcAft>
+                <a:spcPts val="0"/>
+              </a:spcAft>
+              <a:buNone/>
+            </a:pPr>
+            <a:r>
+              <a:rPr lang="ja" sz="791"/>
+              <a:t>    ```python</a:t>
+            </a:r>
+            <a:endParaRPr sz="791"/>
+          </a:p>
+          <a:p>
+            <a:pPr indent="0" lvl="0" marL="0" rtl="0" algn="l">
+              <a:lnSpc>
+                <a:spcPct val="95000"/>
+              </a:lnSpc>
+              <a:spcBef>
+                <a:spcPts val="1200"/>
+              </a:spcBef>
+              <a:spcAft>
+                <a:spcPts val="0"/>
+              </a:spcAft>
+              <a:buNone/>
+            </a:pPr>
+            <a:r>
+              <a:rPr lang="ja" sz="791"/>
+              <a:t>    def micro_ais(generated_texts, attributions):</a:t>
+            </a:r>
+            <a:endParaRPr sz="791"/>
+          </a:p>
+          <a:p>
+            <a:pPr indent="0" lvl="0" marL="0" rtl="0" algn="l">
+              <a:lnSpc>
+                <a:spcPct val="95000"/>
+              </a:lnSpc>
+              <a:spcBef>
+                <a:spcPts val="1200"/>
+              </a:spcBef>
+              <a:spcAft>
+                <a:spcPts val="0"/>
+              </a:spcAft>
+              <a:buNone/>
+            </a:pPr>
+            <a:r>
+              <a:rPr lang="ja" sz="791"/>
+              <a:t>        """</a:t>
+            </a:r>
+            <a:endParaRPr sz="791"/>
+          </a:p>
+          <a:p>
+            <a:pPr indent="0" lvl="0" marL="0" rtl="0" algn="l">
+              <a:lnSpc>
+                <a:spcPct val="95000"/>
+              </a:lnSpc>
+              <a:spcBef>
+                <a:spcPts val="1200"/>
+              </a:spcBef>
+              <a:spcAft>
+                <a:spcPts val="0"/>
+              </a:spcAft>
+              <a:buNone/>
+            </a:pPr>
+            <a:r>
+              <a:rPr lang="ja" sz="791"/>
+              <a:t>        Micro AISを計算します。</a:t>
+            </a:r>
+            <a:endParaRPr sz="791"/>
+          </a:p>
+          <a:p>
+            <a:pPr indent="0" lvl="0" marL="0" rtl="0" algn="l">
+              <a:lnSpc>
+                <a:spcPct val="95000"/>
+              </a:lnSpc>
+              <a:spcBef>
+                <a:spcPts val="1200"/>
+              </a:spcBef>
+              <a:spcAft>
+                <a:spcPts val="0"/>
+              </a:spcAft>
+              <a:buNone/>
+            </a:pPr>
+            <a:r>
+              <a:rPr lang="ja" sz="791"/>
+              <a:t>        </a:t>
+            </a:r>
+            <a:endParaRPr sz="791"/>
+          </a:p>
+          <a:p>
+            <a:pPr indent="0" lvl="0" marL="0" rtl="0" algn="l">
+              <a:lnSpc>
+                <a:spcPct val="95000"/>
+              </a:lnSpc>
+              <a:spcBef>
+                <a:spcPts val="1200"/>
+              </a:spcBef>
+              <a:spcAft>
+                <a:spcPts val="0"/>
+              </a:spcAft>
+              <a:buNone/>
+            </a:pPr>
+            <a:r>
+              <a:rPr lang="ja" sz="791"/>
+              <a:t>        :param generated_texts: リスト、各生成されたテキスト (リスト)</a:t>
+            </a:r>
+            <a:endParaRPr sz="791"/>
+          </a:p>
+          <a:p>
+            <a:pPr indent="0" lvl="0" marL="0" rtl="0" algn="l">
+              <a:lnSpc>
+                <a:spcPct val="95000"/>
+              </a:lnSpc>
+              <a:spcBef>
+                <a:spcPts val="1200"/>
+              </a:spcBef>
+              <a:spcAft>
+                <a:spcPts val="0"/>
+              </a:spcAft>
+              <a:buNone/>
+            </a:pPr>
+            <a:r>
+              <a:rPr lang="ja" sz="791"/>
+              <a:t>        :param attributions: リスト、各生成されたテキストに対するアトリビューション (リスト)</a:t>
+            </a:r>
+            <a:endParaRPr sz="791"/>
+          </a:p>
+          <a:p>
+            <a:pPr indent="0" lvl="0" marL="0" rtl="0" algn="l">
+              <a:lnSpc>
+                <a:spcPct val="95000"/>
+              </a:lnSpc>
+              <a:spcBef>
+                <a:spcPts val="1200"/>
+              </a:spcBef>
+              <a:spcAft>
+                <a:spcPts val="0"/>
+              </a:spcAft>
+              <a:buNone/>
+            </a:pPr>
+            <a:r>
+              <a:rPr lang="ja" sz="791"/>
+              <a:t>        :return: Micro AISのスコア</a:t>
+            </a:r>
+            <a:endParaRPr sz="791"/>
+          </a:p>
+          <a:p>
+            <a:pPr indent="0" lvl="0" marL="0" rtl="0" algn="l">
+              <a:lnSpc>
+                <a:spcPct val="95000"/>
+              </a:lnSpc>
+              <a:spcBef>
+                <a:spcPts val="1200"/>
+              </a:spcBef>
+              <a:spcAft>
+                <a:spcPts val="0"/>
+              </a:spcAft>
+              <a:buNone/>
+            </a:pPr>
+            <a:r>
+              <a:rPr lang="ja" sz="791"/>
+              <a:t>        """</a:t>
+            </a:r>
+            <a:endParaRPr sz="791"/>
+          </a:p>
+          <a:p>
+            <a:pPr indent="0" lvl="0" marL="0" rtl="0" algn="l">
+              <a:lnSpc>
+                <a:spcPct val="95000"/>
+              </a:lnSpc>
+              <a:spcBef>
+                <a:spcPts val="1200"/>
+              </a:spcBef>
+              <a:spcAft>
+                <a:spcPts val="0"/>
+              </a:spcAft>
+              <a:buNone/>
+            </a:pPr>
+            <a:r>
+              <a:rPr lang="ja" sz="791"/>
+              <a:t>        total_sentences = sum(len(attributions[i]) for i in range(len(generated_texts)))</a:t>
+            </a:r>
+            <a:endParaRPr sz="791"/>
+          </a:p>
+          <a:p>
+            <a:pPr indent="0" lvl="0" marL="0" rtl="0" algn="l">
+              <a:lnSpc>
+                <a:spcPct val="95000"/>
+              </a:lnSpc>
+              <a:spcBef>
+                <a:spcPts val="1200"/>
+              </a:spcBef>
+              <a:spcAft>
+                <a:spcPts val="0"/>
+              </a:spcAft>
+              <a:buNone/>
+            </a:pPr>
+            <a:r>
+              <a:rPr lang="ja" sz="791"/>
+              <a:t>        total_attributed_sentences = sum(sum(attributions[i]) for i in range(len(generated_texts)))</a:t>
+            </a:r>
+            <a:endParaRPr sz="791"/>
+          </a:p>
+          <a:p>
+            <a:pPr indent="0" lvl="0" marL="0" rtl="0" algn="l">
+              <a:lnSpc>
+                <a:spcPct val="95000"/>
+              </a:lnSpc>
+              <a:spcBef>
+                <a:spcPts val="1200"/>
+              </a:spcBef>
+              <a:spcAft>
+                <a:spcPts val="0"/>
+              </a:spcAft>
+              <a:buNone/>
+            </a:pPr>
+            <a:r>
+              <a:rPr lang="ja" sz="791"/>
+              <a:t>        micro_ais_score = total_attributed_sentences / total_sentences</a:t>
+            </a:r>
+            <a:endParaRPr sz="791"/>
+          </a:p>
+          <a:p>
+            <a:pPr indent="0" lvl="0" marL="0" rtl="0" algn="l">
+              <a:lnSpc>
+                <a:spcPct val="95000"/>
+              </a:lnSpc>
+              <a:spcBef>
+                <a:spcPts val="1200"/>
+              </a:spcBef>
+              <a:spcAft>
+                <a:spcPts val="0"/>
+              </a:spcAft>
+              <a:buNone/>
+            </a:pPr>
+            <a:r>
+              <a:rPr lang="ja" sz="791"/>
+              <a:t>        return micro_ais_score</a:t>
+            </a:r>
+            <a:endParaRPr sz="791"/>
+          </a:p>
+          <a:p>
+            <a:pPr indent="0" lvl="0" marL="0" rtl="0" algn="l">
+              <a:lnSpc>
+                <a:spcPct val="95000"/>
+              </a:lnSpc>
+              <a:spcBef>
+                <a:spcPts val="1200"/>
+              </a:spcBef>
+              <a:spcAft>
+                <a:spcPts val="0"/>
+              </a:spcAft>
+              <a:buNone/>
+            </a:pPr>
+            <a:r>
+              <a:rPr lang="ja" sz="791"/>
+              <a:t>    ```</a:t>
+            </a:r>
+            <a:endParaRPr sz="791"/>
+          </a:p>
+          <a:p>
+            <a:pPr indent="0" lvl="0" marL="0" rtl="0" algn="l">
+              <a:lnSpc>
+                <a:spcPct val="95000"/>
+              </a:lnSpc>
+              <a:spcBef>
+                <a:spcPts val="1200"/>
+              </a:spcBef>
+              <a:spcAft>
+                <a:spcPts val="0"/>
+              </a:spcAft>
+              <a:buNone/>
+            </a:pPr>
+            <a:r>
+              <a:rPr lang="ja" sz="791"/>
+              <a:t>    </a:t>
+            </a:r>
+            <a:endParaRPr sz="791"/>
+          </a:p>
+          <a:p>
+            <a:pPr indent="0" lvl="0" marL="0" rtl="0" algn="l">
+              <a:lnSpc>
+                <a:spcPct val="95000"/>
+              </a:lnSpc>
+              <a:spcBef>
+                <a:spcPts val="1200"/>
+              </a:spcBef>
+              <a:spcAft>
+                <a:spcPts val="0"/>
+              </a:spcAft>
+              <a:buNone/>
+            </a:pPr>
+            <a:r>
               <a:t/>
             </a:r>
             <a:endParaRPr sz="791"/>
@@ -37902,13 +38776,31 @@
                 <a:spcPts val="1200"/>
               </a:spcBef>
               <a:spcAft>
-                <a:spcPts val="1200"/>
+                <a:spcPts val="0"/>
               </a:spcAft>
               <a:buNone/>
             </a:pPr>
             <a:r>
               <a:rPr lang="ja" sz="791"/>
               <a:t>- **テキストの長さ**については、計画に基づく手法が全体的に長いテキストを生成し、より詳細な説明を提供できることがわかりました。</a:t>
+            </a:r>
+            <a:endParaRPr sz="791"/>
+          </a:p>
+          <a:p>
+            <a:pPr indent="0" lvl="0" marL="0" rtl="0" algn="l">
+              <a:lnSpc>
+                <a:spcPct val="95000"/>
+              </a:lnSpc>
+              <a:spcBef>
+                <a:spcPts val="1200"/>
+              </a:spcBef>
+              <a:spcAft>
+                <a:spcPts val="1200"/>
+              </a:spcAft>
+              <a:buNone/>
+            </a:pPr>
+            <a:r>
+              <a:t/>
             </a:r>
             <a:endParaRPr sz="791"/>
           </a:p>

--- a/2024_LLM論文要約_8.pptx
+++ b/2024_LLM論文要約_8.pptx
@@ -34,16 +34,17 @@
     <p:sldId id="279" r:id="rId29"/>
     <p:sldId id="280" r:id="rId30"/>
     <p:sldId id="281" r:id="rId31"/>
+    <p:sldId id="282" r:id="rId32"/>
   </p:sldIdLst>
   <p:sldSz cy="5143500" cx="9144000"/>
   <p:notesSz cx="6858000" cy="9144000"/>
   <p:embeddedFontLst>
     <p:embeddedFont>
       <p:font typeface="Proxima Nova"/>
-      <p:regular r:id="rId32"/>
-      <p:bold r:id="rId33"/>
-      <p:italic r:id="rId34"/>
-      <p:boldItalic r:id="rId35"/>
+      <p:regular r:id="rId33"/>
+      <p:bold r:id="rId34"/>
+      <p:italic r:id="rId35"/>
+      <p:boldItalic r:id="rId36"/>
     </p:embeddedFont>
   </p:embeddedFontLst>
   <p:defaultTextStyle>
@@ -2521,7 +2522,7 @@
       </p:grpSpPr>
       <p:sp>
         <p:nvSpPr>
-          <p:cNvPr id="190" name="Google Shape;190;g2b3937a3876_0_15:notes"/>
+          <p:cNvPr id="190" name="Google Shape;190;g2f7f516469c_0_0:notes"/>
           <p:cNvSpPr/>
           <p:nvPr>
             <p:ph idx="2" type="sldImg"/>
@@ -2556,7 +2557,106 @@
       </p:sp>
       <p:sp>
         <p:nvSpPr>
-          <p:cNvPr id="191" name="Google Shape;191;g2b3937a3876_0_15:notes"/>
+          <p:cNvPr id="191" name="Google Shape;191;g2f7f516469c_0_0:notes"/>
+          <p:cNvSpPr txBox="1"/>
+          <p:nvPr>
+            <p:ph idx="1" type="body"/>
+          </p:nvPr>
+        </p:nvSpPr>
+        <p:spPr>
+          <a:xfrm>
+            <a:off x="685800" y="4343400"/>
+            <a:ext cx="5486400" cy="4114800"/>
+          </a:xfrm>
+          <a:prstGeom prst="rect">
+            <a:avLst/>
+          </a:prstGeom>
+        </p:spPr>
+        <p:txBody>
+          <a:bodyPr anchorCtr="0" anchor="t" bIns="91425" lIns="91425" spcFirstLastPara="1" rIns="91425" wrap="square" tIns="91425">
+            <a:noAutofit/>
+          </a:bodyPr>
+          <a:lstStyle/>
+          <a:p>
+            <a:pPr indent="0" lvl="0" marL="0" rtl="0" algn="l">
+              <a:spcBef>
+                <a:spcPts val="0"/>
+              </a:spcBef>
+              <a:spcAft>
+                <a:spcPts val="0"/>
+              </a:spcAft>
+              <a:buNone/>
+            </a:pPr>
+            <a:r>
+              <a:t/>
+            </a:r>
+            <a:endParaRPr/>
+          </a:p>
+        </p:txBody>
+      </p:sp>
+    </p:spTree>
+  </p:cSld>
+  <p:clrMapOvr>
+    <a:masterClrMapping/>
+  </p:clrMapOvr>
+</p:notes>
+</file>
+
+<file path=ppt/notesSlides/notesSlide27.xml><?xml version="1.0" encoding="utf-8"?>
+<p:notes xmlns:a="http://schemas.openxmlformats.org/drawingml/2006/main" xmlns:r="http://schemas.openxmlformats.org/officeDocument/2006/relationships" xmlns:mc="http://schemas.openxmlformats.org/markup-compatibility/2006" xmlns:mv="urn:schemas-microsoft-com:mac:vml" xmlns:p="http://schemas.openxmlformats.org/presentationml/2006/main" xmlns:c="http://schemas.openxmlformats.org/drawingml/2006/chart" xmlns:dgm="http://schemas.openxmlformats.org/drawingml/2006/diagram" xmlns:o="urn:schemas-microsoft-com:office:office" xmlns:v="urn:schemas-microsoft-com:vml" xmlns:pvml="urn:schemas-microsoft-com:office:powerpoint" xmlns:com="http://schemas.openxmlformats.org/drawingml/2006/compatibility" xmlns:p14="http://schemas.microsoft.com/office/powerpoint/2010/main" xmlns:p15="http://schemas.microsoft.com/office/powerpoint/2012/main" xmlns:ahyp="http://schemas.microsoft.com/office/drawing/2018/hyperlinkcolor" showMasterPhAnim="0" showMasterSp="0">
+  <p:cSld>
+    <p:spTree>
+      <p:nvGrpSpPr>
+        <p:cNvPr id="194" name="Shape 194"/>
+        <p:cNvGrpSpPr/>
+        <p:nvPr/>
+      </p:nvGrpSpPr>
+      <p:grpSpPr>
+        <a:xfrm>
+          <a:off x="0" y="0"/>
+          <a:ext cx="0" cy="0"/>
+          <a:chOff x="0" y="0"/>
+          <a:chExt cx="0" cy="0"/>
+        </a:xfrm>
+      </p:grpSpPr>
+      <p:sp>
+        <p:nvSpPr>
+          <p:cNvPr id="195" name="Google Shape;195;g2b3937a3876_0_15:notes"/>
+          <p:cNvSpPr/>
+          <p:nvPr>
+            <p:ph idx="2" type="sldImg"/>
+          </p:nvPr>
+        </p:nvSpPr>
+        <p:spPr>
+          <a:xfrm>
+            <a:off x="381300" y="685800"/>
+            <a:ext cx="6096000" cy="3429000"/>
+          </a:xfrm>
+          <a:custGeom>
+            <a:rect b="b" l="l" r="r" t="t"/>
+            <a:pathLst>
+              <a:path extrusionOk="0" h="120000" w="120000">
+                <a:moveTo>
+                  <a:pt x="0" y="0"/>
+                </a:moveTo>
+                <a:lnTo>
+                  <a:pt x="120000" y="0"/>
+                </a:lnTo>
+                <a:lnTo>
+                  <a:pt x="120000" y="120000"/>
+                </a:lnTo>
+                <a:lnTo>
+                  <a:pt x="0" y="120000"/>
+                </a:lnTo>
+                <a:close/>
+              </a:path>
+            </a:pathLst>
+          </a:custGeom>
+        </p:spPr>
+      </p:sp>
+      <p:sp>
+        <p:nvSpPr>
+          <p:cNvPr id="196" name="Google Shape;196;g2b3937a3876_0_15:notes"/>
           <p:cNvSpPr txBox="1"/>
           <p:nvPr>
             <p:ph idx="1" type="body"/>
@@ -38836,6 +38936,2142 @@
           <p:cNvPr id="193" name="Google Shape;193;p38"/>
           <p:cNvSpPr txBox="1"/>
           <p:nvPr>
+            <p:ph idx="1" type="body"/>
+          </p:nvPr>
+        </p:nvSpPr>
+        <p:spPr>
+          <a:xfrm>
+            <a:off x="0" y="0"/>
+            <a:ext cx="9144000" cy="5049600"/>
+          </a:xfrm>
+          <a:prstGeom prst="rect">
+            <a:avLst/>
+          </a:prstGeom>
+        </p:spPr>
+        <p:txBody>
+          <a:bodyPr anchorCtr="0" anchor="t" bIns="91425" lIns="91425" spcFirstLastPara="1" rIns="91425" wrap="square" tIns="91425">
+            <a:noAutofit/>
+          </a:bodyPr>
+          <a:lstStyle/>
+          <a:p>
+            <a:pPr indent="0" lvl="0" marL="0" rtl="0" algn="l">
+              <a:lnSpc>
+                <a:spcPct val="95000"/>
+              </a:lnSpc>
+              <a:spcBef>
+                <a:spcPts val="1200"/>
+              </a:spcBef>
+              <a:spcAft>
+                <a:spcPts val="0"/>
+              </a:spcAft>
+              <a:buNone/>
+            </a:pPr>
+            <a:r>
+              <a:rPr lang="ja" sz="791"/>
+              <a:t># Toward the Evaluation of Large Language Models Considering Score Variance across Instruction Templates 指示テンプレート間のスコア分散を考慮した大規模言語モデルの評価に向けて</a:t>
+            </a:r>
+            <a:endParaRPr sz="791"/>
+          </a:p>
+          <a:p>
+            <a:pPr indent="0" lvl="0" marL="0" rtl="0" algn="l">
+              <a:lnSpc>
+                <a:spcPct val="95000"/>
+              </a:lnSpc>
+              <a:spcBef>
+                <a:spcPts val="1200"/>
+              </a:spcBef>
+              <a:spcAft>
+                <a:spcPts val="0"/>
+              </a:spcAft>
+              <a:buNone/>
+            </a:pPr>
+            <a:r>
+              <a:t/>
+            </a:r>
+            <a:endParaRPr sz="791"/>
+          </a:p>
+          <a:p>
+            <a:pPr indent="0" lvl="0" marL="0" rtl="0" algn="l">
+              <a:lnSpc>
+                <a:spcPct val="95000"/>
+              </a:lnSpc>
+              <a:spcBef>
+                <a:spcPts val="1200"/>
+              </a:spcBef>
+              <a:spcAft>
+                <a:spcPts val="0"/>
+              </a:spcAft>
+              <a:buNone/>
+            </a:pPr>
+            <a:r>
+              <a:rPr lang="ja" sz="791"/>
+              <a:t>概要: 異なる指示テンプレートに対してモデルがどれだけ安定した性能を発揮できるかを評価するためシャープスコアの提案。テンプレート間のスコアの平均をスコアの標準偏差に重みを付け調整することでばらつきを考慮したうえでどれだけ一貫した性能を発揮するかを指標化しています</a:t>
+            </a:r>
+            <a:endParaRPr sz="791"/>
+          </a:p>
+          <a:p>
+            <a:pPr indent="0" lvl="0" marL="0" rtl="0" algn="l">
+              <a:lnSpc>
+                <a:spcPct val="95000"/>
+              </a:lnSpc>
+              <a:spcBef>
+                <a:spcPts val="1200"/>
+              </a:spcBef>
+              <a:spcAft>
+                <a:spcPts val="0"/>
+              </a:spcAft>
+              <a:buNone/>
+            </a:pPr>
+            <a:r>
+              <a:t/>
+            </a:r>
+            <a:endParaRPr sz="791"/>
+          </a:p>
+          <a:p>
+            <a:pPr indent="0" lvl="0" marL="0" rtl="0" algn="l">
+              <a:lnSpc>
+                <a:spcPct val="95000"/>
+              </a:lnSpc>
+              <a:spcBef>
+                <a:spcPts val="1200"/>
+              </a:spcBef>
+              <a:spcAft>
+                <a:spcPts val="0"/>
+              </a:spcAft>
+              <a:buNone/>
+            </a:pPr>
+            <a:r>
+              <a:rPr lang="ja" sz="791"/>
+              <a:t>### 1. シャープスコアの提案</a:t>
+            </a:r>
+            <a:endParaRPr sz="791"/>
+          </a:p>
+          <a:p>
+            <a:pPr indent="0" lvl="0" marL="0" rtl="0" algn="l">
+              <a:lnSpc>
+                <a:spcPct val="95000"/>
+              </a:lnSpc>
+              <a:spcBef>
+                <a:spcPts val="1200"/>
+              </a:spcBef>
+              <a:spcAft>
+                <a:spcPts val="0"/>
+              </a:spcAft>
+              <a:buNone/>
+            </a:pPr>
+            <a:r>
+              <a:t/>
+            </a:r>
+            <a:endParaRPr sz="791"/>
+          </a:p>
+          <a:p>
+            <a:pPr indent="0" lvl="0" marL="0" rtl="0" algn="l">
+              <a:lnSpc>
+                <a:spcPct val="95000"/>
+              </a:lnSpc>
+              <a:spcBef>
+                <a:spcPts val="1200"/>
+              </a:spcBef>
+              <a:spcAft>
+                <a:spcPts val="0"/>
+              </a:spcAft>
+              <a:buNone/>
+            </a:pPr>
+            <a:r>
+              <a:rPr lang="ja" sz="791"/>
+              <a:t>**概要**</a:t>
+            </a:r>
+            <a:endParaRPr sz="791"/>
+          </a:p>
+          <a:p>
+            <a:pPr indent="0" lvl="0" marL="0" rtl="0" algn="l">
+              <a:lnSpc>
+                <a:spcPct val="95000"/>
+              </a:lnSpc>
+              <a:spcBef>
+                <a:spcPts val="1200"/>
+              </a:spcBef>
+              <a:spcAft>
+                <a:spcPts val="0"/>
+              </a:spcAft>
+              <a:buNone/>
+            </a:pPr>
+            <a:r>
+              <a:t/>
+            </a:r>
+            <a:endParaRPr sz="791"/>
+          </a:p>
+          <a:p>
+            <a:pPr indent="0" lvl="0" marL="0" rtl="0" algn="l">
+              <a:lnSpc>
+                <a:spcPct val="95000"/>
+              </a:lnSpc>
+              <a:spcBef>
+                <a:spcPts val="1200"/>
+              </a:spcBef>
+              <a:spcAft>
+                <a:spcPts val="0"/>
+              </a:spcAft>
+              <a:buNone/>
+            </a:pPr>
+            <a:r>
+              <a:rPr lang="ja" sz="791"/>
+              <a:t>シャープスコアは、LLMsの評価においてスコアの分散を考慮するために提案された新しい指標です。この指標は、金融分野で投資効率を評価するために使用されるシャープレシオに着想を得ており、異なる指示テンプレート間のスコアのばらつきを評価に組み込むことで、公平なモデル評価を実現します。</a:t>
+            </a:r>
+            <a:endParaRPr sz="791"/>
+          </a:p>
+          <a:p>
+            <a:pPr indent="0" lvl="0" marL="0" rtl="0" algn="l">
+              <a:lnSpc>
+                <a:spcPct val="95000"/>
+              </a:lnSpc>
+              <a:spcBef>
+                <a:spcPts val="1200"/>
+              </a:spcBef>
+              <a:spcAft>
+                <a:spcPts val="0"/>
+              </a:spcAft>
+              <a:buNone/>
+            </a:pPr>
+            <a:r>
+              <a:t/>
+            </a:r>
+            <a:endParaRPr sz="791"/>
+          </a:p>
+          <a:p>
+            <a:pPr indent="0" lvl="0" marL="0" rtl="0" algn="l">
+              <a:lnSpc>
+                <a:spcPct val="95000"/>
+              </a:lnSpc>
+              <a:spcBef>
+                <a:spcPts val="1200"/>
+              </a:spcBef>
+              <a:spcAft>
+                <a:spcPts val="0"/>
+              </a:spcAft>
+              <a:buNone/>
+            </a:pPr>
+            <a:r>
+              <a:rPr lang="ja" sz="791"/>
+              <a:t>**詳細**</a:t>
+            </a:r>
+            <a:endParaRPr sz="791"/>
+          </a:p>
+          <a:p>
+            <a:pPr indent="0" lvl="0" marL="0" rtl="0" algn="l">
+              <a:lnSpc>
+                <a:spcPct val="95000"/>
+              </a:lnSpc>
+              <a:spcBef>
+                <a:spcPts val="1200"/>
+              </a:spcBef>
+              <a:spcAft>
+                <a:spcPts val="0"/>
+              </a:spcAft>
+              <a:buNone/>
+            </a:pPr>
+            <a:r>
+              <a:t/>
+            </a:r>
+            <a:endParaRPr sz="791"/>
+          </a:p>
+          <a:p>
+            <a:pPr indent="0" lvl="0" marL="0" rtl="0" algn="l">
+              <a:lnSpc>
+                <a:spcPct val="95000"/>
+              </a:lnSpc>
+              <a:spcBef>
+                <a:spcPts val="1200"/>
+              </a:spcBef>
+              <a:spcAft>
+                <a:spcPts val="0"/>
+              </a:spcAft>
+              <a:buNone/>
+            </a:pPr>
+            <a:r>
+              <a:rPr lang="ja" sz="791"/>
+              <a:t>- **シャープレシオ**: シャープレシオは、投資リターンの平均をそのリスク（標準偏差）で割ることで、リターンのリスク調整後の効率を測定します。本研究では、この概念をLLMsの評価に応用しています。</a:t>
+            </a:r>
+            <a:endParaRPr sz="791"/>
+          </a:p>
+          <a:p>
+            <a:pPr indent="0" lvl="0" marL="0" rtl="0" algn="l">
+              <a:lnSpc>
+                <a:spcPct val="95000"/>
+              </a:lnSpc>
+              <a:spcBef>
+                <a:spcPts val="1200"/>
+              </a:spcBef>
+              <a:spcAft>
+                <a:spcPts val="0"/>
+              </a:spcAft>
+              <a:buNone/>
+            </a:pPr>
+            <a:r>
+              <a:rPr lang="ja" sz="791"/>
+              <a:t>- **シャープスコアの算出方法**:</a:t>
+            </a:r>
+            <a:endParaRPr sz="791"/>
+          </a:p>
+          <a:p>
+            <a:pPr indent="0" lvl="0" marL="0" rtl="0" algn="l">
+              <a:lnSpc>
+                <a:spcPct val="95000"/>
+              </a:lnSpc>
+              <a:spcBef>
+                <a:spcPts val="1200"/>
+              </a:spcBef>
+              <a:spcAft>
+                <a:spcPts val="0"/>
+              </a:spcAft>
+              <a:buNone/>
+            </a:pPr>
+            <a:r>
+              <a:rPr lang="ja" sz="791"/>
+              <a:t>    </a:t>
+            </a:r>
+            <a:endParaRPr sz="791"/>
+          </a:p>
+          <a:p>
+            <a:pPr indent="0" lvl="0" marL="0" rtl="0" algn="l">
+              <a:lnSpc>
+                <a:spcPct val="95000"/>
+              </a:lnSpc>
+              <a:spcBef>
+                <a:spcPts val="1200"/>
+              </a:spcBef>
+              <a:spcAft>
+                <a:spcPts val="0"/>
+              </a:spcAft>
+              <a:buNone/>
+            </a:pPr>
+            <a:r>
+              <a:rPr lang="ja" sz="791"/>
+              <a:t>    シャープスコアは、異なる指示テンプレートに対してモデルがどれだけ安定した性能を発揮できるかを評価するための指標です。この指標は、モデルがテンプレートごとに大きく異なるスコアを出してしまう（つまり、安定性が欠けている）場合、その評価を減点する形でスコアを計算します。逆に、どのテンプレートでも一貫して高いスコアを出すモデルは、高いシャープスコアを得ることができます。</a:t>
+            </a:r>
+            <a:endParaRPr sz="791"/>
+          </a:p>
+          <a:p>
+            <a:pPr indent="0" lvl="0" marL="0" rtl="0" algn="l">
+              <a:lnSpc>
+                <a:spcPct val="95000"/>
+              </a:lnSpc>
+              <a:spcBef>
+                <a:spcPts val="1200"/>
+              </a:spcBef>
+              <a:spcAft>
+                <a:spcPts val="0"/>
+              </a:spcAft>
+              <a:buNone/>
+            </a:pPr>
+            <a:r>
+              <a:rPr lang="ja" sz="791"/>
+              <a:t>    </a:t>
+            </a:r>
+            <a:endParaRPr sz="791"/>
+          </a:p>
+          <a:p>
+            <a:pPr indent="0" lvl="0" marL="0" rtl="0" algn="l">
+              <a:lnSpc>
+                <a:spcPct val="95000"/>
+              </a:lnSpc>
+              <a:spcBef>
+                <a:spcPts val="1200"/>
+              </a:spcBef>
+              <a:spcAft>
+                <a:spcPts val="0"/>
+              </a:spcAft>
+              <a:buNone/>
+            </a:pPr>
+            <a:r>
+              <a:rPr lang="ja" sz="791"/>
+              <a:t>    ### 式の解釈</a:t>
+            </a:r>
+            <a:endParaRPr sz="791"/>
+          </a:p>
+          <a:p>
+            <a:pPr indent="0" lvl="0" marL="0" rtl="0" algn="l">
+              <a:lnSpc>
+                <a:spcPct val="95000"/>
+              </a:lnSpc>
+              <a:spcBef>
+                <a:spcPts val="1200"/>
+              </a:spcBef>
+              <a:spcAft>
+                <a:spcPts val="0"/>
+              </a:spcAft>
+              <a:buNone/>
+            </a:pPr>
+            <a:r>
+              <a:rPr lang="ja" sz="791"/>
+              <a:t>    </a:t>
+            </a:r>
+            <a:endParaRPr sz="791"/>
+          </a:p>
+          <a:p>
+            <a:pPr indent="0" lvl="0" marL="0" rtl="0" algn="l">
+              <a:lnSpc>
+                <a:spcPct val="95000"/>
+              </a:lnSpc>
+              <a:spcBef>
+                <a:spcPts val="1200"/>
+              </a:spcBef>
+              <a:spcAft>
+                <a:spcPts val="0"/>
+              </a:spcAft>
+              <a:buNone/>
+            </a:pPr>
+            <a:r>
+              <a:rPr lang="ja" sz="791"/>
+              <a:t>    シャープスコアの式は次のように定義されます：</a:t>
+            </a:r>
+            <a:endParaRPr sz="791"/>
+          </a:p>
+          <a:p>
+            <a:pPr indent="0" lvl="0" marL="0" rtl="0" algn="l">
+              <a:lnSpc>
+                <a:spcPct val="95000"/>
+              </a:lnSpc>
+              <a:spcBef>
+                <a:spcPts val="1200"/>
+              </a:spcBef>
+              <a:spcAft>
+                <a:spcPts val="0"/>
+              </a:spcAft>
+              <a:buNone/>
+            </a:pPr>
+            <a:r>
+              <a:rPr lang="ja" sz="791"/>
+              <a:t>    </a:t>
+            </a:r>
+            <a:endParaRPr sz="791"/>
+          </a:p>
+          <a:p>
+            <a:pPr indent="0" lvl="0" marL="0" rtl="0" algn="l">
+              <a:lnSpc>
+                <a:spcPct val="95000"/>
+              </a:lnSpc>
+              <a:spcBef>
+                <a:spcPts val="1200"/>
+              </a:spcBef>
+              <a:spcAft>
+                <a:spcPts val="0"/>
+              </a:spcAft>
+              <a:buNone/>
+            </a:pPr>
+            <a:r>
+              <a:rPr lang="ja" sz="791"/>
+              <a:t>    $$</a:t>
+            </a:r>
+            <a:endParaRPr sz="791"/>
+          </a:p>
+          <a:p>
+            <a:pPr indent="0" lvl="0" marL="0" rtl="0" algn="l">
+              <a:lnSpc>
+                <a:spcPct val="95000"/>
+              </a:lnSpc>
+              <a:spcBef>
+                <a:spcPts val="1200"/>
+              </a:spcBef>
+              <a:spcAft>
+                <a:spcPts val="0"/>
+              </a:spcAft>
+              <a:buNone/>
+            </a:pPr>
+            <a:r>
+              <a:rPr lang="ja" sz="791"/>
+              <a:t>    Sharpe score=ασscore+1μscore</a:t>
+            </a:r>
+            <a:endParaRPr sz="791"/>
+          </a:p>
+          <a:p>
+            <a:pPr indent="0" lvl="0" marL="0" rtl="0" algn="l">
+              <a:lnSpc>
+                <a:spcPct val="95000"/>
+              </a:lnSpc>
+              <a:spcBef>
+                <a:spcPts val="1200"/>
+              </a:spcBef>
+              <a:spcAft>
+                <a:spcPts val="0"/>
+              </a:spcAft>
+              <a:buNone/>
+            </a:pPr>
+            <a:r>
+              <a:rPr lang="ja" sz="791"/>
+              <a:t>    $$</a:t>
+            </a:r>
+            <a:endParaRPr sz="791"/>
+          </a:p>
+          <a:p>
+            <a:pPr indent="0" lvl="0" marL="0" rtl="0" algn="l">
+              <a:lnSpc>
+                <a:spcPct val="95000"/>
+              </a:lnSpc>
+              <a:spcBef>
+                <a:spcPts val="1200"/>
+              </a:spcBef>
+              <a:spcAft>
+                <a:spcPts val="0"/>
+              </a:spcAft>
+              <a:buNone/>
+            </a:pPr>
+            <a:r>
+              <a:rPr lang="ja" sz="791"/>
+              <a:t>    </a:t>
+            </a:r>
+            <a:endParaRPr sz="791"/>
+          </a:p>
+          <a:p>
+            <a:pPr indent="0" lvl="0" marL="0" rtl="0" algn="l">
+              <a:lnSpc>
+                <a:spcPct val="95000"/>
+              </a:lnSpc>
+              <a:spcBef>
+                <a:spcPts val="1200"/>
+              </a:spcBef>
+              <a:spcAft>
+                <a:spcPts val="0"/>
+              </a:spcAft>
+              <a:buNone/>
+            </a:pPr>
+            <a:r>
+              <a:rPr lang="ja" sz="791"/>
+              <a:t>    この式を言葉で説明すると、次のようになります。</a:t>
+            </a:r>
+            <a:endParaRPr sz="791"/>
+          </a:p>
+          <a:p>
+            <a:pPr indent="0" lvl="0" marL="0" rtl="0" algn="l">
+              <a:lnSpc>
+                <a:spcPct val="95000"/>
+              </a:lnSpc>
+              <a:spcBef>
+                <a:spcPts val="1200"/>
+              </a:spcBef>
+              <a:spcAft>
+                <a:spcPts val="0"/>
+              </a:spcAft>
+              <a:buNone/>
+            </a:pPr>
+            <a:r>
+              <a:rPr lang="ja" sz="791"/>
+              <a:t>    </a:t>
+            </a:r>
+            <a:endParaRPr sz="791"/>
+          </a:p>
+          <a:p>
+            <a:pPr indent="0" lvl="0" marL="0" rtl="0" algn="l">
+              <a:lnSpc>
+                <a:spcPct val="95000"/>
+              </a:lnSpc>
+              <a:spcBef>
+                <a:spcPts val="1200"/>
+              </a:spcBef>
+              <a:spcAft>
+                <a:spcPts val="0"/>
+              </a:spcAft>
+              <a:buNone/>
+            </a:pPr>
+            <a:r>
+              <a:rPr lang="ja" sz="791"/>
+              <a:t>    1. </a:t>
+            </a:r>
+            <a:endParaRPr sz="791"/>
+          </a:p>
+          <a:p>
+            <a:pPr indent="0" lvl="0" marL="0" rtl="0" algn="l">
+              <a:lnSpc>
+                <a:spcPct val="95000"/>
+              </a:lnSpc>
+              <a:spcBef>
+                <a:spcPts val="1200"/>
+              </a:spcBef>
+              <a:spcAft>
+                <a:spcPts val="0"/>
+              </a:spcAft>
+              <a:buNone/>
+            </a:pPr>
+            <a:r>
+              <a:rPr lang="ja" sz="791"/>
+              <a:t>    </a:t>
+            </a:r>
+            <a:endParaRPr sz="791"/>
+          </a:p>
+          <a:p>
+            <a:pPr indent="0" lvl="0" marL="0" rtl="0" algn="l">
+              <a:lnSpc>
+                <a:spcPct val="95000"/>
+              </a:lnSpc>
+              <a:spcBef>
+                <a:spcPts val="1200"/>
+              </a:spcBef>
+              <a:spcAft>
+                <a:spcPts val="0"/>
+              </a:spcAft>
+              <a:buNone/>
+            </a:pPr>
+            <a:r>
+              <a:rPr lang="ja" sz="791"/>
+              <a:t>    $$</a:t>
+            </a:r>
+            <a:endParaRPr sz="791"/>
+          </a:p>
+          <a:p>
+            <a:pPr indent="0" lvl="0" marL="0" rtl="0" algn="l">
+              <a:lnSpc>
+                <a:spcPct val="95000"/>
+              </a:lnSpc>
+              <a:spcBef>
+                <a:spcPts val="1200"/>
+              </a:spcBef>
+              <a:spcAft>
+                <a:spcPts val="0"/>
+              </a:spcAft>
+              <a:buNone/>
+            </a:pPr>
+            <a:r>
+              <a:rPr lang="ja" sz="791"/>
+              <a:t>    \mu_{\text{score}}</a:t>
+            </a:r>
+            <a:endParaRPr sz="791"/>
+          </a:p>
+          <a:p>
+            <a:pPr indent="0" lvl="0" marL="0" rtl="0" algn="l">
+              <a:lnSpc>
+                <a:spcPct val="95000"/>
+              </a:lnSpc>
+              <a:spcBef>
+                <a:spcPts val="1200"/>
+              </a:spcBef>
+              <a:spcAft>
+                <a:spcPts val="0"/>
+              </a:spcAft>
+              <a:buNone/>
+            </a:pPr>
+            <a:r>
+              <a:rPr lang="ja" sz="791"/>
+              <a:t>    $$</a:t>
+            </a:r>
+            <a:endParaRPr sz="791"/>
+          </a:p>
+          <a:p>
+            <a:pPr indent="0" lvl="0" marL="0" rtl="0" algn="l">
+              <a:lnSpc>
+                <a:spcPct val="95000"/>
+              </a:lnSpc>
+              <a:spcBef>
+                <a:spcPts val="1200"/>
+              </a:spcBef>
+              <a:spcAft>
+                <a:spcPts val="0"/>
+              </a:spcAft>
+              <a:buNone/>
+            </a:pPr>
+            <a:r>
+              <a:rPr lang="ja" sz="791"/>
+              <a:t>    </a:t>
+            </a:r>
+            <a:endParaRPr sz="791"/>
+          </a:p>
+          <a:p>
+            <a:pPr indent="0" lvl="0" marL="0" rtl="0" algn="l">
+              <a:lnSpc>
+                <a:spcPct val="95000"/>
+              </a:lnSpc>
+              <a:spcBef>
+                <a:spcPts val="1200"/>
+              </a:spcBef>
+              <a:spcAft>
+                <a:spcPts val="0"/>
+              </a:spcAft>
+              <a:buNone/>
+            </a:pPr>
+            <a:r>
+              <a:rPr lang="ja" sz="791"/>
+              <a:t>    まず、\mu_{\text{score}}は「テンプレート間のスコアの平均値」です。つまり、複数のテンプレートを使ってモデルを評価し、それぞれのスコアを計算します。そして、そのスコアの平均値を\mu_{\text{score}}とします。</a:t>
+            </a:r>
+            <a:endParaRPr sz="791"/>
+          </a:p>
+          <a:p>
+            <a:pPr indent="0" lvl="0" marL="0" rtl="0" algn="l">
+              <a:lnSpc>
+                <a:spcPct val="95000"/>
+              </a:lnSpc>
+              <a:spcBef>
+                <a:spcPts val="1200"/>
+              </a:spcBef>
+              <a:spcAft>
+                <a:spcPts val="0"/>
+              </a:spcAft>
+              <a:buNone/>
+            </a:pPr>
+            <a:r>
+              <a:rPr lang="ja" sz="791"/>
+              <a:t>    </a:t>
+            </a:r>
+            <a:endParaRPr sz="791"/>
+          </a:p>
+          <a:p>
+            <a:pPr indent="0" lvl="0" marL="0" rtl="0" algn="l">
+              <a:lnSpc>
+                <a:spcPct val="95000"/>
+              </a:lnSpc>
+              <a:spcBef>
+                <a:spcPts val="1200"/>
+              </a:spcBef>
+              <a:spcAft>
+                <a:spcPts val="0"/>
+              </a:spcAft>
+              <a:buNone/>
+            </a:pPr>
+            <a:r>
+              <a:rPr lang="ja" sz="791"/>
+              <a:t>    1. **σscore\sigma_{\text{score}}σscore​**:</a:t>
+            </a:r>
+            <a:endParaRPr sz="791"/>
+          </a:p>
+          <a:p>
+            <a:pPr indent="0" lvl="0" marL="0" rtl="0" algn="l">
+              <a:lnSpc>
+                <a:spcPct val="95000"/>
+              </a:lnSpc>
+              <a:spcBef>
+                <a:spcPts val="1200"/>
+              </a:spcBef>
+              <a:spcAft>
+                <a:spcPts val="0"/>
+              </a:spcAft>
+              <a:buNone/>
+            </a:pPr>
+            <a:r>
+              <a:rPr lang="ja" sz="791"/>
+              <a:t>    </a:t>
+            </a:r>
+            <a:endParaRPr sz="791"/>
+          </a:p>
+          <a:p>
+            <a:pPr indent="0" lvl="0" marL="0" rtl="0" algn="l">
+              <a:lnSpc>
+                <a:spcPct val="95000"/>
+              </a:lnSpc>
+              <a:spcBef>
+                <a:spcPts val="1200"/>
+              </a:spcBef>
+              <a:spcAft>
+                <a:spcPts val="0"/>
+              </a:spcAft>
+              <a:buNone/>
+            </a:pPr>
+            <a:r>
+              <a:rPr lang="ja" sz="791"/>
+              <a:t>    $$</a:t>
+            </a:r>
+            <a:endParaRPr sz="791"/>
+          </a:p>
+          <a:p>
+            <a:pPr indent="0" lvl="0" marL="0" rtl="0" algn="l">
+              <a:lnSpc>
+                <a:spcPct val="95000"/>
+              </a:lnSpc>
+              <a:spcBef>
+                <a:spcPts val="1200"/>
+              </a:spcBef>
+              <a:spcAft>
+                <a:spcPts val="0"/>
+              </a:spcAft>
+              <a:buNone/>
+            </a:pPr>
+            <a:r>
+              <a:rPr lang="ja" sz="791"/>
+              <a:t>    \sigma_{\text{score}}</a:t>
+            </a:r>
+            <a:endParaRPr sz="791"/>
+          </a:p>
+          <a:p>
+            <a:pPr indent="0" lvl="0" marL="0" rtl="0" algn="l">
+              <a:lnSpc>
+                <a:spcPct val="95000"/>
+              </a:lnSpc>
+              <a:spcBef>
+                <a:spcPts val="1200"/>
+              </a:spcBef>
+              <a:spcAft>
+                <a:spcPts val="0"/>
+              </a:spcAft>
+              <a:buNone/>
+            </a:pPr>
+            <a:r>
+              <a:rPr lang="ja" sz="791"/>
+              <a:t>    $$</a:t>
+            </a:r>
+            <a:endParaRPr sz="791"/>
+          </a:p>
+          <a:p>
+            <a:pPr indent="0" lvl="0" marL="0" rtl="0" algn="l">
+              <a:lnSpc>
+                <a:spcPct val="95000"/>
+              </a:lnSpc>
+              <a:spcBef>
+                <a:spcPts val="1200"/>
+              </a:spcBef>
+              <a:spcAft>
+                <a:spcPts val="0"/>
+              </a:spcAft>
+              <a:buNone/>
+            </a:pPr>
+            <a:r>
+              <a:rPr lang="ja" sz="791"/>
+              <a:t>    </a:t>
+            </a:r>
+            <a:endParaRPr sz="791"/>
+          </a:p>
+          <a:p>
+            <a:pPr indent="0" lvl="0" marL="0" rtl="0" algn="l">
+              <a:lnSpc>
+                <a:spcPct val="95000"/>
+              </a:lnSpc>
+              <a:spcBef>
+                <a:spcPts val="1200"/>
+              </a:spcBef>
+              <a:spcAft>
+                <a:spcPts val="0"/>
+              </a:spcAft>
+              <a:buNone/>
+            </a:pPr>
+            <a:r>
+              <a:rPr lang="ja" sz="791"/>
+              <a:t>    次に、\sigma_{\text{score}}は「スコアの標準偏差」です。これは、各テンプレートに対するスコアがどれだけばらついているかを示します。ばらつきが大きいほど、標準偏差も大きくなります。</a:t>
+            </a:r>
+            <a:endParaRPr sz="791"/>
+          </a:p>
+          <a:p>
+            <a:pPr indent="0" lvl="0" marL="0" rtl="0" algn="l">
+              <a:lnSpc>
+                <a:spcPct val="95000"/>
+              </a:lnSpc>
+              <a:spcBef>
+                <a:spcPts val="1200"/>
+              </a:spcBef>
+              <a:spcAft>
+                <a:spcPts val="0"/>
+              </a:spcAft>
+              <a:buNone/>
+            </a:pPr>
+            <a:r>
+              <a:rPr lang="ja" sz="791"/>
+              <a:t>    </a:t>
+            </a:r>
+            <a:endParaRPr sz="791"/>
+          </a:p>
+          <a:p>
+            <a:pPr indent="0" lvl="0" marL="0" rtl="0" algn="l">
+              <a:lnSpc>
+                <a:spcPct val="95000"/>
+              </a:lnSpc>
+              <a:spcBef>
+                <a:spcPts val="1200"/>
+              </a:spcBef>
+              <a:spcAft>
+                <a:spcPts val="0"/>
+              </a:spcAft>
+              <a:buNone/>
+            </a:pPr>
+            <a:r>
+              <a:rPr lang="ja" sz="791"/>
+              <a:t>    1. </a:t>
+            </a:r>
+            <a:endParaRPr sz="791"/>
+          </a:p>
+          <a:p>
+            <a:pPr indent="0" lvl="0" marL="0" rtl="0" algn="l">
+              <a:lnSpc>
+                <a:spcPct val="95000"/>
+              </a:lnSpc>
+              <a:spcBef>
+                <a:spcPts val="1200"/>
+              </a:spcBef>
+              <a:spcAft>
+                <a:spcPts val="0"/>
+              </a:spcAft>
+              <a:buNone/>
+            </a:pPr>
+            <a:r>
+              <a:rPr lang="ja" sz="791"/>
+              <a:t>        </a:t>
+            </a:r>
+            <a:endParaRPr sz="791"/>
+          </a:p>
+          <a:p>
+            <a:pPr indent="0" lvl="0" marL="0" rtl="0" algn="l">
+              <a:lnSpc>
+                <a:spcPct val="95000"/>
+              </a:lnSpc>
+              <a:spcBef>
+                <a:spcPts val="1200"/>
+              </a:spcBef>
+              <a:spcAft>
+                <a:spcPts val="0"/>
+              </a:spcAft>
+              <a:buNone/>
+            </a:pPr>
+            <a:r>
+              <a:rPr lang="ja" sz="791"/>
+              <a:t>        $$</a:t>
+            </a:r>
+            <a:endParaRPr sz="791"/>
+          </a:p>
+          <a:p>
+            <a:pPr indent="0" lvl="0" marL="0" rtl="0" algn="l">
+              <a:lnSpc>
+                <a:spcPct val="95000"/>
+              </a:lnSpc>
+              <a:spcBef>
+                <a:spcPts val="1200"/>
+              </a:spcBef>
+              <a:spcAft>
+                <a:spcPts val="0"/>
+              </a:spcAft>
+              <a:buNone/>
+            </a:pPr>
+            <a:r>
+              <a:rPr lang="ja" sz="791"/>
+              <a:t>        \alpha \sigma_{\text{score}} + 1</a:t>
+            </a:r>
+            <a:endParaRPr sz="791"/>
+          </a:p>
+          <a:p>
+            <a:pPr indent="0" lvl="0" marL="0" rtl="0" algn="l">
+              <a:lnSpc>
+                <a:spcPct val="95000"/>
+              </a:lnSpc>
+              <a:spcBef>
+                <a:spcPts val="1200"/>
+              </a:spcBef>
+              <a:spcAft>
+                <a:spcPts val="0"/>
+              </a:spcAft>
+              <a:buNone/>
+            </a:pPr>
+            <a:r>
+              <a:rPr lang="ja" sz="791"/>
+              <a:t>        $$</a:t>
+            </a:r>
+            <a:endParaRPr sz="791"/>
+          </a:p>
+          <a:p>
+            <a:pPr indent="0" lvl="0" marL="0" rtl="0" algn="l">
+              <a:lnSpc>
+                <a:spcPct val="95000"/>
+              </a:lnSpc>
+              <a:spcBef>
+                <a:spcPts val="1200"/>
+              </a:spcBef>
+              <a:spcAft>
+                <a:spcPts val="0"/>
+              </a:spcAft>
+              <a:buNone/>
+            </a:pPr>
+            <a:r>
+              <a:rPr lang="ja" sz="791"/>
+              <a:t>        </a:t>
+            </a:r>
+            <a:endParaRPr sz="791"/>
+          </a:p>
+          <a:p>
+            <a:pPr indent="0" lvl="0" marL="0" rtl="0" algn="l">
+              <a:lnSpc>
+                <a:spcPct val="95000"/>
+              </a:lnSpc>
+              <a:spcBef>
+                <a:spcPts val="1200"/>
+              </a:spcBef>
+              <a:spcAft>
+                <a:spcPts val="0"/>
+              </a:spcAft>
+              <a:buNone/>
+            </a:pPr>
+            <a:r>
+              <a:rPr lang="ja" sz="791"/>
+              <a:t>        ここで、ασscore+1\alpha \sigma_{\text{score}} + 1ασscore​+1はスコアの分散に基づく調整項です。式中のα\alphaαは調整パラメータで、この値を大きくするほど、標準偏差（ばらつき）がスコアに与える影響が大きくなります。この調整項によって、ばらつきの大きなモデルは低いシャープスコアを得ることになります。</a:t>
+            </a:r>
+            <a:endParaRPr sz="791"/>
+          </a:p>
+          <a:p>
+            <a:pPr indent="0" lvl="0" marL="0" rtl="0" algn="l">
+              <a:lnSpc>
+                <a:spcPct val="95000"/>
+              </a:lnSpc>
+              <a:spcBef>
+                <a:spcPts val="1200"/>
+              </a:spcBef>
+              <a:spcAft>
+                <a:spcPts val="0"/>
+              </a:spcAft>
+              <a:buNone/>
+            </a:pPr>
+            <a:r>
+              <a:rPr lang="ja" sz="791"/>
+              <a:t>        </a:t>
+            </a:r>
+            <a:endParaRPr sz="791"/>
+          </a:p>
+          <a:p>
+            <a:pPr indent="0" lvl="0" marL="0" rtl="0" algn="l">
+              <a:lnSpc>
+                <a:spcPct val="95000"/>
+              </a:lnSpc>
+              <a:spcBef>
+                <a:spcPts val="1200"/>
+              </a:spcBef>
+              <a:spcAft>
+                <a:spcPts val="0"/>
+              </a:spcAft>
+              <a:buNone/>
+            </a:pPr>
+            <a:r>
+              <a:rPr lang="ja" sz="791"/>
+              <a:t>    2. **全体の式の意味**:</a:t>
+            </a:r>
+            <a:endParaRPr sz="791"/>
+          </a:p>
+          <a:p>
+            <a:pPr indent="0" lvl="0" marL="0" rtl="0" algn="l">
+              <a:lnSpc>
+                <a:spcPct val="95000"/>
+              </a:lnSpc>
+              <a:spcBef>
+                <a:spcPts val="1200"/>
+              </a:spcBef>
+              <a:spcAft>
+                <a:spcPts val="0"/>
+              </a:spcAft>
+              <a:buNone/>
+            </a:pPr>
+            <a:r>
+              <a:rPr lang="ja" sz="791"/>
+              <a:t>        </a:t>
+            </a:r>
+            <a:endParaRPr sz="791"/>
+          </a:p>
+          <a:p>
+            <a:pPr indent="0" lvl="0" marL="0" rtl="0" algn="l">
+              <a:lnSpc>
+                <a:spcPct val="95000"/>
+              </a:lnSpc>
+              <a:spcBef>
+                <a:spcPts val="1200"/>
+              </a:spcBef>
+              <a:spcAft>
+                <a:spcPts val="0"/>
+              </a:spcAft>
+              <a:buNone/>
+            </a:pPr>
+            <a:r>
+              <a:rPr lang="ja" sz="791"/>
+              <a:t>        最後に、この式全体が示しているのは、「モデルがどれだけ一貫した性能を発揮できるか」を評価することです。もしσscore\sigma_{\text{score}}σscore​が小さい（ばらつきが少ない）場合、ασscore+1\alpha \sigma_{\text{score}} + 1ασscore​+1も小さくなり、シャープスコアはμscore\mu_{\text{score}}μscore​に近い値（つまり高いスコア）になります。逆に、σscore\sigma_{\text{score}}σscore​が大きい（ばらつきが大きい）場合、この調整項が大きくなり、シャープスコアは低くなります。</a:t>
+            </a:r>
+            <a:endParaRPr sz="791"/>
+          </a:p>
+          <a:p>
+            <a:pPr indent="0" lvl="0" marL="0" rtl="0" algn="l">
+              <a:lnSpc>
+                <a:spcPct val="95000"/>
+              </a:lnSpc>
+              <a:spcBef>
+                <a:spcPts val="1200"/>
+              </a:spcBef>
+              <a:spcAft>
+                <a:spcPts val="0"/>
+              </a:spcAft>
+              <a:buNone/>
+            </a:pPr>
+            <a:r>
+              <a:rPr lang="ja" sz="791"/>
+              <a:t>        </a:t>
+            </a:r>
+            <a:endParaRPr sz="791"/>
+          </a:p>
+          <a:p>
+            <a:pPr indent="0" lvl="0" marL="0" rtl="0" algn="l">
+              <a:lnSpc>
+                <a:spcPct val="95000"/>
+              </a:lnSpc>
+              <a:spcBef>
+                <a:spcPts val="1200"/>
+              </a:spcBef>
+              <a:spcAft>
+                <a:spcPts val="0"/>
+              </a:spcAft>
+              <a:buNone/>
+            </a:pPr>
+            <a:r>
+              <a:rPr lang="ja" sz="791"/>
+              <a:t>    </a:t>
+            </a:r>
+            <a:endParaRPr sz="791"/>
+          </a:p>
+          <a:p>
+            <a:pPr indent="0" lvl="0" marL="0" rtl="0" algn="l">
+              <a:lnSpc>
+                <a:spcPct val="95000"/>
+              </a:lnSpc>
+              <a:spcBef>
+                <a:spcPts val="1200"/>
+              </a:spcBef>
+              <a:spcAft>
+                <a:spcPts val="0"/>
+              </a:spcAft>
+              <a:buNone/>
+            </a:pPr>
+            <a:r>
+              <a:rPr lang="ja" sz="791"/>
+              <a:t>    ### まとめ</a:t>
+            </a:r>
+            <a:endParaRPr sz="791"/>
+          </a:p>
+          <a:p>
+            <a:pPr indent="0" lvl="0" marL="0" rtl="0" algn="l">
+              <a:lnSpc>
+                <a:spcPct val="95000"/>
+              </a:lnSpc>
+              <a:spcBef>
+                <a:spcPts val="1200"/>
+              </a:spcBef>
+              <a:spcAft>
+                <a:spcPts val="0"/>
+              </a:spcAft>
+              <a:buNone/>
+            </a:pPr>
+            <a:r>
+              <a:rPr lang="ja" sz="791"/>
+              <a:t>    </a:t>
+            </a:r>
+            <a:endParaRPr sz="791"/>
+          </a:p>
+          <a:p>
+            <a:pPr indent="0" lvl="0" marL="0" rtl="0" algn="l">
+              <a:lnSpc>
+                <a:spcPct val="95000"/>
+              </a:lnSpc>
+              <a:spcBef>
+                <a:spcPts val="1200"/>
+              </a:spcBef>
+              <a:spcAft>
+                <a:spcPts val="0"/>
+              </a:spcAft>
+              <a:buNone/>
+            </a:pPr>
+            <a:r>
+              <a:rPr lang="ja" sz="791"/>
+              <a:t>    シャープスコアは、単純にスコアの平均だけを見るのではなく、そのばらつきも考慮することで、モデルがどれだけ安定しているかを評価します。ばらつきが小さいほど高い評価を受け、逆にばらつきが大きいほど評価が下がる仕組みです。これにより、どのテンプレートでも安定した性能を発揮できるモデルを選別することができます。</a:t>
+            </a:r>
+            <a:endParaRPr sz="791"/>
+          </a:p>
+          <a:p>
+            <a:pPr indent="0" lvl="0" marL="0" rtl="0" algn="l">
+              <a:lnSpc>
+                <a:spcPct val="95000"/>
+              </a:lnSpc>
+              <a:spcBef>
+                <a:spcPts val="1200"/>
+              </a:spcBef>
+              <a:spcAft>
+                <a:spcPts val="0"/>
+              </a:spcAft>
+              <a:buNone/>
+            </a:pPr>
+            <a:r>
+              <a:rPr lang="ja" sz="791"/>
+              <a:t>    </a:t>
+            </a:r>
+            <a:endParaRPr sz="791"/>
+          </a:p>
+          <a:p>
+            <a:pPr indent="0" lvl="0" marL="0" rtl="0" algn="l">
+              <a:lnSpc>
+                <a:spcPct val="95000"/>
+              </a:lnSpc>
+              <a:spcBef>
+                <a:spcPts val="1200"/>
+              </a:spcBef>
+              <a:spcAft>
+                <a:spcPts val="0"/>
+              </a:spcAft>
+              <a:buNone/>
+            </a:pPr>
+            <a:r>
+              <a:t/>
+            </a:r>
+            <a:endParaRPr sz="791"/>
+          </a:p>
+          <a:p>
+            <a:pPr indent="0" lvl="0" marL="0" rtl="0" algn="l">
+              <a:lnSpc>
+                <a:spcPct val="95000"/>
+              </a:lnSpc>
+              <a:spcBef>
+                <a:spcPts val="1200"/>
+              </a:spcBef>
+              <a:spcAft>
+                <a:spcPts val="0"/>
+              </a:spcAft>
+              <a:buNone/>
+            </a:pPr>
+            <a:r>
+              <a:rPr lang="ja" sz="791"/>
+              <a:t>### 2. クロスリンガルデータセットの構築</a:t>
+            </a:r>
+            <a:endParaRPr sz="791"/>
+          </a:p>
+          <a:p>
+            <a:pPr indent="0" lvl="0" marL="0" rtl="0" algn="l">
+              <a:lnSpc>
+                <a:spcPct val="95000"/>
+              </a:lnSpc>
+              <a:spcBef>
+                <a:spcPts val="1200"/>
+              </a:spcBef>
+              <a:spcAft>
+                <a:spcPts val="0"/>
+              </a:spcAft>
+              <a:buNone/>
+            </a:pPr>
+            <a:r>
+              <a:t/>
+            </a:r>
+            <a:endParaRPr sz="791"/>
+          </a:p>
+          <a:p>
+            <a:pPr indent="0" lvl="0" marL="0" rtl="0" algn="l">
+              <a:lnSpc>
+                <a:spcPct val="95000"/>
+              </a:lnSpc>
+              <a:spcBef>
+                <a:spcPts val="1200"/>
+              </a:spcBef>
+              <a:spcAft>
+                <a:spcPts val="0"/>
+              </a:spcAft>
+              <a:buNone/>
+            </a:pPr>
+            <a:r>
+              <a:rPr lang="ja" sz="791"/>
+              <a:t>**概要**</a:t>
+            </a:r>
+            <a:endParaRPr sz="791"/>
+          </a:p>
+          <a:p>
+            <a:pPr indent="0" lvl="0" marL="0" rtl="0" algn="l">
+              <a:lnSpc>
+                <a:spcPct val="95000"/>
+              </a:lnSpc>
+              <a:spcBef>
+                <a:spcPts val="1200"/>
+              </a:spcBef>
+              <a:spcAft>
+                <a:spcPts val="0"/>
+              </a:spcAft>
+              <a:buNone/>
+            </a:pPr>
+            <a:r>
+              <a:t/>
+            </a:r>
+            <a:endParaRPr sz="791"/>
+          </a:p>
+          <a:p>
+            <a:pPr indent="0" lvl="0" marL="0" rtl="0" algn="l">
+              <a:lnSpc>
+                <a:spcPct val="95000"/>
+              </a:lnSpc>
+              <a:spcBef>
+                <a:spcPts val="1200"/>
+              </a:spcBef>
+              <a:spcAft>
+                <a:spcPts val="0"/>
+              </a:spcAft>
+              <a:buNone/>
+            </a:pPr>
+            <a:r>
+              <a:rPr lang="ja" sz="791"/>
+              <a:t>本研究では、英語と日本語のNLUタスクに対応するクロスリンガルデータセットを構築しました。これにより、モデルのクロスリンガルな性能評価が可能になります。</a:t>
+            </a:r>
+            <a:endParaRPr sz="791"/>
+          </a:p>
+          <a:p>
+            <a:pPr indent="0" lvl="0" marL="0" rtl="0" algn="l">
+              <a:lnSpc>
+                <a:spcPct val="95000"/>
+              </a:lnSpc>
+              <a:spcBef>
+                <a:spcPts val="1200"/>
+              </a:spcBef>
+              <a:spcAft>
+                <a:spcPts val="0"/>
+              </a:spcAft>
+              <a:buNone/>
+            </a:pPr>
+            <a:r>
+              <a:t/>
+            </a:r>
+            <a:endParaRPr sz="791"/>
+          </a:p>
+          <a:p>
+            <a:pPr indent="0" lvl="0" marL="0" rtl="0" algn="l">
+              <a:lnSpc>
+                <a:spcPct val="95000"/>
+              </a:lnSpc>
+              <a:spcBef>
+                <a:spcPts val="1200"/>
+              </a:spcBef>
+              <a:spcAft>
+                <a:spcPts val="0"/>
+              </a:spcAft>
+              <a:buNone/>
+            </a:pPr>
+            <a:r>
+              <a:rPr lang="ja" sz="791"/>
+              <a:t>**詳細**</a:t>
+            </a:r>
+            <a:endParaRPr sz="791"/>
+          </a:p>
+          <a:p>
+            <a:pPr indent="0" lvl="0" marL="0" rtl="0" algn="l">
+              <a:lnSpc>
+                <a:spcPct val="95000"/>
+              </a:lnSpc>
+              <a:spcBef>
+                <a:spcPts val="1200"/>
+              </a:spcBef>
+              <a:spcAft>
+                <a:spcPts val="0"/>
+              </a:spcAft>
+              <a:buNone/>
+            </a:pPr>
+            <a:r>
+              <a:t/>
+            </a:r>
+            <a:endParaRPr sz="791"/>
+          </a:p>
+          <a:p>
+            <a:pPr indent="0" lvl="0" marL="0" rtl="0" algn="l">
+              <a:lnSpc>
+                <a:spcPct val="95000"/>
+              </a:lnSpc>
+              <a:spcBef>
+                <a:spcPts val="1200"/>
+              </a:spcBef>
+              <a:spcAft>
+                <a:spcPts val="0"/>
+              </a:spcAft>
+              <a:buNone/>
+            </a:pPr>
+            <a:r>
+              <a:rPr lang="ja" sz="791"/>
+              <a:t>- **データセットの構成**:</a:t>
+            </a:r>
+            <a:endParaRPr sz="791"/>
+          </a:p>
+          <a:p>
+            <a:pPr indent="0" lvl="0" marL="0" rtl="0" algn="l">
+              <a:lnSpc>
+                <a:spcPct val="95000"/>
+              </a:lnSpc>
+              <a:spcBef>
+                <a:spcPts val="1200"/>
+              </a:spcBef>
+              <a:spcAft>
+                <a:spcPts val="0"/>
+              </a:spcAft>
+              <a:buNone/>
+            </a:pPr>
+            <a:r>
+              <a:rPr lang="ja" sz="791"/>
+              <a:t>    - 英語と日本語のNLUタスクが選定され、それぞれに対応する複数の評価指示テンプレートが用意されました。</a:t>
+            </a:r>
+            <a:endParaRPr sz="791"/>
+          </a:p>
+          <a:p>
+            <a:pPr indent="0" lvl="0" marL="0" rtl="0" algn="l">
+              <a:lnSpc>
+                <a:spcPct val="95000"/>
+              </a:lnSpc>
+              <a:spcBef>
+                <a:spcPts val="1200"/>
+              </a:spcBef>
+              <a:spcAft>
+                <a:spcPts val="0"/>
+              </a:spcAft>
+              <a:buNone/>
+            </a:pPr>
+            <a:r>
+              <a:rPr lang="ja" sz="791"/>
+              <a:t>    - 対象となるタスクには、CoLA、MNLI、SQuADなどが含まれ、それぞれのタスクに対して複数のテンプレートが作成されました。</a:t>
+            </a:r>
+            <a:endParaRPr sz="791"/>
+          </a:p>
+          <a:p>
+            <a:pPr indent="0" lvl="0" marL="0" rtl="0" algn="l">
+              <a:lnSpc>
+                <a:spcPct val="95000"/>
+              </a:lnSpc>
+              <a:spcBef>
+                <a:spcPts val="1200"/>
+              </a:spcBef>
+              <a:spcAft>
+                <a:spcPts val="0"/>
+              </a:spcAft>
+              <a:buNone/>
+            </a:pPr>
+            <a:r>
+              <a:rPr lang="ja" sz="791"/>
+              <a:t>- **テンプレートの作成**:</a:t>
+            </a:r>
+            <a:endParaRPr sz="791"/>
+          </a:p>
+          <a:p>
+            <a:pPr indent="0" lvl="0" marL="0" rtl="0" algn="l">
+              <a:lnSpc>
+                <a:spcPct val="95000"/>
+              </a:lnSpc>
+              <a:spcBef>
+                <a:spcPts val="1200"/>
+              </a:spcBef>
+              <a:spcAft>
+                <a:spcPts val="0"/>
+              </a:spcAft>
+              <a:buNone/>
+            </a:pPr>
+            <a:r>
+              <a:rPr lang="ja" sz="791"/>
+              <a:t>    - 英語のテンプレートはFLANテンプレートを基に構築され、これを日本語に翻訳することで日本語のテンプレートが作成されました。</a:t>
+            </a:r>
+            <a:endParaRPr sz="791"/>
+          </a:p>
+          <a:p>
+            <a:pPr indent="0" lvl="0" marL="0" rtl="0" algn="l">
+              <a:lnSpc>
+                <a:spcPct val="95000"/>
+              </a:lnSpc>
+              <a:spcBef>
+                <a:spcPts val="1200"/>
+              </a:spcBef>
+              <a:spcAft>
+                <a:spcPts val="0"/>
+              </a:spcAft>
+              <a:buNone/>
+            </a:pPr>
+            <a:r>
+              <a:rPr lang="ja" sz="791"/>
+              <a:t>    - 各テンプレートは、モデルに対して異なる形式の指示を与えるように設計されています（例えば、Yes/No形式、選択肢形式など）。</a:t>
+            </a:r>
+            <a:endParaRPr sz="791"/>
+          </a:p>
+          <a:p>
+            <a:pPr indent="0" lvl="0" marL="0" rtl="0" algn="l">
+              <a:lnSpc>
+                <a:spcPct val="95000"/>
+              </a:lnSpc>
+              <a:spcBef>
+                <a:spcPts val="1200"/>
+              </a:spcBef>
+              <a:spcAft>
+                <a:spcPts val="0"/>
+              </a:spcAft>
+              <a:buNone/>
+            </a:pPr>
+            <a:r>
+              <a:rPr lang="ja" sz="791"/>
+              <a:t>- **クロスリンガル評価**: 英語と日本語で同一のタスクを評価することで、モデルの言語間での知識転移能力を評価することが可能です。例えば、英語で学習したモデルが日本語のタスクでも高い性能を発揮できるかどうかが確認されます。</a:t>
+            </a:r>
+            <a:endParaRPr sz="791"/>
+          </a:p>
+          <a:p>
+            <a:pPr indent="0" lvl="0" marL="0" rtl="0" algn="l">
+              <a:lnSpc>
+                <a:spcPct val="95000"/>
+              </a:lnSpc>
+              <a:spcBef>
+                <a:spcPts val="1200"/>
+              </a:spcBef>
+              <a:spcAft>
+                <a:spcPts val="0"/>
+              </a:spcAft>
+              <a:buNone/>
+            </a:pPr>
+            <a:r>
+              <a:t/>
+            </a:r>
+            <a:endParaRPr sz="791"/>
+          </a:p>
+          <a:p>
+            <a:pPr indent="0" lvl="0" marL="0" rtl="0" algn="l">
+              <a:lnSpc>
+                <a:spcPct val="95000"/>
+              </a:lnSpc>
+              <a:spcBef>
+                <a:spcPts val="1200"/>
+              </a:spcBef>
+              <a:spcAft>
+                <a:spcPts val="0"/>
+              </a:spcAft>
+              <a:buNone/>
+            </a:pPr>
+            <a:r>
+              <a:rPr lang="ja" sz="791"/>
+              <a:t>### 3. テンプレートの多様性を考慮した評価</a:t>
+            </a:r>
+            <a:endParaRPr sz="791"/>
+          </a:p>
+          <a:p>
+            <a:pPr indent="0" lvl="0" marL="0" rtl="0" algn="l">
+              <a:lnSpc>
+                <a:spcPct val="95000"/>
+              </a:lnSpc>
+              <a:spcBef>
+                <a:spcPts val="1200"/>
+              </a:spcBef>
+              <a:spcAft>
+                <a:spcPts val="0"/>
+              </a:spcAft>
+              <a:buNone/>
+            </a:pPr>
+            <a:r>
+              <a:t/>
+            </a:r>
+            <a:endParaRPr sz="791"/>
+          </a:p>
+          <a:p>
+            <a:pPr indent="0" lvl="0" marL="0" rtl="0" algn="l">
+              <a:lnSpc>
+                <a:spcPct val="95000"/>
+              </a:lnSpc>
+              <a:spcBef>
+                <a:spcPts val="1200"/>
+              </a:spcBef>
+              <a:spcAft>
+                <a:spcPts val="0"/>
+              </a:spcAft>
+              <a:buNone/>
+            </a:pPr>
+            <a:r>
+              <a:rPr lang="ja" sz="791"/>
+              <a:t>**概要**</a:t>
+            </a:r>
+            <a:endParaRPr sz="791"/>
+          </a:p>
+          <a:p>
+            <a:pPr indent="0" lvl="0" marL="0" rtl="0" algn="l">
+              <a:lnSpc>
+                <a:spcPct val="95000"/>
+              </a:lnSpc>
+              <a:spcBef>
+                <a:spcPts val="1200"/>
+              </a:spcBef>
+              <a:spcAft>
+                <a:spcPts val="0"/>
+              </a:spcAft>
+              <a:buNone/>
+            </a:pPr>
+            <a:r>
+              <a:t/>
+            </a:r>
+            <a:endParaRPr sz="791"/>
+          </a:p>
+          <a:p>
+            <a:pPr indent="0" lvl="0" marL="0" rtl="0" algn="l">
+              <a:lnSpc>
+                <a:spcPct val="95000"/>
+              </a:lnSpc>
+              <a:spcBef>
+                <a:spcPts val="1200"/>
+              </a:spcBef>
+              <a:spcAft>
+                <a:spcPts val="0"/>
+              </a:spcAft>
+              <a:buNone/>
+            </a:pPr>
+            <a:r>
+              <a:rPr lang="ja" sz="791"/>
+              <a:t>本研究では、FLANテンプレートを基にした複数の評価テンプレートを使用して、テンプレート間のスコア分散がLLMsの性能評価に与える影響を分析しました。</a:t>
+            </a:r>
+            <a:endParaRPr sz="791"/>
+          </a:p>
+          <a:p>
+            <a:pPr indent="0" lvl="0" marL="0" rtl="0" algn="l">
+              <a:lnSpc>
+                <a:spcPct val="95000"/>
+              </a:lnSpc>
+              <a:spcBef>
+                <a:spcPts val="1200"/>
+              </a:spcBef>
+              <a:spcAft>
+                <a:spcPts val="0"/>
+              </a:spcAft>
+              <a:buNone/>
+            </a:pPr>
+            <a:r>
+              <a:t/>
+            </a:r>
+            <a:endParaRPr sz="791"/>
+          </a:p>
+          <a:p>
+            <a:pPr indent="0" lvl="0" marL="0" rtl="0" algn="l">
+              <a:lnSpc>
+                <a:spcPct val="95000"/>
+              </a:lnSpc>
+              <a:spcBef>
+                <a:spcPts val="1200"/>
+              </a:spcBef>
+              <a:spcAft>
+                <a:spcPts val="0"/>
+              </a:spcAft>
+              <a:buNone/>
+            </a:pPr>
+            <a:r>
+              <a:rPr lang="ja" sz="791"/>
+              <a:t>**詳細**</a:t>
+            </a:r>
+            <a:endParaRPr sz="791"/>
+          </a:p>
+          <a:p>
+            <a:pPr indent="0" lvl="0" marL="0" rtl="0" algn="l">
+              <a:lnSpc>
+                <a:spcPct val="95000"/>
+              </a:lnSpc>
+              <a:spcBef>
+                <a:spcPts val="1200"/>
+              </a:spcBef>
+              <a:spcAft>
+                <a:spcPts val="0"/>
+              </a:spcAft>
+              <a:buNone/>
+            </a:pPr>
+            <a:r>
+              <a:t/>
+            </a:r>
+            <a:endParaRPr sz="791"/>
+          </a:p>
+          <a:p>
+            <a:pPr indent="0" lvl="0" marL="0" rtl="0" algn="l">
+              <a:lnSpc>
+                <a:spcPct val="95000"/>
+              </a:lnSpc>
+              <a:spcBef>
+                <a:spcPts val="1200"/>
+              </a:spcBef>
+              <a:spcAft>
+                <a:spcPts val="0"/>
+              </a:spcAft>
+              <a:buNone/>
+            </a:pPr>
+            <a:r>
+              <a:rPr lang="ja" sz="791"/>
+              <a:t>- **テンプレートの種類**:</a:t>
+            </a:r>
+            <a:endParaRPr sz="791"/>
+          </a:p>
+          <a:p>
+            <a:pPr indent="0" lvl="0" marL="0" rtl="0" algn="l">
+              <a:lnSpc>
+                <a:spcPct val="95000"/>
+              </a:lnSpc>
+              <a:spcBef>
+                <a:spcPts val="1200"/>
+              </a:spcBef>
+              <a:spcAft>
+                <a:spcPts val="0"/>
+              </a:spcAft>
+              <a:buNone/>
+            </a:pPr>
+            <a:r>
+              <a:rPr lang="ja" sz="791"/>
+              <a:t>    - 各タスクに対して異なるテンプレートが作成され、これにより、異なる形式の指示がモデルに与えられます。例えば、選択肢の順序やフォーマット、質問の形式などが異なります。</a:t>
+            </a:r>
+            <a:endParaRPr sz="791"/>
+          </a:p>
+          <a:p>
+            <a:pPr indent="0" lvl="0" marL="0" rtl="0" algn="l">
+              <a:lnSpc>
+                <a:spcPct val="95000"/>
+              </a:lnSpc>
+              <a:spcBef>
+                <a:spcPts val="1200"/>
+              </a:spcBef>
+              <a:spcAft>
+                <a:spcPts val="0"/>
+              </a:spcAft>
+              <a:buNone/>
+            </a:pPr>
+            <a:r>
+              <a:rPr lang="ja" sz="791"/>
+              <a:t>- **評価方法**:</a:t>
+            </a:r>
+            <a:endParaRPr sz="791"/>
+          </a:p>
+          <a:p>
+            <a:pPr indent="0" lvl="0" marL="0" rtl="0" algn="l">
+              <a:lnSpc>
+                <a:spcPct val="95000"/>
+              </a:lnSpc>
+              <a:spcBef>
+                <a:spcPts val="1200"/>
+              </a:spcBef>
+              <a:spcAft>
+                <a:spcPts val="0"/>
+              </a:spcAft>
+              <a:buNone/>
+            </a:pPr>
+            <a:r>
+              <a:rPr lang="ja" sz="791"/>
+              <a:t>    - 各テンプレートに対してモデルが生成した応答を比較し、テンプレートごとのスコアを計算します。</a:t>
+            </a:r>
+            <a:endParaRPr sz="791"/>
+          </a:p>
+          <a:p>
+            <a:pPr indent="0" lvl="0" marL="0" rtl="0" algn="l">
+              <a:lnSpc>
+                <a:spcPct val="95000"/>
+              </a:lnSpc>
+              <a:spcBef>
+                <a:spcPts val="1200"/>
+              </a:spcBef>
+              <a:spcAft>
+                <a:spcPts val="0"/>
+              </a:spcAft>
+              <a:buNone/>
+            </a:pPr>
+            <a:r>
+              <a:rPr lang="ja" sz="791"/>
+              <a:t>    - スコアの分散を計測し、その分散が大きいほどモデルのパフォーマンスの一貫性が欠如していると評価されます。</a:t>
+            </a:r>
+            <a:endParaRPr sz="791"/>
+          </a:p>
+          <a:p>
+            <a:pPr indent="0" lvl="0" marL="0" rtl="0" algn="l">
+              <a:lnSpc>
+                <a:spcPct val="95000"/>
+              </a:lnSpc>
+              <a:spcBef>
+                <a:spcPts val="1200"/>
+              </a:spcBef>
+              <a:spcAft>
+                <a:spcPts val="0"/>
+              </a:spcAft>
+              <a:buNone/>
+            </a:pPr>
+            <a:r>
+              <a:rPr lang="ja" sz="791"/>
+              <a:t>- **実験結果**:</a:t>
+            </a:r>
+            <a:endParaRPr sz="791"/>
+          </a:p>
+          <a:p>
+            <a:pPr indent="0" lvl="0" marL="0" rtl="0" algn="l">
+              <a:lnSpc>
+                <a:spcPct val="95000"/>
+              </a:lnSpc>
+              <a:spcBef>
+                <a:spcPts val="1200"/>
+              </a:spcBef>
+              <a:spcAft>
+                <a:spcPts val="0"/>
+              </a:spcAft>
+              <a:buNone/>
+            </a:pPr>
+            <a:r>
+              <a:rPr lang="ja" sz="791"/>
+              <a:t>    - 実験により、テンプレート間のスコア分散がモデルの評価において重要な要素であることが確認されました。特定のテンプレートに対しては高スコアを記録する一方で、別のテンプレートに対しては低スコアとなる場合があり、これが評価の不公平性を生む原因となります。</a:t>
+            </a:r>
+            <a:endParaRPr sz="791"/>
+          </a:p>
+          <a:p>
+            <a:pPr indent="0" lvl="0" marL="0" rtl="0" algn="l">
+              <a:lnSpc>
+                <a:spcPct val="95000"/>
+              </a:lnSpc>
+              <a:spcBef>
+                <a:spcPts val="1200"/>
+              </a:spcBef>
+              <a:spcAft>
+                <a:spcPts val="0"/>
+              </a:spcAft>
+              <a:buNone/>
+            </a:pPr>
+            <a:r>
+              <a:rPr lang="ja" sz="791"/>
+              <a:t>- **テンプレートの一般化**:</a:t>
+            </a:r>
+            <a:endParaRPr sz="791"/>
+          </a:p>
+          <a:p>
+            <a:pPr indent="0" lvl="0" marL="0" rtl="0" algn="l">
+              <a:lnSpc>
+                <a:spcPct val="95000"/>
+              </a:lnSpc>
+              <a:spcBef>
+                <a:spcPts val="1200"/>
+              </a:spcBef>
+              <a:spcAft>
+                <a:spcPts val="0"/>
+              </a:spcAft>
+              <a:buNone/>
+            </a:pPr>
+            <a:r>
+              <a:rPr lang="ja" sz="791"/>
+              <a:t>    - 複数のテンプレートを使用することで、モデルの一般化能力が評価でき、テンプレート依存のバイアスを低減できます。</a:t>
+            </a:r>
+            <a:endParaRPr sz="791"/>
+          </a:p>
+          <a:p>
+            <a:pPr indent="0" lvl="0" marL="0" rtl="0" algn="l">
+              <a:lnSpc>
+                <a:spcPct val="95000"/>
+              </a:lnSpc>
+              <a:spcBef>
+                <a:spcPts val="1200"/>
+              </a:spcBef>
+              <a:spcAft>
+                <a:spcPts val="0"/>
+              </a:spcAft>
+              <a:buNone/>
+            </a:pPr>
+            <a:r>
+              <a:t/>
+            </a:r>
+            <a:endParaRPr sz="791"/>
+          </a:p>
+          <a:p>
+            <a:pPr indent="0" lvl="0" marL="0" rtl="0" algn="l">
+              <a:lnSpc>
+                <a:spcPct val="95000"/>
+              </a:lnSpc>
+              <a:spcBef>
+                <a:spcPts val="1200"/>
+              </a:spcBef>
+              <a:spcAft>
+                <a:spcPts val="0"/>
+              </a:spcAft>
+              <a:buNone/>
+            </a:pPr>
+            <a:r>
+              <a:rPr lang="ja" sz="791"/>
+              <a:t>### 4. 実験設定と評価結果の分析</a:t>
+            </a:r>
+            <a:endParaRPr sz="791"/>
+          </a:p>
+          <a:p>
+            <a:pPr indent="0" lvl="0" marL="0" rtl="0" algn="l">
+              <a:lnSpc>
+                <a:spcPct val="95000"/>
+              </a:lnSpc>
+              <a:spcBef>
+                <a:spcPts val="1200"/>
+              </a:spcBef>
+              <a:spcAft>
+                <a:spcPts val="0"/>
+              </a:spcAft>
+              <a:buNone/>
+            </a:pPr>
+            <a:r>
+              <a:t/>
+            </a:r>
+            <a:endParaRPr sz="791"/>
+          </a:p>
+          <a:p>
+            <a:pPr indent="0" lvl="0" marL="0" rtl="0" algn="l">
+              <a:lnSpc>
+                <a:spcPct val="95000"/>
+              </a:lnSpc>
+              <a:spcBef>
+                <a:spcPts val="1200"/>
+              </a:spcBef>
+              <a:spcAft>
+                <a:spcPts val="0"/>
+              </a:spcAft>
+              <a:buNone/>
+            </a:pPr>
+            <a:r>
+              <a:rPr lang="ja" sz="791"/>
+              <a:t>**概要**</a:t>
+            </a:r>
+            <a:endParaRPr sz="791"/>
+          </a:p>
+          <a:p>
+            <a:pPr indent="0" lvl="0" marL="0" rtl="0" algn="l">
+              <a:lnSpc>
+                <a:spcPct val="95000"/>
+              </a:lnSpc>
+              <a:spcBef>
+                <a:spcPts val="1200"/>
+              </a:spcBef>
+              <a:spcAft>
+                <a:spcPts val="0"/>
+              </a:spcAft>
+              <a:buNone/>
+            </a:pPr>
+            <a:r>
+              <a:t/>
+            </a:r>
+            <a:endParaRPr sz="791"/>
+          </a:p>
+          <a:p>
+            <a:pPr indent="0" lvl="0" marL="0" rtl="0" algn="l">
+              <a:lnSpc>
+                <a:spcPct val="95000"/>
+              </a:lnSpc>
+              <a:spcBef>
+                <a:spcPts val="1200"/>
+              </a:spcBef>
+              <a:spcAft>
+                <a:spcPts val="0"/>
+              </a:spcAft>
+              <a:buNone/>
+            </a:pPr>
+            <a:r>
+              <a:rPr lang="ja" sz="791"/>
+              <a:t>本研究では、LLMsをゼロショット設定とファインチューニング設定で評価し、テンプレート間のスコア分散がパフォーマンスに与える影響を詳細に分析しました。</a:t>
+            </a:r>
+            <a:endParaRPr sz="791"/>
+          </a:p>
+          <a:p>
+            <a:pPr indent="0" lvl="0" marL="0" rtl="0" algn="l">
+              <a:lnSpc>
+                <a:spcPct val="95000"/>
+              </a:lnSpc>
+              <a:spcBef>
+                <a:spcPts val="1200"/>
+              </a:spcBef>
+              <a:spcAft>
+                <a:spcPts val="0"/>
+              </a:spcAft>
+              <a:buNone/>
+            </a:pPr>
+            <a:r>
+              <a:t/>
+            </a:r>
+            <a:endParaRPr sz="791"/>
+          </a:p>
+          <a:p>
+            <a:pPr indent="0" lvl="0" marL="0" rtl="0" algn="l">
+              <a:lnSpc>
+                <a:spcPct val="95000"/>
+              </a:lnSpc>
+              <a:spcBef>
+                <a:spcPts val="1200"/>
+              </a:spcBef>
+              <a:spcAft>
+                <a:spcPts val="0"/>
+              </a:spcAft>
+              <a:buNone/>
+            </a:pPr>
+            <a:r>
+              <a:rPr lang="ja" sz="791"/>
+              <a:t>**詳細**</a:t>
+            </a:r>
+            <a:endParaRPr sz="791"/>
+          </a:p>
+          <a:p>
+            <a:pPr indent="0" lvl="0" marL="0" rtl="0" algn="l">
+              <a:lnSpc>
+                <a:spcPct val="95000"/>
+              </a:lnSpc>
+              <a:spcBef>
+                <a:spcPts val="1200"/>
+              </a:spcBef>
+              <a:spcAft>
+                <a:spcPts val="0"/>
+              </a:spcAft>
+              <a:buNone/>
+            </a:pPr>
+            <a:r>
+              <a:t/>
+            </a:r>
+            <a:endParaRPr sz="791"/>
+          </a:p>
+          <a:p>
+            <a:pPr indent="0" lvl="0" marL="0" rtl="0" algn="l">
+              <a:lnSpc>
+                <a:spcPct val="95000"/>
+              </a:lnSpc>
+              <a:spcBef>
+                <a:spcPts val="1200"/>
+              </a:spcBef>
+              <a:spcAft>
+                <a:spcPts val="0"/>
+              </a:spcAft>
+              <a:buNone/>
+            </a:pPr>
+            <a:r>
+              <a:rPr lang="ja" sz="791"/>
+              <a:t>- **ゼロショット設定**:</a:t>
+            </a:r>
+            <a:endParaRPr sz="791"/>
+          </a:p>
+          <a:p>
+            <a:pPr indent="0" lvl="0" marL="0" rtl="0" algn="l">
+              <a:lnSpc>
+                <a:spcPct val="95000"/>
+              </a:lnSpc>
+              <a:spcBef>
+                <a:spcPts val="1200"/>
+              </a:spcBef>
+              <a:spcAft>
+                <a:spcPts val="0"/>
+              </a:spcAft>
+              <a:buNone/>
+            </a:pPr>
+            <a:r>
+              <a:rPr lang="ja" sz="791"/>
+              <a:t>    - 学習されていないタスクに対して、モデルが初めて指示テンプレートに従って応答を生成する設定です。この設定では、モデルの事前学習や指示チューニングがどれだけ有効かを評価します。</a:t>
+            </a:r>
+            <a:endParaRPr sz="791"/>
+          </a:p>
+          <a:p>
+            <a:pPr indent="0" lvl="0" marL="0" rtl="0" algn="l">
+              <a:lnSpc>
+                <a:spcPct val="95000"/>
+              </a:lnSpc>
+              <a:spcBef>
+                <a:spcPts val="1200"/>
+              </a:spcBef>
+              <a:spcAft>
+                <a:spcPts val="0"/>
+              </a:spcAft>
+              <a:buNone/>
+            </a:pPr>
+            <a:r>
+              <a:rPr lang="ja" sz="791"/>
+              <a:t>- **ファインチューニング設定**:</a:t>
+            </a:r>
+            <a:endParaRPr sz="791"/>
+          </a:p>
+          <a:p>
+            <a:pPr indent="0" lvl="0" marL="0" rtl="0" algn="l">
+              <a:lnSpc>
+                <a:spcPct val="95000"/>
+              </a:lnSpc>
+              <a:spcBef>
+                <a:spcPts val="1200"/>
+              </a:spcBef>
+              <a:spcAft>
+                <a:spcPts val="0"/>
+              </a:spcAft>
+              <a:buNone/>
+            </a:pPr>
+            <a:r>
+              <a:rPr lang="ja" sz="791"/>
+              <a:t>    - 特定のタスクに対してモデルを追加的に学習させ、その後に評価を行う設定です。これにより、モデルが学習したタスクに対してどれだけ高い性能を発揮するかが評価されます。</a:t>
+            </a:r>
+            <a:endParaRPr sz="791"/>
+          </a:p>
+          <a:p>
+            <a:pPr indent="0" lvl="0" marL="0" rtl="0" algn="l">
+              <a:lnSpc>
+                <a:spcPct val="95000"/>
+              </a:lnSpc>
+              <a:spcBef>
+                <a:spcPts val="1200"/>
+              </a:spcBef>
+              <a:spcAft>
+                <a:spcPts val="0"/>
+              </a:spcAft>
+              <a:buNone/>
+            </a:pPr>
+            <a:r>
+              <a:rPr lang="ja" sz="791"/>
+              <a:t>- **結果の分析**:</a:t>
+            </a:r>
+            <a:endParaRPr sz="791"/>
+          </a:p>
+          <a:p>
+            <a:pPr indent="0" lvl="0" marL="0" rtl="0" algn="l">
+              <a:lnSpc>
+                <a:spcPct val="95000"/>
+              </a:lnSpc>
+              <a:spcBef>
+                <a:spcPts val="1200"/>
+              </a:spcBef>
+              <a:spcAft>
+                <a:spcPts val="0"/>
+              </a:spcAft>
+              <a:buNone/>
+            </a:pPr>
+            <a:r>
+              <a:rPr lang="ja" sz="791"/>
+              <a:t>    - 各タスクにおいて、ゼロショットとファインチューニングの両方でモデルを評価し、テンプレート間のスコア分散がパフォーマンスに与える影響を詳細に解析しました。</a:t>
+            </a:r>
+            <a:endParaRPr sz="791"/>
+          </a:p>
+          <a:p>
+            <a:pPr indent="0" lvl="0" marL="0" rtl="0" algn="l">
+              <a:lnSpc>
+                <a:spcPct val="95000"/>
+              </a:lnSpc>
+              <a:spcBef>
+                <a:spcPts val="1200"/>
+              </a:spcBef>
+              <a:spcAft>
+                <a:spcPts val="0"/>
+              </a:spcAft>
+              <a:buNone/>
+            </a:pPr>
+            <a:r>
+              <a:rPr lang="ja" sz="791"/>
+              <a:t>    - 特に、ファインチューニング設定においては、モデルが学習したテンプレート以外に対しても高いパフォーマンスを発揮することが期待されますが、実際にはテンプレート間のスコア分散が大きく異なることが確認されました。</a:t>
+            </a:r>
+            <a:endParaRPr sz="791"/>
+          </a:p>
+          <a:p>
+            <a:pPr indent="0" lvl="0" marL="0" rtl="0" algn="l">
+              <a:lnSpc>
+                <a:spcPct val="95000"/>
+              </a:lnSpc>
+              <a:spcBef>
+                <a:spcPts val="1200"/>
+              </a:spcBef>
+              <a:spcAft>
+                <a:spcPts val="1200"/>
+              </a:spcAft>
+              <a:buNone/>
+            </a:pPr>
+            <a:r>
+              <a:t/>
+            </a:r>
+            <a:endParaRPr sz="791"/>
+          </a:p>
+        </p:txBody>
+      </p:sp>
+    </p:spTree>
+  </p:cSld>
+  <p:clrMapOvr>
+    <a:masterClrMapping/>
+  </p:clrMapOvr>
+</p:sld>
+</file>
+
+<file path=ppt/slides/slide27.xml><?xml version="1.0" encoding="utf-8"?>
+<p:sld xmlns:a="http://schemas.openxmlformats.org/drawingml/2006/main" xmlns:r="http://schemas.openxmlformats.org/officeDocument/2006/relationships" xmlns:mc="http://schemas.openxmlformats.org/markup-compatibility/2006" xmlns:mv="urn:schemas-microsoft-com:mac:vml" xmlns:p="http://schemas.openxmlformats.org/presentationml/2006/main" xmlns:c="http://schemas.openxmlformats.org/drawingml/2006/chart" xmlns:dgm="http://schemas.openxmlformats.org/drawingml/2006/diagram" xmlns:o="urn:schemas-microsoft-com:office:office" xmlns:v="urn:schemas-microsoft-com:vml" xmlns:pvml="urn:schemas-microsoft-com:office:powerpoint" xmlns:com="http://schemas.openxmlformats.org/drawingml/2006/compatibility" xmlns:p14="http://schemas.microsoft.com/office/powerpoint/2010/main" xmlns:p15="http://schemas.microsoft.com/office/powerpoint/2012/main" xmlns:ahyp="http://schemas.microsoft.com/office/drawing/2018/hyperlinkcolor">
+  <p:cSld>
+    <p:spTree>
+      <p:nvGrpSpPr>
+        <p:cNvPr id="197" name="Shape 197"/>
+        <p:cNvGrpSpPr/>
+        <p:nvPr/>
+      </p:nvGrpSpPr>
+      <p:grpSpPr>
+        <a:xfrm>
+          <a:off x="0" y="0"/>
+          <a:ext cx="0" cy="0"/>
+          <a:chOff x="0" y="0"/>
+          <a:chExt cx="0" cy="0"/>
+        </a:xfrm>
+      </p:grpSpPr>
+      <p:sp>
+        <p:nvSpPr>
+          <p:cNvPr id="198" name="Google Shape;198;p39"/>
+          <p:cNvSpPr txBox="1"/>
+          <p:nvPr>
             <p:ph type="title"/>
           </p:nvPr>
         </p:nvSpPr>
@@ -50846,6 +53082,285 @@
 </file>
 
 <file path=ppt/theme/theme1.xml><?xml version="1.0" encoding="utf-8"?>
+<a:theme xmlns:a="http://schemas.openxmlformats.org/drawingml/2006/main" xmlns:r="http://schemas.openxmlformats.org/officeDocument/2006/relationships" name="Spearmint">
+  <a:themeElements>
+    <a:clrScheme name="Spearmint">
+      <a:dk1>
+        <a:srgbClr val="202729"/>
+      </a:dk1>
+      <a:lt1>
+        <a:srgbClr val="FFFFFF"/>
+      </a:lt1>
+      <a:dk2>
+        <a:srgbClr val="4BA173"/>
+      </a:dk2>
+      <a:lt2>
+        <a:srgbClr val="63D297"/>
+      </a:lt2>
+      <a:accent1>
+        <a:srgbClr val="353744"/>
+      </a:accent1>
+      <a:accent2>
+        <a:srgbClr val="424242"/>
+      </a:accent2>
+      <a:accent3>
+        <a:srgbClr val="616161"/>
+      </a:accent3>
+      <a:accent4>
+        <a:srgbClr val="F0F0F0"/>
+      </a:accent4>
+      <a:accent5>
+        <a:srgbClr val="FF5252"/>
+      </a:accent5>
+      <a:accent6>
+        <a:srgbClr val="FFF176"/>
+      </a:accent6>
+      <a:hlink>
+        <a:srgbClr val="FF5252"/>
+      </a:hlink>
+      <a:folHlink>
+        <a:srgbClr val="FF5252"/>
+      </a:folHlink>
+    </a:clrScheme>
+    <a:fontScheme name="Office">
+      <a:majorFont>
+        <a:latin typeface="Arial"/>
+        <a:ea typeface=""/>
+        <a:cs typeface=""/>
+        <a:font script="Jpan" typeface="ＭＳ Ｐゴシック"/>
+        <a:font script="Hang" typeface="맑은 고딕"/>
+        <a:font script="Hans" typeface="宋体"/>
+        <a:font script="Hant" typeface="新細明體"/>
+        <a:font script="Arab" typeface="Times New Roman"/>
+        <a:font script="Hebr" typeface="Times New Roman"/>
+        <a:font script="Thai" typeface="Angsana New"/>
+        <a:font script="Ethi" typeface="Nyala"/>
+        <a:font script="Beng" typeface="Vrinda"/>
+        <a:font script="Gujr" typeface="Shruti"/>
+        <a:font script="Khmr" typeface="MoolBoran"/>
+        <a:font script="Knda" typeface="Tunga"/>
+        <a:font script="Guru" typeface="Raavi"/>
+        <a:font script="Cans" typeface="Euphemia"/>
+        <a:font script="Cher" typeface="Plantagenet Cherokee"/>
+        <a:font script="Yiii" typeface="Microsoft Yi Baiti"/>
+        <a:font script="Tibt" typeface="Microsoft Himalaya"/>
+        <a:font script="Thaa" typeface="MV Boli"/>
+        <a:font script="Deva" typeface="Mangal"/>
+        <a:font script="Telu" typeface="Gautami"/>
+        <a:font script="Taml" typeface="Latha"/>
+        <a:font script="Syrc" typeface="Estrangelo Edessa"/>
+        <a:font script="Orya" typeface="Kalinga"/>
+        <a:font script="Mlym" typeface="Kartika"/>
+        <a:font script="Laoo" typeface="DokChampa"/>
+        <a:font script="Sinh" typeface="Iskoola Pota"/>
+        <a:font script="Mong" typeface="Mongolian Baiti"/>
+        <a:font script="Viet" typeface="Times New Roman"/>
+        <a:font script="Uigh" typeface="Microsoft Uighur"/>
+        <a:font script="Geor" typeface="Sylfaen"/>
+      </a:majorFont>
+      <a:minorFont>
+        <a:latin typeface="Arial"/>
+        <a:ea typeface=""/>
+        <a:cs typeface=""/>
+        <a:font script="Jpan" typeface="ＭＳ Ｐゴシック"/>
+        <a:font script="Hang" typeface="맑은 고딕"/>
+        <a:font script="Hans" typeface="宋体"/>
+        <a:font script="Hant" typeface="新細明體"/>
+        <a:font script="Arab" typeface="Arial"/>
+        <a:font script="Hebr" typeface="Arial"/>
+        <a:font script="Thai" typeface="Cordia New"/>
+        <a:font script="Ethi" typeface="Nyala"/>
+        <a:font script="Beng" typeface="Vrinda"/>
+        <a:font script="Gujr" typeface="Shruti"/>
+        <a:font script="Khmr" typeface="DaunPenh"/>
+        <a:font script="Knda" typeface="Tunga"/>
+        <a:font script="Guru" typeface="Raavi"/>
+        <a:font script="Cans" typeface="Euphemia"/>
+        <a:font script="Cher" typeface="Plantagenet Cherokee"/>
+        <a:font script="Yiii" typeface="Microsoft Yi Baiti"/>
+        <a:font script="Tibt" typeface="Microsoft Himalaya"/>
+        <a:font script="Thaa" typeface="MV Boli"/>
+        <a:font script="Deva" typeface="Mangal"/>
+        <a:font script="Telu" typeface="Gautami"/>
+        <a:font script="Taml" typeface="Latha"/>
+        <a:font script="Syrc" typeface="Estrangelo Edessa"/>
+        <a:font script="Orya" typeface="Kalinga"/>
+        <a:font script="Mlym" typeface="Kartika"/>
+        <a:font script="Laoo" typeface="DokChampa"/>
+        <a:font script="Sinh" typeface="Iskoola Pota"/>
+        <a:font script="Mong" typeface="Mongolian Baiti"/>
+        <a:font script="Viet" typeface="Arial"/>
+        <a:font script="Uigh" typeface="Microsoft Uighur"/>
+        <a:font script="Geor" typeface="Sylfaen"/>
+      </a:minorFont>
+    </a:fontScheme>
+    <a:fmtScheme name="Office">
+      <a:fillStyleLst>
+        <a:solidFill>
+          <a:schemeClr val="phClr"/>
+        </a:solidFill>
+        <a:gradFill rotWithShape="1">
+          <a:gsLst>
+            <a:gs pos="0">
+              <a:schemeClr val="phClr">
+                <a:tint val="50000"/>
+                <a:satMod val="300000"/>
+              </a:schemeClr>
+            </a:gs>
+            <a:gs pos="35000">
+              <a:schemeClr val="phClr">
+                <a:tint val="37000"/>
+                <a:satMod val="300000"/>
+              </a:schemeClr>
+            </a:gs>
+            <a:gs pos="100000">
+              <a:schemeClr val="phClr">
+                <a:tint val="15000"/>
+                <a:satMod val="350000"/>
+              </a:schemeClr>
+            </a:gs>
+          </a:gsLst>
+          <a:lin ang="16200000" scaled="1"/>
+        </a:gradFill>
+        <a:gradFill rotWithShape="1">
+          <a:gsLst>
+            <a:gs pos="0">
+              <a:schemeClr val="phClr">
+                <a:tint val="100000"/>
+                <a:shade val="100000"/>
+                <a:satMod val="130000"/>
+              </a:schemeClr>
+            </a:gs>
+            <a:gs pos="100000">
+              <a:schemeClr val="phClr">
+                <a:tint val="50000"/>
+                <a:shade val="100000"/>
+                <a:satMod val="350000"/>
+              </a:schemeClr>
+            </a:gs>
+          </a:gsLst>
+          <a:lin ang="16200000" scaled="0"/>
+        </a:gradFill>
+      </a:fillStyleLst>
+      <a:lnStyleLst>
+        <a:ln w="9525" cap="flat" cmpd="sng" algn="ctr">
+          <a:solidFill>
+            <a:schemeClr val="phClr">
+              <a:shade val="95000"/>
+              <a:satMod val="105000"/>
+            </a:schemeClr>
+          </a:solidFill>
+          <a:prstDash val="solid"/>
+        </a:ln>
+        <a:ln w="25400" cap="flat" cmpd="sng" algn="ctr">
+          <a:solidFill>
+            <a:schemeClr val="phClr"/>
+          </a:solidFill>
+          <a:prstDash val="solid"/>
+        </a:ln>
+        <a:ln w="38100" cap="flat" cmpd="sng" algn="ctr">
+          <a:solidFill>
+            <a:schemeClr val="phClr"/>
+          </a:solidFill>
+          <a:prstDash val="solid"/>
+        </a:ln>
+      </a:lnStyleLst>
+      <a:effectStyleLst>
+        <a:effectStyle>
+          <a:effectLst>
+            <a:outerShdw blurRad="40000" dist="20000" dir="5400000" rotWithShape="0">
+              <a:srgbClr val="000000">
+                <a:alpha val="38000"/>
+              </a:srgbClr>
+            </a:outerShdw>
+          </a:effectLst>
+        </a:effectStyle>
+        <a:effectStyle>
+          <a:effectLst>
+            <a:outerShdw blurRad="40000" dist="23000" dir="5400000" rotWithShape="0">
+              <a:srgbClr val="000000">
+                <a:alpha val="35000"/>
+              </a:srgbClr>
+            </a:outerShdw>
+          </a:effectLst>
+        </a:effectStyle>
+        <a:effectStyle>
+          <a:effectLst>
+            <a:outerShdw blurRad="40000" dist="23000" dir="5400000" rotWithShape="0">
+              <a:srgbClr val="000000">
+                <a:alpha val="35000"/>
+              </a:srgbClr>
+            </a:outerShdw>
+          </a:effectLst>
+          <a:scene3d>
+            <a:camera prst="orthographicFront">
+              <a:rot lat="0" lon="0" rev="0"/>
+            </a:camera>
+            <a:lightRig rig="threePt" dir="t">
+              <a:rot lat="0" lon="0" rev="1200000"/>
+            </a:lightRig>
+          </a:scene3d>
+          <a:sp3d>
+            <a:bevelT w="63500" h="25400"/>
+          </a:sp3d>
+        </a:effectStyle>
+      </a:effectStyleLst>
+      <a:bgFillStyleLst>
+        <a:solidFill>
+          <a:schemeClr val="phClr"/>
+        </a:solidFill>
+        <a:gradFill rotWithShape="1">
+          <a:gsLst>
+            <a:gs pos="0">
+              <a:schemeClr val="phClr">
+                <a:tint val="40000"/>
+                <a:satMod val="350000"/>
+              </a:schemeClr>
+            </a:gs>
+            <a:gs pos="40000">
+              <a:schemeClr val="phClr">
+                <a:tint val="45000"/>
+                <a:shade val="99000"/>
+                <a:satMod val="350000"/>
+              </a:schemeClr>
+            </a:gs>
+            <a:gs pos="100000">
+              <a:schemeClr val="phClr">
+                <a:shade val="20000"/>
+                <a:satMod val="255000"/>
+              </a:schemeClr>
+            </a:gs>
+          </a:gsLst>
+          <a:path path="circle">
+            <a:fillToRect l="50000" t="-80000" r="50000" b="180000"/>
+          </a:path>
+        </a:gradFill>
+        <a:gradFill rotWithShape="1">
+          <a:gsLst>
+            <a:gs pos="0">
+              <a:schemeClr val="phClr">
+                <a:tint val="80000"/>
+                <a:satMod val="300000"/>
+              </a:schemeClr>
+            </a:gs>
+            <a:gs pos="100000">
+              <a:schemeClr val="phClr">
+                <a:shade val="30000"/>
+                <a:satMod val="200000"/>
+              </a:schemeClr>
+            </a:gs>
+          </a:gsLst>
+          <a:path path="circle">
+            <a:fillToRect l="50000" t="50000" r="50000" b="50000"/>
+          </a:path>
+        </a:gradFill>
+      </a:bgFillStyleLst>
+    </a:fmtScheme>
+  </a:themeElements>
+</a:theme>
+</file>
+
+<file path=ppt/theme/theme2.xml><?xml version="1.0" encoding="utf-8"?>
 <a:theme xmlns:a="http://schemas.openxmlformats.org/drawingml/2006/main" xmlns:r="http://schemas.openxmlformats.org/officeDocument/2006/relationships">
   <a:themeElements>
     <a:clrScheme name="Default">
@@ -51122,283 +53637,4 @@
     </a:fmtScheme>
   </a:themeElements>
 </a:theme>
-</file>
-
-<file path=ppt/theme/theme2.xml><?xml version="1.0" encoding="utf-8"?>
-<a:theme xmlns:a="http://schemas.openxmlformats.org/drawingml/2006/main" xmlns:r="http://schemas.openxmlformats.org/officeDocument/2006/relationships" name="Spearmint">
-  <a:themeElements>
-    <a:clrScheme name="Spearmint">
-      <a:dk1>
-        <a:srgbClr val="202729"/>
-      </a:dk1>
-      <a:lt1>
-        <a:srgbClr val="FFFFFF"/>
-      </a:lt1>
-      <a:dk2>
-        <a:srgbClr val="4BA173"/>
-      </a:dk2>
-      <a:lt2>
-        <a:srgbClr val="63D297"/>
-      </a:lt2>
-      <a:accent1>
-        <a:srgbClr val="353744"/>
-      </a:accent1>
-      <a:accent2>
-        <a:srgbClr val="424242"/>
-      </a:accent2>
-      <a:accent3>
-        <a:srgbClr val="616161"/>
-      </a:accent3>
-      <a:accent4>
-        <a:srgbClr val="F0F0F0"/>
-      </a:accent4>
-      <a:accent5>
-        <a:srgbClr val="FF5252"/>
-      </a:accent5>
-      <a:accent6>
-        <a:srgbClr val="FFF176"/>
-      </a:accent6>
-      <a:hlink>
-        <a:srgbClr val="FF5252"/>
-      </a:hlink>
-      <a:folHlink>
-        <a:srgbClr val="FF5252"/>
-      </a:folHlink>
-    </a:clrScheme>
-    <a:fontScheme name="Office">
-      <a:majorFont>
-        <a:latin typeface="Arial"/>
-        <a:ea typeface=""/>
-        <a:cs typeface=""/>
-        <a:font script="Jpan" typeface="ＭＳ Ｐゴシック"/>
-        <a:font script="Hang" typeface="맑은 고딕"/>
-        <a:font script="Hans" typeface="宋体"/>
-        <a:font script="Hant" typeface="新細明體"/>
-        <a:font script="Arab" typeface="Times New Roman"/>
-        <a:font script="Hebr" typeface="Times New Roman"/>
-        <a:font script="Thai" typeface="Angsana New"/>
-        <a:font script="Ethi" typeface="Nyala"/>
-        <a:font script="Beng" typeface="Vrinda"/>
-        <a:font script="Gujr" typeface="Shruti"/>
-        <a:font script="Khmr" typeface="MoolBoran"/>
-        <a:font script="Knda" typeface="Tunga"/>
-        <a:font script="Guru" typeface="Raavi"/>
-        <a:font script="Cans" typeface="Euphemia"/>
-        <a:font script="Cher" typeface="Plantagenet Cherokee"/>
-        <a:font script="Yiii" typeface="Microsoft Yi Baiti"/>
-        <a:font script="Tibt" typeface="Microsoft Himalaya"/>
-        <a:font script="Thaa" typeface="MV Boli"/>
-        <a:font script="Deva" typeface="Mangal"/>
-        <a:font script="Telu" typeface="Gautami"/>
-        <a:font script="Taml" typeface="Latha"/>
-        <a:font script="Syrc" typeface="Estrangelo Edessa"/>
-        <a:font script="Orya" typeface="Kalinga"/>
-        <a:font script="Mlym" typeface="Kartika"/>
-        <a:font script="Laoo" typeface="DokChampa"/>
-        <a:font script="Sinh" typeface="Iskoola Pota"/>
-        <a:font script="Mong" typeface="Mongolian Baiti"/>
-        <a:font script="Viet" typeface="Times New Roman"/>
-        <a:font script="Uigh" typeface="Microsoft Uighur"/>
-        <a:font script="Geor" typeface="Sylfaen"/>
-      </a:majorFont>
-      <a:minorFont>
-        <a:latin typeface="Arial"/>
-        <a:ea typeface=""/>
-        <a:cs typeface=""/>
-        <a:font script="Jpan" typeface="ＭＳ Ｐゴシック"/>
-        <a:font script="Hang" typeface="맑은 고딕"/>
-        <a:font script="Hans" typeface="宋体"/>
-        <a:font script="Hant" typeface="新細明體"/>
-        <a:font script="Arab" typeface="Arial"/>
-        <a:font script="Hebr" typeface="Arial"/>
-        <a:font script="Thai" typeface="Cordia New"/>
-        <a:font script="Ethi" typeface="Nyala"/>
-        <a:font script="Beng" typeface="Vrinda"/>
-        <a:font script="Gujr" typeface="Shruti"/>
-        <a:font script="Khmr" typeface="DaunPenh"/>
-        <a:font script="Knda" typeface="Tunga"/>
-        <a:font script="Guru" typeface="Raavi"/>
-        <a:font script="Cans" typeface="Euphemia"/>
-        <a:font script="Cher" typeface="Plantagenet Cherokee"/>
-        <a:font script="Yiii" typeface="Microsoft Yi Baiti"/>
-        <a:font script="Tibt" typeface="Microsoft Himalaya"/>
-        <a:font script="Thaa" typeface="MV Boli"/>
-        <a:font script="Deva" typeface="Mangal"/>
-        <a:font script="Telu" typeface="Gautami"/>
-        <a:font script="Taml" typeface="Latha"/>
-        <a:font script="Syrc" typeface="Estrangelo Edessa"/>
-        <a:font script="Orya" typeface="Kalinga"/>
-        <a:font script="Mlym" typeface="Kartika"/>
-        <a:font script="Laoo" typeface="DokChampa"/>
-        <a:font script="Sinh" typeface="Iskoola Pota"/>
-        <a:font script="Mong" typeface="Mongolian Baiti"/>
-        <a:font script="Viet" typeface="Arial"/>
-        <a:font script="Uigh" typeface="Microsoft Uighur"/>
-        <a:font script="Geor" typeface="Sylfaen"/>
-      </a:minorFont>
-    </a:fontScheme>
-    <a:fmtScheme name="Office">
-      <a:fillStyleLst>
-        <a:solidFill>
-          <a:schemeClr val="phClr"/>
-        </a:solidFill>
-        <a:gradFill rotWithShape="1">
-          <a:gsLst>
-            <a:gs pos="0">
-              <a:schemeClr val="phClr">
-                <a:tint val="50000"/>
-                <a:satMod val="300000"/>
-              </a:schemeClr>
-            </a:gs>
-            <a:gs pos="35000">
-              <a:schemeClr val="phClr">
-                <a:tint val="37000"/>
-                <a:satMod val="300000"/>
-              </a:schemeClr>
-            </a:gs>
-            <a:gs pos="100000">
-              <a:schemeClr val="phClr">
-                <a:tint val="15000"/>
-                <a:satMod val="350000"/>
-              </a:schemeClr>
-            </a:gs>
-          </a:gsLst>
-          <a:lin ang="16200000" scaled="1"/>
-        </a:gradFill>
-        <a:gradFill rotWithShape="1">
-          <a:gsLst>
-            <a:gs pos="0">
-              <a:schemeClr val="phClr">
-                <a:tint val="100000"/>
-                <a:shade val="100000"/>
-                <a:satMod val="130000"/>
-              </a:schemeClr>
-            </a:gs>
-            <a:gs pos="100000">
-              <a:schemeClr val="phClr">
-                <a:tint val="50000"/>
-                <a:shade val="100000"/>
-                <a:satMod val="350000"/>
-              </a:schemeClr>
-            </a:gs>
-          </a:gsLst>
-          <a:lin ang="16200000" scaled="0"/>
-        </a:gradFill>
-      </a:fillStyleLst>
-      <a:lnStyleLst>
-        <a:ln w="9525" cap="flat" cmpd="sng" algn="ctr">
-          <a:solidFill>
-            <a:schemeClr val="phClr">
-              <a:shade val="95000"/>
-              <a:satMod val="105000"/>
-            </a:schemeClr>
-          </a:solidFill>
-          <a:prstDash val="solid"/>
-        </a:ln>
-        <a:ln w="25400" cap="flat" cmpd="sng" algn="ctr">
-          <a:solidFill>
-            <a:schemeClr val="phClr"/>
-          </a:solidFill>
-          <a:prstDash val="solid"/>
-        </a:ln>
-        <a:ln w="38100" cap="flat" cmpd="sng" algn="ctr">
-          <a:solidFill>
-            <a:schemeClr val="phClr"/>
-          </a:solidFill>
-          <a:prstDash val="solid"/>
-        </a:ln>
-      </a:lnStyleLst>
-      <a:effectStyleLst>
-        <a:effectStyle>
-          <a:effectLst>
-            <a:outerShdw blurRad="40000" dist="20000" dir="5400000" rotWithShape="0">
-              <a:srgbClr val="000000">
-                <a:alpha val="38000"/>
-              </a:srgbClr>
-            </a:outerShdw>
-          </a:effectLst>
-        </a:effectStyle>
-        <a:effectStyle>
-          <a:effectLst>
-            <a:outerShdw blurRad="40000" dist="23000" dir="5400000" rotWithShape="0">
-              <a:srgbClr val="000000">
-                <a:alpha val="35000"/>
-              </a:srgbClr>
-            </a:outerShdw>
-          </a:effectLst>
-        </a:effectStyle>
-        <a:effectStyle>
-          <a:effectLst>
-            <a:outerShdw blurRad="40000" dist="23000" dir="5400000" rotWithShape="0">
-              <a:srgbClr val="000000">
-                <a:alpha val="35000"/>
-              </a:srgbClr>
-            </a:outerShdw>
-          </a:effectLst>
-          <a:scene3d>
-            <a:camera prst="orthographicFront">
-              <a:rot lat="0" lon="0" rev="0"/>
-            </a:camera>
-            <a:lightRig rig="threePt" dir="t">
-              <a:rot lat="0" lon="0" rev="1200000"/>
-            </a:lightRig>
-          </a:scene3d>
-          <a:sp3d>
-            <a:bevelT w="63500" h="25400"/>
-          </a:sp3d>
-        </a:effectStyle>
-      </a:effectStyleLst>
-      <a:bgFillStyleLst>
-        <a:solidFill>
-          <a:schemeClr val="phClr"/>
-        </a:solidFill>
-        <a:gradFill rotWithShape="1">
-          <a:gsLst>
-            <a:gs pos="0">
-              <a:schemeClr val="phClr">
-                <a:tint val="40000"/>
-                <a:satMod val="350000"/>
-              </a:schemeClr>
-            </a:gs>
-            <a:gs pos="40000">
-              <a:schemeClr val="phClr">
-                <a:tint val="45000"/>
-                <a:shade val="99000"/>
-                <a:satMod val="350000"/>
-              </a:schemeClr>
-            </a:gs>
-            <a:gs pos="100000">
-              <a:schemeClr val="phClr">
-                <a:shade val="20000"/>
-                <a:satMod val="255000"/>
-              </a:schemeClr>
-            </a:gs>
-          </a:gsLst>
-          <a:path path="circle">
-            <a:fillToRect l="50000" t="-80000" r="50000" b="180000"/>
-          </a:path>
-        </a:gradFill>
-        <a:gradFill rotWithShape="1">
-          <a:gsLst>
-            <a:gs pos="0">
-              <a:schemeClr val="phClr">
-                <a:tint val="80000"/>
-                <a:satMod val="300000"/>
-              </a:schemeClr>
-            </a:gs>
-            <a:gs pos="100000">
-              <a:schemeClr val="phClr">
-                <a:shade val="30000"/>
-                <a:satMod val="200000"/>
-              </a:schemeClr>
-            </a:gs>
-          </a:gsLst>
-          <a:path path="circle">
-            <a:fillToRect l="50000" t="50000" r="50000" b="50000"/>
-          </a:path>
-        </a:gradFill>
-      </a:bgFillStyleLst>
-    </a:fmtScheme>
-  </a:themeElements>
-</a:theme>
 </file>